--- a/Actuarial Generative Context Engineering Made Simple.pptx
+++ b/Actuarial Generative Context Engineering Made Simple.pptx
@@ -8,17 +8,21 @@
     <p:sldMasterId id="2147483690" r:id="rId4"/>
   </p:sldMasterIdLst>
   <p:notesMasterIdLst>
-    <p:notesMasterId r:id="rId13"/>
+    <p:notesMasterId r:id="rId17"/>
   </p:notesMasterIdLst>
   <p:sldIdLst>
     <p:sldId id="266" r:id="rId5"/>
-    <p:sldId id="267" r:id="rId6"/>
-    <p:sldId id="268" r:id="rId7"/>
-    <p:sldId id="269" r:id="rId8"/>
-    <p:sldId id="270" r:id="rId9"/>
-    <p:sldId id="271" r:id="rId10"/>
-    <p:sldId id="272" r:id="rId11"/>
-    <p:sldId id="273" r:id="rId12"/>
+    <p:sldId id="277" r:id="rId6"/>
+    <p:sldId id="267" r:id="rId7"/>
+    <p:sldId id="268" r:id="rId8"/>
+    <p:sldId id="269" r:id="rId9"/>
+    <p:sldId id="270" r:id="rId10"/>
+    <p:sldId id="271" r:id="rId11"/>
+    <p:sldId id="272" r:id="rId12"/>
+    <p:sldId id="273" r:id="rId13"/>
+    <p:sldId id="274" r:id="rId14"/>
+    <p:sldId id="275" r:id="rId15"/>
+    <p:sldId id="276" r:id="rId16"/>
   </p:sldIdLst>
   <p:sldSz cx="12192000" cy="6858000"/>
   <p:notesSz cx="6858000" cy="9144000"/>
@@ -125,6 +129,3192 @@
 </p:presentation>
 </file>
 
+<file path=ppt/diagrams/colors1.xml><?xml version="1.0" encoding="utf-8"?>
+<dgm:colorsDef xmlns:dgm="http://schemas.openxmlformats.org/drawingml/2006/diagram" xmlns:a="http://schemas.openxmlformats.org/drawingml/2006/main" uniqueId="urn:microsoft.com/office/officeart/2005/8/colors/accent1_2">
+  <dgm:title val=""/>
+  <dgm:desc val=""/>
+  <dgm:catLst>
+    <dgm:cat type="accent1" pri="11200"/>
+  </dgm:catLst>
+  <dgm:styleLbl name="node0">
+    <dgm:fillClrLst meth="repeat">
+      <a:schemeClr val="accent1"/>
+    </dgm:fillClrLst>
+    <dgm:linClrLst meth="repeat">
+      <a:schemeClr val="lt1"/>
+    </dgm:linClrLst>
+    <dgm:effectClrLst/>
+    <dgm:txLinClrLst/>
+    <dgm:txFillClrLst/>
+    <dgm:txEffectClrLst/>
+  </dgm:styleLbl>
+  <dgm:styleLbl name="alignNode1">
+    <dgm:fillClrLst meth="repeat">
+      <a:schemeClr val="accent1"/>
+    </dgm:fillClrLst>
+    <dgm:linClrLst meth="repeat">
+      <a:schemeClr val="accent1"/>
+    </dgm:linClrLst>
+    <dgm:effectClrLst/>
+    <dgm:txLinClrLst/>
+    <dgm:txFillClrLst/>
+    <dgm:txEffectClrLst/>
+  </dgm:styleLbl>
+  <dgm:styleLbl name="node1">
+    <dgm:fillClrLst meth="repeat">
+      <a:schemeClr val="accent1"/>
+    </dgm:fillClrLst>
+    <dgm:linClrLst meth="repeat">
+      <a:schemeClr val="lt1"/>
+    </dgm:linClrLst>
+    <dgm:effectClrLst/>
+    <dgm:txLinClrLst/>
+    <dgm:txFillClrLst/>
+    <dgm:txEffectClrLst/>
+  </dgm:styleLbl>
+  <dgm:styleLbl name="lnNode1">
+    <dgm:fillClrLst meth="repeat">
+      <a:schemeClr val="accent1"/>
+    </dgm:fillClrLst>
+    <dgm:linClrLst meth="repeat">
+      <a:schemeClr val="lt1"/>
+    </dgm:linClrLst>
+    <dgm:effectClrLst/>
+    <dgm:txLinClrLst/>
+    <dgm:txFillClrLst/>
+    <dgm:txEffectClrLst/>
+  </dgm:styleLbl>
+  <dgm:styleLbl name="vennNode1">
+    <dgm:fillClrLst meth="repeat">
+      <a:schemeClr val="accent1">
+        <a:alpha val="50000"/>
+      </a:schemeClr>
+    </dgm:fillClrLst>
+    <dgm:linClrLst meth="repeat">
+      <a:schemeClr val="lt1"/>
+    </dgm:linClrLst>
+    <dgm:effectClrLst/>
+    <dgm:txLinClrLst/>
+    <dgm:txFillClrLst/>
+    <dgm:txEffectClrLst/>
+  </dgm:styleLbl>
+  <dgm:styleLbl name="node2">
+    <dgm:fillClrLst meth="repeat">
+      <a:schemeClr val="accent1"/>
+    </dgm:fillClrLst>
+    <dgm:linClrLst meth="repeat">
+      <a:schemeClr val="lt1"/>
+    </dgm:linClrLst>
+    <dgm:effectClrLst/>
+    <dgm:txLinClrLst/>
+    <dgm:txFillClrLst/>
+    <dgm:txEffectClrLst/>
+  </dgm:styleLbl>
+  <dgm:styleLbl name="node3">
+    <dgm:fillClrLst meth="repeat">
+      <a:schemeClr val="accent1"/>
+    </dgm:fillClrLst>
+    <dgm:linClrLst meth="repeat">
+      <a:schemeClr val="lt1"/>
+    </dgm:linClrLst>
+    <dgm:effectClrLst/>
+    <dgm:txLinClrLst/>
+    <dgm:txFillClrLst/>
+    <dgm:txEffectClrLst/>
+  </dgm:styleLbl>
+  <dgm:styleLbl name="node4">
+    <dgm:fillClrLst meth="repeat">
+      <a:schemeClr val="accent1"/>
+    </dgm:fillClrLst>
+    <dgm:linClrLst meth="repeat">
+      <a:schemeClr val="lt1"/>
+    </dgm:linClrLst>
+    <dgm:effectClrLst/>
+    <dgm:txLinClrLst/>
+    <dgm:txFillClrLst/>
+    <dgm:txEffectClrLst/>
+  </dgm:styleLbl>
+  <dgm:styleLbl name="fgImgPlace1">
+    <dgm:fillClrLst meth="repeat">
+      <a:schemeClr val="accent1">
+        <a:tint val="50000"/>
+      </a:schemeClr>
+    </dgm:fillClrLst>
+    <dgm:linClrLst meth="repeat">
+      <a:schemeClr val="lt1"/>
+    </dgm:linClrLst>
+    <dgm:effectClrLst/>
+    <dgm:txLinClrLst/>
+    <dgm:txFillClrLst meth="repeat">
+      <a:schemeClr val="lt1"/>
+    </dgm:txFillClrLst>
+    <dgm:txEffectClrLst/>
+  </dgm:styleLbl>
+  <dgm:styleLbl name="alignImgPlace1">
+    <dgm:fillClrLst meth="repeat">
+      <a:schemeClr val="accent1">
+        <a:tint val="50000"/>
+      </a:schemeClr>
+    </dgm:fillClrLst>
+    <dgm:linClrLst meth="repeat">
+      <a:schemeClr val="lt1"/>
+    </dgm:linClrLst>
+    <dgm:effectClrLst/>
+    <dgm:txLinClrLst/>
+    <dgm:txFillClrLst meth="repeat">
+      <a:schemeClr val="lt1"/>
+    </dgm:txFillClrLst>
+    <dgm:txEffectClrLst/>
+  </dgm:styleLbl>
+  <dgm:styleLbl name="bgImgPlace1">
+    <dgm:fillClrLst meth="repeat">
+      <a:schemeClr val="accent1">
+        <a:tint val="50000"/>
+      </a:schemeClr>
+    </dgm:fillClrLst>
+    <dgm:linClrLst meth="repeat">
+      <a:schemeClr val="lt1"/>
+    </dgm:linClrLst>
+    <dgm:effectClrLst/>
+    <dgm:txLinClrLst/>
+    <dgm:txFillClrLst meth="repeat">
+      <a:schemeClr val="lt1"/>
+    </dgm:txFillClrLst>
+    <dgm:txEffectClrLst/>
+  </dgm:styleLbl>
+  <dgm:styleLbl name="sibTrans2D1">
+    <dgm:fillClrLst meth="repeat">
+      <a:schemeClr val="accent1">
+        <a:tint val="60000"/>
+      </a:schemeClr>
+    </dgm:fillClrLst>
+    <dgm:linClrLst meth="repeat">
+      <a:schemeClr val="accent1">
+        <a:tint val="60000"/>
+      </a:schemeClr>
+    </dgm:linClrLst>
+    <dgm:effectClrLst/>
+    <dgm:txLinClrLst/>
+    <dgm:txFillClrLst/>
+    <dgm:txEffectClrLst/>
+  </dgm:styleLbl>
+  <dgm:styleLbl name="fgSibTrans2D1">
+    <dgm:fillClrLst meth="repeat">
+      <a:schemeClr val="accent1">
+        <a:tint val="60000"/>
+      </a:schemeClr>
+    </dgm:fillClrLst>
+    <dgm:linClrLst meth="repeat">
+      <a:schemeClr val="accent1">
+        <a:tint val="60000"/>
+      </a:schemeClr>
+    </dgm:linClrLst>
+    <dgm:effectClrLst/>
+    <dgm:txLinClrLst/>
+    <dgm:txFillClrLst/>
+    <dgm:txEffectClrLst/>
+  </dgm:styleLbl>
+  <dgm:styleLbl name="bgSibTrans2D1">
+    <dgm:fillClrLst meth="repeat">
+      <a:schemeClr val="accent1">
+        <a:tint val="60000"/>
+      </a:schemeClr>
+    </dgm:fillClrLst>
+    <dgm:linClrLst meth="repeat">
+      <a:schemeClr val="accent1">
+        <a:tint val="60000"/>
+      </a:schemeClr>
+    </dgm:linClrLst>
+    <dgm:effectClrLst/>
+    <dgm:txLinClrLst/>
+    <dgm:txFillClrLst/>
+    <dgm:txEffectClrLst/>
+  </dgm:styleLbl>
+  <dgm:styleLbl name="sibTrans1D1">
+    <dgm:fillClrLst meth="repeat">
+      <a:schemeClr val="accent1"/>
+    </dgm:fillClrLst>
+    <dgm:linClrLst meth="repeat">
+      <a:schemeClr val="accent1"/>
+    </dgm:linClrLst>
+    <dgm:effectClrLst/>
+    <dgm:txLinClrLst/>
+    <dgm:txFillClrLst meth="repeat">
+      <a:schemeClr val="tx1"/>
+    </dgm:txFillClrLst>
+    <dgm:txEffectClrLst/>
+  </dgm:styleLbl>
+  <dgm:styleLbl name="callout">
+    <dgm:fillClrLst meth="repeat">
+      <a:schemeClr val="accent1"/>
+    </dgm:fillClrLst>
+    <dgm:linClrLst meth="repeat">
+      <a:schemeClr val="accent1">
+        <a:tint val="50000"/>
+      </a:schemeClr>
+    </dgm:linClrLst>
+    <dgm:effectClrLst/>
+    <dgm:txLinClrLst/>
+    <dgm:txFillClrLst meth="repeat">
+      <a:schemeClr val="tx1"/>
+    </dgm:txFillClrLst>
+    <dgm:txEffectClrLst/>
+  </dgm:styleLbl>
+  <dgm:styleLbl name="asst0">
+    <dgm:fillClrLst meth="repeat">
+      <a:schemeClr val="accent1"/>
+    </dgm:fillClrLst>
+    <dgm:linClrLst meth="repeat">
+      <a:schemeClr val="lt1"/>
+    </dgm:linClrLst>
+    <dgm:effectClrLst/>
+    <dgm:txLinClrLst/>
+    <dgm:txFillClrLst/>
+    <dgm:txEffectClrLst/>
+  </dgm:styleLbl>
+  <dgm:styleLbl name="asst1">
+    <dgm:fillClrLst meth="repeat">
+      <a:schemeClr val="accent1"/>
+    </dgm:fillClrLst>
+    <dgm:linClrLst meth="repeat">
+      <a:schemeClr val="lt1"/>
+    </dgm:linClrLst>
+    <dgm:effectClrLst/>
+    <dgm:txLinClrLst/>
+    <dgm:txFillClrLst/>
+    <dgm:txEffectClrLst/>
+  </dgm:styleLbl>
+  <dgm:styleLbl name="asst2">
+    <dgm:fillClrLst meth="repeat">
+      <a:schemeClr val="accent1"/>
+    </dgm:fillClrLst>
+    <dgm:linClrLst meth="repeat">
+      <a:schemeClr val="lt1"/>
+    </dgm:linClrLst>
+    <dgm:effectClrLst/>
+    <dgm:txLinClrLst/>
+    <dgm:txFillClrLst/>
+    <dgm:txEffectClrLst/>
+  </dgm:styleLbl>
+  <dgm:styleLbl name="asst3">
+    <dgm:fillClrLst meth="repeat">
+      <a:schemeClr val="accent1"/>
+    </dgm:fillClrLst>
+    <dgm:linClrLst meth="repeat">
+      <a:schemeClr val="lt1"/>
+    </dgm:linClrLst>
+    <dgm:effectClrLst/>
+    <dgm:txLinClrLst/>
+    <dgm:txFillClrLst/>
+    <dgm:txEffectClrLst/>
+  </dgm:styleLbl>
+  <dgm:styleLbl name="asst4">
+    <dgm:fillClrLst meth="repeat">
+      <a:schemeClr val="accent1"/>
+    </dgm:fillClrLst>
+    <dgm:linClrLst meth="repeat">
+      <a:schemeClr val="lt1"/>
+    </dgm:linClrLst>
+    <dgm:effectClrLst/>
+    <dgm:txLinClrLst/>
+    <dgm:txFillClrLst/>
+    <dgm:txEffectClrLst/>
+  </dgm:styleLbl>
+  <dgm:styleLbl name="parChTrans2D1">
+    <dgm:fillClrLst meth="repeat">
+      <a:schemeClr val="accent1">
+        <a:tint val="60000"/>
+      </a:schemeClr>
+    </dgm:fillClrLst>
+    <dgm:linClrLst meth="repeat">
+      <a:schemeClr val="accent1">
+        <a:tint val="60000"/>
+      </a:schemeClr>
+    </dgm:linClrLst>
+    <dgm:effectClrLst/>
+    <dgm:txLinClrLst/>
+    <dgm:txFillClrLst meth="repeat">
+      <a:schemeClr val="lt1"/>
+    </dgm:txFillClrLst>
+    <dgm:txEffectClrLst/>
+  </dgm:styleLbl>
+  <dgm:styleLbl name="parChTrans2D2">
+    <dgm:fillClrLst meth="repeat">
+      <a:schemeClr val="accent1"/>
+    </dgm:fillClrLst>
+    <dgm:linClrLst meth="repeat">
+      <a:schemeClr val="accent1"/>
+    </dgm:linClrLst>
+    <dgm:effectClrLst/>
+    <dgm:txLinClrLst/>
+    <dgm:txFillClrLst meth="repeat">
+      <a:schemeClr val="lt1"/>
+    </dgm:txFillClrLst>
+    <dgm:txEffectClrLst/>
+  </dgm:styleLbl>
+  <dgm:styleLbl name="parChTrans2D3">
+    <dgm:fillClrLst meth="repeat">
+      <a:schemeClr val="accent1"/>
+    </dgm:fillClrLst>
+    <dgm:linClrLst meth="repeat">
+      <a:schemeClr val="accent1"/>
+    </dgm:linClrLst>
+    <dgm:effectClrLst/>
+    <dgm:txLinClrLst/>
+    <dgm:txFillClrLst meth="repeat">
+      <a:schemeClr val="lt1"/>
+    </dgm:txFillClrLst>
+    <dgm:txEffectClrLst/>
+  </dgm:styleLbl>
+  <dgm:styleLbl name="parChTrans2D4">
+    <dgm:fillClrLst meth="repeat">
+      <a:schemeClr val="accent1"/>
+    </dgm:fillClrLst>
+    <dgm:linClrLst meth="repeat">
+      <a:schemeClr val="accent1"/>
+    </dgm:linClrLst>
+    <dgm:effectClrLst/>
+    <dgm:txLinClrLst/>
+    <dgm:txFillClrLst meth="repeat">
+      <a:schemeClr val="lt1"/>
+    </dgm:txFillClrLst>
+    <dgm:txEffectClrLst/>
+  </dgm:styleLbl>
+  <dgm:styleLbl name="parChTrans1D1">
+    <dgm:fillClrLst meth="repeat">
+      <a:schemeClr val="accent1"/>
+    </dgm:fillClrLst>
+    <dgm:linClrLst meth="repeat">
+      <a:schemeClr val="accent1">
+        <a:shade val="60000"/>
+      </a:schemeClr>
+    </dgm:linClrLst>
+    <dgm:effectClrLst/>
+    <dgm:txLinClrLst/>
+    <dgm:txFillClrLst meth="repeat">
+      <a:schemeClr val="tx1"/>
+    </dgm:txFillClrLst>
+    <dgm:txEffectClrLst/>
+  </dgm:styleLbl>
+  <dgm:styleLbl name="parChTrans1D2">
+    <dgm:fillClrLst meth="repeat">
+      <a:schemeClr val="accent1"/>
+    </dgm:fillClrLst>
+    <dgm:linClrLst meth="repeat">
+      <a:schemeClr val="accent1">
+        <a:shade val="60000"/>
+      </a:schemeClr>
+    </dgm:linClrLst>
+    <dgm:effectClrLst/>
+    <dgm:txLinClrLst/>
+    <dgm:txFillClrLst meth="repeat">
+      <a:schemeClr val="tx1"/>
+    </dgm:txFillClrLst>
+    <dgm:txEffectClrLst/>
+  </dgm:styleLbl>
+  <dgm:styleLbl name="parChTrans1D3">
+    <dgm:fillClrLst meth="repeat">
+      <a:schemeClr val="accent1"/>
+    </dgm:fillClrLst>
+    <dgm:linClrLst meth="repeat">
+      <a:schemeClr val="accent1">
+        <a:shade val="80000"/>
+      </a:schemeClr>
+    </dgm:linClrLst>
+    <dgm:effectClrLst/>
+    <dgm:txLinClrLst/>
+    <dgm:txFillClrLst meth="repeat">
+      <a:schemeClr val="tx1"/>
+    </dgm:txFillClrLst>
+    <dgm:txEffectClrLst/>
+  </dgm:styleLbl>
+  <dgm:styleLbl name="parChTrans1D4">
+    <dgm:fillClrLst meth="repeat">
+      <a:schemeClr val="accent1"/>
+    </dgm:fillClrLst>
+    <dgm:linClrLst meth="repeat">
+      <a:schemeClr val="accent1">
+        <a:shade val="80000"/>
+      </a:schemeClr>
+    </dgm:linClrLst>
+    <dgm:effectClrLst/>
+    <dgm:txLinClrLst/>
+    <dgm:txFillClrLst meth="repeat">
+      <a:schemeClr val="tx1"/>
+    </dgm:txFillClrLst>
+    <dgm:txEffectClrLst/>
+  </dgm:styleLbl>
+  <dgm:styleLbl name="fgAcc1">
+    <dgm:fillClrLst meth="repeat">
+      <a:schemeClr val="lt1">
+        <a:alpha val="90000"/>
+      </a:schemeClr>
+    </dgm:fillClrLst>
+    <dgm:linClrLst meth="repeat">
+      <a:schemeClr val="accent1"/>
+    </dgm:linClrLst>
+    <dgm:effectClrLst/>
+    <dgm:txLinClrLst/>
+    <dgm:txFillClrLst meth="repeat">
+      <a:schemeClr val="dk1"/>
+    </dgm:txFillClrLst>
+    <dgm:txEffectClrLst/>
+  </dgm:styleLbl>
+  <dgm:styleLbl name="conFgAcc1">
+    <dgm:fillClrLst meth="repeat">
+      <a:schemeClr val="lt1">
+        <a:alpha val="90000"/>
+      </a:schemeClr>
+    </dgm:fillClrLst>
+    <dgm:linClrLst meth="repeat">
+      <a:schemeClr val="accent1"/>
+    </dgm:linClrLst>
+    <dgm:effectClrLst/>
+    <dgm:txLinClrLst/>
+    <dgm:txFillClrLst meth="repeat">
+      <a:schemeClr val="dk1"/>
+    </dgm:txFillClrLst>
+    <dgm:txEffectClrLst/>
+  </dgm:styleLbl>
+  <dgm:styleLbl name="alignAcc1">
+    <dgm:fillClrLst meth="repeat">
+      <a:schemeClr val="lt1">
+        <a:alpha val="90000"/>
+      </a:schemeClr>
+    </dgm:fillClrLst>
+    <dgm:linClrLst meth="repeat">
+      <a:schemeClr val="accent1"/>
+    </dgm:linClrLst>
+    <dgm:effectClrLst/>
+    <dgm:txLinClrLst/>
+    <dgm:txFillClrLst meth="repeat">
+      <a:schemeClr val="dk1"/>
+    </dgm:txFillClrLst>
+    <dgm:txEffectClrLst/>
+  </dgm:styleLbl>
+  <dgm:styleLbl name="trAlignAcc1">
+    <dgm:fillClrLst meth="repeat">
+      <a:schemeClr val="lt1">
+        <a:alpha val="40000"/>
+      </a:schemeClr>
+    </dgm:fillClrLst>
+    <dgm:linClrLst meth="repeat">
+      <a:schemeClr val="accent1"/>
+    </dgm:linClrLst>
+    <dgm:effectClrLst/>
+    <dgm:txLinClrLst/>
+    <dgm:txFillClrLst meth="repeat">
+      <a:schemeClr val="dk1"/>
+    </dgm:txFillClrLst>
+    <dgm:txEffectClrLst/>
+  </dgm:styleLbl>
+  <dgm:styleLbl name="bgAcc1">
+    <dgm:fillClrLst meth="repeat">
+      <a:schemeClr val="lt1">
+        <a:alpha val="90000"/>
+      </a:schemeClr>
+    </dgm:fillClrLst>
+    <dgm:linClrLst meth="repeat">
+      <a:schemeClr val="accent1"/>
+    </dgm:linClrLst>
+    <dgm:effectClrLst/>
+    <dgm:txLinClrLst/>
+    <dgm:txFillClrLst meth="repeat">
+      <a:schemeClr val="dk1"/>
+    </dgm:txFillClrLst>
+    <dgm:txEffectClrLst/>
+  </dgm:styleLbl>
+  <dgm:styleLbl name="solidFgAcc1">
+    <dgm:fillClrLst meth="repeat">
+      <a:schemeClr val="lt1"/>
+    </dgm:fillClrLst>
+    <dgm:linClrLst meth="repeat">
+      <a:schemeClr val="accent1"/>
+    </dgm:linClrLst>
+    <dgm:effectClrLst/>
+    <dgm:txLinClrLst/>
+    <dgm:txFillClrLst meth="repeat">
+      <a:schemeClr val="dk1"/>
+    </dgm:txFillClrLst>
+    <dgm:txEffectClrLst/>
+  </dgm:styleLbl>
+  <dgm:styleLbl name="solidAlignAcc1">
+    <dgm:fillClrLst meth="repeat">
+      <a:schemeClr val="lt1"/>
+    </dgm:fillClrLst>
+    <dgm:linClrLst meth="repeat">
+      <a:schemeClr val="accent1"/>
+    </dgm:linClrLst>
+    <dgm:effectClrLst/>
+    <dgm:txLinClrLst/>
+    <dgm:txFillClrLst meth="repeat">
+      <a:schemeClr val="dk1"/>
+    </dgm:txFillClrLst>
+    <dgm:txEffectClrLst/>
+  </dgm:styleLbl>
+  <dgm:styleLbl name="solidBgAcc1">
+    <dgm:fillClrLst meth="repeat">
+      <a:schemeClr val="lt1"/>
+    </dgm:fillClrLst>
+    <dgm:linClrLst meth="repeat">
+      <a:schemeClr val="accent1"/>
+    </dgm:linClrLst>
+    <dgm:effectClrLst/>
+    <dgm:txLinClrLst/>
+    <dgm:txFillClrLst meth="repeat">
+      <a:schemeClr val="dk1"/>
+    </dgm:txFillClrLst>
+    <dgm:txEffectClrLst/>
+  </dgm:styleLbl>
+  <dgm:styleLbl name="fgAccFollowNode1">
+    <dgm:fillClrLst meth="repeat">
+      <a:schemeClr val="accent1">
+        <a:alpha val="90000"/>
+        <a:tint val="40000"/>
+      </a:schemeClr>
+    </dgm:fillClrLst>
+    <dgm:linClrLst meth="repeat">
+      <a:schemeClr val="accent1">
+        <a:alpha val="90000"/>
+        <a:tint val="40000"/>
+      </a:schemeClr>
+    </dgm:linClrLst>
+    <dgm:effectClrLst/>
+    <dgm:txLinClrLst/>
+    <dgm:txFillClrLst meth="repeat">
+      <a:schemeClr val="dk1"/>
+    </dgm:txFillClrLst>
+    <dgm:txEffectClrLst/>
+  </dgm:styleLbl>
+  <dgm:styleLbl name="alignAccFollowNode1">
+    <dgm:fillClrLst meth="repeat">
+      <a:schemeClr val="accent1">
+        <a:alpha val="90000"/>
+        <a:tint val="40000"/>
+      </a:schemeClr>
+    </dgm:fillClrLst>
+    <dgm:linClrLst meth="repeat">
+      <a:schemeClr val="accent1">
+        <a:alpha val="90000"/>
+        <a:tint val="40000"/>
+      </a:schemeClr>
+    </dgm:linClrLst>
+    <dgm:effectClrLst/>
+    <dgm:txLinClrLst/>
+    <dgm:txFillClrLst meth="repeat">
+      <a:schemeClr val="dk1"/>
+    </dgm:txFillClrLst>
+    <dgm:txEffectClrLst/>
+  </dgm:styleLbl>
+  <dgm:styleLbl name="bgAccFollowNode1">
+    <dgm:fillClrLst meth="repeat">
+      <a:schemeClr val="accent1">
+        <a:alpha val="90000"/>
+        <a:tint val="40000"/>
+      </a:schemeClr>
+    </dgm:fillClrLst>
+    <dgm:linClrLst meth="repeat">
+      <a:schemeClr val="accent1">
+        <a:alpha val="90000"/>
+        <a:tint val="40000"/>
+      </a:schemeClr>
+    </dgm:linClrLst>
+    <dgm:effectClrLst/>
+    <dgm:txLinClrLst/>
+    <dgm:txFillClrLst meth="repeat">
+      <a:schemeClr val="dk1"/>
+    </dgm:txFillClrLst>
+    <dgm:txEffectClrLst/>
+  </dgm:styleLbl>
+  <dgm:styleLbl name="fgAcc0">
+    <dgm:fillClrLst meth="repeat">
+      <a:schemeClr val="lt1">
+        <a:alpha val="90000"/>
+      </a:schemeClr>
+    </dgm:fillClrLst>
+    <dgm:linClrLst meth="repeat">
+      <a:schemeClr val="accent1"/>
+    </dgm:linClrLst>
+    <dgm:effectClrLst/>
+    <dgm:txLinClrLst/>
+    <dgm:txFillClrLst meth="repeat">
+      <a:schemeClr val="dk1"/>
+    </dgm:txFillClrLst>
+    <dgm:txEffectClrLst/>
+  </dgm:styleLbl>
+  <dgm:styleLbl name="fgAcc2">
+    <dgm:fillClrLst meth="repeat">
+      <a:schemeClr val="lt1">
+        <a:alpha val="90000"/>
+      </a:schemeClr>
+    </dgm:fillClrLst>
+    <dgm:linClrLst meth="repeat">
+      <a:schemeClr val="accent1"/>
+    </dgm:linClrLst>
+    <dgm:effectClrLst/>
+    <dgm:txLinClrLst/>
+    <dgm:txFillClrLst meth="repeat">
+      <a:schemeClr val="dk1"/>
+    </dgm:txFillClrLst>
+    <dgm:txEffectClrLst/>
+  </dgm:styleLbl>
+  <dgm:styleLbl name="fgAcc3">
+    <dgm:fillClrLst meth="repeat">
+      <a:schemeClr val="lt1">
+        <a:alpha val="90000"/>
+      </a:schemeClr>
+    </dgm:fillClrLst>
+    <dgm:linClrLst meth="repeat">
+      <a:schemeClr val="accent1"/>
+    </dgm:linClrLst>
+    <dgm:effectClrLst/>
+    <dgm:txLinClrLst/>
+    <dgm:txFillClrLst meth="repeat">
+      <a:schemeClr val="dk1"/>
+    </dgm:txFillClrLst>
+    <dgm:txEffectClrLst/>
+  </dgm:styleLbl>
+  <dgm:styleLbl name="fgAcc4">
+    <dgm:fillClrLst meth="repeat">
+      <a:schemeClr val="lt1">
+        <a:alpha val="90000"/>
+      </a:schemeClr>
+    </dgm:fillClrLst>
+    <dgm:linClrLst meth="repeat">
+      <a:schemeClr val="accent1"/>
+    </dgm:linClrLst>
+    <dgm:effectClrLst/>
+    <dgm:txLinClrLst/>
+    <dgm:txFillClrLst meth="repeat">
+      <a:schemeClr val="dk1"/>
+    </dgm:txFillClrLst>
+    <dgm:txEffectClrLst/>
+  </dgm:styleLbl>
+  <dgm:styleLbl name="bgShp">
+    <dgm:fillClrLst meth="repeat">
+      <a:schemeClr val="accent1">
+        <a:tint val="40000"/>
+      </a:schemeClr>
+    </dgm:fillClrLst>
+    <dgm:linClrLst meth="repeat">
+      <a:schemeClr val="accent1"/>
+    </dgm:linClrLst>
+    <dgm:effectClrLst/>
+    <dgm:txLinClrLst/>
+    <dgm:txFillClrLst meth="repeat">
+      <a:schemeClr val="dk1"/>
+    </dgm:txFillClrLst>
+    <dgm:txEffectClrLst/>
+  </dgm:styleLbl>
+  <dgm:styleLbl name="dkBgShp">
+    <dgm:fillClrLst meth="repeat">
+      <a:schemeClr val="accent1">
+        <a:shade val="80000"/>
+      </a:schemeClr>
+    </dgm:fillClrLst>
+    <dgm:linClrLst meth="repeat">
+      <a:schemeClr val="accent1"/>
+    </dgm:linClrLst>
+    <dgm:effectClrLst/>
+    <dgm:txLinClrLst/>
+    <dgm:txFillClrLst meth="repeat">
+      <a:schemeClr val="lt1"/>
+    </dgm:txFillClrLst>
+    <dgm:txEffectClrLst/>
+  </dgm:styleLbl>
+  <dgm:styleLbl name="trBgShp">
+    <dgm:fillClrLst meth="repeat">
+      <a:schemeClr val="accent1">
+        <a:tint val="50000"/>
+        <a:alpha val="40000"/>
+      </a:schemeClr>
+    </dgm:fillClrLst>
+    <dgm:linClrLst meth="repeat">
+      <a:schemeClr val="accent1"/>
+    </dgm:linClrLst>
+    <dgm:effectClrLst/>
+    <dgm:txLinClrLst/>
+    <dgm:txFillClrLst meth="repeat">
+      <a:schemeClr val="lt1"/>
+    </dgm:txFillClrLst>
+    <dgm:txEffectClrLst/>
+  </dgm:styleLbl>
+  <dgm:styleLbl name="fgShp">
+    <dgm:fillClrLst meth="repeat">
+      <a:schemeClr val="accent1">
+        <a:tint val="60000"/>
+      </a:schemeClr>
+    </dgm:fillClrLst>
+    <dgm:linClrLst meth="repeat">
+      <a:schemeClr val="lt1"/>
+    </dgm:linClrLst>
+    <dgm:effectClrLst/>
+    <dgm:txLinClrLst/>
+    <dgm:txFillClrLst meth="repeat">
+      <a:schemeClr val="dk1"/>
+    </dgm:txFillClrLst>
+    <dgm:txEffectClrLst/>
+  </dgm:styleLbl>
+  <dgm:styleLbl name="revTx">
+    <dgm:fillClrLst meth="repeat">
+      <a:schemeClr val="lt1">
+        <a:alpha val="0"/>
+      </a:schemeClr>
+    </dgm:fillClrLst>
+    <dgm:linClrLst meth="repeat">
+      <a:schemeClr val="dk1">
+        <a:alpha val="0"/>
+      </a:schemeClr>
+    </dgm:linClrLst>
+    <dgm:effectClrLst/>
+    <dgm:txLinClrLst/>
+    <dgm:txFillClrLst meth="repeat">
+      <a:schemeClr val="tx1"/>
+    </dgm:txFillClrLst>
+    <dgm:txEffectClrLst/>
+  </dgm:styleLbl>
+</dgm:colorsDef>
+</file>
+
+<file path=ppt/diagrams/data1.xml><?xml version="1.0" encoding="utf-8"?>
+<dgm:dataModel xmlns:dgm="http://schemas.openxmlformats.org/drawingml/2006/diagram" xmlns:a="http://schemas.openxmlformats.org/drawingml/2006/main">
+  <dgm:ptLst>
+    <dgm:pt modelId="{CD0DCD17-DD67-4AF3-987B-5D5471942990}" type="doc">
+      <dgm:prSet loTypeId="urn:microsoft.com/office/officeart/2005/8/layout/chevron2" loCatId="process" qsTypeId="urn:microsoft.com/office/officeart/2005/8/quickstyle/simple1" qsCatId="simple" csTypeId="urn:microsoft.com/office/officeart/2005/8/colors/accent1_2" csCatId="accent1" phldr="1"/>
+      <dgm:spPr/>
+      <dgm:t>
+        <a:bodyPr/>
+        <a:lstStyle/>
+        <a:p>
+          <a:endParaRPr lang="en-US"/>
+        </a:p>
+      </dgm:t>
+    </dgm:pt>
+    <dgm:pt modelId="{50D34D47-E331-4157-99CC-913174A62D21}">
+      <dgm:prSet phldrT="[Text]" phldr="0"/>
+      <dgm:spPr/>
+      <dgm:t>
+        <a:bodyPr/>
+        <a:lstStyle/>
+        <a:p>
+          <a:r>
+            <a:rPr lang="en-US" dirty="0"/>
+            <a:t>YAML </a:t>
+          </a:r>
+        </a:p>
+        <a:p>
+          <a:r>
+            <a:rPr lang="en-US" dirty="0"/>
+            <a:t>Front Matter</a:t>
+          </a:r>
+        </a:p>
+      </dgm:t>
+    </dgm:pt>
+    <dgm:pt modelId="{D3CFDD64-2ABF-4DF7-86D7-E95E3C03765E}" type="parTrans" cxnId="{80DF464A-70B7-420C-903D-F0AE07CFA66E}">
+      <dgm:prSet/>
+      <dgm:spPr/>
+      <dgm:t>
+        <a:bodyPr/>
+        <a:lstStyle/>
+        <a:p>
+          <a:endParaRPr lang="en-US"/>
+        </a:p>
+      </dgm:t>
+    </dgm:pt>
+    <dgm:pt modelId="{1D45F8E0-5FA0-4525-9E1B-DD77A53EE8AE}" type="sibTrans" cxnId="{80DF464A-70B7-420C-903D-F0AE07CFA66E}">
+      <dgm:prSet/>
+      <dgm:spPr/>
+      <dgm:t>
+        <a:bodyPr/>
+        <a:lstStyle/>
+        <a:p>
+          <a:endParaRPr lang="en-US"/>
+        </a:p>
+      </dgm:t>
+    </dgm:pt>
+    <dgm:pt modelId="{C03C88F3-F7C7-4362-AB18-78C69AE7FF8B}">
+      <dgm:prSet phldrT="[Text]" phldr="0"/>
+      <dgm:spPr/>
+      <dgm:t>
+        <a:bodyPr/>
+        <a:lstStyle/>
+        <a:p>
+          <a:r>
+            <a:rPr lang="en-US" dirty="0"/>
+            <a:t>Environment Variables</a:t>
+          </a:r>
+        </a:p>
+      </dgm:t>
+    </dgm:pt>
+    <dgm:pt modelId="{1C93408F-5337-43D2-B631-EBDD7AE03C4A}" type="parTrans" cxnId="{F303E82C-CDD0-460F-9697-5AD8FE4B3C3D}">
+      <dgm:prSet/>
+      <dgm:spPr/>
+      <dgm:t>
+        <a:bodyPr/>
+        <a:lstStyle/>
+        <a:p>
+          <a:endParaRPr lang="en-US"/>
+        </a:p>
+      </dgm:t>
+    </dgm:pt>
+    <dgm:pt modelId="{A33AAB94-A861-4C30-A4F1-9E35C8795B89}" type="sibTrans" cxnId="{F303E82C-CDD0-460F-9697-5AD8FE4B3C3D}">
+      <dgm:prSet/>
+      <dgm:spPr/>
+      <dgm:t>
+        <a:bodyPr/>
+        <a:lstStyle/>
+        <a:p>
+          <a:endParaRPr lang="en-US"/>
+        </a:p>
+      </dgm:t>
+    </dgm:pt>
+    <dgm:pt modelId="{8DBF6429-6F7C-4A73-A3D8-0FD85BF52A00}">
+      <dgm:prSet phldrT="[Text]" phldr="0"/>
+      <dgm:spPr/>
+      <dgm:t>
+        <a:bodyPr/>
+        <a:lstStyle/>
+        <a:p>
+          <a:r>
+            <a:rPr lang="en-US" dirty="0"/>
+            <a:t>Agent Metadata</a:t>
+          </a:r>
+        </a:p>
+      </dgm:t>
+    </dgm:pt>
+    <dgm:pt modelId="{E95EDAED-3391-4A4C-A9CE-F85B8CC86BF7}" type="parTrans" cxnId="{507C32FA-F483-469A-B251-D3DAC8678AE1}">
+      <dgm:prSet/>
+      <dgm:spPr/>
+      <dgm:t>
+        <a:bodyPr/>
+        <a:lstStyle/>
+        <a:p>
+          <a:endParaRPr lang="en-US"/>
+        </a:p>
+      </dgm:t>
+    </dgm:pt>
+    <dgm:pt modelId="{C11E6FD9-5C02-4DB2-B379-A30A8D908729}" type="sibTrans" cxnId="{507C32FA-F483-469A-B251-D3DAC8678AE1}">
+      <dgm:prSet/>
+      <dgm:spPr/>
+      <dgm:t>
+        <a:bodyPr/>
+        <a:lstStyle/>
+        <a:p>
+          <a:endParaRPr lang="en-US"/>
+        </a:p>
+      </dgm:t>
+    </dgm:pt>
+    <dgm:pt modelId="{81DEC4DE-23AB-43BB-A629-89C0E2B4A974}">
+      <dgm:prSet phldrT="[Text]" phldr="0"/>
+      <dgm:spPr/>
+      <dgm:t>
+        <a:bodyPr/>
+        <a:lstStyle/>
+        <a:p>
+          <a:r>
+            <a:rPr lang="en-US" dirty="0"/>
+            <a:t>Markdown</a:t>
+          </a:r>
+        </a:p>
+        <a:p>
+          <a:r>
+            <a:rPr lang="en-US" dirty="0"/>
+            <a:t>Body</a:t>
+          </a:r>
+        </a:p>
+      </dgm:t>
+    </dgm:pt>
+    <dgm:pt modelId="{663BA714-B95D-4D14-B610-14F11A960905}" type="parTrans" cxnId="{BD9BCB97-82A4-42F9-B6F2-7878CF5E995D}">
+      <dgm:prSet/>
+      <dgm:spPr/>
+      <dgm:t>
+        <a:bodyPr/>
+        <a:lstStyle/>
+        <a:p>
+          <a:endParaRPr lang="en-US"/>
+        </a:p>
+      </dgm:t>
+    </dgm:pt>
+    <dgm:pt modelId="{D4806D4C-EB0E-460E-B59C-1A941E56B247}" type="sibTrans" cxnId="{BD9BCB97-82A4-42F9-B6F2-7878CF5E995D}">
+      <dgm:prSet/>
+      <dgm:spPr/>
+      <dgm:t>
+        <a:bodyPr/>
+        <a:lstStyle/>
+        <a:p>
+          <a:endParaRPr lang="en-US"/>
+        </a:p>
+      </dgm:t>
+    </dgm:pt>
+    <dgm:pt modelId="{0BF4DA5C-4C0A-464C-8A20-DBFF4D3F6A85}">
+      <dgm:prSet phldrT="[Text]" phldr="0"/>
+      <dgm:spPr/>
+      <dgm:t>
+        <a:bodyPr/>
+        <a:lstStyle/>
+        <a:p>
+          <a:r>
+            <a:rPr lang="en-US" dirty="0"/>
+            <a:t>Data Sourcing Requirements (RAG)</a:t>
+          </a:r>
+        </a:p>
+      </dgm:t>
+    </dgm:pt>
+    <dgm:pt modelId="{B446166E-44AB-4E0B-873E-669D41E73401}" type="parTrans" cxnId="{4378044B-76EF-4641-88D7-25CA73D19E8F}">
+      <dgm:prSet/>
+      <dgm:spPr/>
+      <dgm:t>
+        <a:bodyPr/>
+        <a:lstStyle/>
+        <a:p>
+          <a:endParaRPr lang="en-US"/>
+        </a:p>
+      </dgm:t>
+    </dgm:pt>
+    <dgm:pt modelId="{60C71B9A-9CDE-45D1-8848-551A38F2026E}" type="sibTrans" cxnId="{4378044B-76EF-4641-88D7-25CA73D19E8F}">
+      <dgm:prSet/>
+      <dgm:spPr/>
+      <dgm:t>
+        <a:bodyPr/>
+        <a:lstStyle/>
+        <a:p>
+          <a:endParaRPr lang="en-US"/>
+        </a:p>
+      </dgm:t>
+    </dgm:pt>
+    <dgm:pt modelId="{960170C5-B57F-49DC-B932-41560118C147}">
+      <dgm:prSet phldrT="[Text]" phldr="0"/>
+      <dgm:spPr/>
+      <dgm:t>
+        <a:bodyPr/>
+        <a:lstStyle/>
+        <a:p>
+          <a:r>
+            <a:rPr lang="en-US" dirty="0"/>
+            <a:t>Agent Processing Instructions</a:t>
+          </a:r>
+        </a:p>
+      </dgm:t>
+    </dgm:pt>
+    <dgm:pt modelId="{A7ECBBB9-C3B2-4743-A70C-F9BEADCB90EC}" type="parTrans" cxnId="{FD1DD852-07C2-46EB-92FB-7847AFAA4B04}">
+      <dgm:prSet/>
+      <dgm:spPr/>
+      <dgm:t>
+        <a:bodyPr/>
+        <a:lstStyle/>
+        <a:p>
+          <a:endParaRPr lang="en-US"/>
+        </a:p>
+      </dgm:t>
+    </dgm:pt>
+    <dgm:pt modelId="{B77C1E73-4FD7-4099-ADD2-E4A2693E1393}" type="sibTrans" cxnId="{FD1DD852-07C2-46EB-92FB-7847AFAA4B04}">
+      <dgm:prSet/>
+      <dgm:spPr/>
+      <dgm:t>
+        <a:bodyPr/>
+        <a:lstStyle/>
+        <a:p>
+          <a:endParaRPr lang="en-US"/>
+        </a:p>
+      </dgm:t>
+    </dgm:pt>
+    <dgm:pt modelId="{F33F4EDB-555C-45BB-AF7A-06244A92AC86}">
+      <dgm:prSet phldrT="[Text]" phldr="0"/>
+      <dgm:spPr/>
+      <dgm:t>
+        <a:bodyPr/>
+        <a:lstStyle/>
+        <a:p>
+          <a:r>
+            <a:rPr lang="en-US" dirty="0"/>
+            <a:t>Output Specification</a:t>
+          </a:r>
+        </a:p>
+      </dgm:t>
+    </dgm:pt>
+    <dgm:pt modelId="{B0827BE6-6205-4725-AAEB-3A6E4BC05DE7}" type="parTrans" cxnId="{D8873043-AA86-4857-9062-C39B11E8153B}">
+      <dgm:prSet/>
+      <dgm:spPr/>
+      <dgm:t>
+        <a:bodyPr/>
+        <a:lstStyle/>
+        <a:p>
+          <a:endParaRPr lang="en-US"/>
+        </a:p>
+      </dgm:t>
+    </dgm:pt>
+    <dgm:pt modelId="{9F64DFFC-2B0F-4062-919F-CD97A8A45A34}" type="sibTrans" cxnId="{D8873043-AA86-4857-9062-C39B11E8153B}">
+      <dgm:prSet/>
+      <dgm:spPr/>
+      <dgm:t>
+        <a:bodyPr/>
+        <a:lstStyle/>
+        <a:p>
+          <a:endParaRPr lang="en-US"/>
+        </a:p>
+      </dgm:t>
+    </dgm:pt>
+    <dgm:pt modelId="{8CD1BEC6-1554-49BB-9545-75BD53C6A196}">
+      <dgm:prSet phldrT="[Text]" phldr="0"/>
+      <dgm:spPr/>
+      <dgm:t>
+        <a:bodyPr/>
+        <a:lstStyle/>
+        <a:p>
+          <a:r>
+            <a:rPr lang="en-US" dirty="0"/>
+            <a:t>Report Format</a:t>
+          </a:r>
+        </a:p>
+      </dgm:t>
+    </dgm:pt>
+    <dgm:pt modelId="{4FF549F0-F205-4934-9BCA-211F84766665}" type="parTrans" cxnId="{2D9D718D-43BB-4147-88D5-9B60FE93DDA7}">
+      <dgm:prSet/>
+      <dgm:spPr/>
+      <dgm:t>
+        <a:bodyPr/>
+        <a:lstStyle/>
+        <a:p>
+          <a:endParaRPr lang="en-US"/>
+        </a:p>
+      </dgm:t>
+    </dgm:pt>
+    <dgm:pt modelId="{7073D32D-23D7-4C38-9107-3BDC78433272}" type="sibTrans" cxnId="{2D9D718D-43BB-4147-88D5-9B60FE93DDA7}">
+      <dgm:prSet/>
+      <dgm:spPr/>
+      <dgm:t>
+        <a:bodyPr/>
+        <a:lstStyle/>
+        <a:p>
+          <a:endParaRPr lang="en-US"/>
+        </a:p>
+      </dgm:t>
+    </dgm:pt>
+    <dgm:pt modelId="{D6C3A7DD-75D2-4E54-A6F5-A2CA1F30D780}">
+      <dgm:prSet phldrT="[Text]" phldr="0"/>
+      <dgm:spPr/>
+      <dgm:t>
+        <a:bodyPr/>
+        <a:lstStyle/>
+        <a:p>
+          <a:r>
+            <a:rPr lang="en-US" dirty="0"/>
+            <a:t>Validation Summary</a:t>
+          </a:r>
+        </a:p>
+      </dgm:t>
+    </dgm:pt>
+    <dgm:pt modelId="{C09B62D3-2103-439D-940D-56F72F99F7FE}" type="parTrans" cxnId="{E6D52943-429C-4110-8185-22D8640A70CC}">
+      <dgm:prSet/>
+      <dgm:spPr/>
+      <dgm:t>
+        <a:bodyPr/>
+        <a:lstStyle/>
+        <a:p>
+          <a:endParaRPr lang="en-US"/>
+        </a:p>
+      </dgm:t>
+    </dgm:pt>
+    <dgm:pt modelId="{55F08780-DAD3-4424-A7BE-AC87BBE74127}" type="sibTrans" cxnId="{E6D52943-429C-4110-8185-22D8640A70CC}">
+      <dgm:prSet/>
+      <dgm:spPr/>
+      <dgm:t>
+        <a:bodyPr/>
+        <a:lstStyle/>
+        <a:p>
+          <a:endParaRPr lang="en-US"/>
+        </a:p>
+      </dgm:t>
+    </dgm:pt>
+    <dgm:pt modelId="{079E448B-0BC4-4BB7-9B5E-012F9D0A1604}">
+      <dgm:prSet phldrT="[Text]" phldr="0"/>
+      <dgm:spPr/>
+      <dgm:t>
+        <a:bodyPr/>
+        <a:lstStyle/>
+        <a:p>
+          <a:r>
+            <a:rPr lang="en-US" dirty="0"/>
+            <a:t>Workflow logic</a:t>
+          </a:r>
+        </a:p>
+      </dgm:t>
+    </dgm:pt>
+    <dgm:pt modelId="{8A1B45EB-9E57-4FE0-9E8C-2754DFD5BCBF}" type="parTrans" cxnId="{88DA5185-0E76-461F-A677-707ED23C1243}">
+      <dgm:prSet/>
+      <dgm:spPr/>
+      <dgm:t>
+        <a:bodyPr/>
+        <a:lstStyle/>
+        <a:p>
+          <a:endParaRPr lang="en-US"/>
+        </a:p>
+      </dgm:t>
+    </dgm:pt>
+    <dgm:pt modelId="{80796A35-84B4-44E4-AC94-1C9302A4164C}" type="sibTrans" cxnId="{88DA5185-0E76-461F-A677-707ED23C1243}">
+      <dgm:prSet/>
+      <dgm:spPr/>
+      <dgm:t>
+        <a:bodyPr/>
+        <a:lstStyle/>
+        <a:p>
+          <a:endParaRPr lang="en-US"/>
+        </a:p>
+      </dgm:t>
+    </dgm:pt>
+    <dgm:pt modelId="{3213F5E9-1473-42D8-89D3-E5F6D1E98618}">
+      <dgm:prSet phldrT="[Text]" phldr="0"/>
+      <dgm:spPr/>
+      <dgm:t>
+        <a:bodyPr/>
+        <a:lstStyle/>
+        <a:p>
+          <a:r>
+            <a:rPr lang="en-US"/>
+            <a:t>Controls and Validation</a:t>
+          </a:r>
+          <a:endParaRPr lang="en-US" dirty="0"/>
+        </a:p>
+      </dgm:t>
+    </dgm:pt>
+    <dgm:pt modelId="{6DB1D642-85CE-4D93-A78B-0EC2912E9587}" type="parTrans" cxnId="{6B7CE3B2-AFCC-480D-A0A4-A5C2FC80EF0D}">
+      <dgm:prSet/>
+      <dgm:spPr/>
+      <dgm:t>
+        <a:bodyPr/>
+        <a:lstStyle/>
+        <a:p>
+          <a:endParaRPr lang="en-US"/>
+        </a:p>
+      </dgm:t>
+    </dgm:pt>
+    <dgm:pt modelId="{E435356E-9F4E-46DB-A732-86D174441BB7}" type="sibTrans" cxnId="{6B7CE3B2-AFCC-480D-A0A4-A5C2FC80EF0D}">
+      <dgm:prSet/>
+      <dgm:spPr/>
+      <dgm:t>
+        <a:bodyPr/>
+        <a:lstStyle/>
+        <a:p>
+          <a:endParaRPr lang="en-US"/>
+        </a:p>
+      </dgm:t>
+    </dgm:pt>
+    <dgm:pt modelId="{930F262D-C121-4C6C-8298-2FD2DDF4E339}" type="pres">
+      <dgm:prSet presAssocID="{CD0DCD17-DD67-4AF3-987B-5D5471942990}" presName="linearFlow" presStyleCnt="0">
+        <dgm:presLayoutVars>
+          <dgm:dir/>
+          <dgm:animLvl val="lvl"/>
+          <dgm:resizeHandles val="exact"/>
+        </dgm:presLayoutVars>
+      </dgm:prSet>
+      <dgm:spPr/>
+    </dgm:pt>
+    <dgm:pt modelId="{7E41CB5B-6786-4364-8EF8-9E91167569D5}" type="pres">
+      <dgm:prSet presAssocID="{50D34D47-E331-4157-99CC-913174A62D21}" presName="composite" presStyleCnt="0"/>
+      <dgm:spPr/>
+    </dgm:pt>
+    <dgm:pt modelId="{0F9184CF-B602-4E74-A406-605BD1DF4699}" type="pres">
+      <dgm:prSet presAssocID="{50D34D47-E331-4157-99CC-913174A62D21}" presName="parentText" presStyleLbl="alignNode1" presStyleIdx="0" presStyleCnt="3">
+        <dgm:presLayoutVars>
+          <dgm:chMax val="1"/>
+          <dgm:bulletEnabled val="1"/>
+        </dgm:presLayoutVars>
+      </dgm:prSet>
+      <dgm:spPr/>
+    </dgm:pt>
+    <dgm:pt modelId="{E1D4D930-9E2F-4C04-97E5-8705EA640702}" type="pres">
+      <dgm:prSet presAssocID="{50D34D47-E331-4157-99CC-913174A62D21}" presName="descendantText" presStyleLbl="alignAcc1" presStyleIdx="0" presStyleCnt="3" custLinFactNeighborX="139" custLinFactNeighborY="-751">
+        <dgm:presLayoutVars>
+          <dgm:bulletEnabled val="1"/>
+        </dgm:presLayoutVars>
+      </dgm:prSet>
+      <dgm:spPr/>
+    </dgm:pt>
+    <dgm:pt modelId="{E82D02ED-668F-4D75-A1A5-9C3FBDB6B75A}" type="pres">
+      <dgm:prSet presAssocID="{1D45F8E0-5FA0-4525-9E1B-DD77A53EE8AE}" presName="sp" presStyleCnt="0"/>
+      <dgm:spPr/>
+    </dgm:pt>
+    <dgm:pt modelId="{F6C06AD4-A4C6-46B1-9894-8D50EF262E8D}" type="pres">
+      <dgm:prSet presAssocID="{81DEC4DE-23AB-43BB-A629-89C0E2B4A974}" presName="composite" presStyleCnt="0"/>
+      <dgm:spPr/>
+    </dgm:pt>
+    <dgm:pt modelId="{4CC4B28E-F5CA-4647-8567-3775B19C495B}" type="pres">
+      <dgm:prSet presAssocID="{81DEC4DE-23AB-43BB-A629-89C0E2B4A974}" presName="parentText" presStyleLbl="alignNode1" presStyleIdx="1" presStyleCnt="3">
+        <dgm:presLayoutVars>
+          <dgm:chMax val="1"/>
+          <dgm:bulletEnabled val="1"/>
+        </dgm:presLayoutVars>
+      </dgm:prSet>
+      <dgm:spPr/>
+    </dgm:pt>
+    <dgm:pt modelId="{1E802513-725D-4991-95F2-CAD3E9921C01}" type="pres">
+      <dgm:prSet presAssocID="{81DEC4DE-23AB-43BB-A629-89C0E2B4A974}" presName="descendantText" presStyleLbl="alignAcc1" presStyleIdx="1" presStyleCnt="3">
+        <dgm:presLayoutVars>
+          <dgm:bulletEnabled val="1"/>
+        </dgm:presLayoutVars>
+      </dgm:prSet>
+      <dgm:spPr/>
+    </dgm:pt>
+    <dgm:pt modelId="{727E400B-C981-47CD-9056-BA62F26BA6C5}" type="pres">
+      <dgm:prSet presAssocID="{D4806D4C-EB0E-460E-B59C-1A941E56B247}" presName="sp" presStyleCnt="0"/>
+      <dgm:spPr/>
+    </dgm:pt>
+    <dgm:pt modelId="{9BA9BF9C-21A1-4343-8BE2-4C9113E3AE97}" type="pres">
+      <dgm:prSet presAssocID="{F33F4EDB-555C-45BB-AF7A-06244A92AC86}" presName="composite" presStyleCnt="0"/>
+      <dgm:spPr/>
+    </dgm:pt>
+    <dgm:pt modelId="{CA51ED72-AD6D-4720-AE3A-600B7DE93D11}" type="pres">
+      <dgm:prSet presAssocID="{F33F4EDB-555C-45BB-AF7A-06244A92AC86}" presName="parentText" presStyleLbl="alignNode1" presStyleIdx="2" presStyleCnt="3">
+        <dgm:presLayoutVars>
+          <dgm:chMax val="1"/>
+          <dgm:bulletEnabled val="1"/>
+        </dgm:presLayoutVars>
+      </dgm:prSet>
+      <dgm:spPr/>
+    </dgm:pt>
+    <dgm:pt modelId="{CE6CCE86-C1A0-4533-8DAA-A4186B8EC2B9}" type="pres">
+      <dgm:prSet presAssocID="{F33F4EDB-555C-45BB-AF7A-06244A92AC86}" presName="descendantText" presStyleLbl="alignAcc1" presStyleIdx="2" presStyleCnt="3">
+        <dgm:presLayoutVars>
+          <dgm:bulletEnabled val="1"/>
+        </dgm:presLayoutVars>
+      </dgm:prSet>
+      <dgm:spPr/>
+    </dgm:pt>
+  </dgm:ptLst>
+  <dgm:cxnLst>
+    <dgm:cxn modelId="{209CF124-0007-4A3B-8194-6E6AD5C0DAC5}" type="presOf" srcId="{50D34D47-E331-4157-99CC-913174A62D21}" destId="{0F9184CF-B602-4E74-A406-605BD1DF4699}" srcOrd="0" destOrd="0" presId="urn:microsoft.com/office/officeart/2005/8/layout/chevron2"/>
+    <dgm:cxn modelId="{F303E82C-CDD0-460F-9697-5AD8FE4B3C3D}" srcId="{50D34D47-E331-4157-99CC-913174A62D21}" destId="{C03C88F3-F7C7-4362-AB18-78C69AE7FF8B}" srcOrd="0" destOrd="0" parTransId="{1C93408F-5337-43D2-B631-EBDD7AE03C4A}" sibTransId="{A33AAB94-A861-4C30-A4F1-9E35C8795B89}"/>
+    <dgm:cxn modelId="{E6D52943-429C-4110-8185-22D8640A70CC}" srcId="{F33F4EDB-555C-45BB-AF7A-06244A92AC86}" destId="{D6C3A7DD-75D2-4E54-A6F5-A2CA1F30D780}" srcOrd="1" destOrd="0" parTransId="{C09B62D3-2103-439D-940D-56F72F99F7FE}" sibTransId="{55F08780-DAD3-4424-A7BE-AC87BBE74127}"/>
+    <dgm:cxn modelId="{D8873043-AA86-4857-9062-C39B11E8153B}" srcId="{CD0DCD17-DD67-4AF3-987B-5D5471942990}" destId="{F33F4EDB-555C-45BB-AF7A-06244A92AC86}" srcOrd="2" destOrd="0" parTransId="{B0827BE6-6205-4725-AAEB-3A6E4BC05DE7}" sibTransId="{9F64DFFC-2B0F-4062-919F-CD97A8A45A34}"/>
+    <dgm:cxn modelId="{80DF464A-70B7-420C-903D-F0AE07CFA66E}" srcId="{CD0DCD17-DD67-4AF3-987B-5D5471942990}" destId="{50D34D47-E331-4157-99CC-913174A62D21}" srcOrd="0" destOrd="0" parTransId="{D3CFDD64-2ABF-4DF7-86D7-E95E3C03765E}" sibTransId="{1D45F8E0-5FA0-4525-9E1B-DD77A53EE8AE}"/>
+    <dgm:cxn modelId="{F71F916A-BB90-4347-86A0-6013064F0E53}" type="presOf" srcId="{079E448B-0BC4-4BB7-9B5E-012F9D0A1604}" destId="{E1D4D930-9E2F-4C04-97E5-8705EA640702}" srcOrd="0" destOrd="2" presId="urn:microsoft.com/office/officeart/2005/8/layout/chevron2"/>
+    <dgm:cxn modelId="{4378044B-76EF-4641-88D7-25CA73D19E8F}" srcId="{81DEC4DE-23AB-43BB-A629-89C0E2B4A974}" destId="{0BF4DA5C-4C0A-464C-8A20-DBFF4D3F6A85}" srcOrd="0" destOrd="0" parTransId="{B446166E-44AB-4E0B-873E-669D41E73401}" sibTransId="{60C71B9A-9CDE-45D1-8848-551A38F2026E}"/>
+    <dgm:cxn modelId="{14BD0950-77CF-487E-9A9C-B5DEDBE7C5F1}" type="presOf" srcId="{F33F4EDB-555C-45BB-AF7A-06244A92AC86}" destId="{CA51ED72-AD6D-4720-AE3A-600B7DE93D11}" srcOrd="0" destOrd="0" presId="urn:microsoft.com/office/officeart/2005/8/layout/chevron2"/>
+    <dgm:cxn modelId="{6DE37370-4BC3-4583-BD29-A94CE47876C4}" type="presOf" srcId="{81DEC4DE-23AB-43BB-A629-89C0E2B4A974}" destId="{4CC4B28E-F5CA-4647-8567-3775B19C495B}" srcOrd="0" destOrd="0" presId="urn:microsoft.com/office/officeart/2005/8/layout/chevron2"/>
+    <dgm:cxn modelId="{FD1DD852-07C2-46EB-92FB-7847AFAA4B04}" srcId="{81DEC4DE-23AB-43BB-A629-89C0E2B4A974}" destId="{960170C5-B57F-49DC-B932-41560118C147}" srcOrd="1" destOrd="0" parTransId="{A7ECBBB9-C3B2-4743-A70C-F9BEADCB90EC}" sibTransId="{B77C1E73-4FD7-4099-ADD2-E4A2693E1393}"/>
+    <dgm:cxn modelId="{E4D7C157-73A6-4FCA-8731-55D09103EEBE}" type="presOf" srcId="{3213F5E9-1473-42D8-89D3-E5F6D1E98618}" destId="{1E802513-725D-4991-95F2-CAD3E9921C01}" srcOrd="0" destOrd="2" presId="urn:microsoft.com/office/officeart/2005/8/layout/chevron2"/>
+    <dgm:cxn modelId="{88DA5185-0E76-461F-A677-707ED23C1243}" srcId="{50D34D47-E331-4157-99CC-913174A62D21}" destId="{079E448B-0BC4-4BB7-9B5E-012F9D0A1604}" srcOrd="2" destOrd="0" parTransId="{8A1B45EB-9E57-4FE0-9E8C-2754DFD5BCBF}" sibTransId="{80796A35-84B4-44E4-AC94-1C9302A4164C}"/>
+    <dgm:cxn modelId="{2D9D718D-43BB-4147-88D5-9B60FE93DDA7}" srcId="{F33F4EDB-555C-45BB-AF7A-06244A92AC86}" destId="{8CD1BEC6-1554-49BB-9545-75BD53C6A196}" srcOrd="0" destOrd="0" parTransId="{4FF549F0-F205-4934-9BCA-211F84766665}" sibTransId="{7073D32D-23D7-4C38-9107-3BDC78433272}"/>
+    <dgm:cxn modelId="{63B8E68E-4873-47C3-9011-A91E16F4B19E}" type="presOf" srcId="{8DBF6429-6F7C-4A73-A3D8-0FD85BF52A00}" destId="{E1D4D930-9E2F-4C04-97E5-8705EA640702}" srcOrd="0" destOrd="1" presId="urn:microsoft.com/office/officeart/2005/8/layout/chevron2"/>
+    <dgm:cxn modelId="{BD9BCB97-82A4-42F9-B6F2-7878CF5E995D}" srcId="{CD0DCD17-DD67-4AF3-987B-5D5471942990}" destId="{81DEC4DE-23AB-43BB-A629-89C0E2B4A974}" srcOrd="1" destOrd="0" parTransId="{663BA714-B95D-4D14-B610-14F11A960905}" sibTransId="{D4806D4C-EB0E-460E-B59C-1A941E56B247}"/>
+    <dgm:cxn modelId="{6B7CE3B2-AFCC-480D-A0A4-A5C2FC80EF0D}" srcId="{81DEC4DE-23AB-43BB-A629-89C0E2B4A974}" destId="{3213F5E9-1473-42D8-89D3-E5F6D1E98618}" srcOrd="2" destOrd="0" parTransId="{6DB1D642-85CE-4D93-A78B-0EC2912E9587}" sibTransId="{E435356E-9F4E-46DB-A732-86D174441BB7}"/>
+    <dgm:cxn modelId="{9EC660BF-473B-4A86-B9BA-3EB17C8B17A8}" type="presOf" srcId="{D6C3A7DD-75D2-4E54-A6F5-A2CA1F30D780}" destId="{CE6CCE86-C1A0-4533-8DAA-A4186B8EC2B9}" srcOrd="0" destOrd="1" presId="urn:microsoft.com/office/officeart/2005/8/layout/chevron2"/>
+    <dgm:cxn modelId="{A7BFB3D3-E894-4544-96A4-3B38A713EBB4}" type="presOf" srcId="{CD0DCD17-DD67-4AF3-987B-5D5471942990}" destId="{930F262D-C121-4C6C-8298-2FD2DDF4E339}" srcOrd="0" destOrd="0" presId="urn:microsoft.com/office/officeart/2005/8/layout/chevron2"/>
+    <dgm:cxn modelId="{0BBEA0DA-7F3D-4C49-BB67-785B2479D8B1}" type="presOf" srcId="{8CD1BEC6-1554-49BB-9545-75BD53C6A196}" destId="{CE6CCE86-C1A0-4533-8DAA-A4186B8EC2B9}" srcOrd="0" destOrd="0" presId="urn:microsoft.com/office/officeart/2005/8/layout/chevron2"/>
+    <dgm:cxn modelId="{35C888DD-488D-4E7C-ADC2-AE7BCEB8E78A}" type="presOf" srcId="{C03C88F3-F7C7-4362-AB18-78C69AE7FF8B}" destId="{E1D4D930-9E2F-4C04-97E5-8705EA640702}" srcOrd="0" destOrd="0" presId="urn:microsoft.com/office/officeart/2005/8/layout/chevron2"/>
+    <dgm:cxn modelId="{88375DEC-E803-4DCB-9ADC-A5F41CCD559D}" type="presOf" srcId="{0BF4DA5C-4C0A-464C-8A20-DBFF4D3F6A85}" destId="{1E802513-725D-4991-95F2-CAD3E9921C01}" srcOrd="0" destOrd="0" presId="urn:microsoft.com/office/officeart/2005/8/layout/chevron2"/>
+    <dgm:cxn modelId="{507C32FA-F483-469A-B251-D3DAC8678AE1}" srcId="{50D34D47-E331-4157-99CC-913174A62D21}" destId="{8DBF6429-6F7C-4A73-A3D8-0FD85BF52A00}" srcOrd="1" destOrd="0" parTransId="{E95EDAED-3391-4A4C-A9CE-F85B8CC86BF7}" sibTransId="{C11E6FD9-5C02-4DB2-B379-A30A8D908729}"/>
+    <dgm:cxn modelId="{347684FC-F50A-474D-B79E-79953B4AA10D}" type="presOf" srcId="{960170C5-B57F-49DC-B932-41560118C147}" destId="{1E802513-725D-4991-95F2-CAD3E9921C01}" srcOrd="0" destOrd="1" presId="urn:microsoft.com/office/officeart/2005/8/layout/chevron2"/>
+    <dgm:cxn modelId="{23DA37FA-2760-4EE3-B0F5-8AAFDD68E05A}" type="presParOf" srcId="{930F262D-C121-4C6C-8298-2FD2DDF4E339}" destId="{7E41CB5B-6786-4364-8EF8-9E91167569D5}" srcOrd="0" destOrd="0" presId="urn:microsoft.com/office/officeart/2005/8/layout/chevron2"/>
+    <dgm:cxn modelId="{A9AB0CD9-37B0-46D3-8939-D170876CB1C0}" type="presParOf" srcId="{7E41CB5B-6786-4364-8EF8-9E91167569D5}" destId="{0F9184CF-B602-4E74-A406-605BD1DF4699}" srcOrd="0" destOrd="0" presId="urn:microsoft.com/office/officeart/2005/8/layout/chevron2"/>
+    <dgm:cxn modelId="{33FDDED9-1E6B-4452-99EE-F1632A88774B}" type="presParOf" srcId="{7E41CB5B-6786-4364-8EF8-9E91167569D5}" destId="{E1D4D930-9E2F-4C04-97E5-8705EA640702}" srcOrd="1" destOrd="0" presId="urn:microsoft.com/office/officeart/2005/8/layout/chevron2"/>
+    <dgm:cxn modelId="{E01AA9D3-2A73-409D-BD39-534ACB74D9B1}" type="presParOf" srcId="{930F262D-C121-4C6C-8298-2FD2DDF4E339}" destId="{E82D02ED-668F-4D75-A1A5-9C3FBDB6B75A}" srcOrd="1" destOrd="0" presId="urn:microsoft.com/office/officeart/2005/8/layout/chevron2"/>
+    <dgm:cxn modelId="{AFBBEBA3-5BFD-4FDF-B812-8B773355E569}" type="presParOf" srcId="{930F262D-C121-4C6C-8298-2FD2DDF4E339}" destId="{F6C06AD4-A4C6-46B1-9894-8D50EF262E8D}" srcOrd="2" destOrd="0" presId="urn:microsoft.com/office/officeart/2005/8/layout/chevron2"/>
+    <dgm:cxn modelId="{0BAA93BD-F59E-485F-8096-1BA5408F75BE}" type="presParOf" srcId="{F6C06AD4-A4C6-46B1-9894-8D50EF262E8D}" destId="{4CC4B28E-F5CA-4647-8567-3775B19C495B}" srcOrd="0" destOrd="0" presId="urn:microsoft.com/office/officeart/2005/8/layout/chevron2"/>
+    <dgm:cxn modelId="{21F958E4-70F8-4E81-A45E-D8244D75899A}" type="presParOf" srcId="{F6C06AD4-A4C6-46B1-9894-8D50EF262E8D}" destId="{1E802513-725D-4991-95F2-CAD3E9921C01}" srcOrd="1" destOrd="0" presId="urn:microsoft.com/office/officeart/2005/8/layout/chevron2"/>
+    <dgm:cxn modelId="{2BB51C55-6B71-4E20-964E-71E9DFD282CB}" type="presParOf" srcId="{930F262D-C121-4C6C-8298-2FD2DDF4E339}" destId="{727E400B-C981-47CD-9056-BA62F26BA6C5}" srcOrd="3" destOrd="0" presId="urn:microsoft.com/office/officeart/2005/8/layout/chevron2"/>
+    <dgm:cxn modelId="{FA1FC342-F44C-4C23-B5DA-9E727F03878C}" type="presParOf" srcId="{930F262D-C121-4C6C-8298-2FD2DDF4E339}" destId="{9BA9BF9C-21A1-4343-8BE2-4C9113E3AE97}" srcOrd="4" destOrd="0" presId="urn:microsoft.com/office/officeart/2005/8/layout/chevron2"/>
+    <dgm:cxn modelId="{A541B6EF-0BB5-48D1-8F3A-CC717C206891}" type="presParOf" srcId="{9BA9BF9C-21A1-4343-8BE2-4C9113E3AE97}" destId="{CA51ED72-AD6D-4720-AE3A-600B7DE93D11}" srcOrd="0" destOrd="0" presId="urn:microsoft.com/office/officeart/2005/8/layout/chevron2"/>
+    <dgm:cxn modelId="{F340D842-DD2E-4441-8564-C78797B4E091}" type="presParOf" srcId="{9BA9BF9C-21A1-4343-8BE2-4C9113E3AE97}" destId="{CE6CCE86-C1A0-4533-8DAA-A4186B8EC2B9}" srcOrd="1" destOrd="0" presId="urn:microsoft.com/office/officeart/2005/8/layout/chevron2"/>
+  </dgm:cxnLst>
+  <dgm:bg/>
+  <dgm:whole/>
+  <dgm:extLst>
+    <a:ext uri="http://schemas.microsoft.com/office/drawing/2008/diagram">
+      <dsp:dataModelExt xmlns:dsp="http://schemas.microsoft.com/office/drawing/2008/diagram" relId="rId7" minVer="http://schemas.openxmlformats.org/drawingml/2006/diagram"/>
+    </a:ext>
+  </dgm:extLst>
+</dgm:dataModel>
+</file>
+
+<file path=ppt/diagrams/drawing1.xml><?xml version="1.0" encoding="utf-8"?>
+<dsp:drawing xmlns:dgm="http://schemas.openxmlformats.org/drawingml/2006/diagram" xmlns:dsp="http://schemas.microsoft.com/office/drawing/2008/diagram" xmlns:a="http://schemas.openxmlformats.org/drawingml/2006/main">
+  <dsp:spTree>
+    <dsp:nvGrpSpPr>
+      <dsp:cNvPr id="0" name=""/>
+      <dsp:cNvGrpSpPr/>
+    </dsp:nvGrpSpPr>
+    <dsp:grpSpPr/>
+    <dsp:sp modelId="{0F9184CF-B602-4E74-A406-605BD1DF4699}">
+      <dsp:nvSpPr>
+        <dsp:cNvPr id="0" name=""/>
+        <dsp:cNvSpPr/>
+      </dsp:nvSpPr>
+      <dsp:spPr>
+        <a:xfrm rot="5400000">
+          <a:off x="-247287" y="249251"/>
+          <a:ext cx="1648586" cy="1154010"/>
+        </a:xfrm>
+        <a:prstGeom prst="chevron">
+          <a:avLst/>
+        </a:prstGeom>
+        <a:solidFill>
+          <a:schemeClr val="accent1">
+            <a:hueOff val="0"/>
+            <a:satOff val="0"/>
+            <a:lumOff val="0"/>
+            <a:alphaOff val="0"/>
+          </a:schemeClr>
+        </a:solidFill>
+        <a:ln w="19050" cap="rnd" cmpd="sng" algn="ctr">
+          <a:solidFill>
+            <a:schemeClr val="accent1">
+              <a:hueOff val="0"/>
+              <a:satOff val="0"/>
+              <a:lumOff val="0"/>
+              <a:alphaOff val="0"/>
+            </a:schemeClr>
+          </a:solidFill>
+          <a:prstDash val="solid"/>
+        </a:ln>
+        <a:effectLst/>
+      </dsp:spPr>
+      <dsp:style>
+        <a:lnRef idx="2">
+          <a:scrgbClr r="0" g="0" b="0"/>
+        </a:lnRef>
+        <a:fillRef idx="1">
+          <a:scrgbClr r="0" g="0" b="0"/>
+        </a:fillRef>
+        <a:effectRef idx="0">
+          <a:scrgbClr r="0" g="0" b="0"/>
+        </a:effectRef>
+        <a:fontRef idx="minor">
+          <a:schemeClr val="lt1"/>
+        </a:fontRef>
+      </dsp:style>
+      <dsp:txBody>
+        <a:bodyPr spcFirstLastPara="0" vert="horz" wrap="square" lIns="8890" tIns="8890" rIns="8890" bIns="8890" numCol="1" spcCol="1270" anchor="ctr" anchorCtr="0">
+          <a:noAutofit/>
+        </a:bodyPr>
+        <a:lstStyle/>
+        <a:p>
+          <a:pPr marL="0" lvl="0" indent="0" algn="ctr" defTabSz="622300">
+            <a:lnSpc>
+              <a:spcPct val="90000"/>
+            </a:lnSpc>
+            <a:spcBef>
+              <a:spcPct val="0"/>
+            </a:spcBef>
+            <a:spcAft>
+              <a:spcPct val="35000"/>
+            </a:spcAft>
+            <a:buNone/>
+          </a:pPr>
+          <a:r>
+            <a:rPr lang="en-US" sz="1400" kern="1200" dirty="0"/>
+            <a:t>YAML </a:t>
+          </a:r>
+        </a:p>
+        <a:p>
+          <a:pPr marL="0" lvl="0" indent="0" algn="ctr" defTabSz="622300">
+            <a:lnSpc>
+              <a:spcPct val="90000"/>
+            </a:lnSpc>
+            <a:spcBef>
+              <a:spcPct val="0"/>
+            </a:spcBef>
+            <a:spcAft>
+              <a:spcPct val="35000"/>
+            </a:spcAft>
+            <a:buNone/>
+          </a:pPr>
+          <a:r>
+            <a:rPr lang="en-US" sz="1400" kern="1200" dirty="0"/>
+            <a:t>Front Matter</a:t>
+          </a:r>
+        </a:p>
+      </dsp:txBody>
+      <dsp:txXfrm rot="-5400000">
+        <a:off x="1" y="578968"/>
+        <a:ext cx="1154010" cy="494576"/>
+      </dsp:txXfrm>
+    </dsp:sp>
+    <dsp:sp modelId="{E1D4D930-9E2F-4C04-97E5-8705EA640702}">
+      <dsp:nvSpPr>
+        <dsp:cNvPr id="0" name=""/>
+        <dsp:cNvSpPr/>
+      </dsp:nvSpPr>
+      <dsp:spPr>
+        <a:xfrm rot="5400000">
+          <a:off x="4368117" y="-3214106"/>
+          <a:ext cx="1071581" cy="7499794"/>
+        </a:xfrm>
+        <a:prstGeom prst="round2SameRect">
+          <a:avLst/>
+        </a:prstGeom>
+        <a:solidFill>
+          <a:schemeClr val="lt1">
+            <a:alpha val="90000"/>
+            <a:hueOff val="0"/>
+            <a:satOff val="0"/>
+            <a:lumOff val="0"/>
+            <a:alphaOff val="0"/>
+          </a:schemeClr>
+        </a:solidFill>
+        <a:ln w="19050" cap="rnd" cmpd="sng" algn="ctr">
+          <a:solidFill>
+            <a:schemeClr val="accent1">
+              <a:hueOff val="0"/>
+              <a:satOff val="0"/>
+              <a:lumOff val="0"/>
+              <a:alphaOff val="0"/>
+            </a:schemeClr>
+          </a:solidFill>
+          <a:prstDash val="solid"/>
+        </a:ln>
+        <a:effectLst/>
+      </dsp:spPr>
+      <dsp:style>
+        <a:lnRef idx="2">
+          <a:scrgbClr r="0" g="0" b="0"/>
+        </a:lnRef>
+        <a:fillRef idx="1">
+          <a:scrgbClr r="0" g="0" b="0"/>
+        </a:fillRef>
+        <a:effectRef idx="0">
+          <a:scrgbClr r="0" g="0" b="0"/>
+        </a:effectRef>
+        <a:fontRef idx="minor"/>
+      </dsp:style>
+      <dsp:txBody>
+        <a:bodyPr spcFirstLastPara="0" vert="horz" wrap="square" lIns="142240" tIns="12700" rIns="12700" bIns="12700" numCol="1" spcCol="1270" anchor="ctr" anchorCtr="0">
+          <a:noAutofit/>
+        </a:bodyPr>
+        <a:lstStyle/>
+        <a:p>
+          <a:pPr marL="228600" lvl="1" indent="-228600" algn="l" defTabSz="889000">
+            <a:lnSpc>
+              <a:spcPct val="90000"/>
+            </a:lnSpc>
+            <a:spcBef>
+              <a:spcPct val="0"/>
+            </a:spcBef>
+            <a:spcAft>
+              <a:spcPct val="15000"/>
+            </a:spcAft>
+            <a:buChar char="•"/>
+          </a:pPr>
+          <a:r>
+            <a:rPr lang="en-US" sz="2000" kern="1200" dirty="0"/>
+            <a:t>Environment Variables</a:t>
+          </a:r>
+        </a:p>
+        <a:p>
+          <a:pPr marL="228600" lvl="1" indent="-228600" algn="l" defTabSz="889000">
+            <a:lnSpc>
+              <a:spcPct val="90000"/>
+            </a:lnSpc>
+            <a:spcBef>
+              <a:spcPct val="0"/>
+            </a:spcBef>
+            <a:spcAft>
+              <a:spcPct val="15000"/>
+            </a:spcAft>
+            <a:buChar char="•"/>
+          </a:pPr>
+          <a:r>
+            <a:rPr lang="en-US" sz="2000" kern="1200" dirty="0"/>
+            <a:t>Agent Metadata</a:t>
+          </a:r>
+        </a:p>
+        <a:p>
+          <a:pPr marL="228600" lvl="1" indent="-228600" algn="l" defTabSz="889000">
+            <a:lnSpc>
+              <a:spcPct val="90000"/>
+            </a:lnSpc>
+            <a:spcBef>
+              <a:spcPct val="0"/>
+            </a:spcBef>
+            <a:spcAft>
+              <a:spcPct val="15000"/>
+            </a:spcAft>
+            <a:buChar char="•"/>
+          </a:pPr>
+          <a:r>
+            <a:rPr lang="en-US" sz="2000" kern="1200" dirty="0"/>
+            <a:t>Workflow logic</a:t>
+          </a:r>
+        </a:p>
+      </dsp:txBody>
+      <dsp:txXfrm rot="-5400000">
+        <a:off x="1154011" y="52310"/>
+        <a:ext cx="7447484" cy="966961"/>
+      </dsp:txXfrm>
+    </dsp:sp>
+    <dsp:sp modelId="{4CC4B28E-F5CA-4647-8567-3775B19C495B}">
+      <dsp:nvSpPr>
+        <dsp:cNvPr id="0" name=""/>
+        <dsp:cNvSpPr/>
+      </dsp:nvSpPr>
+      <dsp:spPr>
+        <a:xfrm rot="5400000">
+          <a:off x="-247287" y="1704281"/>
+          <a:ext cx="1648586" cy="1154010"/>
+        </a:xfrm>
+        <a:prstGeom prst="chevron">
+          <a:avLst/>
+        </a:prstGeom>
+        <a:solidFill>
+          <a:schemeClr val="accent1">
+            <a:hueOff val="0"/>
+            <a:satOff val="0"/>
+            <a:lumOff val="0"/>
+            <a:alphaOff val="0"/>
+          </a:schemeClr>
+        </a:solidFill>
+        <a:ln w="19050" cap="rnd" cmpd="sng" algn="ctr">
+          <a:solidFill>
+            <a:schemeClr val="accent1">
+              <a:hueOff val="0"/>
+              <a:satOff val="0"/>
+              <a:lumOff val="0"/>
+              <a:alphaOff val="0"/>
+            </a:schemeClr>
+          </a:solidFill>
+          <a:prstDash val="solid"/>
+        </a:ln>
+        <a:effectLst/>
+      </dsp:spPr>
+      <dsp:style>
+        <a:lnRef idx="2">
+          <a:scrgbClr r="0" g="0" b="0"/>
+        </a:lnRef>
+        <a:fillRef idx="1">
+          <a:scrgbClr r="0" g="0" b="0"/>
+        </a:fillRef>
+        <a:effectRef idx="0">
+          <a:scrgbClr r="0" g="0" b="0"/>
+        </a:effectRef>
+        <a:fontRef idx="minor">
+          <a:schemeClr val="lt1"/>
+        </a:fontRef>
+      </dsp:style>
+      <dsp:txBody>
+        <a:bodyPr spcFirstLastPara="0" vert="horz" wrap="square" lIns="8890" tIns="8890" rIns="8890" bIns="8890" numCol="1" spcCol="1270" anchor="ctr" anchorCtr="0">
+          <a:noAutofit/>
+        </a:bodyPr>
+        <a:lstStyle/>
+        <a:p>
+          <a:pPr marL="0" lvl="0" indent="0" algn="ctr" defTabSz="622300">
+            <a:lnSpc>
+              <a:spcPct val="90000"/>
+            </a:lnSpc>
+            <a:spcBef>
+              <a:spcPct val="0"/>
+            </a:spcBef>
+            <a:spcAft>
+              <a:spcPct val="35000"/>
+            </a:spcAft>
+            <a:buNone/>
+          </a:pPr>
+          <a:r>
+            <a:rPr lang="en-US" sz="1400" kern="1200" dirty="0"/>
+            <a:t>Markdown</a:t>
+          </a:r>
+        </a:p>
+        <a:p>
+          <a:pPr marL="0" lvl="0" indent="0" algn="ctr" defTabSz="622300">
+            <a:lnSpc>
+              <a:spcPct val="90000"/>
+            </a:lnSpc>
+            <a:spcBef>
+              <a:spcPct val="0"/>
+            </a:spcBef>
+            <a:spcAft>
+              <a:spcPct val="35000"/>
+            </a:spcAft>
+            <a:buNone/>
+          </a:pPr>
+          <a:r>
+            <a:rPr lang="en-US" sz="1400" kern="1200" dirty="0"/>
+            <a:t>Body</a:t>
+          </a:r>
+        </a:p>
+      </dsp:txBody>
+      <dsp:txXfrm rot="-5400000">
+        <a:off x="1" y="2033998"/>
+        <a:ext cx="1154010" cy="494576"/>
+      </dsp:txXfrm>
+    </dsp:sp>
+    <dsp:sp modelId="{1E802513-725D-4991-95F2-CAD3E9921C01}">
+      <dsp:nvSpPr>
+        <dsp:cNvPr id="0" name=""/>
+        <dsp:cNvSpPr/>
+      </dsp:nvSpPr>
+      <dsp:spPr>
+        <a:xfrm rot="5400000">
+          <a:off x="4368117" y="-1757112"/>
+          <a:ext cx="1071581" cy="7499794"/>
+        </a:xfrm>
+        <a:prstGeom prst="round2SameRect">
+          <a:avLst/>
+        </a:prstGeom>
+        <a:solidFill>
+          <a:schemeClr val="lt1">
+            <a:alpha val="90000"/>
+            <a:hueOff val="0"/>
+            <a:satOff val="0"/>
+            <a:lumOff val="0"/>
+            <a:alphaOff val="0"/>
+          </a:schemeClr>
+        </a:solidFill>
+        <a:ln w="19050" cap="rnd" cmpd="sng" algn="ctr">
+          <a:solidFill>
+            <a:schemeClr val="accent1">
+              <a:hueOff val="0"/>
+              <a:satOff val="0"/>
+              <a:lumOff val="0"/>
+              <a:alphaOff val="0"/>
+            </a:schemeClr>
+          </a:solidFill>
+          <a:prstDash val="solid"/>
+        </a:ln>
+        <a:effectLst/>
+      </dsp:spPr>
+      <dsp:style>
+        <a:lnRef idx="2">
+          <a:scrgbClr r="0" g="0" b="0"/>
+        </a:lnRef>
+        <a:fillRef idx="1">
+          <a:scrgbClr r="0" g="0" b="0"/>
+        </a:fillRef>
+        <a:effectRef idx="0">
+          <a:scrgbClr r="0" g="0" b="0"/>
+        </a:effectRef>
+        <a:fontRef idx="minor"/>
+      </dsp:style>
+      <dsp:txBody>
+        <a:bodyPr spcFirstLastPara="0" vert="horz" wrap="square" lIns="142240" tIns="12700" rIns="12700" bIns="12700" numCol="1" spcCol="1270" anchor="ctr" anchorCtr="0">
+          <a:noAutofit/>
+        </a:bodyPr>
+        <a:lstStyle/>
+        <a:p>
+          <a:pPr marL="228600" lvl="1" indent="-228600" algn="l" defTabSz="889000">
+            <a:lnSpc>
+              <a:spcPct val="90000"/>
+            </a:lnSpc>
+            <a:spcBef>
+              <a:spcPct val="0"/>
+            </a:spcBef>
+            <a:spcAft>
+              <a:spcPct val="15000"/>
+            </a:spcAft>
+            <a:buChar char="•"/>
+          </a:pPr>
+          <a:r>
+            <a:rPr lang="en-US" sz="2000" kern="1200" dirty="0"/>
+            <a:t>Data Sourcing Requirements (RAG)</a:t>
+          </a:r>
+        </a:p>
+        <a:p>
+          <a:pPr marL="228600" lvl="1" indent="-228600" algn="l" defTabSz="889000">
+            <a:lnSpc>
+              <a:spcPct val="90000"/>
+            </a:lnSpc>
+            <a:spcBef>
+              <a:spcPct val="0"/>
+            </a:spcBef>
+            <a:spcAft>
+              <a:spcPct val="15000"/>
+            </a:spcAft>
+            <a:buChar char="•"/>
+          </a:pPr>
+          <a:r>
+            <a:rPr lang="en-US" sz="2000" kern="1200" dirty="0"/>
+            <a:t>Agent Processing Instructions</a:t>
+          </a:r>
+        </a:p>
+        <a:p>
+          <a:pPr marL="228600" lvl="1" indent="-228600" algn="l" defTabSz="889000">
+            <a:lnSpc>
+              <a:spcPct val="90000"/>
+            </a:lnSpc>
+            <a:spcBef>
+              <a:spcPct val="0"/>
+            </a:spcBef>
+            <a:spcAft>
+              <a:spcPct val="15000"/>
+            </a:spcAft>
+            <a:buChar char="•"/>
+          </a:pPr>
+          <a:r>
+            <a:rPr lang="en-US" sz="2000" kern="1200"/>
+            <a:t>Controls and Validation</a:t>
+          </a:r>
+          <a:endParaRPr lang="en-US" sz="2000" kern="1200" dirty="0"/>
+        </a:p>
+      </dsp:txBody>
+      <dsp:txXfrm rot="-5400000">
+        <a:off x="1154011" y="1509304"/>
+        <a:ext cx="7447484" cy="966961"/>
+      </dsp:txXfrm>
+    </dsp:sp>
+    <dsp:sp modelId="{CA51ED72-AD6D-4720-AE3A-600B7DE93D11}">
+      <dsp:nvSpPr>
+        <dsp:cNvPr id="0" name=""/>
+        <dsp:cNvSpPr/>
+      </dsp:nvSpPr>
+      <dsp:spPr>
+        <a:xfrm rot="5400000">
+          <a:off x="-247287" y="3159311"/>
+          <a:ext cx="1648586" cy="1154010"/>
+        </a:xfrm>
+        <a:prstGeom prst="chevron">
+          <a:avLst/>
+        </a:prstGeom>
+        <a:solidFill>
+          <a:schemeClr val="accent1">
+            <a:hueOff val="0"/>
+            <a:satOff val="0"/>
+            <a:lumOff val="0"/>
+            <a:alphaOff val="0"/>
+          </a:schemeClr>
+        </a:solidFill>
+        <a:ln w="19050" cap="rnd" cmpd="sng" algn="ctr">
+          <a:solidFill>
+            <a:schemeClr val="accent1">
+              <a:hueOff val="0"/>
+              <a:satOff val="0"/>
+              <a:lumOff val="0"/>
+              <a:alphaOff val="0"/>
+            </a:schemeClr>
+          </a:solidFill>
+          <a:prstDash val="solid"/>
+        </a:ln>
+        <a:effectLst/>
+      </dsp:spPr>
+      <dsp:style>
+        <a:lnRef idx="2">
+          <a:scrgbClr r="0" g="0" b="0"/>
+        </a:lnRef>
+        <a:fillRef idx="1">
+          <a:scrgbClr r="0" g="0" b="0"/>
+        </a:fillRef>
+        <a:effectRef idx="0">
+          <a:scrgbClr r="0" g="0" b="0"/>
+        </a:effectRef>
+        <a:fontRef idx="minor">
+          <a:schemeClr val="lt1"/>
+        </a:fontRef>
+      </dsp:style>
+      <dsp:txBody>
+        <a:bodyPr spcFirstLastPara="0" vert="horz" wrap="square" lIns="8890" tIns="8890" rIns="8890" bIns="8890" numCol="1" spcCol="1270" anchor="ctr" anchorCtr="0">
+          <a:noAutofit/>
+        </a:bodyPr>
+        <a:lstStyle/>
+        <a:p>
+          <a:pPr marL="0" lvl="0" indent="0" algn="ctr" defTabSz="622300">
+            <a:lnSpc>
+              <a:spcPct val="90000"/>
+            </a:lnSpc>
+            <a:spcBef>
+              <a:spcPct val="0"/>
+            </a:spcBef>
+            <a:spcAft>
+              <a:spcPct val="35000"/>
+            </a:spcAft>
+            <a:buNone/>
+          </a:pPr>
+          <a:r>
+            <a:rPr lang="en-US" sz="1400" kern="1200" dirty="0"/>
+            <a:t>Output Specification</a:t>
+          </a:r>
+        </a:p>
+      </dsp:txBody>
+      <dsp:txXfrm rot="-5400000">
+        <a:off x="1" y="3489028"/>
+        <a:ext cx="1154010" cy="494576"/>
+      </dsp:txXfrm>
+    </dsp:sp>
+    <dsp:sp modelId="{CE6CCE86-C1A0-4533-8DAA-A4186B8EC2B9}">
+      <dsp:nvSpPr>
+        <dsp:cNvPr id="0" name=""/>
+        <dsp:cNvSpPr/>
+      </dsp:nvSpPr>
+      <dsp:spPr>
+        <a:xfrm rot="5400000">
+          <a:off x="4368117" y="-302082"/>
+          <a:ext cx="1071581" cy="7499794"/>
+        </a:xfrm>
+        <a:prstGeom prst="round2SameRect">
+          <a:avLst/>
+        </a:prstGeom>
+        <a:solidFill>
+          <a:schemeClr val="lt1">
+            <a:alpha val="90000"/>
+            <a:hueOff val="0"/>
+            <a:satOff val="0"/>
+            <a:lumOff val="0"/>
+            <a:alphaOff val="0"/>
+          </a:schemeClr>
+        </a:solidFill>
+        <a:ln w="19050" cap="rnd" cmpd="sng" algn="ctr">
+          <a:solidFill>
+            <a:schemeClr val="accent1">
+              <a:hueOff val="0"/>
+              <a:satOff val="0"/>
+              <a:lumOff val="0"/>
+              <a:alphaOff val="0"/>
+            </a:schemeClr>
+          </a:solidFill>
+          <a:prstDash val="solid"/>
+        </a:ln>
+        <a:effectLst/>
+      </dsp:spPr>
+      <dsp:style>
+        <a:lnRef idx="2">
+          <a:scrgbClr r="0" g="0" b="0"/>
+        </a:lnRef>
+        <a:fillRef idx="1">
+          <a:scrgbClr r="0" g="0" b="0"/>
+        </a:fillRef>
+        <a:effectRef idx="0">
+          <a:scrgbClr r="0" g="0" b="0"/>
+        </a:effectRef>
+        <a:fontRef idx="minor"/>
+      </dsp:style>
+      <dsp:txBody>
+        <a:bodyPr spcFirstLastPara="0" vert="horz" wrap="square" lIns="142240" tIns="12700" rIns="12700" bIns="12700" numCol="1" spcCol="1270" anchor="ctr" anchorCtr="0">
+          <a:noAutofit/>
+        </a:bodyPr>
+        <a:lstStyle/>
+        <a:p>
+          <a:pPr marL="228600" lvl="1" indent="-228600" algn="l" defTabSz="889000">
+            <a:lnSpc>
+              <a:spcPct val="90000"/>
+            </a:lnSpc>
+            <a:spcBef>
+              <a:spcPct val="0"/>
+            </a:spcBef>
+            <a:spcAft>
+              <a:spcPct val="15000"/>
+            </a:spcAft>
+            <a:buChar char="•"/>
+          </a:pPr>
+          <a:r>
+            <a:rPr lang="en-US" sz="2000" kern="1200" dirty="0"/>
+            <a:t>Report Format</a:t>
+          </a:r>
+        </a:p>
+        <a:p>
+          <a:pPr marL="228600" lvl="1" indent="-228600" algn="l" defTabSz="889000">
+            <a:lnSpc>
+              <a:spcPct val="90000"/>
+            </a:lnSpc>
+            <a:spcBef>
+              <a:spcPct val="0"/>
+            </a:spcBef>
+            <a:spcAft>
+              <a:spcPct val="15000"/>
+            </a:spcAft>
+            <a:buChar char="•"/>
+          </a:pPr>
+          <a:r>
+            <a:rPr lang="en-US" sz="2000" kern="1200" dirty="0"/>
+            <a:t>Validation Summary</a:t>
+          </a:r>
+        </a:p>
+      </dsp:txBody>
+      <dsp:txXfrm rot="-5400000">
+        <a:off x="1154011" y="2964334"/>
+        <a:ext cx="7447484" cy="966961"/>
+      </dsp:txXfrm>
+    </dsp:sp>
+  </dsp:spTree>
+</dsp:drawing>
+</file>
+
+<file path=ppt/diagrams/layout1.xml><?xml version="1.0" encoding="utf-8"?>
+<dgm:layoutDef xmlns:dgm="http://schemas.openxmlformats.org/drawingml/2006/diagram" xmlns:a="http://schemas.openxmlformats.org/drawingml/2006/main" uniqueId="urn:microsoft.com/office/officeart/2005/8/layout/chevron2">
+  <dgm:title val=""/>
+  <dgm:desc val=""/>
+  <dgm:catLst>
+    <dgm:cat type="process" pri="12000"/>
+    <dgm:cat type="list" pri="16000"/>
+    <dgm:cat type="convert" pri="11000"/>
+  </dgm:catLst>
+  <dgm:sampData>
+    <dgm:dataModel>
+      <dgm:ptLst>
+        <dgm:pt modelId="0" type="doc"/>
+        <dgm:pt modelId="1">
+          <dgm:prSet phldr="1"/>
+        </dgm:pt>
+        <dgm:pt modelId="11">
+          <dgm:prSet phldr="1"/>
+        </dgm:pt>
+        <dgm:pt modelId="12">
+          <dgm:prSet phldr="1"/>
+        </dgm:pt>
+        <dgm:pt modelId="2">
+          <dgm:prSet phldr="1"/>
+        </dgm:pt>
+        <dgm:pt modelId="21">
+          <dgm:prSet phldr="1"/>
+        </dgm:pt>
+        <dgm:pt modelId="22">
+          <dgm:prSet phldr="1"/>
+        </dgm:pt>
+        <dgm:pt modelId="3">
+          <dgm:prSet phldr="1"/>
+        </dgm:pt>
+        <dgm:pt modelId="31">
+          <dgm:prSet phldr="1"/>
+        </dgm:pt>
+        <dgm:pt modelId="32">
+          <dgm:prSet phldr="1"/>
+        </dgm:pt>
+      </dgm:ptLst>
+      <dgm:cxnLst>
+        <dgm:cxn modelId="4" srcId="0" destId="1" srcOrd="0" destOrd="0"/>
+        <dgm:cxn modelId="5" srcId="0" destId="2" srcOrd="1" destOrd="0"/>
+        <dgm:cxn modelId="6" srcId="0" destId="3" srcOrd="2" destOrd="0"/>
+        <dgm:cxn modelId="13" srcId="1" destId="11" srcOrd="0" destOrd="0"/>
+        <dgm:cxn modelId="14" srcId="1" destId="12" srcOrd="1" destOrd="0"/>
+        <dgm:cxn modelId="23" srcId="2" destId="21" srcOrd="0" destOrd="0"/>
+        <dgm:cxn modelId="24" srcId="2" destId="22" srcOrd="1" destOrd="0"/>
+        <dgm:cxn modelId="33" srcId="3" destId="31" srcOrd="0" destOrd="0"/>
+        <dgm:cxn modelId="34" srcId="3" destId="32" srcOrd="1" destOrd="0"/>
+      </dgm:cxnLst>
+      <dgm:bg/>
+      <dgm:whole/>
+    </dgm:dataModel>
+  </dgm:sampData>
+  <dgm:styleData>
+    <dgm:dataModel>
+      <dgm:ptLst>
+        <dgm:pt modelId="0" type="doc"/>
+        <dgm:pt modelId="1"/>
+      </dgm:ptLst>
+      <dgm:cxnLst>
+        <dgm:cxn modelId="4" srcId="0" destId="1" srcOrd="0" destOrd="0"/>
+      </dgm:cxnLst>
+      <dgm:bg/>
+      <dgm:whole/>
+    </dgm:dataModel>
+  </dgm:styleData>
+  <dgm:clrData>
+    <dgm:dataModel>
+      <dgm:ptLst>
+        <dgm:pt modelId="0" type="doc"/>
+        <dgm:pt modelId="1"/>
+        <dgm:pt modelId="11"/>
+        <dgm:pt modelId="2"/>
+        <dgm:pt modelId="21"/>
+        <dgm:pt modelId="3"/>
+        <dgm:pt modelId="31"/>
+        <dgm:pt modelId="4"/>
+        <dgm:pt modelId="41"/>
+      </dgm:ptLst>
+      <dgm:cxnLst>
+        <dgm:cxn modelId="5" srcId="0" destId="1" srcOrd="0" destOrd="0"/>
+        <dgm:cxn modelId="6" srcId="0" destId="2" srcOrd="1" destOrd="0"/>
+        <dgm:cxn modelId="7" srcId="0" destId="3" srcOrd="2" destOrd="0"/>
+        <dgm:cxn modelId="8" srcId="0" destId="4" srcOrd="3" destOrd="0"/>
+        <dgm:cxn modelId="13" srcId="1" destId="11" srcOrd="0" destOrd="0"/>
+        <dgm:cxn modelId="23" srcId="2" destId="21" srcOrd="0" destOrd="0"/>
+        <dgm:cxn modelId="33" srcId="3" destId="31" srcOrd="0" destOrd="0"/>
+        <dgm:cxn modelId="43" srcId="4" destId="41" srcOrd="0" destOrd="0"/>
+      </dgm:cxnLst>
+      <dgm:bg/>
+      <dgm:whole/>
+    </dgm:dataModel>
+  </dgm:clrData>
+  <dgm:layoutNode name="linearFlow">
+    <dgm:varLst>
+      <dgm:dir/>
+      <dgm:animLvl val="lvl"/>
+      <dgm:resizeHandles val="exact"/>
+    </dgm:varLst>
+    <dgm:alg type="lin">
+      <dgm:param type="linDir" val="fromT"/>
+      <dgm:param type="nodeHorzAlign" val="l"/>
+    </dgm:alg>
+    <dgm:shape xmlns:r="http://schemas.openxmlformats.org/officeDocument/2006/relationships" r:blip="">
+      <dgm:adjLst/>
+    </dgm:shape>
+    <dgm:presOf/>
+    <dgm:constrLst>
+      <dgm:constr type="h" for="ch" forName="composite" refType="h"/>
+      <dgm:constr type="w" for="ch" forName="composite" refType="w"/>
+      <dgm:constr type="h" for="des" forName="parentText" op="equ"/>
+      <dgm:constr type="h" for="ch" forName="sp" val="-14.88"/>
+      <dgm:constr type="h" for="ch" forName="sp" refType="w" refFor="des" refForName="parentText" op="gte" fact="-0.3"/>
+      <dgm:constr type="primFontSz" for="des" forName="parentText" op="equ" val="65"/>
+      <dgm:constr type="primFontSz" for="des" forName="descendantText" op="equ" val="65"/>
+    </dgm:constrLst>
+    <dgm:ruleLst/>
+    <dgm:forEach name="Name0" axis="ch" ptType="node">
+      <dgm:layoutNode name="composite">
+        <dgm:alg type="composite"/>
+        <dgm:shape xmlns:r="http://schemas.openxmlformats.org/officeDocument/2006/relationships" r:blip="">
+          <dgm:adjLst/>
+        </dgm:shape>
+        <dgm:presOf/>
+        <dgm:choose name="Name1">
+          <dgm:if name="Name2" func="var" arg="dir" op="equ" val="norm">
+            <dgm:constrLst>
+              <dgm:constr type="t" for="ch" forName="parentText"/>
+              <dgm:constr type="l" for="ch" forName="parentText"/>
+              <dgm:constr type="w" for="ch" forName="parentText" refType="w" fact="0.4"/>
+              <dgm:constr type="h" for="ch" forName="parentText" refType="h"/>
+              <dgm:constr type="w" for="ch" forName="parentText" refType="w" op="lte" fact="0.5"/>
+              <dgm:constr type="w" for="ch" forName="parentText" refType="h" refFor="ch" refForName="parentText" op="lte" fact="0.7"/>
+              <dgm:constr type="h" for="ch" forName="parentText" refType="w" refFor="ch" refForName="parentText" op="lte" fact="3"/>
+              <dgm:constr type="l" for="ch" forName="descendantText" refType="w" refFor="ch" refForName="parentText"/>
+              <dgm:constr type="w" for="ch" forName="descendantText" refType="w"/>
+              <dgm:constr type="wOff" for="ch" forName="descendantText" refType="w" refFor="ch" refForName="parentText" fact="-1"/>
+              <dgm:constr type="t" for="ch" forName="descendantText"/>
+              <dgm:constr type="b" for="ch" forName="descendantText" refType="h" refFor="ch" refForName="parentText"/>
+              <dgm:constr type="bOff" for="ch" forName="descendantText" refType="w" refFor="ch" refForName="parentText" fact="-0.5"/>
+            </dgm:constrLst>
+          </dgm:if>
+          <dgm:else name="Name3">
+            <dgm:constrLst>
+              <dgm:constr type="t" for="ch" forName="parentText"/>
+              <dgm:constr type="r" for="ch" forName="parentText" refType="w"/>
+              <dgm:constr type="w" for="ch" forName="parentText" refType="w" fact="0.4"/>
+              <dgm:constr type="h" for="ch" forName="parentText" refType="h"/>
+              <dgm:constr type="w" for="ch" forName="parentText" refType="w" op="lte" fact="0.5"/>
+              <dgm:constr type="w" for="ch" forName="parentText" refType="h" refFor="ch" refForName="parentText" op="lte" fact="0.7"/>
+              <dgm:constr type="h" for="ch" forName="parentText" refType="w" refFor="ch" refForName="parentText" op="lte" fact="3"/>
+              <dgm:constr type="l" for="ch" forName="descendantText"/>
+              <dgm:constr type="w" for="ch" forName="descendantText" refType="w"/>
+              <dgm:constr type="wOff" for="ch" forName="descendantText" refType="w" refFor="ch" refForName="parentText" fact="-1"/>
+              <dgm:constr type="t" for="ch" forName="descendantText"/>
+              <dgm:constr type="b" for="ch" forName="descendantText" refType="h" refFor="ch" refForName="parentText"/>
+              <dgm:constr type="bOff" for="ch" forName="descendantText" refType="w" refFor="ch" refForName="parentText" fact="-0.5"/>
+            </dgm:constrLst>
+          </dgm:else>
+        </dgm:choose>
+        <dgm:ruleLst/>
+        <dgm:layoutNode name="parentText" styleLbl="alignNode1">
+          <dgm:varLst>
+            <dgm:chMax val="1"/>
+            <dgm:bulletEnabled val="1"/>
+          </dgm:varLst>
+          <dgm:alg type="tx"/>
+          <dgm:shape xmlns:r="http://schemas.openxmlformats.org/officeDocument/2006/relationships" rot="90" type="chevron" r:blip="">
+            <dgm:adjLst/>
+          </dgm:shape>
+          <dgm:presOf axis="self" ptType="node"/>
+          <dgm:constrLst>
+            <dgm:constr type="lMarg" refType="primFontSz" fact="0.05"/>
+            <dgm:constr type="rMarg" refType="primFontSz" fact="0.05"/>
+            <dgm:constr type="tMarg" refType="primFontSz" fact="0.05"/>
+            <dgm:constr type="bMarg" refType="primFontSz" fact="0.05"/>
+          </dgm:constrLst>
+          <dgm:ruleLst>
+            <dgm:rule type="h" val="100" fact="NaN" max="NaN"/>
+            <dgm:rule type="primFontSz" val="24" fact="NaN" max="NaN"/>
+            <dgm:rule type="h" val="110" fact="NaN" max="NaN"/>
+            <dgm:rule type="primFontSz" val="18" fact="NaN" max="NaN"/>
+            <dgm:rule type="h" val="INF" fact="NaN" max="NaN"/>
+            <dgm:rule type="primFontSz" val="5" fact="NaN" max="NaN"/>
+          </dgm:ruleLst>
+        </dgm:layoutNode>
+        <dgm:layoutNode name="descendantText" styleLbl="alignAcc1">
+          <dgm:varLst>
+            <dgm:bulletEnabled val="1"/>
+          </dgm:varLst>
+          <dgm:choose name="Name4">
+            <dgm:if name="Name5" func="var" arg="dir" op="equ" val="norm">
+              <dgm:alg type="tx">
+                <dgm:param type="stBulletLvl" val="1"/>
+                <dgm:param type="txAnchorVertCh" val="mid"/>
+              </dgm:alg>
+              <dgm:shape xmlns:r="http://schemas.openxmlformats.org/officeDocument/2006/relationships" rot="90" type="round2SameRect" r:blip="">
+                <dgm:adjLst/>
+              </dgm:shape>
+            </dgm:if>
+            <dgm:else name="Name6">
+              <dgm:alg type="tx">
+                <dgm:param type="stBulletLvl" val="1"/>
+                <dgm:param type="txAnchorVertCh" val="mid"/>
+              </dgm:alg>
+              <dgm:shape xmlns:r="http://schemas.openxmlformats.org/officeDocument/2006/relationships" rot="-90" type="round2SameRect" r:blip="">
+                <dgm:adjLst/>
+              </dgm:shape>
+            </dgm:else>
+          </dgm:choose>
+          <dgm:presOf axis="des" ptType="node"/>
+          <dgm:choose name="Name7">
+            <dgm:if name="Name8" func="var" arg="dir" op="equ" val="norm">
+              <dgm:constrLst>
+                <dgm:constr type="secFontSz" refType="primFontSz"/>
+                <dgm:constr type="tMarg" refType="primFontSz" fact="0.05"/>
+                <dgm:constr type="bMarg" refType="primFontSz" fact="0.05"/>
+                <dgm:constr type="rMarg" refType="primFontSz" fact="0.05"/>
+              </dgm:constrLst>
+            </dgm:if>
+            <dgm:else name="Name9">
+              <dgm:constrLst>
+                <dgm:constr type="secFontSz" refType="primFontSz"/>
+                <dgm:constr type="tMarg" refType="primFontSz" fact="0.05"/>
+                <dgm:constr type="bMarg" refType="primFontSz" fact="0.05"/>
+                <dgm:constr type="lMarg" refType="primFontSz" fact="0.05"/>
+              </dgm:constrLst>
+            </dgm:else>
+          </dgm:choose>
+          <dgm:ruleLst>
+            <dgm:rule type="primFontSz" val="5" fact="NaN" max="NaN"/>
+          </dgm:ruleLst>
+        </dgm:layoutNode>
+      </dgm:layoutNode>
+      <dgm:forEach name="Name10" axis="followSib" ptType="sibTrans" cnt="1">
+        <dgm:layoutNode name="sp">
+          <dgm:alg type="sp"/>
+          <dgm:shape xmlns:r="http://schemas.openxmlformats.org/officeDocument/2006/relationships" r:blip="">
+            <dgm:adjLst/>
+          </dgm:shape>
+          <dgm:presOf axis="self"/>
+          <dgm:constrLst>
+            <dgm:constr type="w" val="1"/>
+            <dgm:constr type="h" val="37.5"/>
+          </dgm:constrLst>
+          <dgm:ruleLst/>
+        </dgm:layoutNode>
+      </dgm:forEach>
+    </dgm:forEach>
+  </dgm:layoutNode>
+</dgm:layoutDef>
+</file>
+
+<file path=ppt/diagrams/quickStyle1.xml><?xml version="1.0" encoding="utf-8"?>
+<dgm:styleDef xmlns:dgm="http://schemas.openxmlformats.org/drawingml/2006/diagram" xmlns:a="http://schemas.openxmlformats.org/drawingml/2006/main" uniqueId="urn:microsoft.com/office/officeart/2005/8/quickstyle/simple1">
+  <dgm:title val=""/>
+  <dgm:desc val=""/>
+  <dgm:catLst>
+    <dgm:cat type="simple" pri="10100"/>
+  </dgm:catLst>
+  <dgm:scene3d>
+    <a:camera prst="orthographicFront"/>
+    <a:lightRig rig="threePt" dir="t"/>
+  </dgm:scene3d>
+  <dgm:styleLbl name="node0">
+    <dgm:scene3d>
+      <a:camera prst="orthographicFront"/>
+      <a:lightRig rig="threePt" dir="t"/>
+    </dgm:scene3d>
+    <dgm:sp3d/>
+    <dgm:txPr/>
+    <dgm:style>
+      <a:lnRef idx="2">
+        <a:scrgbClr r="0" g="0" b="0"/>
+      </a:lnRef>
+      <a:fillRef idx="1">
+        <a:scrgbClr r="0" g="0" b="0"/>
+      </a:fillRef>
+      <a:effectRef idx="0">
+        <a:scrgbClr r="0" g="0" b="0"/>
+      </a:effectRef>
+      <a:fontRef idx="minor">
+        <a:schemeClr val="lt1"/>
+      </a:fontRef>
+    </dgm:style>
+  </dgm:styleLbl>
+  <dgm:styleLbl name="lnNode1">
+    <dgm:scene3d>
+      <a:camera prst="orthographicFront"/>
+      <a:lightRig rig="threePt" dir="t"/>
+    </dgm:scene3d>
+    <dgm:sp3d/>
+    <dgm:txPr/>
+    <dgm:style>
+      <a:lnRef idx="2">
+        <a:scrgbClr r="0" g="0" b="0"/>
+      </a:lnRef>
+      <a:fillRef idx="1">
+        <a:scrgbClr r="0" g="0" b="0"/>
+      </a:fillRef>
+      <a:effectRef idx="0">
+        <a:scrgbClr r="0" g="0" b="0"/>
+      </a:effectRef>
+      <a:fontRef idx="minor">
+        <a:schemeClr val="lt1"/>
+      </a:fontRef>
+    </dgm:style>
+  </dgm:styleLbl>
+  <dgm:styleLbl name="vennNode1">
+    <dgm:scene3d>
+      <a:camera prst="orthographicFront"/>
+      <a:lightRig rig="threePt" dir="t"/>
+    </dgm:scene3d>
+    <dgm:sp3d/>
+    <dgm:txPr/>
+    <dgm:style>
+      <a:lnRef idx="2">
+        <a:scrgbClr r="0" g="0" b="0"/>
+      </a:lnRef>
+      <a:fillRef idx="1">
+        <a:scrgbClr r="0" g="0" b="0"/>
+      </a:fillRef>
+      <a:effectRef idx="0">
+        <a:scrgbClr r="0" g="0" b="0"/>
+      </a:effectRef>
+      <a:fontRef idx="minor">
+        <a:schemeClr val="tx1"/>
+      </a:fontRef>
+    </dgm:style>
+  </dgm:styleLbl>
+  <dgm:styleLbl name="alignNode1">
+    <dgm:scene3d>
+      <a:camera prst="orthographicFront"/>
+      <a:lightRig rig="threePt" dir="t"/>
+    </dgm:scene3d>
+    <dgm:sp3d/>
+    <dgm:txPr/>
+    <dgm:style>
+      <a:lnRef idx="2">
+        <a:scrgbClr r="0" g="0" b="0"/>
+      </a:lnRef>
+      <a:fillRef idx="1">
+        <a:scrgbClr r="0" g="0" b="0"/>
+      </a:fillRef>
+      <a:effectRef idx="0">
+        <a:scrgbClr r="0" g="0" b="0"/>
+      </a:effectRef>
+      <a:fontRef idx="minor">
+        <a:schemeClr val="lt1"/>
+      </a:fontRef>
+    </dgm:style>
+  </dgm:styleLbl>
+  <dgm:styleLbl name="node1">
+    <dgm:scene3d>
+      <a:camera prst="orthographicFront"/>
+      <a:lightRig rig="threePt" dir="t"/>
+    </dgm:scene3d>
+    <dgm:sp3d/>
+    <dgm:txPr/>
+    <dgm:style>
+      <a:lnRef idx="2">
+        <a:scrgbClr r="0" g="0" b="0"/>
+      </a:lnRef>
+      <a:fillRef idx="1">
+        <a:scrgbClr r="0" g="0" b="0"/>
+      </a:fillRef>
+      <a:effectRef idx="0">
+        <a:scrgbClr r="0" g="0" b="0"/>
+      </a:effectRef>
+      <a:fontRef idx="minor">
+        <a:schemeClr val="lt1"/>
+      </a:fontRef>
+    </dgm:style>
+  </dgm:styleLbl>
+  <dgm:styleLbl name="node2">
+    <dgm:scene3d>
+      <a:camera prst="orthographicFront"/>
+      <a:lightRig rig="threePt" dir="t"/>
+    </dgm:scene3d>
+    <dgm:sp3d/>
+    <dgm:txPr/>
+    <dgm:style>
+      <a:lnRef idx="2">
+        <a:scrgbClr r="0" g="0" b="0"/>
+      </a:lnRef>
+      <a:fillRef idx="1">
+        <a:scrgbClr r="0" g="0" b="0"/>
+      </a:fillRef>
+      <a:effectRef idx="0">
+        <a:scrgbClr r="0" g="0" b="0"/>
+      </a:effectRef>
+      <a:fontRef idx="minor">
+        <a:schemeClr val="lt1"/>
+      </a:fontRef>
+    </dgm:style>
+  </dgm:styleLbl>
+  <dgm:styleLbl name="node3">
+    <dgm:scene3d>
+      <a:camera prst="orthographicFront"/>
+      <a:lightRig rig="threePt" dir="t"/>
+    </dgm:scene3d>
+    <dgm:sp3d/>
+    <dgm:txPr/>
+    <dgm:style>
+      <a:lnRef idx="2">
+        <a:scrgbClr r="0" g="0" b="0"/>
+      </a:lnRef>
+      <a:fillRef idx="1">
+        <a:scrgbClr r="0" g="0" b="0"/>
+      </a:fillRef>
+      <a:effectRef idx="0">
+        <a:scrgbClr r="0" g="0" b="0"/>
+      </a:effectRef>
+      <a:fontRef idx="minor">
+        <a:schemeClr val="lt1"/>
+      </a:fontRef>
+    </dgm:style>
+  </dgm:styleLbl>
+  <dgm:styleLbl name="node4">
+    <dgm:scene3d>
+      <a:camera prst="orthographicFront"/>
+      <a:lightRig rig="threePt" dir="t"/>
+    </dgm:scene3d>
+    <dgm:sp3d/>
+    <dgm:txPr/>
+    <dgm:style>
+      <a:lnRef idx="2">
+        <a:scrgbClr r="0" g="0" b="0"/>
+      </a:lnRef>
+      <a:fillRef idx="1">
+        <a:scrgbClr r="0" g="0" b="0"/>
+      </a:fillRef>
+      <a:effectRef idx="0">
+        <a:scrgbClr r="0" g="0" b="0"/>
+      </a:effectRef>
+      <a:fontRef idx="minor">
+        <a:schemeClr val="lt1"/>
+      </a:fontRef>
+    </dgm:style>
+  </dgm:styleLbl>
+  <dgm:styleLbl name="fgImgPlace1">
+    <dgm:scene3d>
+      <a:camera prst="orthographicFront"/>
+      <a:lightRig rig="threePt" dir="t"/>
+    </dgm:scene3d>
+    <dgm:sp3d/>
+    <dgm:txPr/>
+    <dgm:style>
+      <a:lnRef idx="2">
+        <a:scrgbClr r="0" g="0" b="0"/>
+      </a:lnRef>
+      <a:fillRef idx="1">
+        <a:scrgbClr r="0" g="0" b="0"/>
+      </a:fillRef>
+      <a:effectRef idx="0">
+        <a:scrgbClr r="0" g="0" b="0"/>
+      </a:effectRef>
+      <a:fontRef idx="minor"/>
+    </dgm:style>
+  </dgm:styleLbl>
+  <dgm:styleLbl name="alignImgPlace1">
+    <dgm:scene3d>
+      <a:camera prst="orthographicFront"/>
+      <a:lightRig rig="threePt" dir="t"/>
+    </dgm:scene3d>
+    <dgm:sp3d/>
+    <dgm:txPr/>
+    <dgm:style>
+      <a:lnRef idx="2">
+        <a:scrgbClr r="0" g="0" b="0"/>
+      </a:lnRef>
+      <a:fillRef idx="1">
+        <a:scrgbClr r="0" g="0" b="0"/>
+      </a:fillRef>
+      <a:effectRef idx="0">
+        <a:scrgbClr r="0" g="0" b="0"/>
+      </a:effectRef>
+      <a:fontRef idx="minor"/>
+    </dgm:style>
+  </dgm:styleLbl>
+  <dgm:styleLbl name="bgImgPlace1">
+    <dgm:scene3d>
+      <a:camera prst="orthographicFront"/>
+      <a:lightRig rig="threePt" dir="t"/>
+    </dgm:scene3d>
+    <dgm:sp3d/>
+    <dgm:txPr/>
+    <dgm:style>
+      <a:lnRef idx="2">
+        <a:scrgbClr r="0" g="0" b="0"/>
+      </a:lnRef>
+      <a:fillRef idx="1">
+        <a:scrgbClr r="0" g="0" b="0"/>
+      </a:fillRef>
+      <a:effectRef idx="0">
+        <a:scrgbClr r="0" g="0" b="0"/>
+      </a:effectRef>
+      <a:fontRef idx="minor"/>
+    </dgm:style>
+  </dgm:styleLbl>
+  <dgm:styleLbl name="sibTrans2D1">
+    <dgm:scene3d>
+      <a:camera prst="orthographicFront"/>
+      <a:lightRig rig="threePt" dir="t"/>
+    </dgm:scene3d>
+    <dgm:sp3d/>
+    <dgm:txPr/>
+    <dgm:style>
+      <a:lnRef idx="0">
+        <a:scrgbClr r="0" g="0" b="0"/>
+      </a:lnRef>
+      <a:fillRef idx="1">
+        <a:scrgbClr r="0" g="0" b="0"/>
+      </a:fillRef>
+      <a:effectRef idx="0">
+        <a:scrgbClr r="0" g="0" b="0"/>
+      </a:effectRef>
+      <a:fontRef idx="minor">
+        <a:schemeClr val="lt1"/>
+      </a:fontRef>
+    </dgm:style>
+  </dgm:styleLbl>
+  <dgm:styleLbl name="fgSibTrans2D1">
+    <dgm:scene3d>
+      <a:camera prst="orthographicFront"/>
+      <a:lightRig rig="threePt" dir="t"/>
+    </dgm:scene3d>
+    <dgm:sp3d/>
+    <dgm:txPr/>
+    <dgm:style>
+      <a:lnRef idx="0">
+        <a:scrgbClr r="0" g="0" b="0"/>
+      </a:lnRef>
+      <a:fillRef idx="1">
+        <a:scrgbClr r="0" g="0" b="0"/>
+      </a:fillRef>
+      <a:effectRef idx="0">
+        <a:scrgbClr r="0" g="0" b="0"/>
+      </a:effectRef>
+      <a:fontRef idx="minor">
+        <a:schemeClr val="lt1"/>
+      </a:fontRef>
+    </dgm:style>
+  </dgm:styleLbl>
+  <dgm:styleLbl name="bgSibTrans2D1">
+    <dgm:scene3d>
+      <a:camera prst="orthographicFront"/>
+      <a:lightRig rig="threePt" dir="t"/>
+    </dgm:scene3d>
+    <dgm:sp3d/>
+    <dgm:txPr/>
+    <dgm:style>
+      <a:lnRef idx="0">
+        <a:scrgbClr r="0" g="0" b="0"/>
+      </a:lnRef>
+      <a:fillRef idx="1">
+        <a:scrgbClr r="0" g="0" b="0"/>
+      </a:fillRef>
+      <a:effectRef idx="0">
+        <a:scrgbClr r="0" g="0" b="0"/>
+      </a:effectRef>
+      <a:fontRef idx="minor">
+        <a:schemeClr val="lt1"/>
+      </a:fontRef>
+    </dgm:style>
+  </dgm:styleLbl>
+  <dgm:styleLbl name="sibTrans1D1">
+    <dgm:scene3d>
+      <a:camera prst="orthographicFront"/>
+      <a:lightRig rig="threePt" dir="t"/>
+    </dgm:scene3d>
+    <dgm:sp3d/>
+    <dgm:txPr/>
+    <dgm:style>
+      <a:lnRef idx="1">
+        <a:scrgbClr r="0" g="0" b="0"/>
+      </a:lnRef>
+      <a:fillRef idx="0">
+        <a:scrgbClr r="0" g="0" b="0"/>
+      </a:fillRef>
+      <a:effectRef idx="0">
+        <a:scrgbClr r="0" g="0" b="0"/>
+      </a:effectRef>
+      <a:fontRef idx="minor"/>
+    </dgm:style>
+  </dgm:styleLbl>
+  <dgm:styleLbl name="callout">
+    <dgm:scene3d>
+      <a:camera prst="orthographicFront"/>
+      <a:lightRig rig="threePt" dir="t"/>
+    </dgm:scene3d>
+    <dgm:sp3d/>
+    <dgm:txPr/>
+    <dgm:style>
+      <a:lnRef idx="2">
+        <a:scrgbClr r="0" g="0" b="0"/>
+      </a:lnRef>
+      <a:fillRef idx="1">
+        <a:scrgbClr r="0" g="0" b="0"/>
+      </a:fillRef>
+      <a:effectRef idx="0">
+        <a:scrgbClr r="0" g="0" b="0"/>
+      </a:effectRef>
+      <a:fontRef idx="minor"/>
+    </dgm:style>
+  </dgm:styleLbl>
+  <dgm:styleLbl name="asst0">
+    <dgm:scene3d>
+      <a:camera prst="orthographicFront"/>
+      <a:lightRig rig="threePt" dir="t"/>
+    </dgm:scene3d>
+    <dgm:sp3d/>
+    <dgm:txPr/>
+    <dgm:style>
+      <a:lnRef idx="2">
+        <a:scrgbClr r="0" g="0" b="0"/>
+      </a:lnRef>
+      <a:fillRef idx="1">
+        <a:scrgbClr r="0" g="0" b="0"/>
+      </a:fillRef>
+      <a:effectRef idx="0">
+        <a:scrgbClr r="0" g="0" b="0"/>
+      </a:effectRef>
+      <a:fontRef idx="minor">
+        <a:schemeClr val="lt1"/>
+      </a:fontRef>
+    </dgm:style>
+  </dgm:styleLbl>
+  <dgm:styleLbl name="asst1">
+    <dgm:scene3d>
+      <a:camera prst="orthographicFront"/>
+      <a:lightRig rig="threePt" dir="t"/>
+    </dgm:scene3d>
+    <dgm:sp3d/>
+    <dgm:txPr/>
+    <dgm:style>
+      <a:lnRef idx="2">
+        <a:scrgbClr r="0" g="0" b="0"/>
+      </a:lnRef>
+      <a:fillRef idx="1">
+        <a:scrgbClr r="0" g="0" b="0"/>
+      </a:fillRef>
+      <a:effectRef idx="0">
+        <a:scrgbClr r="0" g="0" b="0"/>
+      </a:effectRef>
+      <a:fontRef idx="minor">
+        <a:schemeClr val="lt1"/>
+      </a:fontRef>
+    </dgm:style>
+  </dgm:styleLbl>
+  <dgm:styleLbl name="asst2">
+    <dgm:scene3d>
+      <a:camera prst="orthographicFront"/>
+      <a:lightRig rig="threePt" dir="t"/>
+    </dgm:scene3d>
+    <dgm:sp3d/>
+    <dgm:txPr/>
+    <dgm:style>
+      <a:lnRef idx="2">
+        <a:scrgbClr r="0" g="0" b="0"/>
+      </a:lnRef>
+      <a:fillRef idx="1">
+        <a:scrgbClr r="0" g="0" b="0"/>
+      </a:fillRef>
+      <a:effectRef idx="0">
+        <a:scrgbClr r="0" g="0" b="0"/>
+      </a:effectRef>
+      <a:fontRef idx="minor">
+        <a:schemeClr val="lt1"/>
+      </a:fontRef>
+    </dgm:style>
+  </dgm:styleLbl>
+  <dgm:styleLbl name="asst3">
+    <dgm:scene3d>
+      <a:camera prst="orthographicFront"/>
+      <a:lightRig rig="threePt" dir="t"/>
+    </dgm:scene3d>
+    <dgm:sp3d/>
+    <dgm:txPr/>
+    <dgm:style>
+      <a:lnRef idx="2">
+        <a:scrgbClr r="0" g="0" b="0"/>
+      </a:lnRef>
+      <a:fillRef idx="1">
+        <a:scrgbClr r="0" g="0" b="0"/>
+      </a:fillRef>
+      <a:effectRef idx="0">
+        <a:scrgbClr r="0" g="0" b="0"/>
+      </a:effectRef>
+      <a:fontRef idx="minor">
+        <a:schemeClr val="lt1"/>
+      </a:fontRef>
+    </dgm:style>
+  </dgm:styleLbl>
+  <dgm:styleLbl name="asst4">
+    <dgm:scene3d>
+      <a:camera prst="orthographicFront"/>
+      <a:lightRig rig="threePt" dir="t"/>
+    </dgm:scene3d>
+    <dgm:sp3d/>
+    <dgm:txPr/>
+    <dgm:style>
+      <a:lnRef idx="2">
+        <a:scrgbClr r="0" g="0" b="0"/>
+      </a:lnRef>
+      <a:fillRef idx="1">
+        <a:scrgbClr r="0" g="0" b="0"/>
+      </a:fillRef>
+      <a:effectRef idx="0">
+        <a:scrgbClr r="0" g="0" b="0"/>
+      </a:effectRef>
+      <a:fontRef idx="minor">
+        <a:schemeClr val="lt1"/>
+      </a:fontRef>
+    </dgm:style>
+  </dgm:styleLbl>
+  <dgm:styleLbl name="parChTrans2D1">
+    <dgm:scene3d>
+      <a:camera prst="orthographicFront"/>
+      <a:lightRig rig="threePt" dir="t"/>
+    </dgm:scene3d>
+    <dgm:sp3d/>
+    <dgm:txPr/>
+    <dgm:style>
+      <a:lnRef idx="2">
+        <a:scrgbClr r="0" g="0" b="0"/>
+      </a:lnRef>
+      <a:fillRef idx="1">
+        <a:scrgbClr r="0" g="0" b="0"/>
+      </a:fillRef>
+      <a:effectRef idx="0">
+        <a:scrgbClr r="0" g="0" b="0"/>
+      </a:effectRef>
+      <a:fontRef idx="minor">
+        <a:schemeClr val="lt1"/>
+      </a:fontRef>
+    </dgm:style>
+  </dgm:styleLbl>
+  <dgm:styleLbl name="parChTrans2D2">
+    <dgm:scene3d>
+      <a:camera prst="orthographicFront"/>
+      <a:lightRig rig="threePt" dir="t"/>
+    </dgm:scene3d>
+    <dgm:sp3d/>
+    <dgm:txPr/>
+    <dgm:style>
+      <a:lnRef idx="2">
+        <a:scrgbClr r="0" g="0" b="0"/>
+      </a:lnRef>
+      <a:fillRef idx="1">
+        <a:scrgbClr r="0" g="0" b="0"/>
+      </a:fillRef>
+      <a:effectRef idx="0">
+        <a:scrgbClr r="0" g="0" b="0"/>
+      </a:effectRef>
+      <a:fontRef idx="minor">
+        <a:schemeClr val="lt1"/>
+      </a:fontRef>
+    </dgm:style>
+  </dgm:styleLbl>
+  <dgm:styleLbl name="parChTrans2D3">
+    <dgm:scene3d>
+      <a:camera prst="orthographicFront"/>
+      <a:lightRig rig="threePt" dir="t"/>
+    </dgm:scene3d>
+    <dgm:sp3d/>
+    <dgm:txPr/>
+    <dgm:style>
+      <a:lnRef idx="2">
+        <a:scrgbClr r="0" g="0" b="0"/>
+      </a:lnRef>
+      <a:fillRef idx="1">
+        <a:scrgbClr r="0" g="0" b="0"/>
+      </a:fillRef>
+      <a:effectRef idx="0">
+        <a:scrgbClr r="0" g="0" b="0"/>
+      </a:effectRef>
+      <a:fontRef idx="minor">
+        <a:schemeClr val="lt1"/>
+      </a:fontRef>
+    </dgm:style>
+  </dgm:styleLbl>
+  <dgm:styleLbl name="parChTrans2D4">
+    <dgm:scene3d>
+      <a:camera prst="orthographicFront"/>
+      <a:lightRig rig="threePt" dir="t"/>
+    </dgm:scene3d>
+    <dgm:sp3d/>
+    <dgm:txPr/>
+    <dgm:style>
+      <a:lnRef idx="2">
+        <a:scrgbClr r="0" g="0" b="0"/>
+      </a:lnRef>
+      <a:fillRef idx="1">
+        <a:scrgbClr r="0" g="0" b="0"/>
+      </a:fillRef>
+      <a:effectRef idx="0">
+        <a:scrgbClr r="0" g="0" b="0"/>
+      </a:effectRef>
+      <a:fontRef idx="minor">
+        <a:schemeClr val="lt1"/>
+      </a:fontRef>
+    </dgm:style>
+  </dgm:styleLbl>
+  <dgm:styleLbl name="parChTrans1D1">
+    <dgm:scene3d>
+      <a:camera prst="orthographicFront"/>
+      <a:lightRig rig="threePt" dir="t"/>
+    </dgm:scene3d>
+    <dgm:sp3d/>
+    <dgm:txPr/>
+    <dgm:style>
+      <a:lnRef idx="2">
+        <a:scrgbClr r="0" g="0" b="0"/>
+      </a:lnRef>
+      <a:fillRef idx="0">
+        <a:scrgbClr r="0" g="0" b="0"/>
+      </a:fillRef>
+      <a:effectRef idx="0">
+        <a:scrgbClr r="0" g="0" b="0"/>
+      </a:effectRef>
+      <a:fontRef idx="minor"/>
+    </dgm:style>
+  </dgm:styleLbl>
+  <dgm:styleLbl name="parChTrans1D2">
+    <dgm:scene3d>
+      <a:camera prst="orthographicFront"/>
+      <a:lightRig rig="threePt" dir="t"/>
+    </dgm:scene3d>
+    <dgm:sp3d/>
+    <dgm:txPr/>
+    <dgm:style>
+      <a:lnRef idx="2">
+        <a:scrgbClr r="0" g="0" b="0"/>
+      </a:lnRef>
+      <a:fillRef idx="0">
+        <a:scrgbClr r="0" g="0" b="0"/>
+      </a:fillRef>
+      <a:effectRef idx="0">
+        <a:scrgbClr r="0" g="0" b="0"/>
+      </a:effectRef>
+      <a:fontRef idx="minor"/>
+    </dgm:style>
+  </dgm:styleLbl>
+  <dgm:styleLbl name="parChTrans1D3">
+    <dgm:scene3d>
+      <a:camera prst="orthographicFront"/>
+      <a:lightRig rig="threePt" dir="t"/>
+    </dgm:scene3d>
+    <dgm:sp3d/>
+    <dgm:txPr/>
+    <dgm:style>
+      <a:lnRef idx="2">
+        <a:scrgbClr r="0" g="0" b="0"/>
+      </a:lnRef>
+      <a:fillRef idx="0">
+        <a:scrgbClr r="0" g="0" b="0"/>
+      </a:fillRef>
+      <a:effectRef idx="0">
+        <a:scrgbClr r="0" g="0" b="0"/>
+      </a:effectRef>
+      <a:fontRef idx="minor"/>
+    </dgm:style>
+  </dgm:styleLbl>
+  <dgm:styleLbl name="parChTrans1D4">
+    <dgm:scene3d>
+      <a:camera prst="orthographicFront"/>
+      <a:lightRig rig="threePt" dir="t"/>
+    </dgm:scene3d>
+    <dgm:sp3d/>
+    <dgm:txPr/>
+    <dgm:style>
+      <a:lnRef idx="2">
+        <a:scrgbClr r="0" g="0" b="0"/>
+      </a:lnRef>
+      <a:fillRef idx="0">
+        <a:scrgbClr r="0" g="0" b="0"/>
+      </a:fillRef>
+      <a:effectRef idx="0">
+        <a:scrgbClr r="0" g="0" b="0"/>
+      </a:effectRef>
+      <a:fontRef idx="minor"/>
+    </dgm:style>
+  </dgm:styleLbl>
+  <dgm:styleLbl name="fgAcc1">
+    <dgm:scene3d>
+      <a:camera prst="orthographicFront"/>
+      <a:lightRig rig="threePt" dir="t"/>
+    </dgm:scene3d>
+    <dgm:sp3d/>
+    <dgm:txPr/>
+    <dgm:style>
+      <a:lnRef idx="2">
+        <a:scrgbClr r="0" g="0" b="0"/>
+      </a:lnRef>
+      <a:fillRef idx="1">
+        <a:scrgbClr r="0" g="0" b="0"/>
+      </a:fillRef>
+      <a:effectRef idx="0">
+        <a:scrgbClr r="0" g="0" b="0"/>
+      </a:effectRef>
+      <a:fontRef idx="minor"/>
+    </dgm:style>
+  </dgm:styleLbl>
+  <dgm:styleLbl name="conFgAcc1">
+    <dgm:scene3d>
+      <a:camera prst="orthographicFront"/>
+      <a:lightRig rig="threePt" dir="t"/>
+    </dgm:scene3d>
+    <dgm:sp3d/>
+    <dgm:txPr/>
+    <dgm:style>
+      <a:lnRef idx="2">
+        <a:scrgbClr r="0" g="0" b="0"/>
+      </a:lnRef>
+      <a:fillRef idx="1">
+        <a:scrgbClr r="0" g="0" b="0"/>
+      </a:fillRef>
+      <a:effectRef idx="0">
+        <a:scrgbClr r="0" g="0" b="0"/>
+      </a:effectRef>
+      <a:fontRef idx="minor"/>
+    </dgm:style>
+  </dgm:styleLbl>
+  <dgm:styleLbl name="alignAcc1">
+    <dgm:scene3d>
+      <a:camera prst="orthographicFront"/>
+      <a:lightRig rig="threePt" dir="t"/>
+    </dgm:scene3d>
+    <dgm:sp3d/>
+    <dgm:txPr/>
+    <dgm:style>
+      <a:lnRef idx="2">
+        <a:scrgbClr r="0" g="0" b="0"/>
+      </a:lnRef>
+      <a:fillRef idx="1">
+        <a:scrgbClr r="0" g="0" b="0"/>
+      </a:fillRef>
+      <a:effectRef idx="0">
+        <a:scrgbClr r="0" g="0" b="0"/>
+      </a:effectRef>
+      <a:fontRef idx="minor"/>
+    </dgm:style>
+  </dgm:styleLbl>
+  <dgm:styleLbl name="trAlignAcc1">
+    <dgm:scene3d>
+      <a:camera prst="orthographicFront"/>
+      <a:lightRig rig="threePt" dir="t"/>
+    </dgm:scene3d>
+    <dgm:sp3d/>
+    <dgm:txPr/>
+    <dgm:style>
+      <a:lnRef idx="1">
+        <a:scrgbClr r="0" g="0" b="0"/>
+      </a:lnRef>
+      <a:fillRef idx="1">
+        <a:scrgbClr r="0" g="0" b="0"/>
+      </a:fillRef>
+      <a:effectRef idx="0">
+        <a:scrgbClr r="0" g="0" b="0"/>
+      </a:effectRef>
+      <a:fontRef idx="minor"/>
+    </dgm:style>
+  </dgm:styleLbl>
+  <dgm:styleLbl name="bgAcc1">
+    <dgm:scene3d>
+      <a:camera prst="orthographicFront"/>
+      <a:lightRig rig="threePt" dir="t"/>
+    </dgm:scene3d>
+    <dgm:sp3d/>
+    <dgm:txPr/>
+    <dgm:style>
+      <a:lnRef idx="2">
+        <a:scrgbClr r="0" g="0" b="0"/>
+      </a:lnRef>
+      <a:fillRef idx="1">
+        <a:scrgbClr r="0" g="0" b="0"/>
+      </a:fillRef>
+      <a:effectRef idx="0">
+        <a:scrgbClr r="0" g="0" b="0"/>
+      </a:effectRef>
+      <a:fontRef idx="minor"/>
+    </dgm:style>
+  </dgm:styleLbl>
+  <dgm:styleLbl name="solidFgAcc1">
+    <dgm:scene3d>
+      <a:camera prst="orthographicFront"/>
+      <a:lightRig rig="threePt" dir="t"/>
+    </dgm:scene3d>
+    <dgm:sp3d/>
+    <dgm:txPr/>
+    <dgm:style>
+      <a:lnRef idx="2">
+        <a:scrgbClr r="0" g="0" b="0"/>
+      </a:lnRef>
+      <a:fillRef idx="1">
+        <a:scrgbClr r="0" g="0" b="0"/>
+      </a:fillRef>
+      <a:effectRef idx="0">
+        <a:scrgbClr r="0" g="0" b="0"/>
+      </a:effectRef>
+      <a:fontRef idx="minor"/>
+    </dgm:style>
+  </dgm:styleLbl>
+  <dgm:styleLbl name="solidAlignAcc1">
+    <dgm:scene3d>
+      <a:camera prst="orthographicFront"/>
+      <a:lightRig rig="threePt" dir="t"/>
+    </dgm:scene3d>
+    <dgm:sp3d/>
+    <dgm:txPr/>
+    <dgm:style>
+      <a:lnRef idx="2">
+        <a:scrgbClr r="0" g="0" b="0"/>
+      </a:lnRef>
+      <a:fillRef idx="1">
+        <a:scrgbClr r="0" g="0" b="0"/>
+      </a:fillRef>
+      <a:effectRef idx="0">
+        <a:scrgbClr r="0" g="0" b="0"/>
+      </a:effectRef>
+      <a:fontRef idx="minor"/>
+    </dgm:style>
+  </dgm:styleLbl>
+  <dgm:styleLbl name="solidBgAcc1">
+    <dgm:scene3d>
+      <a:camera prst="orthographicFront"/>
+      <a:lightRig rig="threePt" dir="t"/>
+    </dgm:scene3d>
+    <dgm:sp3d/>
+    <dgm:txPr/>
+    <dgm:style>
+      <a:lnRef idx="2">
+        <a:scrgbClr r="0" g="0" b="0"/>
+      </a:lnRef>
+      <a:fillRef idx="1">
+        <a:scrgbClr r="0" g="0" b="0"/>
+      </a:fillRef>
+      <a:effectRef idx="0">
+        <a:scrgbClr r="0" g="0" b="0"/>
+      </a:effectRef>
+      <a:fontRef idx="minor"/>
+    </dgm:style>
+  </dgm:styleLbl>
+  <dgm:styleLbl name="fgAccFollowNode1">
+    <dgm:scene3d>
+      <a:camera prst="orthographicFront"/>
+      <a:lightRig rig="threePt" dir="t"/>
+    </dgm:scene3d>
+    <dgm:sp3d/>
+    <dgm:txPr/>
+    <dgm:style>
+      <a:lnRef idx="2">
+        <a:scrgbClr r="0" g="0" b="0"/>
+      </a:lnRef>
+      <a:fillRef idx="1">
+        <a:scrgbClr r="0" g="0" b="0"/>
+      </a:fillRef>
+      <a:effectRef idx="0">
+        <a:scrgbClr r="0" g="0" b="0"/>
+      </a:effectRef>
+      <a:fontRef idx="minor"/>
+    </dgm:style>
+  </dgm:styleLbl>
+  <dgm:styleLbl name="alignAccFollowNode1">
+    <dgm:scene3d>
+      <a:camera prst="orthographicFront"/>
+      <a:lightRig rig="threePt" dir="t"/>
+    </dgm:scene3d>
+    <dgm:sp3d/>
+    <dgm:txPr/>
+    <dgm:style>
+      <a:lnRef idx="2">
+        <a:scrgbClr r="0" g="0" b="0"/>
+      </a:lnRef>
+      <a:fillRef idx="1">
+        <a:scrgbClr r="0" g="0" b="0"/>
+      </a:fillRef>
+      <a:effectRef idx="0">
+        <a:scrgbClr r="0" g="0" b="0"/>
+      </a:effectRef>
+      <a:fontRef idx="minor"/>
+    </dgm:style>
+  </dgm:styleLbl>
+  <dgm:styleLbl name="bgAccFollowNode1">
+    <dgm:scene3d>
+      <a:camera prst="orthographicFront"/>
+      <a:lightRig rig="threePt" dir="t"/>
+    </dgm:scene3d>
+    <dgm:sp3d/>
+    <dgm:txPr/>
+    <dgm:style>
+      <a:lnRef idx="2">
+        <a:scrgbClr r="0" g="0" b="0"/>
+      </a:lnRef>
+      <a:fillRef idx="1">
+        <a:scrgbClr r="0" g="0" b="0"/>
+      </a:fillRef>
+      <a:effectRef idx="0">
+        <a:scrgbClr r="0" g="0" b="0"/>
+      </a:effectRef>
+      <a:fontRef idx="minor"/>
+    </dgm:style>
+  </dgm:styleLbl>
+  <dgm:styleLbl name="fgAcc0">
+    <dgm:scene3d>
+      <a:camera prst="orthographicFront"/>
+      <a:lightRig rig="threePt" dir="t"/>
+    </dgm:scene3d>
+    <dgm:sp3d/>
+    <dgm:txPr/>
+    <dgm:style>
+      <a:lnRef idx="2">
+        <a:scrgbClr r="0" g="0" b="0"/>
+      </a:lnRef>
+      <a:fillRef idx="1">
+        <a:scrgbClr r="0" g="0" b="0"/>
+      </a:fillRef>
+      <a:effectRef idx="0">
+        <a:scrgbClr r="0" g="0" b="0"/>
+      </a:effectRef>
+      <a:fontRef idx="minor"/>
+    </dgm:style>
+  </dgm:styleLbl>
+  <dgm:styleLbl name="fgAcc2">
+    <dgm:scene3d>
+      <a:camera prst="orthographicFront"/>
+      <a:lightRig rig="threePt" dir="t"/>
+    </dgm:scene3d>
+    <dgm:sp3d/>
+    <dgm:txPr/>
+    <dgm:style>
+      <a:lnRef idx="2">
+        <a:scrgbClr r="0" g="0" b="0"/>
+      </a:lnRef>
+      <a:fillRef idx="1">
+        <a:scrgbClr r="0" g="0" b="0"/>
+      </a:fillRef>
+      <a:effectRef idx="0">
+        <a:scrgbClr r="0" g="0" b="0"/>
+      </a:effectRef>
+      <a:fontRef idx="minor"/>
+    </dgm:style>
+  </dgm:styleLbl>
+  <dgm:styleLbl name="fgAcc3">
+    <dgm:scene3d>
+      <a:camera prst="orthographicFront"/>
+      <a:lightRig rig="threePt" dir="t"/>
+    </dgm:scene3d>
+    <dgm:sp3d/>
+    <dgm:txPr/>
+    <dgm:style>
+      <a:lnRef idx="2">
+        <a:scrgbClr r="0" g="0" b="0"/>
+      </a:lnRef>
+      <a:fillRef idx="1">
+        <a:scrgbClr r="0" g="0" b="0"/>
+      </a:fillRef>
+      <a:effectRef idx="0">
+        <a:scrgbClr r="0" g="0" b="0"/>
+      </a:effectRef>
+      <a:fontRef idx="minor"/>
+    </dgm:style>
+  </dgm:styleLbl>
+  <dgm:styleLbl name="fgAcc4">
+    <dgm:scene3d>
+      <a:camera prst="orthographicFront"/>
+      <a:lightRig rig="threePt" dir="t"/>
+    </dgm:scene3d>
+    <dgm:sp3d/>
+    <dgm:txPr/>
+    <dgm:style>
+      <a:lnRef idx="2">
+        <a:scrgbClr r="0" g="0" b="0"/>
+      </a:lnRef>
+      <a:fillRef idx="1">
+        <a:scrgbClr r="0" g="0" b="0"/>
+      </a:fillRef>
+      <a:effectRef idx="0">
+        <a:scrgbClr r="0" g="0" b="0"/>
+      </a:effectRef>
+      <a:fontRef idx="minor"/>
+    </dgm:style>
+  </dgm:styleLbl>
+  <dgm:styleLbl name="bgShp">
+    <dgm:scene3d>
+      <a:camera prst="orthographicFront"/>
+      <a:lightRig rig="threePt" dir="t"/>
+    </dgm:scene3d>
+    <dgm:sp3d/>
+    <dgm:txPr/>
+    <dgm:style>
+      <a:lnRef idx="0">
+        <a:scrgbClr r="0" g="0" b="0"/>
+      </a:lnRef>
+      <a:fillRef idx="1">
+        <a:scrgbClr r="0" g="0" b="0"/>
+      </a:fillRef>
+      <a:effectRef idx="0">
+        <a:scrgbClr r="0" g="0" b="0"/>
+      </a:effectRef>
+      <a:fontRef idx="minor"/>
+    </dgm:style>
+  </dgm:styleLbl>
+  <dgm:styleLbl name="dkBgShp">
+    <dgm:scene3d>
+      <a:camera prst="orthographicFront"/>
+      <a:lightRig rig="threePt" dir="t"/>
+    </dgm:scene3d>
+    <dgm:sp3d/>
+    <dgm:txPr/>
+    <dgm:style>
+      <a:lnRef idx="0">
+        <a:scrgbClr r="0" g="0" b="0"/>
+      </a:lnRef>
+      <a:fillRef idx="1">
+        <a:scrgbClr r="0" g="0" b="0"/>
+      </a:fillRef>
+      <a:effectRef idx="0">
+        <a:scrgbClr r="0" g="0" b="0"/>
+      </a:effectRef>
+      <a:fontRef idx="minor"/>
+    </dgm:style>
+  </dgm:styleLbl>
+  <dgm:styleLbl name="trBgShp">
+    <dgm:scene3d>
+      <a:camera prst="orthographicFront"/>
+      <a:lightRig rig="threePt" dir="t"/>
+    </dgm:scene3d>
+    <dgm:sp3d/>
+    <dgm:txPr/>
+    <dgm:style>
+      <a:lnRef idx="0">
+        <a:scrgbClr r="0" g="0" b="0"/>
+      </a:lnRef>
+      <a:fillRef idx="1">
+        <a:scrgbClr r="0" g="0" b="0"/>
+      </a:fillRef>
+      <a:effectRef idx="0">
+        <a:scrgbClr r="0" g="0" b="0"/>
+      </a:effectRef>
+      <a:fontRef idx="minor"/>
+    </dgm:style>
+  </dgm:styleLbl>
+  <dgm:styleLbl name="fgShp">
+    <dgm:scene3d>
+      <a:camera prst="orthographicFront"/>
+      <a:lightRig rig="threePt" dir="t"/>
+    </dgm:scene3d>
+    <dgm:sp3d/>
+    <dgm:txPr/>
+    <dgm:style>
+      <a:lnRef idx="2">
+        <a:scrgbClr r="0" g="0" b="0"/>
+      </a:lnRef>
+      <a:fillRef idx="1">
+        <a:scrgbClr r="0" g="0" b="0"/>
+      </a:fillRef>
+      <a:effectRef idx="0">
+        <a:scrgbClr r="0" g="0" b="0"/>
+      </a:effectRef>
+      <a:fontRef idx="minor"/>
+    </dgm:style>
+  </dgm:styleLbl>
+  <dgm:styleLbl name="revTx">
+    <dgm:scene3d>
+      <a:camera prst="orthographicFront"/>
+      <a:lightRig rig="threePt" dir="t"/>
+    </dgm:scene3d>
+    <dgm:sp3d/>
+    <dgm:txPr/>
+    <dgm:style>
+      <a:lnRef idx="0">
+        <a:scrgbClr r="0" g="0" b="0"/>
+      </a:lnRef>
+      <a:fillRef idx="0">
+        <a:scrgbClr r="0" g="0" b="0"/>
+      </a:fillRef>
+      <a:effectRef idx="0">
+        <a:scrgbClr r="0" g="0" b="0"/>
+      </a:effectRef>
+      <a:fontRef idx="minor"/>
+    </dgm:style>
+  </dgm:styleLbl>
+</dgm:styleDef>
+</file>
+
 <file path=ppt/notesMasters/notesMaster1.xml><?xml version="1.0" encoding="utf-8"?>
 <p:notesMaster xmlns:a="http://schemas.openxmlformats.org/drawingml/2006/main" xmlns:r="http://schemas.openxmlformats.org/officeDocument/2006/relationships" xmlns:p="http://schemas.openxmlformats.org/presentationml/2006/main">
   <p:cSld>
@@ -472,6 +3662,995 @@
     </a:lvl9pPr>
   </p:notesStyle>
 </p:notesMaster>
+</file>
+
+<file path=ppt/notesSlides/notesSlide1.xml><?xml version="1.0" encoding="utf-8"?>
+<p:notes xmlns:a="http://schemas.openxmlformats.org/drawingml/2006/main" xmlns:r="http://schemas.openxmlformats.org/officeDocument/2006/relationships" xmlns:p="http://schemas.openxmlformats.org/presentationml/2006/main">
+  <p:cSld>
+    <p:spTree>
+      <p:nvGrpSpPr>
+        <p:cNvPr id="1" name=""/>
+        <p:cNvGrpSpPr/>
+        <p:nvPr/>
+      </p:nvGrpSpPr>
+      <p:grpSpPr>
+        <a:xfrm>
+          <a:off x="0" y="0"/>
+          <a:ext cx="0" cy="0"/>
+          <a:chOff x="0" y="0"/>
+          <a:chExt cx="0" cy="0"/>
+        </a:xfrm>
+      </p:grpSpPr>
+      <p:sp>
+        <p:nvSpPr>
+          <p:cNvPr id="2" name="Slide Image Placeholder 1"/>
+          <p:cNvSpPr>
+            <a:spLocks noGrp="1" noRot="1" noChangeAspect="1"/>
+          </p:cNvSpPr>
+          <p:nvPr>
+            <p:ph type="sldImg"/>
+          </p:nvPr>
+        </p:nvSpPr>
+        <p:spPr/>
+      </p:sp>
+      <p:sp>
+        <p:nvSpPr>
+          <p:cNvPr id="3" name="Notes Placeholder 2"/>
+          <p:cNvSpPr>
+            <a:spLocks noGrp="1"/>
+          </p:cNvSpPr>
+          <p:nvPr>
+            <p:ph type="body" idx="1"/>
+          </p:nvPr>
+        </p:nvSpPr>
+        <p:spPr/>
+        <p:txBody>
+          <a:bodyPr/>
+          <a:lstStyle/>
+          <a:p>
+            <a:r>
+              <a:rPr lang="en-US" dirty="0"/>
+              <a:t>Welcome and thank you all for joining, this is Generative Context Engineering – Simplified… first of all can we all agree to completely remove the letters AI from the English language.  Surely there is a better descriptor, maybe we will have one by the end of this session. Generative LLM Context Engineering will have to do for now!</a:t>
+            </a:r>
+          </a:p>
+        </p:txBody>
+      </p:sp>
+      <p:sp>
+        <p:nvSpPr>
+          <p:cNvPr id="4" name="Slide Number Placeholder 3"/>
+          <p:cNvSpPr>
+            <a:spLocks noGrp="1"/>
+          </p:cNvSpPr>
+          <p:nvPr>
+            <p:ph type="sldNum" sz="quarter" idx="5"/>
+          </p:nvPr>
+        </p:nvSpPr>
+        <p:spPr/>
+        <p:txBody>
+          <a:bodyPr/>
+          <a:lstStyle/>
+          <a:p>
+            <a:fld id="{DD1492AF-DAAA-4308-9C60-8617B849701E}" type="slidenum">
+              <a:rPr lang="en-US" smtClean="0"/>
+              <a:t>1</a:t>
+            </a:fld>
+            <a:endParaRPr lang="en-US"/>
+          </a:p>
+        </p:txBody>
+      </p:sp>
+    </p:spTree>
+    <p:extLst>
+      <p:ext uri="{BB962C8B-B14F-4D97-AF65-F5344CB8AC3E}">
+        <p14:creationId xmlns:p14="http://schemas.microsoft.com/office/powerpoint/2010/main" val="2709200760"/>
+      </p:ext>
+    </p:extLst>
+  </p:cSld>
+  <p:clrMapOvr>
+    <a:masterClrMapping/>
+  </p:clrMapOvr>
+</p:notes>
+</file>
+
+<file path=ppt/notesSlides/notesSlide10.xml><?xml version="1.0" encoding="utf-8"?>
+<p:notes xmlns:a="http://schemas.openxmlformats.org/drawingml/2006/main" xmlns:r="http://schemas.openxmlformats.org/officeDocument/2006/relationships" xmlns:p="http://schemas.openxmlformats.org/presentationml/2006/main">
+  <p:cSld>
+    <p:spTree>
+      <p:nvGrpSpPr>
+        <p:cNvPr id="1" name=""/>
+        <p:cNvGrpSpPr/>
+        <p:nvPr/>
+      </p:nvGrpSpPr>
+      <p:grpSpPr>
+        <a:xfrm>
+          <a:off x="0" y="0"/>
+          <a:ext cx="0" cy="0"/>
+          <a:chOff x="0" y="0"/>
+          <a:chExt cx="0" cy="0"/>
+        </a:xfrm>
+      </p:grpSpPr>
+      <p:sp>
+        <p:nvSpPr>
+          <p:cNvPr id="2" name="Slide Image Placeholder 1"/>
+          <p:cNvSpPr>
+            <a:spLocks noGrp="1" noRot="1" noChangeAspect="1"/>
+          </p:cNvSpPr>
+          <p:nvPr>
+            <p:ph type="sldImg"/>
+          </p:nvPr>
+        </p:nvSpPr>
+        <p:spPr/>
+      </p:sp>
+      <p:sp>
+        <p:nvSpPr>
+          <p:cNvPr id="3" name="Notes Placeholder 2"/>
+          <p:cNvSpPr>
+            <a:spLocks noGrp="1"/>
+          </p:cNvSpPr>
+          <p:nvPr>
+            <p:ph type="body" idx="1"/>
+          </p:nvPr>
+        </p:nvSpPr>
+        <p:spPr/>
+        <p:txBody>
+          <a:bodyPr/>
+          <a:lstStyle/>
+          <a:p>
+            <a:r>
+              <a:rPr lang="en-US" dirty="0"/>
+              <a:t>In my experience YAML is far superior as a front matter header and workflow orchestrator.  If you aren’t familiar with YAML… it stands for “YAML </a:t>
+            </a:r>
+            <a:r>
+              <a:rPr lang="en-US" dirty="0" err="1"/>
+              <a:t>ain’t</a:t>
+            </a:r>
+            <a:r>
+              <a:rPr lang="en-US" dirty="0"/>
+              <a:t> markup language”.  YAML was originally designed as an extension of </a:t>
+            </a:r>
+            <a:r>
+              <a:rPr lang="en-US" dirty="0" err="1"/>
+              <a:t>json</a:t>
+            </a:r>
+            <a:r>
+              <a:rPr lang="en-US" dirty="0"/>
+              <a:t> standard.  In the handout repository you will find a detailed user guide on </a:t>
+            </a:r>
+            <a:r>
+              <a:rPr lang="en-US" dirty="0" err="1"/>
+              <a:t>yaml</a:t>
+            </a:r>
+            <a:r>
+              <a:rPr lang="en-US" dirty="0"/>
+              <a:t> formatting, environment parameters and proper formatting to build most any workflow.</a:t>
+            </a:r>
+          </a:p>
+          <a:p>
+            <a:endParaRPr lang="en-US" dirty="0"/>
+          </a:p>
+          <a:p>
+            <a:r>
+              <a:rPr lang="en-US" dirty="0"/>
+              <a:t>For the main body, I typically use Markdown format.  It is native note taking format for </a:t>
+            </a:r>
+            <a:r>
+              <a:rPr lang="en-US" dirty="0" err="1"/>
+              <a:t>pycharm</a:t>
+            </a:r>
+            <a:r>
+              <a:rPr lang="en-US" dirty="0"/>
+              <a:t>, </a:t>
+            </a:r>
+            <a:r>
+              <a:rPr lang="en-US" dirty="0" err="1"/>
+              <a:t>jupyter</a:t>
+            </a:r>
+            <a:r>
+              <a:rPr lang="en-US" dirty="0"/>
+              <a:t> notebooks and </a:t>
+            </a:r>
+            <a:r>
+              <a:rPr lang="en-US" dirty="0" err="1"/>
+              <a:t>github</a:t>
+            </a:r>
+            <a:r>
+              <a:rPr lang="en-US" dirty="0"/>
+              <a:t>.  Markdown seems to be the preferred language of LLMs…  If you aren’t currently using it for your documentation standard I would suggest exploring.  Converting to word and pdfs are a fairly simple exercise and there are many utilities available.</a:t>
+            </a:r>
+          </a:p>
+          <a:p>
+            <a:endParaRPr lang="en-US" dirty="0"/>
+          </a:p>
+          <a:p>
+            <a:r>
+              <a:rPr lang="en-US" dirty="0"/>
+              <a:t>Lastly the structure of this basic agent workflow is the output specification.  If you want consistent reporting and output from the model, </a:t>
+            </a:r>
+            <a:r>
+              <a:rPr lang="en-US"/>
+              <a:t>output template is the way to go!</a:t>
+            </a:r>
+            <a:endParaRPr lang="en-US" dirty="0"/>
+          </a:p>
+        </p:txBody>
+      </p:sp>
+      <p:sp>
+        <p:nvSpPr>
+          <p:cNvPr id="4" name="Slide Number Placeholder 3"/>
+          <p:cNvSpPr>
+            <a:spLocks noGrp="1"/>
+          </p:cNvSpPr>
+          <p:nvPr>
+            <p:ph type="sldNum" sz="quarter" idx="5"/>
+          </p:nvPr>
+        </p:nvSpPr>
+        <p:spPr/>
+        <p:txBody>
+          <a:bodyPr/>
+          <a:lstStyle/>
+          <a:p>
+            <a:fld id="{DD1492AF-DAAA-4308-9C60-8617B849701E}" type="slidenum">
+              <a:rPr lang="en-US" smtClean="0"/>
+              <a:t>10</a:t>
+            </a:fld>
+            <a:endParaRPr lang="en-US"/>
+          </a:p>
+        </p:txBody>
+      </p:sp>
+    </p:spTree>
+    <p:extLst>
+      <p:ext uri="{BB962C8B-B14F-4D97-AF65-F5344CB8AC3E}">
+        <p14:creationId xmlns:p14="http://schemas.microsoft.com/office/powerpoint/2010/main" val="2621032861"/>
+      </p:ext>
+    </p:extLst>
+  </p:cSld>
+  <p:clrMapOvr>
+    <a:masterClrMapping/>
+  </p:clrMapOvr>
+</p:notes>
+</file>
+
+<file path=ppt/notesSlides/notesSlide2.xml><?xml version="1.0" encoding="utf-8"?>
+<p:notes xmlns:a="http://schemas.openxmlformats.org/drawingml/2006/main" xmlns:r="http://schemas.openxmlformats.org/officeDocument/2006/relationships" xmlns:p="http://schemas.openxmlformats.org/presentationml/2006/main">
+  <p:cSld>
+    <p:spTree>
+      <p:nvGrpSpPr>
+        <p:cNvPr id="1" name=""/>
+        <p:cNvGrpSpPr/>
+        <p:nvPr/>
+      </p:nvGrpSpPr>
+      <p:grpSpPr>
+        <a:xfrm>
+          <a:off x="0" y="0"/>
+          <a:ext cx="0" cy="0"/>
+          <a:chOff x="0" y="0"/>
+          <a:chExt cx="0" cy="0"/>
+        </a:xfrm>
+      </p:grpSpPr>
+      <p:sp>
+        <p:nvSpPr>
+          <p:cNvPr id="2" name="Slide Image Placeholder 1"/>
+          <p:cNvSpPr>
+            <a:spLocks noGrp="1" noRot="1" noChangeAspect="1"/>
+          </p:cNvSpPr>
+          <p:nvPr>
+            <p:ph type="sldImg"/>
+          </p:nvPr>
+        </p:nvSpPr>
+        <p:spPr/>
+      </p:sp>
+      <p:sp>
+        <p:nvSpPr>
+          <p:cNvPr id="3" name="Notes Placeholder 2"/>
+          <p:cNvSpPr>
+            <a:spLocks noGrp="1"/>
+          </p:cNvSpPr>
+          <p:nvPr>
+            <p:ph type="body" idx="1"/>
+          </p:nvPr>
+        </p:nvSpPr>
+        <p:spPr/>
+        <p:txBody>
+          <a:bodyPr/>
+          <a:lstStyle/>
+          <a:p>
+            <a:r>
+              <a:rPr lang="en-US" dirty="0"/>
+              <a:t>My name is Robert Maxwell, and I will be your tour guide for the next 50 minutes or so…  Over the years I have been accused of several titles… Actuary, IT Guy, Data Guy, Fund Manager, Day Trader, Jazz Musician, Mountain Bike “Coach”, Tinkerer… of these I do take some exception… I DO NOT DAY TRADE!  …btw do you know what all of those career hobbies have in common?  They involve predictive pattern recognition…</a:t>
+            </a:r>
+          </a:p>
+        </p:txBody>
+      </p:sp>
+      <p:sp>
+        <p:nvSpPr>
+          <p:cNvPr id="4" name="Slide Number Placeholder 3"/>
+          <p:cNvSpPr>
+            <a:spLocks noGrp="1"/>
+          </p:cNvSpPr>
+          <p:nvPr>
+            <p:ph type="sldNum" sz="quarter" idx="5"/>
+          </p:nvPr>
+        </p:nvSpPr>
+        <p:spPr/>
+        <p:txBody>
+          <a:bodyPr/>
+          <a:lstStyle/>
+          <a:p>
+            <a:fld id="{DD1492AF-DAAA-4308-9C60-8617B849701E}" type="slidenum">
+              <a:rPr lang="en-US" smtClean="0"/>
+              <a:t>2</a:t>
+            </a:fld>
+            <a:endParaRPr lang="en-US"/>
+          </a:p>
+        </p:txBody>
+      </p:sp>
+    </p:spTree>
+    <p:extLst>
+      <p:ext uri="{BB962C8B-B14F-4D97-AF65-F5344CB8AC3E}">
+        <p14:creationId xmlns:p14="http://schemas.microsoft.com/office/powerpoint/2010/main" val="1239244395"/>
+      </p:ext>
+    </p:extLst>
+  </p:cSld>
+  <p:clrMapOvr>
+    <a:masterClrMapping/>
+  </p:clrMapOvr>
+</p:notes>
+</file>
+
+<file path=ppt/notesSlides/notesSlide3.xml><?xml version="1.0" encoding="utf-8"?>
+<p:notes xmlns:a="http://schemas.openxmlformats.org/drawingml/2006/main" xmlns:r="http://schemas.openxmlformats.org/officeDocument/2006/relationships" xmlns:p="http://schemas.openxmlformats.org/presentationml/2006/main">
+  <p:cSld>
+    <p:spTree>
+      <p:nvGrpSpPr>
+        <p:cNvPr id="1" name=""/>
+        <p:cNvGrpSpPr/>
+        <p:nvPr/>
+      </p:nvGrpSpPr>
+      <p:grpSpPr>
+        <a:xfrm>
+          <a:off x="0" y="0"/>
+          <a:ext cx="0" cy="0"/>
+          <a:chOff x="0" y="0"/>
+          <a:chExt cx="0" cy="0"/>
+        </a:xfrm>
+      </p:grpSpPr>
+      <p:sp>
+        <p:nvSpPr>
+          <p:cNvPr id="2" name="Slide Image Placeholder 1"/>
+          <p:cNvSpPr>
+            <a:spLocks noGrp="1" noRot="1" noChangeAspect="1"/>
+          </p:cNvSpPr>
+          <p:nvPr>
+            <p:ph type="sldImg"/>
+          </p:nvPr>
+        </p:nvSpPr>
+        <p:spPr/>
+      </p:sp>
+      <p:sp>
+        <p:nvSpPr>
+          <p:cNvPr id="3" name="Notes Placeholder 2"/>
+          <p:cNvSpPr>
+            <a:spLocks noGrp="1"/>
+          </p:cNvSpPr>
+          <p:nvPr>
+            <p:ph type="body" idx="1"/>
+          </p:nvPr>
+        </p:nvSpPr>
+        <p:spPr/>
+        <p:txBody>
+          <a:bodyPr/>
+          <a:lstStyle/>
+          <a:p>
+            <a:r>
+              <a:rPr lang="en-US" dirty="0"/>
+              <a:t>Apprehensive about using and LLM… of course you’re not!  This is full stack actuarial!  This tag line is a play on words… (click)</a:t>
+            </a:r>
+          </a:p>
+        </p:txBody>
+      </p:sp>
+      <p:sp>
+        <p:nvSpPr>
+          <p:cNvPr id="4" name="Slide Number Placeholder 3"/>
+          <p:cNvSpPr>
+            <a:spLocks noGrp="1"/>
+          </p:cNvSpPr>
+          <p:nvPr>
+            <p:ph type="sldNum" sz="quarter" idx="5"/>
+          </p:nvPr>
+        </p:nvSpPr>
+        <p:spPr/>
+        <p:txBody>
+          <a:bodyPr/>
+          <a:lstStyle/>
+          <a:p>
+            <a:fld id="{DD1492AF-DAAA-4308-9C60-8617B849701E}" type="slidenum">
+              <a:rPr lang="en-US" smtClean="0"/>
+              <a:t>3</a:t>
+            </a:fld>
+            <a:endParaRPr lang="en-US"/>
+          </a:p>
+        </p:txBody>
+      </p:sp>
+    </p:spTree>
+    <p:extLst>
+      <p:ext uri="{BB962C8B-B14F-4D97-AF65-F5344CB8AC3E}">
+        <p14:creationId xmlns:p14="http://schemas.microsoft.com/office/powerpoint/2010/main" val="146154402"/>
+      </p:ext>
+    </p:extLst>
+  </p:cSld>
+  <p:clrMapOvr>
+    <a:masterClrMapping/>
+  </p:clrMapOvr>
+</p:notes>
+</file>
+
+<file path=ppt/notesSlides/notesSlide4.xml><?xml version="1.0" encoding="utf-8"?>
+<p:notes xmlns:a="http://schemas.openxmlformats.org/drawingml/2006/main" xmlns:r="http://schemas.openxmlformats.org/officeDocument/2006/relationships" xmlns:p="http://schemas.openxmlformats.org/presentationml/2006/main">
+  <p:cSld>
+    <p:spTree>
+      <p:nvGrpSpPr>
+        <p:cNvPr id="1" name=""/>
+        <p:cNvGrpSpPr/>
+        <p:nvPr/>
+      </p:nvGrpSpPr>
+      <p:grpSpPr>
+        <a:xfrm>
+          <a:off x="0" y="0"/>
+          <a:ext cx="0" cy="0"/>
+          <a:chOff x="0" y="0"/>
+          <a:chExt cx="0" cy="0"/>
+        </a:xfrm>
+      </p:grpSpPr>
+      <p:sp>
+        <p:nvSpPr>
+          <p:cNvPr id="2" name="Slide Image Placeholder 1"/>
+          <p:cNvSpPr>
+            <a:spLocks noGrp="1" noRot="1" noChangeAspect="1"/>
+          </p:cNvSpPr>
+          <p:nvPr>
+            <p:ph type="sldImg"/>
+          </p:nvPr>
+        </p:nvSpPr>
+        <p:spPr/>
+      </p:sp>
+      <p:sp>
+        <p:nvSpPr>
+          <p:cNvPr id="3" name="Notes Placeholder 2"/>
+          <p:cNvSpPr>
+            <a:spLocks noGrp="1"/>
+          </p:cNvSpPr>
+          <p:nvPr>
+            <p:ph type="body" idx="1"/>
+          </p:nvPr>
+        </p:nvSpPr>
+        <p:spPr/>
+        <p:txBody>
+          <a:bodyPr/>
+          <a:lstStyle/>
+          <a:p>
+            <a:r>
+              <a:rPr lang="en-US" dirty="0"/>
+              <a:t>Apprehension is exactly what you should be doing with your LLM to learn how to manage.  This graphic is a quick way to contrast learning styles.  (quickly read/summarize the graphic)  The first half of todays focus will fall on some of the “book learning” configuration parts of your LLM setup.  The various models on the market are relatively the same.  You should be comfortable with the fact that most of the learning and application will come through practice and testing from the left side of this dichotomy.</a:t>
+            </a:r>
+          </a:p>
+        </p:txBody>
+      </p:sp>
+      <p:sp>
+        <p:nvSpPr>
+          <p:cNvPr id="4" name="Slide Number Placeholder 3"/>
+          <p:cNvSpPr>
+            <a:spLocks noGrp="1"/>
+          </p:cNvSpPr>
+          <p:nvPr>
+            <p:ph type="sldNum" sz="quarter" idx="5"/>
+          </p:nvPr>
+        </p:nvSpPr>
+        <p:spPr/>
+        <p:txBody>
+          <a:bodyPr/>
+          <a:lstStyle/>
+          <a:p>
+            <a:fld id="{DD1492AF-DAAA-4308-9C60-8617B849701E}" type="slidenum">
+              <a:rPr lang="en-US" smtClean="0"/>
+              <a:t>4</a:t>
+            </a:fld>
+            <a:endParaRPr lang="en-US"/>
+          </a:p>
+        </p:txBody>
+      </p:sp>
+    </p:spTree>
+    <p:extLst>
+      <p:ext uri="{BB962C8B-B14F-4D97-AF65-F5344CB8AC3E}">
+        <p14:creationId xmlns:p14="http://schemas.microsoft.com/office/powerpoint/2010/main" val="90334618"/>
+      </p:ext>
+    </p:extLst>
+  </p:cSld>
+  <p:clrMapOvr>
+    <a:masterClrMapping/>
+  </p:clrMapOvr>
+</p:notes>
+</file>
+
+<file path=ppt/notesSlides/notesSlide5.xml><?xml version="1.0" encoding="utf-8"?>
+<p:notes xmlns:a="http://schemas.openxmlformats.org/drawingml/2006/main" xmlns:r="http://schemas.openxmlformats.org/officeDocument/2006/relationships" xmlns:p="http://schemas.openxmlformats.org/presentationml/2006/main">
+  <p:cSld>
+    <p:spTree>
+      <p:nvGrpSpPr>
+        <p:cNvPr id="1" name=""/>
+        <p:cNvGrpSpPr/>
+        <p:nvPr/>
+      </p:nvGrpSpPr>
+      <p:grpSpPr>
+        <a:xfrm>
+          <a:off x="0" y="0"/>
+          <a:ext cx="0" cy="0"/>
+          <a:chOff x="0" y="0"/>
+          <a:chExt cx="0" cy="0"/>
+        </a:xfrm>
+      </p:grpSpPr>
+      <p:sp>
+        <p:nvSpPr>
+          <p:cNvPr id="2" name="Slide Image Placeholder 1"/>
+          <p:cNvSpPr>
+            <a:spLocks noGrp="1" noRot="1" noChangeAspect="1"/>
+          </p:cNvSpPr>
+          <p:nvPr>
+            <p:ph type="sldImg"/>
+          </p:nvPr>
+        </p:nvSpPr>
+        <p:spPr/>
+      </p:sp>
+      <p:sp>
+        <p:nvSpPr>
+          <p:cNvPr id="3" name="Notes Placeholder 2"/>
+          <p:cNvSpPr>
+            <a:spLocks noGrp="1"/>
+          </p:cNvSpPr>
+          <p:nvPr>
+            <p:ph type="body" idx="1"/>
+          </p:nvPr>
+        </p:nvSpPr>
+        <p:spPr/>
+        <p:txBody>
+          <a:bodyPr/>
+          <a:lstStyle/>
+          <a:p>
+            <a:r>
+              <a:rPr lang="en-US" dirty="0"/>
+              <a:t>What is.. Context Engineering?</a:t>
+            </a:r>
+          </a:p>
+        </p:txBody>
+      </p:sp>
+      <p:sp>
+        <p:nvSpPr>
+          <p:cNvPr id="4" name="Slide Number Placeholder 3"/>
+          <p:cNvSpPr>
+            <a:spLocks noGrp="1"/>
+          </p:cNvSpPr>
+          <p:nvPr>
+            <p:ph type="sldNum" sz="quarter" idx="5"/>
+          </p:nvPr>
+        </p:nvSpPr>
+        <p:spPr/>
+        <p:txBody>
+          <a:bodyPr/>
+          <a:lstStyle/>
+          <a:p>
+            <a:fld id="{DD1492AF-DAAA-4308-9C60-8617B849701E}" type="slidenum">
+              <a:rPr lang="en-US" smtClean="0"/>
+              <a:t>5</a:t>
+            </a:fld>
+            <a:endParaRPr lang="en-US"/>
+          </a:p>
+        </p:txBody>
+      </p:sp>
+    </p:spTree>
+    <p:extLst>
+      <p:ext uri="{BB962C8B-B14F-4D97-AF65-F5344CB8AC3E}">
+        <p14:creationId xmlns:p14="http://schemas.microsoft.com/office/powerpoint/2010/main" val="2455248854"/>
+      </p:ext>
+    </p:extLst>
+  </p:cSld>
+  <p:clrMapOvr>
+    <a:masterClrMapping/>
+  </p:clrMapOvr>
+</p:notes>
+</file>
+
+<file path=ppt/notesSlides/notesSlide6.xml><?xml version="1.0" encoding="utf-8"?>
+<p:notes xmlns:a="http://schemas.openxmlformats.org/drawingml/2006/main" xmlns:r="http://schemas.openxmlformats.org/officeDocument/2006/relationships" xmlns:p="http://schemas.openxmlformats.org/presentationml/2006/main">
+  <p:cSld>
+    <p:spTree>
+      <p:nvGrpSpPr>
+        <p:cNvPr id="1" name=""/>
+        <p:cNvGrpSpPr/>
+        <p:nvPr/>
+      </p:nvGrpSpPr>
+      <p:grpSpPr>
+        <a:xfrm>
+          <a:off x="0" y="0"/>
+          <a:ext cx="0" cy="0"/>
+          <a:chOff x="0" y="0"/>
+          <a:chExt cx="0" cy="0"/>
+        </a:xfrm>
+      </p:grpSpPr>
+      <p:sp>
+        <p:nvSpPr>
+          <p:cNvPr id="2" name="Slide Image Placeholder 1"/>
+          <p:cNvSpPr>
+            <a:spLocks noGrp="1" noRot="1" noChangeAspect="1"/>
+          </p:cNvSpPr>
+          <p:nvPr>
+            <p:ph type="sldImg"/>
+          </p:nvPr>
+        </p:nvSpPr>
+        <p:spPr/>
+      </p:sp>
+      <p:sp>
+        <p:nvSpPr>
+          <p:cNvPr id="3" name="Notes Placeholder 2"/>
+          <p:cNvSpPr>
+            <a:spLocks noGrp="1"/>
+          </p:cNvSpPr>
+          <p:nvPr>
+            <p:ph type="body" idx="1"/>
+          </p:nvPr>
+        </p:nvSpPr>
+        <p:spPr/>
+        <p:txBody>
+          <a:bodyPr/>
+          <a:lstStyle/>
+          <a:p>
+            <a:r>
+              <a:rPr lang="en-US" dirty="0"/>
+              <a:t>These are the basic parts that make up our model/agent combination.  Very Simply (click) Native Training (read the bullet),  (click) Context Window (read), (click) Tokens (read), (click) LLM Logical Processing…</a:t>
+            </a:r>
+          </a:p>
+          <a:p>
+            <a:r>
+              <a:rPr lang="en-US" dirty="0"/>
+              <a:t>For those that don’t know, an LLM is a very fast, very deep language pattern prediction tool.  It’s job is to predict the next string of tokens based on the massive confluence of native training and user context provided in the session.  Simple…</a:t>
+            </a:r>
+          </a:p>
+        </p:txBody>
+      </p:sp>
+      <p:sp>
+        <p:nvSpPr>
+          <p:cNvPr id="4" name="Slide Number Placeholder 3"/>
+          <p:cNvSpPr>
+            <a:spLocks noGrp="1"/>
+          </p:cNvSpPr>
+          <p:nvPr>
+            <p:ph type="sldNum" sz="quarter" idx="5"/>
+          </p:nvPr>
+        </p:nvSpPr>
+        <p:spPr/>
+        <p:txBody>
+          <a:bodyPr/>
+          <a:lstStyle/>
+          <a:p>
+            <a:fld id="{DD1492AF-DAAA-4308-9C60-8617B849701E}" type="slidenum">
+              <a:rPr lang="en-US" smtClean="0"/>
+              <a:t>6</a:t>
+            </a:fld>
+            <a:endParaRPr lang="en-US"/>
+          </a:p>
+        </p:txBody>
+      </p:sp>
+    </p:spTree>
+    <p:extLst>
+      <p:ext uri="{BB962C8B-B14F-4D97-AF65-F5344CB8AC3E}">
+        <p14:creationId xmlns:p14="http://schemas.microsoft.com/office/powerpoint/2010/main" val="3663935429"/>
+      </p:ext>
+    </p:extLst>
+  </p:cSld>
+  <p:clrMapOvr>
+    <a:masterClrMapping/>
+  </p:clrMapOvr>
+</p:notes>
+</file>
+
+<file path=ppt/notesSlides/notesSlide7.xml><?xml version="1.0" encoding="utf-8"?>
+<p:notes xmlns:a="http://schemas.openxmlformats.org/drawingml/2006/main" xmlns:r="http://schemas.openxmlformats.org/officeDocument/2006/relationships" xmlns:p="http://schemas.openxmlformats.org/presentationml/2006/main">
+  <p:cSld>
+    <p:spTree>
+      <p:nvGrpSpPr>
+        <p:cNvPr id="1" name=""/>
+        <p:cNvGrpSpPr/>
+        <p:nvPr/>
+      </p:nvGrpSpPr>
+      <p:grpSpPr>
+        <a:xfrm>
+          <a:off x="0" y="0"/>
+          <a:ext cx="0" cy="0"/>
+          <a:chOff x="0" y="0"/>
+          <a:chExt cx="0" cy="0"/>
+        </a:xfrm>
+      </p:grpSpPr>
+      <p:sp>
+        <p:nvSpPr>
+          <p:cNvPr id="2" name="Slide Image Placeholder 1"/>
+          <p:cNvSpPr>
+            <a:spLocks noGrp="1" noRot="1" noChangeAspect="1"/>
+          </p:cNvSpPr>
+          <p:nvPr>
+            <p:ph type="sldImg"/>
+          </p:nvPr>
+        </p:nvSpPr>
+        <p:spPr/>
+      </p:sp>
+      <p:sp>
+        <p:nvSpPr>
+          <p:cNvPr id="3" name="Notes Placeholder 2"/>
+          <p:cNvSpPr>
+            <a:spLocks noGrp="1"/>
+          </p:cNvSpPr>
+          <p:nvPr>
+            <p:ph type="body" idx="1"/>
+          </p:nvPr>
+        </p:nvSpPr>
+        <p:spPr/>
+        <p:txBody>
+          <a:bodyPr/>
+          <a:lstStyle/>
+          <a:p>
+            <a:r>
+              <a:rPr lang="en-US" dirty="0"/>
+              <a:t>What does a token equate to in real terms?  This table will help you with the scope of the project you are trying to tackle.  I’ve have very good experience with 500 page books btw.  (click)</a:t>
+            </a:r>
+          </a:p>
+        </p:txBody>
+      </p:sp>
+      <p:sp>
+        <p:nvSpPr>
+          <p:cNvPr id="4" name="Slide Number Placeholder 3"/>
+          <p:cNvSpPr>
+            <a:spLocks noGrp="1"/>
+          </p:cNvSpPr>
+          <p:nvPr>
+            <p:ph type="sldNum" sz="quarter" idx="5"/>
+          </p:nvPr>
+        </p:nvSpPr>
+        <p:spPr/>
+        <p:txBody>
+          <a:bodyPr/>
+          <a:lstStyle/>
+          <a:p>
+            <a:fld id="{DD1492AF-DAAA-4308-9C60-8617B849701E}" type="slidenum">
+              <a:rPr lang="en-US" smtClean="0"/>
+              <a:t>7</a:t>
+            </a:fld>
+            <a:endParaRPr lang="en-US"/>
+          </a:p>
+        </p:txBody>
+      </p:sp>
+    </p:spTree>
+    <p:extLst>
+      <p:ext uri="{BB962C8B-B14F-4D97-AF65-F5344CB8AC3E}">
+        <p14:creationId xmlns:p14="http://schemas.microsoft.com/office/powerpoint/2010/main" val="871747326"/>
+      </p:ext>
+    </p:extLst>
+  </p:cSld>
+  <p:clrMapOvr>
+    <a:masterClrMapping/>
+  </p:clrMapOvr>
+</p:notes>
+</file>
+
+<file path=ppt/notesSlides/notesSlide8.xml><?xml version="1.0" encoding="utf-8"?>
+<p:notes xmlns:a="http://schemas.openxmlformats.org/drawingml/2006/main" xmlns:r="http://schemas.openxmlformats.org/officeDocument/2006/relationships" xmlns:p="http://schemas.openxmlformats.org/presentationml/2006/main">
+  <p:cSld>
+    <p:spTree>
+      <p:nvGrpSpPr>
+        <p:cNvPr id="1" name=""/>
+        <p:cNvGrpSpPr/>
+        <p:nvPr/>
+      </p:nvGrpSpPr>
+      <p:grpSpPr>
+        <a:xfrm>
+          <a:off x="0" y="0"/>
+          <a:ext cx="0" cy="0"/>
+          <a:chOff x="0" y="0"/>
+          <a:chExt cx="0" cy="0"/>
+        </a:xfrm>
+      </p:grpSpPr>
+      <p:sp>
+        <p:nvSpPr>
+          <p:cNvPr id="2" name="Slide Image Placeholder 1"/>
+          <p:cNvSpPr>
+            <a:spLocks noGrp="1" noRot="1" noChangeAspect="1"/>
+          </p:cNvSpPr>
+          <p:nvPr>
+            <p:ph type="sldImg"/>
+          </p:nvPr>
+        </p:nvSpPr>
+        <p:spPr/>
+      </p:sp>
+      <p:sp>
+        <p:nvSpPr>
+          <p:cNvPr id="3" name="Notes Placeholder 2"/>
+          <p:cNvSpPr>
+            <a:spLocks noGrp="1"/>
+          </p:cNvSpPr>
+          <p:nvPr>
+            <p:ph type="body" idx="1"/>
+          </p:nvPr>
+        </p:nvSpPr>
+        <p:spPr/>
+        <p:txBody>
+          <a:bodyPr/>
+          <a:lstStyle/>
+          <a:p>
+            <a:r>
+              <a:rPr lang="en-US" dirty="0"/>
+              <a:t>A little deeper… the time of this recording Dec 4, 2025, these are the approximate limits for the context on each LLM model platform.  These numbers have been increasing with each release.  BUT, it is very important that you have an understanding of your context window requirements so that you use a model that will support.  Token budget is very important. (next click)</a:t>
+            </a:r>
+          </a:p>
+        </p:txBody>
+      </p:sp>
+      <p:sp>
+        <p:nvSpPr>
+          <p:cNvPr id="4" name="Slide Number Placeholder 3"/>
+          <p:cNvSpPr>
+            <a:spLocks noGrp="1"/>
+          </p:cNvSpPr>
+          <p:nvPr>
+            <p:ph type="sldNum" sz="quarter" idx="5"/>
+          </p:nvPr>
+        </p:nvSpPr>
+        <p:spPr/>
+        <p:txBody>
+          <a:bodyPr/>
+          <a:lstStyle/>
+          <a:p>
+            <a:fld id="{DD1492AF-DAAA-4308-9C60-8617B849701E}" type="slidenum">
+              <a:rPr lang="en-US" smtClean="0"/>
+              <a:t>8</a:t>
+            </a:fld>
+            <a:endParaRPr lang="en-US"/>
+          </a:p>
+        </p:txBody>
+      </p:sp>
+    </p:spTree>
+    <p:extLst>
+      <p:ext uri="{BB962C8B-B14F-4D97-AF65-F5344CB8AC3E}">
+        <p14:creationId xmlns:p14="http://schemas.microsoft.com/office/powerpoint/2010/main" val="2437015652"/>
+      </p:ext>
+    </p:extLst>
+  </p:cSld>
+  <p:clrMapOvr>
+    <a:masterClrMapping/>
+  </p:clrMapOvr>
+</p:notes>
+</file>
+
+<file path=ppt/notesSlides/notesSlide9.xml><?xml version="1.0" encoding="utf-8"?>
+<p:notes xmlns:a="http://schemas.openxmlformats.org/drawingml/2006/main" xmlns:r="http://schemas.openxmlformats.org/officeDocument/2006/relationships" xmlns:p="http://schemas.openxmlformats.org/presentationml/2006/main">
+  <p:cSld>
+    <p:spTree>
+      <p:nvGrpSpPr>
+        <p:cNvPr id="1" name=""/>
+        <p:cNvGrpSpPr/>
+        <p:nvPr/>
+      </p:nvGrpSpPr>
+      <p:grpSpPr>
+        <a:xfrm>
+          <a:off x="0" y="0"/>
+          <a:ext cx="0" cy="0"/>
+          <a:chOff x="0" y="0"/>
+          <a:chExt cx="0" cy="0"/>
+        </a:xfrm>
+      </p:grpSpPr>
+      <p:sp>
+        <p:nvSpPr>
+          <p:cNvPr id="2" name="Slide Image Placeholder 1"/>
+          <p:cNvSpPr>
+            <a:spLocks noGrp="1" noRot="1" noChangeAspect="1"/>
+          </p:cNvSpPr>
+          <p:nvPr>
+            <p:ph type="sldImg"/>
+          </p:nvPr>
+        </p:nvSpPr>
+        <p:spPr/>
+      </p:sp>
+      <p:sp>
+        <p:nvSpPr>
+          <p:cNvPr id="3" name="Notes Placeholder 2"/>
+          <p:cNvSpPr>
+            <a:spLocks noGrp="1"/>
+          </p:cNvSpPr>
+          <p:nvPr>
+            <p:ph type="body" idx="1"/>
+          </p:nvPr>
+        </p:nvSpPr>
+        <p:spPr/>
+        <p:txBody>
+          <a:bodyPr/>
+          <a:lstStyle/>
+          <a:p>
+            <a:r>
+              <a:rPr lang="en-US" dirty="0"/>
+              <a:t>You all are likely very familiar with a prompt interface.  What we are going to be doing here is building agents that have a mix of formatted components in the text file.</a:t>
+            </a:r>
+          </a:p>
+          <a:p>
+            <a:endParaRPr lang="en-US" dirty="0"/>
+          </a:p>
+          <a:p>
+            <a:r>
+              <a:rPr lang="en-US" dirty="0"/>
+              <a:t>Obviously, language models are designed to read plain text, …not so obviously, the are even better skilled to recognize and operate on markdown, </a:t>
+            </a:r>
+            <a:r>
+              <a:rPr lang="en-US" dirty="0" err="1"/>
+              <a:t>yaml</a:t>
+            </a:r>
+            <a:r>
+              <a:rPr lang="en-US" dirty="0"/>
+              <a:t>, </a:t>
+            </a:r>
+            <a:r>
+              <a:rPr lang="en-US" dirty="0" err="1"/>
+              <a:t>json</a:t>
+            </a:r>
+            <a:r>
+              <a:rPr lang="en-US" dirty="0"/>
+              <a:t> formats to name a few.</a:t>
+            </a:r>
+          </a:p>
+          <a:p>
+            <a:endParaRPr lang="en-US" dirty="0"/>
+          </a:p>
+          <a:p>
+            <a:r>
+              <a:rPr lang="en-US" dirty="0"/>
+              <a:t>An agent file can contain several formats that are best appropriate for its step in the workflow.  You should think of markdown and </a:t>
+            </a:r>
+            <a:r>
+              <a:rPr lang="en-US" dirty="0" err="1"/>
+              <a:t>yaml</a:t>
+            </a:r>
+            <a:r>
+              <a:rPr lang="en-US" dirty="0"/>
+              <a:t> as pseudocode  (click)</a:t>
+            </a:r>
+          </a:p>
+        </p:txBody>
+      </p:sp>
+      <p:sp>
+        <p:nvSpPr>
+          <p:cNvPr id="4" name="Slide Number Placeholder 3"/>
+          <p:cNvSpPr>
+            <a:spLocks noGrp="1"/>
+          </p:cNvSpPr>
+          <p:nvPr>
+            <p:ph type="sldNum" sz="quarter" idx="5"/>
+          </p:nvPr>
+        </p:nvSpPr>
+        <p:spPr/>
+        <p:txBody>
+          <a:bodyPr/>
+          <a:lstStyle/>
+          <a:p>
+            <a:fld id="{DD1492AF-DAAA-4308-9C60-8617B849701E}" type="slidenum">
+              <a:rPr lang="en-US" smtClean="0"/>
+              <a:t>9</a:t>
+            </a:fld>
+            <a:endParaRPr lang="en-US"/>
+          </a:p>
+        </p:txBody>
+      </p:sp>
+    </p:spTree>
+    <p:extLst>
+      <p:ext uri="{BB962C8B-B14F-4D97-AF65-F5344CB8AC3E}">
+        <p14:creationId xmlns:p14="http://schemas.microsoft.com/office/powerpoint/2010/main" val="2380452985"/>
+      </p:ext>
+    </p:extLst>
+  </p:cSld>
+  <p:clrMapOvr>
+    <a:masterClrMapping/>
+  </p:clrMapOvr>
+</p:notes>
 </file>
 
 <file path=ppt/slideLayouts/slideLayout1.xml><?xml version="1.0" encoding="utf-8"?>
@@ -11024,8 +15203,8 @@
         </p:nvSpPr>
         <p:spPr>
           <a:xfrm>
-            <a:off x="3610466" y="2850387"/>
-            <a:ext cx="8068133" cy="2421464"/>
+            <a:off x="2846896" y="2158738"/>
+            <a:ext cx="8831704" cy="3113113"/>
           </a:xfrm>
         </p:spPr>
         <p:txBody>
@@ -11040,19 +15219,162 @@
                   <a:srgbClr val="92D050"/>
                 </a:solidFill>
               </a:rPr>
-              <a:t>Actuarial Generative Context Engineering </a:t>
+              <a:t>Generative Context Engineering</a:t>
             </a:r>
+            <a:br>
+              <a:rPr lang="en-US" sz="6000" b="1" dirty="0">
+                <a:solidFill>
+                  <a:srgbClr val="92D050"/>
+                </a:solidFill>
+              </a:rPr>
+            </a:br>
             <a:r>
               <a:rPr lang="en-US" sz="4000" b="1" i="1" dirty="0">
                 <a:solidFill>
                   <a:srgbClr val="92D050"/>
                 </a:solidFill>
               </a:rPr>
-              <a:t>Made Simple</a:t>
+              <a:t>Simplified</a:t>
             </a:r>
           </a:p>
         </p:txBody>
       </p:sp>
+      <p:pic>
+        <p:nvPicPr>
+          <p:cNvPr id="4" name="Picture 3" descr="A person in a suit and tie&#10;&#10;AI-generated content may be incorrect.">
+            <a:extLst>
+              <a:ext uri="{FF2B5EF4-FFF2-40B4-BE49-F238E27FC236}">
+                <a16:creationId xmlns:a16="http://schemas.microsoft.com/office/drawing/2014/main" id="{8A660426-7B49-9F19-5BBD-E4622CE8D076}"/>
+              </a:ext>
+            </a:extLst>
+          </p:cNvPr>
+          <p:cNvPicPr>
+            <a:picLocks noChangeAspect="1"/>
+          </p:cNvPicPr>
+          <p:nvPr/>
+        </p:nvPicPr>
+        <p:blipFill>
+          <a:blip r:embed="rId3">
+            <a:extLst>
+              <a:ext uri="{28A0092B-C50C-407E-A947-70E740481C1C}">
+                <a14:useLocalDpi xmlns:a14="http://schemas.microsoft.com/office/drawing/2010/main" val="0"/>
+              </a:ext>
+            </a:extLst>
+          </a:blip>
+          <a:srcRect l="13369" r="14869"/>
+          <a:stretch>
+            <a:fillRect/>
+          </a:stretch>
+        </p:blipFill>
+        <p:spPr>
+          <a:xfrm>
+            <a:off x="8186702" y="867266"/>
+            <a:ext cx="3280974" cy="4572000"/>
+          </a:xfrm>
+          <a:prstGeom prst="roundRect">
+            <a:avLst>
+              <a:gd name="adj" fmla="val 4280"/>
+            </a:avLst>
+          </a:prstGeom>
+          <a:noFill/>
+          <a:ln w="50800" cap="sq" cmpd="dbl">
+            <a:gradFill flip="none" rotWithShape="1">
+              <a:gsLst>
+                <a:gs pos="0">
+                  <a:srgbClr val="FFFFFF"/>
+                </a:gs>
+                <a:gs pos="100000">
+                  <a:schemeClr val="tx1">
+                    <a:alpha val="0"/>
+                  </a:schemeClr>
+                </a:gs>
+              </a:gsLst>
+              <a:path path="circle">
+                <a:fillToRect l="50000" t="50000" r="50000" b="50000"/>
+              </a:path>
+              <a:tileRect/>
+            </a:gradFill>
+            <a:miter lim="800000"/>
+          </a:ln>
+          <a:effectLst>
+            <a:outerShdw blurRad="254000" algn="tl" rotWithShape="0">
+              <a:srgbClr val="000000">
+                <a:alpha val="43000"/>
+              </a:srgbClr>
+            </a:outerShdw>
+          </a:effectLst>
+        </p:spPr>
+      </p:pic>
+      <p:pic>
+        <p:nvPicPr>
+          <p:cNvPr id="2050" name="Picture 2" descr="Ghostbuster-style logo with A.I. letters">
+            <a:extLst>
+              <a:ext uri="{FF2B5EF4-FFF2-40B4-BE49-F238E27FC236}">
+                <a16:creationId xmlns:a16="http://schemas.microsoft.com/office/drawing/2014/main" id="{597DC878-4977-05F9-7BC6-CBFA0391BF86}"/>
+              </a:ext>
+            </a:extLst>
+          </p:cNvPr>
+          <p:cNvPicPr>
+            <a:picLocks noChangeAspect="1" noChangeArrowheads="1"/>
+          </p:cNvPicPr>
+          <p:nvPr/>
+        </p:nvPicPr>
+        <p:blipFill>
+          <a:blip r:embed="rId4">
+            <a:extLst>
+              <a:ext uri="{28A0092B-C50C-407E-A947-70E740481C1C}">
+                <a14:useLocalDpi xmlns:a14="http://schemas.microsoft.com/office/drawing/2010/main" val="0"/>
+              </a:ext>
+            </a:extLst>
+          </a:blip>
+          <a:srcRect/>
+          <a:stretch>
+            <a:fillRect/>
+          </a:stretch>
+        </p:blipFill>
+        <p:spPr bwMode="auto">
+          <a:xfrm>
+            <a:off x="2667000" y="2684205"/>
+            <a:ext cx="3220065" cy="3220065"/>
+          </a:xfrm>
+          <a:prstGeom prst="ellipse">
+            <a:avLst/>
+          </a:prstGeom>
+          <a:ln w="63500" cap="rnd">
+            <a:solidFill>
+              <a:srgbClr val="333333"/>
+            </a:solidFill>
+          </a:ln>
+          <a:effectLst>
+            <a:outerShdw blurRad="381000" dist="292100" dir="5400000" sx="-80000" sy="-18000" rotWithShape="0">
+              <a:srgbClr val="000000">
+                <a:alpha val="22000"/>
+              </a:srgbClr>
+            </a:outerShdw>
+          </a:effectLst>
+          <a:scene3d>
+            <a:camera prst="orthographicFront"/>
+            <a:lightRig rig="contrasting" dir="t">
+              <a:rot lat="0" lon="0" rev="3000000"/>
+            </a:lightRig>
+          </a:scene3d>
+          <a:sp3d contourW="7620">
+            <a:bevelT w="95250" h="31750"/>
+            <a:contourClr>
+              <a:srgbClr val="333333"/>
+            </a:contourClr>
+          </a:sp3d>
+          <a:extLst>
+            <a:ext uri="{909E8E84-426E-40DD-AFC4-6F175D3DCCD1}">
+              <a14:hiddenFill xmlns:a14="http://schemas.microsoft.com/office/drawing/2010/main">
+                <a:solidFill>
+                  <a:srgbClr val="FFFFFF"/>
+                </a:solidFill>
+              </a14:hiddenFill>
+            </a:ext>
+          </a:extLst>
+        </p:spPr>
+      </p:pic>
     </p:spTree>
     <p:extLst>
       <p:ext uri="{BB962C8B-B14F-4D97-AF65-F5344CB8AC3E}">
@@ -11063,10 +15385,4436 @@
   <p:clrMapOvr>
     <a:masterClrMapping/>
   </p:clrMapOvr>
+  <p:timing>
+    <p:tnLst>
+      <p:par>
+        <p:cTn id="1" dur="indefinite" restart="never" nodeType="tmRoot">
+          <p:childTnLst>
+            <p:seq concurrent="1" nextAc="seek">
+              <p:cTn id="2" dur="indefinite" nodeType="mainSeq">
+                <p:childTnLst>
+                  <p:par>
+                    <p:cTn id="3" fill="hold">
+                      <p:stCondLst>
+                        <p:cond delay="indefinite"/>
+                      </p:stCondLst>
+                      <p:childTnLst>
+                        <p:par>
+                          <p:cTn id="4" fill="hold">
+                            <p:stCondLst>
+                              <p:cond delay="0"/>
+                            </p:stCondLst>
+                            <p:childTnLst>
+                              <p:par>
+                                <p:cTn id="5" presetID="42" presetClass="path" presetSubtype="0" accel="50000" decel="50000" fill="hold" grpId="0" nodeType="clickEffect">
+                                  <p:stCondLst>
+                                    <p:cond delay="0"/>
+                                  </p:stCondLst>
+                                  <p:childTnLst>
+                                    <p:animMotion origin="layout" path="M -0.03242 -0.05625 L -0.37526 -0.36667 " pathEditMode="relative" rAng="0" ptsTypes="AA">
+                                      <p:cBhvr>
+                                        <p:cTn id="6" dur="1300" fill="hold"/>
+                                        <p:tgtEl>
+                                          <p:spTgt spid="2"/>
+                                        </p:tgtEl>
+                                        <p:attrNameLst>
+                                          <p:attrName>ppt_x</p:attrName>
+                                          <p:attrName>ppt_y</p:attrName>
+                                        </p:attrNameLst>
+                                      </p:cBhvr>
+                                      <p:rCtr x="-17148" y="-15532"/>
+                                    </p:animMotion>
+                                  </p:childTnLst>
+                                </p:cTn>
+                              </p:par>
+                            </p:childTnLst>
+                          </p:cTn>
+                        </p:par>
+                      </p:childTnLst>
+                    </p:cTn>
+                  </p:par>
+                  <p:par>
+                    <p:cTn id="7" fill="hold">
+                      <p:stCondLst>
+                        <p:cond delay="indefinite"/>
+                      </p:stCondLst>
+                      <p:childTnLst>
+                        <p:par>
+                          <p:cTn id="8" fill="hold">
+                            <p:stCondLst>
+                              <p:cond delay="0"/>
+                            </p:stCondLst>
+                            <p:childTnLst>
+                              <p:par>
+                                <p:cTn id="9" presetID="2" presetClass="entr" presetSubtype="4" fill="hold" nodeType="clickEffect">
+                                  <p:stCondLst>
+                                    <p:cond delay="0"/>
+                                  </p:stCondLst>
+                                  <p:childTnLst>
+                                    <p:set>
+                                      <p:cBhvr>
+                                        <p:cTn id="10" dur="1" fill="hold">
+                                          <p:stCondLst>
+                                            <p:cond delay="0"/>
+                                          </p:stCondLst>
+                                        </p:cTn>
+                                        <p:tgtEl>
+                                          <p:spTgt spid="4"/>
+                                        </p:tgtEl>
+                                        <p:attrNameLst>
+                                          <p:attrName>style.visibility</p:attrName>
+                                        </p:attrNameLst>
+                                      </p:cBhvr>
+                                      <p:to>
+                                        <p:strVal val="visible"/>
+                                      </p:to>
+                                    </p:set>
+                                    <p:anim calcmode="lin" valueType="num">
+                                      <p:cBhvr additive="base">
+                                        <p:cTn id="11" dur="900" fill="hold"/>
+                                        <p:tgtEl>
+                                          <p:spTgt spid="4"/>
+                                        </p:tgtEl>
+                                        <p:attrNameLst>
+                                          <p:attrName>ppt_x</p:attrName>
+                                        </p:attrNameLst>
+                                      </p:cBhvr>
+                                      <p:tavLst>
+                                        <p:tav tm="0">
+                                          <p:val>
+                                            <p:strVal val="#ppt_x"/>
+                                          </p:val>
+                                        </p:tav>
+                                        <p:tav tm="100000">
+                                          <p:val>
+                                            <p:strVal val="#ppt_x"/>
+                                          </p:val>
+                                        </p:tav>
+                                      </p:tavLst>
+                                    </p:anim>
+                                    <p:anim calcmode="lin" valueType="num">
+                                      <p:cBhvr additive="base">
+                                        <p:cTn id="12" dur="900" fill="hold"/>
+                                        <p:tgtEl>
+                                          <p:spTgt spid="4"/>
+                                        </p:tgtEl>
+                                        <p:attrNameLst>
+                                          <p:attrName>ppt_y</p:attrName>
+                                        </p:attrNameLst>
+                                      </p:cBhvr>
+                                      <p:tavLst>
+                                        <p:tav tm="0">
+                                          <p:val>
+                                            <p:strVal val="1+#ppt_h/2"/>
+                                          </p:val>
+                                        </p:tav>
+                                        <p:tav tm="100000">
+                                          <p:val>
+                                            <p:strVal val="#ppt_y"/>
+                                          </p:val>
+                                        </p:tav>
+                                      </p:tavLst>
+                                    </p:anim>
+                                  </p:childTnLst>
+                                </p:cTn>
+                              </p:par>
+                            </p:childTnLst>
+                          </p:cTn>
+                        </p:par>
+                      </p:childTnLst>
+                    </p:cTn>
+                  </p:par>
+                  <p:par>
+                    <p:cTn id="13" fill="hold">
+                      <p:stCondLst>
+                        <p:cond delay="indefinite"/>
+                      </p:stCondLst>
+                      <p:childTnLst>
+                        <p:par>
+                          <p:cTn id="14" fill="hold">
+                            <p:stCondLst>
+                              <p:cond delay="0"/>
+                            </p:stCondLst>
+                            <p:childTnLst>
+                              <p:par>
+                                <p:cTn id="15" presetID="26" presetClass="entr" presetSubtype="0" fill="hold" nodeType="clickEffect">
+                                  <p:stCondLst>
+                                    <p:cond delay="0"/>
+                                  </p:stCondLst>
+                                  <p:childTnLst>
+                                    <p:set>
+                                      <p:cBhvr>
+                                        <p:cTn id="16" dur="1" fill="hold">
+                                          <p:stCondLst>
+                                            <p:cond delay="0"/>
+                                          </p:stCondLst>
+                                        </p:cTn>
+                                        <p:tgtEl>
+                                          <p:spTgt spid="2050"/>
+                                        </p:tgtEl>
+                                        <p:attrNameLst>
+                                          <p:attrName>style.visibility</p:attrName>
+                                        </p:attrNameLst>
+                                      </p:cBhvr>
+                                      <p:to>
+                                        <p:strVal val="visible"/>
+                                      </p:to>
+                                    </p:set>
+                                    <p:animEffect transition="in" filter="wipe(down)">
+                                      <p:cBhvr>
+                                        <p:cTn id="17" dur="319">
+                                          <p:stCondLst>
+                                            <p:cond delay="0"/>
+                                          </p:stCondLst>
+                                        </p:cTn>
+                                        <p:tgtEl>
+                                          <p:spTgt spid="2050"/>
+                                        </p:tgtEl>
+                                      </p:cBhvr>
+                                    </p:animEffect>
+                                    <p:anim calcmode="lin" valueType="num">
+                                      <p:cBhvr>
+                                        <p:cTn id="18" dur="1002" tmFilter="0,0; 0.14,0.36; 0.43,0.73; 0.71,0.91; 1.0,1.0">
+                                          <p:stCondLst>
+                                            <p:cond delay="0"/>
+                                          </p:stCondLst>
+                                        </p:cTn>
+                                        <p:tgtEl>
+                                          <p:spTgt spid="2050"/>
+                                        </p:tgtEl>
+                                        <p:attrNameLst>
+                                          <p:attrName>ppt_x</p:attrName>
+                                        </p:attrNameLst>
+                                      </p:cBhvr>
+                                      <p:tavLst>
+                                        <p:tav tm="0">
+                                          <p:val>
+                                            <p:strVal val="#ppt_x-0.25"/>
+                                          </p:val>
+                                        </p:tav>
+                                        <p:tav tm="100000">
+                                          <p:val>
+                                            <p:strVal val="#ppt_x"/>
+                                          </p:val>
+                                        </p:tav>
+                                      </p:tavLst>
+                                    </p:anim>
+                                    <p:anim calcmode="lin" valueType="num">
+                                      <p:cBhvr>
+                                        <p:cTn id="19" dur="365" tmFilter="0.0,0.0; 0.25,0.07; 0.50,0.2; 0.75,0.467; 1.0,1.0">
+                                          <p:stCondLst>
+                                            <p:cond delay="0"/>
+                                          </p:stCondLst>
+                                        </p:cTn>
+                                        <p:tgtEl>
+                                          <p:spTgt spid="2050"/>
+                                        </p:tgtEl>
+                                        <p:attrNameLst>
+                                          <p:attrName>ppt_y</p:attrName>
+                                        </p:attrNameLst>
+                                      </p:cBhvr>
+                                      <p:tavLst>
+                                        <p:tav tm="0" fmla="#ppt_y-sin(pi*$)/3">
+                                          <p:val>
+                                            <p:fltVal val="0.5"/>
+                                          </p:val>
+                                        </p:tav>
+                                        <p:tav tm="100000">
+                                          <p:val>
+                                            <p:fltVal val="1"/>
+                                          </p:val>
+                                        </p:tav>
+                                      </p:tavLst>
+                                    </p:anim>
+                                    <p:anim calcmode="lin" valueType="num">
+                                      <p:cBhvr>
+                                        <p:cTn id="20" dur="365" tmFilter="0, 0; 0.125,0.2665; 0.25,0.4; 0.375,0.465; 0.5,0.5;  0.625,0.535; 0.75,0.6; 0.875,0.7335; 1,1">
+                                          <p:stCondLst>
+                                            <p:cond delay="365"/>
+                                          </p:stCondLst>
+                                        </p:cTn>
+                                        <p:tgtEl>
+                                          <p:spTgt spid="2050"/>
+                                        </p:tgtEl>
+                                        <p:attrNameLst>
+                                          <p:attrName>ppt_y</p:attrName>
+                                        </p:attrNameLst>
+                                      </p:cBhvr>
+                                      <p:tavLst>
+                                        <p:tav tm="0" fmla="#ppt_y-sin(pi*$)/9">
+                                          <p:val>
+                                            <p:fltVal val="0"/>
+                                          </p:val>
+                                        </p:tav>
+                                        <p:tav tm="100000">
+                                          <p:val>
+                                            <p:fltVal val="1"/>
+                                          </p:val>
+                                        </p:tav>
+                                      </p:tavLst>
+                                    </p:anim>
+                                    <p:anim calcmode="lin" valueType="num">
+                                      <p:cBhvr>
+                                        <p:cTn id="21" dur="183" tmFilter="0, 0; 0.125,0.2665; 0.25,0.4; 0.375,0.465; 0.5,0.5;  0.625,0.535; 0.75,0.6; 0.875,0.7335; 1,1">
+                                          <p:stCondLst>
+                                            <p:cond delay="728"/>
+                                          </p:stCondLst>
+                                        </p:cTn>
+                                        <p:tgtEl>
+                                          <p:spTgt spid="2050"/>
+                                        </p:tgtEl>
+                                        <p:attrNameLst>
+                                          <p:attrName>ppt_y</p:attrName>
+                                        </p:attrNameLst>
+                                      </p:cBhvr>
+                                      <p:tavLst>
+                                        <p:tav tm="0" fmla="#ppt_y-sin(pi*$)/27">
+                                          <p:val>
+                                            <p:fltVal val="0"/>
+                                          </p:val>
+                                        </p:tav>
+                                        <p:tav tm="100000">
+                                          <p:val>
+                                            <p:fltVal val="1"/>
+                                          </p:val>
+                                        </p:tav>
+                                      </p:tavLst>
+                                    </p:anim>
+                                    <p:anim calcmode="lin" valueType="num">
+                                      <p:cBhvr>
+                                        <p:cTn id="22" dur="90" tmFilter="0, 0; 0.125,0.2665; 0.25,0.4; 0.375,0.465; 0.5,0.5;  0.625,0.535; 0.75,0.6; 0.875,0.7335; 1,1">
+                                          <p:stCondLst>
+                                            <p:cond delay="911"/>
+                                          </p:stCondLst>
+                                        </p:cTn>
+                                        <p:tgtEl>
+                                          <p:spTgt spid="2050"/>
+                                        </p:tgtEl>
+                                        <p:attrNameLst>
+                                          <p:attrName>ppt_y</p:attrName>
+                                        </p:attrNameLst>
+                                      </p:cBhvr>
+                                      <p:tavLst>
+                                        <p:tav tm="0" fmla="#ppt_y-sin(pi*$)/81">
+                                          <p:val>
+                                            <p:fltVal val="0"/>
+                                          </p:val>
+                                        </p:tav>
+                                        <p:tav tm="100000">
+                                          <p:val>
+                                            <p:fltVal val="1"/>
+                                          </p:val>
+                                        </p:tav>
+                                      </p:tavLst>
+                                    </p:anim>
+                                    <p:animScale>
+                                      <p:cBhvr>
+                                        <p:cTn id="23" dur="14">
+                                          <p:stCondLst>
+                                            <p:cond delay="357"/>
+                                          </p:stCondLst>
+                                        </p:cTn>
+                                        <p:tgtEl>
+                                          <p:spTgt spid="2050"/>
+                                        </p:tgtEl>
+                                      </p:cBhvr>
+                                      <p:to x="100000" y="60000"/>
+                                    </p:animScale>
+                                    <p:animScale>
+                                      <p:cBhvr>
+                                        <p:cTn id="24" dur="91" decel="50000">
+                                          <p:stCondLst>
+                                            <p:cond delay="372"/>
+                                          </p:stCondLst>
+                                        </p:cTn>
+                                        <p:tgtEl>
+                                          <p:spTgt spid="2050"/>
+                                        </p:tgtEl>
+                                      </p:cBhvr>
+                                      <p:to x="100000" y="100000"/>
+                                    </p:animScale>
+                                    <p:animScale>
+                                      <p:cBhvr>
+                                        <p:cTn id="25" dur="14">
+                                          <p:stCondLst>
+                                            <p:cond delay="722"/>
+                                          </p:stCondLst>
+                                        </p:cTn>
+                                        <p:tgtEl>
+                                          <p:spTgt spid="2050"/>
+                                        </p:tgtEl>
+                                      </p:cBhvr>
+                                      <p:to x="100000" y="80000"/>
+                                    </p:animScale>
+                                    <p:animScale>
+                                      <p:cBhvr>
+                                        <p:cTn id="26" dur="91" decel="50000">
+                                          <p:stCondLst>
+                                            <p:cond delay="736"/>
+                                          </p:stCondLst>
+                                        </p:cTn>
+                                        <p:tgtEl>
+                                          <p:spTgt spid="2050"/>
+                                        </p:tgtEl>
+                                      </p:cBhvr>
+                                      <p:to x="100000" y="100000"/>
+                                    </p:animScale>
+                                    <p:animScale>
+                                      <p:cBhvr>
+                                        <p:cTn id="27" dur="14">
+                                          <p:stCondLst>
+                                            <p:cond delay="903"/>
+                                          </p:stCondLst>
+                                        </p:cTn>
+                                        <p:tgtEl>
+                                          <p:spTgt spid="2050"/>
+                                        </p:tgtEl>
+                                      </p:cBhvr>
+                                      <p:to x="100000" y="90000"/>
+                                    </p:animScale>
+                                    <p:animScale>
+                                      <p:cBhvr>
+                                        <p:cTn id="28" dur="91" decel="50000">
+                                          <p:stCondLst>
+                                            <p:cond delay="917"/>
+                                          </p:stCondLst>
+                                        </p:cTn>
+                                        <p:tgtEl>
+                                          <p:spTgt spid="2050"/>
+                                        </p:tgtEl>
+                                      </p:cBhvr>
+                                      <p:to x="100000" y="100000"/>
+                                    </p:animScale>
+                                    <p:animScale>
+                                      <p:cBhvr>
+                                        <p:cTn id="29" dur="14">
+                                          <p:stCondLst>
+                                            <p:cond delay="994"/>
+                                          </p:stCondLst>
+                                        </p:cTn>
+                                        <p:tgtEl>
+                                          <p:spTgt spid="2050"/>
+                                        </p:tgtEl>
+                                      </p:cBhvr>
+                                      <p:to x="100000" y="95000"/>
+                                    </p:animScale>
+                                    <p:animScale>
+                                      <p:cBhvr>
+                                        <p:cTn id="30" dur="91" decel="50000">
+                                          <p:stCondLst>
+                                            <p:cond delay="1009"/>
+                                          </p:stCondLst>
+                                        </p:cTn>
+                                        <p:tgtEl>
+                                          <p:spTgt spid="2050"/>
+                                        </p:tgtEl>
+                                      </p:cBhvr>
+                                      <p:to x="100000" y="100000"/>
+                                    </p:animScale>
+                                  </p:childTnLst>
+                                </p:cTn>
+                              </p:par>
+                            </p:childTnLst>
+                          </p:cTn>
+                        </p:par>
+                      </p:childTnLst>
+                    </p:cTn>
+                  </p:par>
+                </p:childTnLst>
+              </p:cTn>
+              <p:prevCondLst>
+                <p:cond evt="onPrev" delay="0">
+                  <p:tgtEl>
+                    <p:sldTgt/>
+                  </p:tgtEl>
+                </p:cond>
+              </p:prevCondLst>
+              <p:nextCondLst>
+                <p:cond evt="onNext" delay="0">
+                  <p:tgtEl>
+                    <p:sldTgt/>
+                  </p:tgtEl>
+                </p:cond>
+              </p:nextCondLst>
+            </p:seq>
+          </p:childTnLst>
+        </p:cTn>
+      </p:par>
+    </p:tnLst>
+    <p:bldLst>
+      <p:bldP spid="2" grpId="0"/>
+    </p:bldLst>
+  </p:timing>
+</p:sld>
+</file>
+
+<file path=ppt/slides/slide10.xml><?xml version="1.0" encoding="utf-8"?>
+<p:sld xmlns:a="http://schemas.openxmlformats.org/drawingml/2006/main" xmlns:r="http://schemas.openxmlformats.org/officeDocument/2006/relationships" xmlns:p="http://schemas.openxmlformats.org/presentationml/2006/main">
+  <p:cSld>
+    <p:spTree>
+      <p:nvGrpSpPr>
+        <p:cNvPr id="1" name=""/>
+        <p:cNvGrpSpPr/>
+        <p:nvPr/>
+      </p:nvGrpSpPr>
+      <p:grpSpPr>
+        <a:xfrm>
+          <a:off x="0" y="0"/>
+          <a:ext cx="0" cy="0"/>
+          <a:chOff x="0" y="0"/>
+          <a:chExt cx="0" cy="0"/>
+        </a:xfrm>
+      </p:grpSpPr>
+      <p:graphicFrame>
+        <p:nvGraphicFramePr>
+          <p:cNvPr id="3" name="Diagram 2">
+            <a:extLst>
+              <a:ext uri="{FF2B5EF4-FFF2-40B4-BE49-F238E27FC236}">
+                <a16:creationId xmlns:a16="http://schemas.microsoft.com/office/drawing/2014/main" id="{BE7D0653-0175-DCE9-5961-A444060D9985}"/>
+              </a:ext>
+            </a:extLst>
+          </p:cNvPr>
+          <p:cNvGraphicFramePr/>
+          <p:nvPr>
+            <p:extLst>
+              <p:ext uri="{D42A27DB-BD31-4B8C-83A1-F6EECF244321}">
+                <p14:modId xmlns:p14="http://schemas.microsoft.com/office/powerpoint/2010/main" val="1412209294"/>
+              </p:ext>
+            </p:extLst>
+          </p:nvPr>
+        </p:nvGraphicFramePr>
+        <p:xfrm>
+          <a:off x="1769097" y="1147713"/>
+          <a:ext cx="8653805" cy="4562574"/>
+        </p:xfrm>
+        <a:graphic>
+          <a:graphicData uri="http://schemas.openxmlformats.org/drawingml/2006/diagram">
+            <dgm:relIds xmlns:dgm="http://schemas.openxmlformats.org/drawingml/2006/diagram" xmlns:r="http://schemas.openxmlformats.org/officeDocument/2006/relationships" r:dm="rId3" r:lo="rId4" r:qs="rId5" r:cs="rId6"/>
+          </a:graphicData>
+        </a:graphic>
+      </p:graphicFrame>
+      <p:sp>
+        <p:nvSpPr>
+          <p:cNvPr id="4" name="Title 1">
+            <a:extLst>
+              <a:ext uri="{FF2B5EF4-FFF2-40B4-BE49-F238E27FC236}">
+                <a16:creationId xmlns:a16="http://schemas.microsoft.com/office/drawing/2014/main" id="{48788EFA-05C4-9A8E-287C-B51202ED6FCF}"/>
+              </a:ext>
+            </a:extLst>
+          </p:cNvPr>
+          <p:cNvSpPr txBox="1">
+            <a:spLocks/>
+          </p:cNvSpPr>
+          <p:nvPr/>
+        </p:nvSpPr>
+        <p:spPr>
+          <a:xfrm>
+            <a:off x="1030287" y="298515"/>
+            <a:ext cx="10131425" cy="785567"/>
+          </a:xfrm>
+          <a:prstGeom prst="rect">
+            <a:avLst/>
+          </a:prstGeom>
+        </p:spPr>
+        <p:txBody>
+          <a:bodyPr>
+            <a:normAutofit/>
+          </a:bodyPr>
+          <a:lstStyle>
+            <a:lvl1pPr algn="l" defTabSz="457200" rtl="0" eaLnBrk="1" latinLnBrk="0" hangingPunct="1">
+              <a:spcBef>
+                <a:spcPct val="0"/>
+              </a:spcBef>
+              <a:buNone/>
+              <a:defRPr sz="3600" kern="1200" cap="all">
+                <a:ln w="3175" cmpd="sng">
+                  <a:noFill/>
+                </a:ln>
+                <a:solidFill>
+                  <a:schemeClr val="tx1"/>
+                </a:solidFill>
+                <a:effectLst/>
+                <a:latin typeface="+mj-lt"/>
+                <a:ea typeface="+mj-ea"/>
+                <a:cs typeface="+mj-cs"/>
+              </a:defRPr>
+            </a:lvl1pPr>
+            <a:lvl2pPr eaLnBrk="1" hangingPunct="1">
+              <a:defRPr>
+                <a:solidFill>
+                  <a:schemeClr val="tx2"/>
+                </a:solidFill>
+              </a:defRPr>
+            </a:lvl2pPr>
+            <a:lvl3pPr eaLnBrk="1" hangingPunct="1">
+              <a:defRPr>
+                <a:solidFill>
+                  <a:schemeClr val="tx2"/>
+                </a:solidFill>
+              </a:defRPr>
+            </a:lvl3pPr>
+            <a:lvl4pPr eaLnBrk="1" hangingPunct="1">
+              <a:defRPr>
+                <a:solidFill>
+                  <a:schemeClr val="tx2"/>
+                </a:solidFill>
+              </a:defRPr>
+            </a:lvl4pPr>
+            <a:lvl5pPr eaLnBrk="1" hangingPunct="1">
+              <a:defRPr>
+                <a:solidFill>
+                  <a:schemeClr val="tx2"/>
+                </a:solidFill>
+              </a:defRPr>
+            </a:lvl5pPr>
+            <a:lvl6pPr eaLnBrk="1" hangingPunct="1">
+              <a:defRPr>
+                <a:solidFill>
+                  <a:schemeClr val="tx2"/>
+                </a:solidFill>
+              </a:defRPr>
+            </a:lvl6pPr>
+            <a:lvl7pPr eaLnBrk="1" hangingPunct="1">
+              <a:defRPr>
+                <a:solidFill>
+                  <a:schemeClr val="tx2"/>
+                </a:solidFill>
+              </a:defRPr>
+            </a:lvl7pPr>
+            <a:lvl8pPr eaLnBrk="1" hangingPunct="1">
+              <a:defRPr>
+                <a:solidFill>
+                  <a:schemeClr val="tx2"/>
+                </a:solidFill>
+              </a:defRPr>
+            </a:lvl8pPr>
+            <a:lvl9pPr eaLnBrk="1" hangingPunct="1">
+              <a:defRPr>
+                <a:solidFill>
+                  <a:schemeClr val="tx2"/>
+                </a:solidFill>
+              </a:defRPr>
+            </a:lvl9pPr>
+          </a:lstStyle>
+          <a:p>
+            <a:pPr algn="ctr"/>
+            <a:r>
+              <a:rPr lang="en-US" sz="4400" b="1" cap="none" dirty="0">
+                <a:solidFill>
+                  <a:srgbClr val="92D050"/>
+                </a:solidFill>
+              </a:rPr>
+              <a:t>Example Markdown Structure</a:t>
+            </a:r>
+            <a:endParaRPr lang="en-US" sz="4400" cap="none" dirty="0">
+              <a:solidFill>
+                <a:srgbClr val="92D050"/>
+              </a:solidFill>
+            </a:endParaRPr>
+          </a:p>
+        </p:txBody>
+      </p:sp>
+    </p:spTree>
+    <p:extLst>
+      <p:ext uri="{BB962C8B-B14F-4D97-AF65-F5344CB8AC3E}">
+        <p14:creationId xmlns:p14="http://schemas.microsoft.com/office/powerpoint/2010/main" val="4064575043"/>
+      </p:ext>
+    </p:extLst>
+  </p:cSld>
+  <p:clrMapOvr>
+    <a:masterClrMapping/>
+  </p:clrMapOvr>
+</p:sld>
+</file>
+
+<file path=ppt/slides/slide11.xml><?xml version="1.0" encoding="utf-8"?>
+<p:sld xmlns:a="http://schemas.openxmlformats.org/drawingml/2006/main" xmlns:r="http://schemas.openxmlformats.org/officeDocument/2006/relationships" xmlns:p="http://schemas.openxmlformats.org/presentationml/2006/main">
+  <p:cSld>
+    <p:spTree>
+      <p:nvGrpSpPr>
+        <p:cNvPr id="1" name=""/>
+        <p:cNvGrpSpPr/>
+        <p:nvPr/>
+      </p:nvGrpSpPr>
+      <p:grpSpPr>
+        <a:xfrm>
+          <a:off x="0" y="0"/>
+          <a:ext cx="0" cy="0"/>
+          <a:chOff x="0" y="0"/>
+          <a:chExt cx="0" cy="0"/>
+        </a:xfrm>
+      </p:grpSpPr>
+      <p:graphicFrame>
+        <p:nvGraphicFramePr>
+          <p:cNvPr id="3" name="Table 2">
+            <a:extLst>
+              <a:ext uri="{FF2B5EF4-FFF2-40B4-BE49-F238E27FC236}">
+                <a16:creationId xmlns:a16="http://schemas.microsoft.com/office/drawing/2014/main" id="{E23C0D0A-586F-58FF-665C-ABCC755F67FB}"/>
+              </a:ext>
+            </a:extLst>
+          </p:cNvPr>
+          <p:cNvGraphicFramePr>
+            <a:graphicFrameLocks noGrp="1"/>
+          </p:cNvGraphicFramePr>
+          <p:nvPr>
+            <p:extLst>
+              <p:ext uri="{D42A27DB-BD31-4B8C-83A1-F6EECF244321}">
+                <p14:modId xmlns:p14="http://schemas.microsoft.com/office/powerpoint/2010/main" val="129499335"/>
+              </p:ext>
+            </p:extLst>
+          </p:nvPr>
+        </p:nvGraphicFramePr>
+        <p:xfrm>
+          <a:off x="1030287" y="1604430"/>
+          <a:ext cx="10126641" cy="3649140"/>
+        </p:xfrm>
+        <a:graphic>
+          <a:graphicData uri="http://schemas.openxmlformats.org/drawingml/2006/table">
+            <a:tbl>
+              <a:tblPr firstRow="1" bandRow="1"/>
+              <a:tblGrid>
+                <a:gridCol w="2616039">
+                  <a:extLst>
+                    <a:ext uri="{9D8B030D-6E8A-4147-A177-3AD203B41FA5}">
+                      <a16:colId xmlns:a16="http://schemas.microsoft.com/office/drawing/2014/main" val="4260027036"/>
+                    </a:ext>
+                  </a:extLst>
+                </a:gridCol>
+                <a:gridCol w="2402474">
+                  <a:extLst>
+                    <a:ext uri="{9D8B030D-6E8A-4147-A177-3AD203B41FA5}">
+                      <a16:colId xmlns:a16="http://schemas.microsoft.com/office/drawing/2014/main" val="3402740516"/>
+                    </a:ext>
+                  </a:extLst>
+                </a:gridCol>
+                <a:gridCol w="2344059">
+                  <a:extLst>
+                    <a:ext uri="{9D8B030D-6E8A-4147-A177-3AD203B41FA5}">
+                      <a16:colId xmlns:a16="http://schemas.microsoft.com/office/drawing/2014/main" val="2579551401"/>
+                    </a:ext>
+                  </a:extLst>
+                </a:gridCol>
+                <a:gridCol w="2764069">
+                  <a:extLst>
+                    <a:ext uri="{9D8B030D-6E8A-4147-A177-3AD203B41FA5}">
+                      <a16:colId xmlns:a16="http://schemas.microsoft.com/office/drawing/2014/main" val="4072664061"/>
+                    </a:ext>
+                  </a:extLst>
+                </a:gridCol>
+              </a:tblGrid>
+              <a:tr h="331740">
+                <a:tc>
+                  <a:txBody>
+                    <a:bodyPr/>
+                    <a:lstStyle/>
+                    <a:p>
+                      <a:pPr>
+                        <a:buNone/>
+                      </a:pPr>
+                      <a:r>
+                        <a:rPr lang="en-US" sz="1500" dirty="0">
+                          <a:solidFill>
+                            <a:srgbClr val="000000"/>
+                          </a:solidFill>
+                          <a:effectLst/>
+                        </a:rPr>
+                        <a:t>Parameter Name</a:t>
+                      </a:r>
+                    </a:p>
+                  </a:txBody>
+                  <a:tcPr marL="75728" marR="75728" marT="37864" marB="37864" anchor="ctr">
+                    <a:lnL>
+                      <a:noFill/>
+                    </a:lnL>
+                    <a:lnR>
+                      <a:noFill/>
+                    </a:lnR>
+                    <a:lnT>
+                      <a:noFill/>
+                    </a:lnT>
+                    <a:lnB>
+                      <a:noFill/>
+                    </a:lnB>
+                    <a:solidFill>
+                      <a:srgbClr val="38BDF8"/>
+                    </a:solidFill>
+                  </a:tcPr>
+                </a:tc>
+                <a:tc>
+                  <a:txBody>
+                    <a:bodyPr/>
+                    <a:lstStyle/>
+                    <a:p>
+                      <a:pPr>
+                        <a:buNone/>
+                      </a:pPr>
+                      <a:r>
+                        <a:rPr lang="en-US" sz="1500">
+                          <a:solidFill>
+                            <a:srgbClr val="000000"/>
+                          </a:solidFill>
+                          <a:effectLst/>
+                        </a:rPr>
+                        <a:t>Range</a:t>
+                      </a:r>
+                    </a:p>
+                  </a:txBody>
+                  <a:tcPr marL="75728" marR="75728" marT="37864" marB="37864" anchor="ctr">
+                    <a:lnL>
+                      <a:noFill/>
+                    </a:lnL>
+                    <a:lnR>
+                      <a:noFill/>
+                    </a:lnR>
+                    <a:lnT>
+                      <a:noFill/>
+                    </a:lnT>
+                    <a:lnB>
+                      <a:noFill/>
+                    </a:lnB>
+                    <a:solidFill>
+                      <a:srgbClr val="38BDF8"/>
+                    </a:solidFill>
+                  </a:tcPr>
+                </a:tc>
+                <a:tc>
+                  <a:txBody>
+                    <a:bodyPr/>
+                    <a:lstStyle/>
+                    <a:p>
+                      <a:pPr>
+                        <a:buNone/>
+                      </a:pPr>
+                      <a:r>
+                        <a:rPr lang="en-US" sz="1500" dirty="0">
+                          <a:solidFill>
+                            <a:srgbClr val="000000"/>
+                          </a:solidFill>
+                          <a:effectLst/>
+                        </a:rPr>
+                        <a:t>Typical Default</a:t>
+                      </a:r>
+                    </a:p>
+                  </a:txBody>
+                  <a:tcPr marL="75728" marR="75728" marT="37864" marB="37864" anchor="ctr">
+                    <a:lnL>
+                      <a:noFill/>
+                    </a:lnL>
+                    <a:lnR>
+                      <a:noFill/>
+                    </a:lnR>
+                    <a:lnT>
+                      <a:noFill/>
+                    </a:lnT>
+                    <a:lnB>
+                      <a:noFill/>
+                    </a:lnB>
+                    <a:solidFill>
+                      <a:srgbClr val="38BDF8"/>
+                    </a:solidFill>
+                  </a:tcPr>
+                </a:tc>
+                <a:tc>
+                  <a:txBody>
+                    <a:bodyPr/>
+                    <a:lstStyle/>
+                    <a:p>
+                      <a:pPr>
+                        <a:buNone/>
+                      </a:pPr>
+                      <a:r>
+                        <a:rPr lang="en-US" sz="1500">
+                          <a:solidFill>
+                            <a:srgbClr val="000000"/>
+                          </a:solidFill>
+                          <a:effectLst/>
+                        </a:rPr>
+                        <a:t>Effect</a:t>
+                      </a:r>
+                    </a:p>
+                  </a:txBody>
+                  <a:tcPr marL="75728" marR="75728" marT="37864" marB="37864" anchor="ctr">
+                    <a:lnL>
+                      <a:noFill/>
+                    </a:lnL>
+                    <a:lnR>
+                      <a:noFill/>
+                    </a:lnR>
+                    <a:lnT>
+                      <a:noFill/>
+                    </a:lnT>
+                    <a:lnB>
+                      <a:noFill/>
+                    </a:lnB>
+                    <a:solidFill>
+                      <a:srgbClr val="38BDF8"/>
+                    </a:solidFill>
+                  </a:tcPr>
+                </a:tc>
+                <a:extLst>
+                  <a:ext uri="{0D108BD9-81ED-4DB2-BD59-A6C34878D82A}">
+                    <a16:rowId xmlns:a16="http://schemas.microsoft.com/office/drawing/2014/main" val="1020961660"/>
+                  </a:ext>
+                </a:extLst>
+              </a:tr>
+              <a:tr h="331740">
+                <a:tc>
+                  <a:txBody>
+                    <a:bodyPr/>
+                    <a:lstStyle/>
+                    <a:p>
+                      <a:pPr>
+                        <a:buNone/>
+                      </a:pPr>
+                      <a:r>
+                        <a:rPr lang="en-US" sz="1500" dirty="0">
+                          <a:effectLst/>
+                        </a:rPr>
+                        <a:t>temperature</a:t>
+                      </a:r>
+                    </a:p>
+                  </a:txBody>
+                  <a:tcPr marL="75728" marR="75728" marT="37864" marB="37864" anchor="ctr">
+                    <a:lnL>
+                      <a:noFill/>
+                    </a:lnL>
+                    <a:lnR>
+                      <a:noFill/>
+                    </a:lnR>
+                    <a:lnT>
+                      <a:noFill/>
+                    </a:lnT>
+                    <a:lnB>
+                      <a:noFill/>
+                    </a:lnB>
+                    <a:noFill/>
+                  </a:tcPr>
+                </a:tc>
+                <a:tc>
+                  <a:txBody>
+                    <a:bodyPr/>
+                    <a:lstStyle/>
+                    <a:p>
+                      <a:pPr>
+                        <a:buNone/>
+                      </a:pPr>
+                      <a:r>
+                        <a:rPr lang="en-US" sz="1500">
+                          <a:effectLst/>
+                        </a:rPr>
+                        <a:t>0.0 - 2.0</a:t>
+                      </a:r>
+                    </a:p>
+                  </a:txBody>
+                  <a:tcPr marL="75728" marR="75728" marT="37864" marB="37864" anchor="ctr">
+                    <a:lnL>
+                      <a:noFill/>
+                    </a:lnL>
+                    <a:lnR>
+                      <a:noFill/>
+                    </a:lnR>
+                    <a:lnT>
+                      <a:noFill/>
+                    </a:lnT>
+                    <a:lnB>
+                      <a:noFill/>
+                    </a:lnB>
+                    <a:noFill/>
+                  </a:tcPr>
+                </a:tc>
+                <a:tc>
+                  <a:txBody>
+                    <a:bodyPr/>
+                    <a:lstStyle/>
+                    <a:p>
+                      <a:pPr>
+                        <a:buNone/>
+                      </a:pPr>
+                      <a:r>
+                        <a:rPr lang="en-US" sz="1500">
+                          <a:effectLst/>
+                        </a:rPr>
+                        <a:t>1.0</a:t>
+                      </a:r>
+                    </a:p>
+                  </a:txBody>
+                  <a:tcPr marL="75728" marR="75728" marT="37864" marB="37864" anchor="ctr">
+                    <a:lnL>
+                      <a:noFill/>
+                    </a:lnL>
+                    <a:lnR>
+                      <a:noFill/>
+                    </a:lnR>
+                    <a:lnT>
+                      <a:noFill/>
+                    </a:lnT>
+                    <a:lnB>
+                      <a:noFill/>
+                    </a:lnB>
+                    <a:noFill/>
+                  </a:tcPr>
+                </a:tc>
+                <a:tc>
+                  <a:txBody>
+                    <a:bodyPr/>
+                    <a:lstStyle/>
+                    <a:p>
+                      <a:pPr>
+                        <a:buNone/>
+                      </a:pPr>
+                      <a:r>
+                        <a:rPr lang="en-US" sz="1500">
+                          <a:solidFill>
+                            <a:srgbClr val="CBD5E1"/>
+                          </a:solidFill>
+                          <a:effectLst/>
+                        </a:rPr>
+                        <a:t>Randomness control</a:t>
+                      </a:r>
+                    </a:p>
+                  </a:txBody>
+                  <a:tcPr marL="75728" marR="75728" marT="37864" marB="37864" anchor="ctr">
+                    <a:lnL>
+                      <a:noFill/>
+                    </a:lnL>
+                    <a:lnR>
+                      <a:noFill/>
+                    </a:lnR>
+                    <a:lnT>
+                      <a:noFill/>
+                    </a:lnT>
+                    <a:lnB>
+                      <a:noFill/>
+                    </a:lnB>
+                    <a:noFill/>
+                  </a:tcPr>
+                </a:tc>
+                <a:extLst>
+                  <a:ext uri="{0D108BD9-81ED-4DB2-BD59-A6C34878D82A}">
+                    <a16:rowId xmlns:a16="http://schemas.microsoft.com/office/drawing/2014/main" val="2698131029"/>
+                  </a:ext>
+                </a:extLst>
+              </a:tr>
+              <a:tr h="331740">
+                <a:tc>
+                  <a:txBody>
+                    <a:bodyPr/>
+                    <a:lstStyle/>
+                    <a:p>
+                      <a:pPr>
+                        <a:buNone/>
+                      </a:pPr>
+                      <a:r>
+                        <a:rPr lang="en-US" sz="1500" dirty="0" err="1">
+                          <a:effectLst/>
+                        </a:rPr>
+                        <a:t>top_p</a:t>
+                      </a:r>
+                      <a:endParaRPr lang="en-US" sz="1500" dirty="0">
+                        <a:effectLst/>
+                      </a:endParaRPr>
+                    </a:p>
+                  </a:txBody>
+                  <a:tcPr marL="75728" marR="75728" marT="37864" marB="37864" anchor="ctr">
+                    <a:lnL>
+                      <a:noFill/>
+                    </a:lnL>
+                    <a:lnR>
+                      <a:noFill/>
+                    </a:lnR>
+                    <a:lnT>
+                      <a:noFill/>
+                    </a:lnT>
+                    <a:lnB>
+                      <a:noFill/>
+                    </a:lnB>
+                    <a:solidFill>
+                      <a:srgbClr val="1E293B"/>
+                    </a:solidFill>
+                  </a:tcPr>
+                </a:tc>
+                <a:tc>
+                  <a:txBody>
+                    <a:bodyPr/>
+                    <a:lstStyle/>
+                    <a:p>
+                      <a:pPr>
+                        <a:buNone/>
+                      </a:pPr>
+                      <a:r>
+                        <a:rPr lang="en-US" sz="1500">
+                          <a:effectLst/>
+                        </a:rPr>
+                        <a:t>0.0 - 1.0</a:t>
+                      </a:r>
+                    </a:p>
+                  </a:txBody>
+                  <a:tcPr marL="75728" marR="75728" marT="37864" marB="37864" anchor="ctr">
+                    <a:lnL>
+                      <a:noFill/>
+                    </a:lnL>
+                    <a:lnR>
+                      <a:noFill/>
+                    </a:lnR>
+                    <a:lnT>
+                      <a:noFill/>
+                    </a:lnT>
+                    <a:lnB>
+                      <a:noFill/>
+                    </a:lnB>
+                    <a:solidFill>
+                      <a:srgbClr val="1E293B"/>
+                    </a:solidFill>
+                  </a:tcPr>
+                </a:tc>
+                <a:tc>
+                  <a:txBody>
+                    <a:bodyPr/>
+                    <a:lstStyle/>
+                    <a:p>
+                      <a:pPr>
+                        <a:buNone/>
+                      </a:pPr>
+                      <a:r>
+                        <a:rPr lang="en-US" sz="1500">
+                          <a:effectLst/>
+                        </a:rPr>
+                        <a:t>1.0</a:t>
+                      </a:r>
+                    </a:p>
+                  </a:txBody>
+                  <a:tcPr marL="75728" marR="75728" marT="37864" marB="37864" anchor="ctr">
+                    <a:lnL>
+                      <a:noFill/>
+                    </a:lnL>
+                    <a:lnR>
+                      <a:noFill/>
+                    </a:lnR>
+                    <a:lnT>
+                      <a:noFill/>
+                    </a:lnT>
+                    <a:lnB>
+                      <a:noFill/>
+                    </a:lnB>
+                    <a:solidFill>
+                      <a:srgbClr val="1E293B"/>
+                    </a:solidFill>
+                  </a:tcPr>
+                </a:tc>
+                <a:tc>
+                  <a:txBody>
+                    <a:bodyPr/>
+                    <a:lstStyle/>
+                    <a:p>
+                      <a:pPr>
+                        <a:buNone/>
+                      </a:pPr>
+                      <a:r>
+                        <a:rPr lang="en-US" sz="1500" dirty="0">
+                          <a:solidFill>
+                            <a:srgbClr val="CBD5E1"/>
+                          </a:solidFill>
+                          <a:effectLst/>
+                        </a:rPr>
+                        <a:t>Cumulative probability, Top %</a:t>
+                      </a:r>
+                    </a:p>
+                  </a:txBody>
+                  <a:tcPr marL="75728" marR="75728" marT="37864" marB="37864" anchor="ctr">
+                    <a:lnL>
+                      <a:noFill/>
+                    </a:lnL>
+                    <a:lnR>
+                      <a:noFill/>
+                    </a:lnR>
+                    <a:lnT>
+                      <a:noFill/>
+                    </a:lnT>
+                    <a:lnB>
+                      <a:noFill/>
+                    </a:lnB>
+                    <a:solidFill>
+                      <a:srgbClr val="1E293B"/>
+                    </a:solidFill>
+                  </a:tcPr>
+                </a:tc>
+                <a:extLst>
+                  <a:ext uri="{0D108BD9-81ED-4DB2-BD59-A6C34878D82A}">
+                    <a16:rowId xmlns:a16="http://schemas.microsoft.com/office/drawing/2014/main" val="2045288307"/>
+                  </a:ext>
+                </a:extLst>
+              </a:tr>
+              <a:tr h="331740">
+                <a:tc>
+                  <a:txBody>
+                    <a:bodyPr/>
+                    <a:lstStyle/>
+                    <a:p>
+                      <a:pPr>
+                        <a:buNone/>
+                      </a:pPr>
+                      <a:r>
+                        <a:rPr lang="en-US" sz="1500" dirty="0" err="1">
+                          <a:effectLst/>
+                        </a:rPr>
+                        <a:t>top_k</a:t>
+                      </a:r>
+                      <a:endParaRPr lang="en-US" sz="1500" dirty="0">
+                        <a:effectLst/>
+                      </a:endParaRPr>
+                    </a:p>
+                  </a:txBody>
+                  <a:tcPr marL="75728" marR="75728" marT="37864" marB="37864" anchor="ctr">
+                    <a:lnL>
+                      <a:noFill/>
+                    </a:lnL>
+                    <a:lnR>
+                      <a:noFill/>
+                    </a:lnR>
+                    <a:lnT>
+                      <a:noFill/>
+                    </a:lnT>
+                    <a:lnB>
+                      <a:noFill/>
+                    </a:lnB>
+                    <a:noFill/>
+                  </a:tcPr>
+                </a:tc>
+                <a:tc>
+                  <a:txBody>
+                    <a:bodyPr/>
+                    <a:lstStyle/>
+                    <a:p>
+                      <a:pPr>
+                        <a:buNone/>
+                      </a:pPr>
+                      <a:r>
+                        <a:rPr lang="en-US" sz="1500">
+                          <a:effectLst/>
+                        </a:rPr>
+                        <a:t>-1 to ∞</a:t>
+                      </a:r>
+                    </a:p>
+                  </a:txBody>
+                  <a:tcPr marL="75728" marR="75728" marT="37864" marB="37864" anchor="ctr">
+                    <a:lnL>
+                      <a:noFill/>
+                    </a:lnL>
+                    <a:lnR>
+                      <a:noFill/>
+                    </a:lnR>
+                    <a:lnT>
+                      <a:noFill/>
+                    </a:lnT>
+                    <a:lnB>
+                      <a:noFill/>
+                    </a:lnB>
+                    <a:noFill/>
+                  </a:tcPr>
+                </a:tc>
+                <a:tc>
+                  <a:txBody>
+                    <a:bodyPr/>
+                    <a:lstStyle/>
+                    <a:p>
+                      <a:pPr>
+                        <a:buNone/>
+                      </a:pPr>
+                      <a:r>
+                        <a:rPr lang="en-US" sz="1500">
+                          <a:effectLst/>
+                        </a:rPr>
+                        <a:t>-1</a:t>
+                      </a:r>
+                    </a:p>
+                  </a:txBody>
+                  <a:tcPr marL="75728" marR="75728" marT="37864" marB="37864" anchor="ctr">
+                    <a:lnL>
+                      <a:noFill/>
+                    </a:lnL>
+                    <a:lnR>
+                      <a:noFill/>
+                    </a:lnR>
+                    <a:lnT>
+                      <a:noFill/>
+                    </a:lnT>
+                    <a:lnB>
+                      <a:noFill/>
+                    </a:lnB>
+                    <a:noFill/>
+                  </a:tcPr>
+                </a:tc>
+                <a:tc>
+                  <a:txBody>
+                    <a:bodyPr/>
+                    <a:lstStyle/>
+                    <a:p>
+                      <a:pPr>
+                        <a:buNone/>
+                      </a:pPr>
+                      <a:r>
+                        <a:rPr lang="en-US" sz="1500" dirty="0">
+                          <a:solidFill>
+                            <a:srgbClr val="CBD5E1"/>
+                          </a:solidFill>
+                          <a:effectLst/>
+                        </a:rPr>
+                        <a:t>Top K most popular tokens</a:t>
+                      </a:r>
+                    </a:p>
+                  </a:txBody>
+                  <a:tcPr marL="75728" marR="75728" marT="37864" marB="37864" anchor="ctr">
+                    <a:lnL>
+                      <a:noFill/>
+                    </a:lnL>
+                    <a:lnR>
+                      <a:noFill/>
+                    </a:lnR>
+                    <a:lnT>
+                      <a:noFill/>
+                    </a:lnT>
+                    <a:lnB>
+                      <a:noFill/>
+                    </a:lnB>
+                    <a:noFill/>
+                  </a:tcPr>
+                </a:tc>
+                <a:extLst>
+                  <a:ext uri="{0D108BD9-81ED-4DB2-BD59-A6C34878D82A}">
+                    <a16:rowId xmlns:a16="http://schemas.microsoft.com/office/drawing/2014/main" val="824050126"/>
+                  </a:ext>
+                </a:extLst>
+              </a:tr>
+              <a:tr h="331740">
+                <a:tc>
+                  <a:txBody>
+                    <a:bodyPr/>
+                    <a:lstStyle/>
+                    <a:p>
+                      <a:pPr>
+                        <a:buNone/>
+                      </a:pPr>
+                      <a:r>
+                        <a:rPr lang="en-US" sz="1500" dirty="0" err="1">
+                          <a:effectLst/>
+                        </a:rPr>
+                        <a:t>min_p</a:t>
+                      </a:r>
+                      <a:endParaRPr lang="en-US" sz="1500" dirty="0">
+                        <a:effectLst/>
+                      </a:endParaRPr>
+                    </a:p>
+                  </a:txBody>
+                  <a:tcPr marL="75728" marR="75728" marT="37864" marB="37864" anchor="ctr">
+                    <a:lnL>
+                      <a:noFill/>
+                    </a:lnL>
+                    <a:lnR>
+                      <a:noFill/>
+                    </a:lnR>
+                    <a:lnT>
+                      <a:noFill/>
+                    </a:lnT>
+                    <a:lnB>
+                      <a:noFill/>
+                    </a:lnB>
+                    <a:solidFill>
+                      <a:srgbClr val="1E293B"/>
+                    </a:solidFill>
+                  </a:tcPr>
+                </a:tc>
+                <a:tc>
+                  <a:txBody>
+                    <a:bodyPr/>
+                    <a:lstStyle/>
+                    <a:p>
+                      <a:pPr>
+                        <a:buNone/>
+                      </a:pPr>
+                      <a:r>
+                        <a:rPr lang="en-US" sz="1500">
+                          <a:effectLst/>
+                        </a:rPr>
+                        <a:t>0.0 - 1.0</a:t>
+                      </a:r>
+                    </a:p>
+                  </a:txBody>
+                  <a:tcPr marL="75728" marR="75728" marT="37864" marB="37864" anchor="ctr">
+                    <a:lnL>
+                      <a:noFill/>
+                    </a:lnL>
+                    <a:lnR>
+                      <a:noFill/>
+                    </a:lnR>
+                    <a:lnT>
+                      <a:noFill/>
+                    </a:lnT>
+                    <a:lnB>
+                      <a:noFill/>
+                    </a:lnB>
+                    <a:solidFill>
+                      <a:srgbClr val="1E293B"/>
+                    </a:solidFill>
+                  </a:tcPr>
+                </a:tc>
+                <a:tc>
+                  <a:txBody>
+                    <a:bodyPr/>
+                    <a:lstStyle/>
+                    <a:p>
+                      <a:pPr>
+                        <a:buNone/>
+                      </a:pPr>
+                      <a:r>
+                        <a:rPr lang="en-US" sz="1500">
+                          <a:effectLst/>
+                        </a:rPr>
+                        <a:t>0.0</a:t>
+                      </a:r>
+                    </a:p>
+                  </a:txBody>
+                  <a:tcPr marL="75728" marR="75728" marT="37864" marB="37864" anchor="ctr">
+                    <a:lnL>
+                      <a:noFill/>
+                    </a:lnL>
+                    <a:lnR>
+                      <a:noFill/>
+                    </a:lnR>
+                    <a:lnT>
+                      <a:noFill/>
+                    </a:lnT>
+                    <a:lnB>
+                      <a:noFill/>
+                    </a:lnB>
+                    <a:solidFill>
+                      <a:srgbClr val="1E293B"/>
+                    </a:solidFill>
+                  </a:tcPr>
+                </a:tc>
+                <a:tc>
+                  <a:txBody>
+                    <a:bodyPr/>
+                    <a:lstStyle/>
+                    <a:p>
+                      <a:pPr>
+                        <a:buNone/>
+                      </a:pPr>
+                      <a:r>
+                        <a:rPr lang="en-US" sz="1500" dirty="0">
+                          <a:solidFill>
+                            <a:srgbClr val="CBD5E1"/>
+                          </a:solidFill>
+                          <a:effectLst/>
+                        </a:rPr>
+                        <a:t>Must be P% as likely as top token</a:t>
+                      </a:r>
+                    </a:p>
+                  </a:txBody>
+                  <a:tcPr marL="75728" marR="75728" marT="37864" marB="37864" anchor="ctr">
+                    <a:lnL>
+                      <a:noFill/>
+                    </a:lnL>
+                    <a:lnR>
+                      <a:noFill/>
+                    </a:lnR>
+                    <a:lnT>
+                      <a:noFill/>
+                    </a:lnT>
+                    <a:lnB>
+                      <a:noFill/>
+                    </a:lnB>
+                    <a:solidFill>
+                      <a:srgbClr val="1E293B"/>
+                    </a:solidFill>
+                  </a:tcPr>
+                </a:tc>
+                <a:extLst>
+                  <a:ext uri="{0D108BD9-81ED-4DB2-BD59-A6C34878D82A}">
+                    <a16:rowId xmlns:a16="http://schemas.microsoft.com/office/drawing/2014/main" val="1160399563"/>
+                  </a:ext>
+                </a:extLst>
+              </a:tr>
+              <a:tr h="331740">
+                <a:tc>
+                  <a:txBody>
+                    <a:bodyPr/>
+                    <a:lstStyle/>
+                    <a:p>
+                      <a:pPr>
+                        <a:buNone/>
+                      </a:pPr>
+                      <a:r>
+                        <a:rPr lang="en-US" sz="1500" dirty="0" err="1">
+                          <a:effectLst/>
+                        </a:rPr>
+                        <a:t>max+_tokens</a:t>
+                      </a:r>
+                      <a:endParaRPr lang="en-US" sz="1500" dirty="0">
+                        <a:effectLst/>
+                      </a:endParaRPr>
+                    </a:p>
+                  </a:txBody>
+                  <a:tcPr marL="75728" marR="75728" marT="37864" marB="37864" anchor="ctr">
+                    <a:lnL>
+                      <a:noFill/>
+                    </a:lnL>
+                    <a:lnR>
+                      <a:noFill/>
+                    </a:lnR>
+                    <a:lnT>
+                      <a:noFill/>
+                    </a:lnT>
+                    <a:lnB>
+                      <a:noFill/>
+                    </a:lnB>
+                    <a:noFill/>
+                  </a:tcPr>
+                </a:tc>
+                <a:tc>
+                  <a:txBody>
+                    <a:bodyPr/>
+                    <a:lstStyle/>
+                    <a:p>
+                      <a:pPr>
+                        <a:buNone/>
+                      </a:pPr>
+                      <a:r>
+                        <a:rPr lang="en-US" sz="1500">
+                          <a:effectLst/>
+                        </a:rPr>
+                        <a:t>1 to limit</a:t>
+                      </a:r>
+                    </a:p>
+                  </a:txBody>
+                  <a:tcPr marL="75728" marR="75728" marT="37864" marB="37864" anchor="ctr">
+                    <a:lnL>
+                      <a:noFill/>
+                    </a:lnL>
+                    <a:lnR>
+                      <a:noFill/>
+                    </a:lnR>
+                    <a:lnT>
+                      <a:noFill/>
+                    </a:lnT>
+                    <a:lnB>
+                      <a:noFill/>
+                    </a:lnB>
+                    <a:noFill/>
+                  </a:tcPr>
+                </a:tc>
+                <a:tc>
+                  <a:txBody>
+                    <a:bodyPr/>
+                    <a:lstStyle/>
+                    <a:p>
+                      <a:pPr>
+                        <a:buNone/>
+                      </a:pPr>
+                      <a:r>
+                        <a:rPr lang="en-US" sz="1500">
+                          <a:effectLst/>
+                        </a:rPr>
+                        <a:t>Model-dep</a:t>
+                      </a:r>
+                    </a:p>
+                  </a:txBody>
+                  <a:tcPr marL="75728" marR="75728" marT="37864" marB="37864" anchor="ctr">
+                    <a:lnL>
+                      <a:noFill/>
+                    </a:lnL>
+                    <a:lnR>
+                      <a:noFill/>
+                    </a:lnR>
+                    <a:lnT>
+                      <a:noFill/>
+                    </a:lnT>
+                    <a:lnB>
+                      <a:noFill/>
+                    </a:lnB>
+                    <a:noFill/>
+                  </a:tcPr>
+                </a:tc>
+                <a:tc>
+                  <a:txBody>
+                    <a:bodyPr/>
+                    <a:lstStyle/>
+                    <a:p>
+                      <a:pPr>
+                        <a:buNone/>
+                      </a:pPr>
+                      <a:r>
+                        <a:rPr lang="en-US" sz="1500" dirty="0">
+                          <a:solidFill>
+                            <a:srgbClr val="CBD5E1"/>
+                          </a:solidFill>
+                          <a:effectLst/>
+                        </a:rPr>
+                        <a:t>Controls Response length</a:t>
+                      </a:r>
+                    </a:p>
+                  </a:txBody>
+                  <a:tcPr marL="75728" marR="75728" marT="37864" marB="37864" anchor="ctr">
+                    <a:lnL>
+                      <a:noFill/>
+                    </a:lnL>
+                    <a:lnR>
+                      <a:noFill/>
+                    </a:lnR>
+                    <a:lnT>
+                      <a:noFill/>
+                    </a:lnT>
+                    <a:lnB>
+                      <a:noFill/>
+                    </a:lnB>
+                    <a:noFill/>
+                  </a:tcPr>
+                </a:tc>
+                <a:extLst>
+                  <a:ext uri="{0D108BD9-81ED-4DB2-BD59-A6C34878D82A}">
+                    <a16:rowId xmlns:a16="http://schemas.microsoft.com/office/drawing/2014/main" val="2874375205"/>
+                  </a:ext>
+                </a:extLst>
+              </a:tr>
+              <a:tr h="331740">
+                <a:tc>
+                  <a:txBody>
+                    <a:bodyPr/>
+                    <a:lstStyle/>
+                    <a:p>
+                      <a:pPr>
+                        <a:buNone/>
+                      </a:pPr>
+                      <a:r>
+                        <a:rPr lang="en-US" sz="1500" dirty="0">
+                          <a:effectLst/>
+                        </a:rPr>
+                        <a:t>seed</a:t>
+                      </a:r>
+                    </a:p>
+                  </a:txBody>
+                  <a:tcPr marL="75728" marR="75728" marT="37864" marB="37864" anchor="ctr">
+                    <a:lnL>
+                      <a:noFill/>
+                    </a:lnL>
+                    <a:lnR>
+                      <a:noFill/>
+                    </a:lnR>
+                    <a:lnT>
+                      <a:noFill/>
+                    </a:lnT>
+                    <a:lnB>
+                      <a:noFill/>
+                    </a:lnB>
+                    <a:solidFill>
+                      <a:srgbClr val="1E293B"/>
+                    </a:solidFill>
+                  </a:tcPr>
+                </a:tc>
+                <a:tc>
+                  <a:txBody>
+                    <a:bodyPr/>
+                    <a:lstStyle/>
+                    <a:p>
+                      <a:pPr>
+                        <a:buNone/>
+                      </a:pPr>
+                      <a:r>
+                        <a:rPr lang="en-US" sz="1500">
+                          <a:effectLst/>
+                        </a:rPr>
+                        <a:t>Any integer</a:t>
+                      </a:r>
+                    </a:p>
+                  </a:txBody>
+                  <a:tcPr marL="75728" marR="75728" marT="37864" marB="37864" anchor="ctr">
+                    <a:lnL>
+                      <a:noFill/>
+                    </a:lnL>
+                    <a:lnR>
+                      <a:noFill/>
+                    </a:lnR>
+                    <a:lnT>
+                      <a:noFill/>
+                    </a:lnT>
+                    <a:lnB>
+                      <a:noFill/>
+                    </a:lnB>
+                    <a:solidFill>
+                      <a:srgbClr val="1E293B"/>
+                    </a:solidFill>
+                  </a:tcPr>
+                </a:tc>
+                <a:tc>
+                  <a:txBody>
+                    <a:bodyPr/>
+                    <a:lstStyle/>
+                    <a:p>
+                      <a:pPr>
+                        <a:buNone/>
+                      </a:pPr>
+                      <a:r>
+                        <a:rPr lang="en-US" sz="1500" dirty="0">
+                          <a:effectLst/>
+                        </a:rPr>
+                        <a:t>null</a:t>
+                      </a:r>
+                    </a:p>
+                  </a:txBody>
+                  <a:tcPr marL="75728" marR="75728" marT="37864" marB="37864" anchor="ctr">
+                    <a:lnL>
+                      <a:noFill/>
+                    </a:lnL>
+                    <a:lnR>
+                      <a:noFill/>
+                    </a:lnR>
+                    <a:lnT>
+                      <a:noFill/>
+                    </a:lnT>
+                    <a:lnB>
+                      <a:noFill/>
+                    </a:lnB>
+                    <a:solidFill>
+                      <a:srgbClr val="1E293B"/>
+                    </a:solidFill>
+                  </a:tcPr>
+                </a:tc>
+                <a:tc>
+                  <a:txBody>
+                    <a:bodyPr/>
+                    <a:lstStyle/>
+                    <a:p>
+                      <a:pPr>
+                        <a:buNone/>
+                      </a:pPr>
+                      <a:r>
+                        <a:rPr lang="en-US" sz="1500" dirty="0">
+                          <a:solidFill>
+                            <a:srgbClr val="CBD5E1"/>
+                          </a:solidFill>
+                          <a:effectLst/>
+                        </a:rPr>
+                        <a:t>Reproducibility: 42 for testing</a:t>
+                      </a:r>
+                    </a:p>
+                  </a:txBody>
+                  <a:tcPr marL="75728" marR="75728" marT="37864" marB="37864" anchor="ctr">
+                    <a:lnL>
+                      <a:noFill/>
+                    </a:lnL>
+                    <a:lnR>
+                      <a:noFill/>
+                    </a:lnR>
+                    <a:lnT>
+                      <a:noFill/>
+                    </a:lnT>
+                    <a:lnB>
+                      <a:noFill/>
+                    </a:lnB>
+                    <a:solidFill>
+                      <a:srgbClr val="1E293B"/>
+                    </a:solidFill>
+                  </a:tcPr>
+                </a:tc>
+                <a:extLst>
+                  <a:ext uri="{0D108BD9-81ED-4DB2-BD59-A6C34878D82A}">
+                    <a16:rowId xmlns:a16="http://schemas.microsoft.com/office/drawing/2014/main" val="3232620721"/>
+                  </a:ext>
+                </a:extLst>
+              </a:tr>
+              <a:tr h="331740">
+                <a:tc>
+                  <a:txBody>
+                    <a:bodyPr/>
+                    <a:lstStyle/>
+                    <a:p>
+                      <a:pPr>
+                        <a:buNone/>
+                      </a:pPr>
+                      <a:r>
+                        <a:rPr lang="en-US" sz="1500" dirty="0" err="1">
+                          <a:effectLst/>
+                        </a:rPr>
+                        <a:t>frequency_penalty</a:t>
+                      </a:r>
+                      <a:endParaRPr lang="en-US" sz="1500" dirty="0">
+                        <a:effectLst/>
+                      </a:endParaRPr>
+                    </a:p>
+                  </a:txBody>
+                  <a:tcPr marL="75728" marR="75728" marT="37864" marB="37864" anchor="ctr">
+                    <a:lnL>
+                      <a:noFill/>
+                    </a:lnL>
+                    <a:lnR>
+                      <a:noFill/>
+                    </a:lnR>
+                    <a:lnT>
+                      <a:noFill/>
+                    </a:lnT>
+                    <a:lnB>
+                      <a:noFill/>
+                    </a:lnB>
+                    <a:noFill/>
+                  </a:tcPr>
+                </a:tc>
+                <a:tc>
+                  <a:txBody>
+                    <a:bodyPr/>
+                    <a:lstStyle/>
+                    <a:p>
+                      <a:pPr>
+                        <a:buNone/>
+                      </a:pPr>
+                      <a:r>
+                        <a:rPr lang="en-US" sz="1500">
+                          <a:effectLst/>
+                        </a:rPr>
+                        <a:t>-2.0 to 2.0</a:t>
+                      </a:r>
+                    </a:p>
+                  </a:txBody>
+                  <a:tcPr marL="75728" marR="75728" marT="37864" marB="37864" anchor="ctr">
+                    <a:lnL>
+                      <a:noFill/>
+                    </a:lnL>
+                    <a:lnR>
+                      <a:noFill/>
+                    </a:lnR>
+                    <a:lnT>
+                      <a:noFill/>
+                    </a:lnT>
+                    <a:lnB>
+                      <a:noFill/>
+                    </a:lnB>
+                    <a:noFill/>
+                  </a:tcPr>
+                </a:tc>
+                <a:tc>
+                  <a:txBody>
+                    <a:bodyPr/>
+                    <a:lstStyle/>
+                    <a:p>
+                      <a:pPr>
+                        <a:buNone/>
+                      </a:pPr>
+                      <a:r>
+                        <a:rPr lang="en-US" sz="1500">
+                          <a:effectLst/>
+                        </a:rPr>
+                        <a:t>0.0</a:t>
+                      </a:r>
+                    </a:p>
+                  </a:txBody>
+                  <a:tcPr marL="75728" marR="75728" marT="37864" marB="37864" anchor="ctr">
+                    <a:lnL>
+                      <a:noFill/>
+                    </a:lnL>
+                    <a:lnR>
+                      <a:noFill/>
+                    </a:lnR>
+                    <a:lnT>
+                      <a:noFill/>
+                    </a:lnT>
+                    <a:lnB>
+                      <a:noFill/>
+                    </a:lnB>
+                    <a:noFill/>
+                  </a:tcPr>
+                </a:tc>
+                <a:tc>
+                  <a:txBody>
+                    <a:bodyPr/>
+                    <a:lstStyle/>
+                    <a:p>
+                      <a:pPr>
+                        <a:buNone/>
+                      </a:pPr>
+                      <a:r>
+                        <a:rPr lang="en-US" sz="1500" dirty="0">
+                          <a:solidFill>
+                            <a:srgbClr val="CBD5E1"/>
+                          </a:solidFill>
+                          <a:effectLst/>
+                        </a:rPr>
+                        <a:t>Repetition count</a:t>
+                      </a:r>
+                    </a:p>
+                  </a:txBody>
+                  <a:tcPr marL="75728" marR="75728" marT="37864" marB="37864" anchor="ctr">
+                    <a:lnL>
+                      <a:noFill/>
+                    </a:lnL>
+                    <a:lnR>
+                      <a:noFill/>
+                    </a:lnR>
+                    <a:lnT>
+                      <a:noFill/>
+                    </a:lnT>
+                    <a:lnB>
+                      <a:noFill/>
+                    </a:lnB>
+                    <a:noFill/>
+                  </a:tcPr>
+                </a:tc>
+                <a:extLst>
+                  <a:ext uri="{0D108BD9-81ED-4DB2-BD59-A6C34878D82A}">
+                    <a16:rowId xmlns:a16="http://schemas.microsoft.com/office/drawing/2014/main" val="3185218671"/>
+                  </a:ext>
+                </a:extLst>
+              </a:tr>
+              <a:tr h="331740">
+                <a:tc>
+                  <a:txBody>
+                    <a:bodyPr/>
+                    <a:lstStyle/>
+                    <a:p>
+                      <a:pPr>
+                        <a:buNone/>
+                      </a:pPr>
+                      <a:r>
+                        <a:rPr lang="en-US" sz="1500" dirty="0" err="1">
+                          <a:effectLst/>
+                        </a:rPr>
+                        <a:t>presence_penalty</a:t>
+                      </a:r>
+                      <a:endParaRPr lang="en-US" sz="1500" dirty="0">
+                        <a:effectLst/>
+                      </a:endParaRPr>
+                    </a:p>
+                  </a:txBody>
+                  <a:tcPr marL="75728" marR="75728" marT="37864" marB="37864" anchor="ctr">
+                    <a:lnL>
+                      <a:noFill/>
+                    </a:lnL>
+                    <a:lnR>
+                      <a:noFill/>
+                    </a:lnR>
+                    <a:lnT>
+                      <a:noFill/>
+                    </a:lnT>
+                    <a:lnB>
+                      <a:noFill/>
+                    </a:lnB>
+                    <a:solidFill>
+                      <a:srgbClr val="1E293B"/>
+                    </a:solidFill>
+                  </a:tcPr>
+                </a:tc>
+                <a:tc>
+                  <a:txBody>
+                    <a:bodyPr/>
+                    <a:lstStyle/>
+                    <a:p>
+                      <a:pPr>
+                        <a:buNone/>
+                      </a:pPr>
+                      <a:r>
+                        <a:rPr lang="en-US" sz="1500">
+                          <a:effectLst/>
+                        </a:rPr>
+                        <a:t>-2.0 to 2.0</a:t>
+                      </a:r>
+                    </a:p>
+                  </a:txBody>
+                  <a:tcPr marL="75728" marR="75728" marT="37864" marB="37864" anchor="ctr">
+                    <a:lnL>
+                      <a:noFill/>
+                    </a:lnL>
+                    <a:lnR>
+                      <a:noFill/>
+                    </a:lnR>
+                    <a:lnT>
+                      <a:noFill/>
+                    </a:lnT>
+                    <a:lnB>
+                      <a:noFill/>
+                    </a:lnB>
+                    <a:solidFill>
+                      <a:srgbClr val="1E293B"/>
+                    </a:solidFill>
+                  </a:tcPr>
+                </a:tc>
+                <a:tc>
+                  <a:txBody>
+                    <a:bodyPr/>
+                    <a:lstStyle/>
+                    <a:p>
+                      <a:pPr>
+                        <a:buNone/>
+                      </a:pPr>
+                      <a:r>
+                        <a:rPr lang="en-US" sz="1500">
+                          <a:effectLst/>
+                        </a:rPr>
+                        <a:t>0.0</a:t>
+                      </a:r>
+                    </a:p>
+                  </a:txBody>
+                  <a:tcPr marL="75728" marR="75728" marT="37864" marB="37864" anchor="ctr">
+                    <a:lnL>
+                      <a:noFill/>
+                    </a:lnL>
+                    <a:lnR>
+                      <a:noFill/>
+                    </a:lnR>
+                    <a:lnT>
+                      <a:noFill/>
+                    </a:lnT>
+                    <a:lnB>
+                      <a:noFill/>
+                    </a:lnB>
+                    <a:solidFill>
+                      <a:srgbClr val="1E293B"/>
+                    </a:solidFill>
+                  </a:tcPr>
+                </a:tc>
+                <a:tc>
+                  <a:txBody>
+                    <a:bodyPr/>
+                    <a:lstStyle/>
+                    <a:p>
+                      <a:pPr>
+                        <a:buNone/>
+                      </a:pPr>
+                      <a:r>
+                        <a:rPr lang="en-US" sz="1500">
+                          <a:solidFill>
+                            <a:srgbClr val="CBD5E1"/>
+                          </a:solidFill>
+                          <a:effectLst/>
+                        </a:rPr>
+                        <a:t>Binary presence</a:t>
+                      </a:r>
+                    </a:p>
+                  </a:txBody>
+                  <a:tcPr marL="75728" marR="75728" marT="37864" marB="37864" anchor="ctr">
+                    <a:lnL>
+                      <a:noFill/>
+                    </a:lnL>
+                    <a:lnR>
+                      <a:noFill/>
+                    </a:lnR>
+                    <a:lnT>
+                      <a:noFill/>
+                    </a:lnT>
+                    <a:lnB>
+                      <a:noFill/>
+                    </a:lnB>
+                    <a:solidFill>
+                      <a:srgbClr val="1E293B"/>
+                    </a:solidFill>
+                  </a:tcPr>
+                </a:tc>
+                <a:extLst>
+                  <a:ext uri="{0D108BD9-81ED-4DB2-BD59-A6C34878D82A}">
+                    <a16:rowId xmlns:a16="http://schemas.microsoft.com/office/drawing/2014/main" val="2312561412"/>
+                  </a:ext>
+                </a:extLst>
+              </a:tr>
+              <a:tr h="331740">
+                <a:tc>
+                  <a:txBody>
+                    <a:bodyPr/>
+                    <a:lstStyle/>
+                    <a:p>
+                      <a:pPr>
+                        <a:buNone/>
+                      </a:pPr>
+                      <a:r>
+                        <a:rPr lang="en-US" sz="1500" dirty="0" err="1">
+                          <a:effectLst/>
+                        </a:rPr>
+                        <a:t>repitition_penalty</a:t>
+                      </a:r>
+                      <a:endParaRPr lang="en-US" sz="1500" dirty="0">
+                        <a:effectLst/>
+                      </a:endParaRPr>
+                    </a:p>
+                  </a:txBody>
+                  <a:tcPr marL="75728" marR="75728" marT="37864" marB="37864" anchor="ctr">
+                    <a:lnL>
+                      <a:noFill/>
+                    </a:lnL>
+                    <a:lnR>
+                      <a:noFill/>
+                    </a:lnR>
+                    <a:lnT>
+                      <a:noFill/>
+                    </a:lnT>
+                    <a:lnB>
+                      <a:noFill/>
+                    </a:lnB>
+                    <a:noFill/>
+                  </a:tcPr>
+                </a:tc>
+                <a:tc>
+                  <a:txBody>
+                    <a:bodyPr/>
+                    <a:lstStyle/>
+                    <a:p>
+                      <a:pPr>
+                        <a:buNone/>
+                      </a:pPr>
+                      <a:r>
+                        <a:rPr lang="en-US" sz="1500">
+                          <a:effectLst/>
+                        </a:rPr>
+                        <a:t>1.0 - 2.0</a:t>
+                      </a:r>
+                    </a:p>
+                  </a:txBody>
+                  <a:tcPr marL="75728" marR="75728" marT="37864" marB="37864" anchor="ctr">
+                    <a:lnL>
+                      <a:noFill/>
+                    </a:lnL>
+                    <a:lnR>
+                      <a:noFill/>
+                    </a:lnR>
+                    <a:lnT>
+                      <a:noFill/>
+                    </a:lnT>
+                    <a:lnB>
+                      <a:noFill/>
+                    </a:lnB>
+                    <a:noFill/>
+                  </a:tcPr>
+                </a:tc>
+                <a:tc>
+                  <a:txBody>
+                    <a:bodyPr/>
+                    <a:lstStyle/>
+                    <a:p>
+                      <a:pPr>
+                        <a:buNone/>
+                      </a:pPr>
+                      <a:r>
+                        <a:rPr lang="en-US" sz="1500">
+                          <a:effectLst/>
+                        </a:rPr>
+                        <a:t>1.0</a:t>
+                      </a:r>
+                    </a:p>
+                  </a:txBody>
+                  <a:tcPr marL="75728" marR="75728" marT="37864" marB="37864" anchor="ctr">
+                    <a:lnL>
+                      <a:noFill/>
+                    </a:lnL>
+                    <a:lnR>
+                      <a:noFill/>
+                    </a:lnR>
+                    <a:lnT>
+                      <a:noFill/>
+                    </a:lnT>
+                    <a:lnB>
+                      <a:noFill/>
+                    </a:lnB>
+                    <a:noFill/>
+                  </a:tcPr>
+                </a:tc>
+                <a:tc>
+                  <a:txBody>
+                    <a:bodyPr/>
+                    <a:lstStyle/>
+                    <a:p>
+                      <a:pPr>
+                        <a:buNone/>
+                      </a:pPr>
+                      <a:r>
+                        <a:rPr lang="en-US" sz="1500">
+                          <a:solidFill>
+                            <a:srgbClr val="CBD5E1"/>
+                          </a:solidFill>
+                          <a:effectLst/>
+                        </a:rPr>
+                        <a:t>Multiplicative</a:t>
+                      </a:r>
+                    </a:p>
+                  </a:txBody>
+                  <a:tcPr marL="75728" marR="75728" marT="37864" marB="37864" anchor="ctr">
+                    <a:lnL>
+                      <a:noFill/>
+                    </a:lnL>
+                    <a:lnR>
+                      <a:noFill/>
+                    </a:lnR>
+                    <a:lnT>
+                      <a:noFill/>
+                    </a:lnT>
+                    <a:lnB>
+                      <a:noFill/>
+                    </a:lnB>
+                    <a:noFill/>
+                  </a:tcPr>
+                </a:tc>
+                <a:extLst>
+                  <a:ext uri="{0D108BD9-81ED-4DB2-BD59-A6C34878D82A}">
+                    <a16:rowId xmlns:a16="http://schemas.microsoft.com/office/drawing/2014/main" val="1816312234"/>
+                  </a:ext>
+                </a:extLst>
+              </a:tr>
+              <a:tr h="331740">
+                <a:tc>
+                  <a:txBody>
+                    <a:bodyPr/>
+                    <a:lstStyle/>
+                    <a:p>
+                      <a:pPr>
+                        <a:buNone/>
+                      </a:pPr>
+                      <a:r>
+                        <a:rPr lang="en-US" sz="1500" dirty="0">
+                          <a:effectLst/>
+                        </a:rPr>
+                        <a:t>stop</a:t>
+                      </a:r>
+                    </a:p>
+                  </a:txBody>
+                  <a:tcPr marL="75728" marR="75728" marT="37864" marB="37864" anchor="ctr">
+                    <a:lnL>
+                      <a:noFill/>
+                    </a:lnL>
+                    <a:lnR>
+                      <a:noFill/>
+                    </a:lnR>
+                    <a:lnT>
+                      <a:noFill/>
+                    </a:lnT>
+                    <a:lnB>
+                      <a:noFill/>
+                    </a:lnB>
+                    <a:solidFill>
+                      <a:srgbClr val="1E293B"/>
+                    </a:solidFill>
+                  </a:tcPr>
+                </a:tc>
+                <a:tc>
+                  <a:txBody>
+                    <a:bodyPr/>
+                    <a:lstStyle/>
+                    <a:p>
+                      <a:pPr>
+                        <a:buNone/>
+                      </a:pPr>
+                      <a:r>
+                        <a:rPr lang="en-US" sz="1500" dirty="0">
+                          <a:effectLst/>
+                        </a:rPr>
+                        <a:t>Array</a:t>
+                      </a:r>
+                    </a:p>
+                  </a:txBody>
+                  <a:tcPr marL="75728" marR="75728" marT="37864" marB="37864" anchor="ctr">
+                    <a:lnL>
+                      <a:noFill/>
+                    </a:lnL>
+                    <a:lnR>
+                      <a:noFill/>
+                    </a:lnR>
+                    <a:lnT>
+                      <a:noFill/>
+                    </a:lnT>
+                    <a:lnB>
+                      <a:noFill/>
+                    </a:lnB>
+                    <a:solidFill>
+                      <a:srgbClr val="1E293B"/>
+                    </a:solidFill>
+                  </a:tcPr>
+                </a:tc>
+                <a:tc>
+                  <a:txBody>
+                    <a:bodyPr/>
+                    <a:lstStyle/>
+                    <a:p>
+                      <a:pPr>
+                        <a:buNone/>
+                      </a:pPr>
+                      <a:r>
+                        <a:rPr lang="en-US" sz="1500">
+                          <a:effectLst/>
+                        </a:rPr>
+                        <a:t>[]</a:t>
+                      </a:r>
+                    </a:p>
+                  </a:txBody>
+                  <a:tcPr marL="75728" marR="75728" marT="37864" marB="37864" anchor="ctr">
+                    <a:lnL>
+                      <a:noFill/>
+                    </a:lnL>
+                    <a:lnR>
+                      <a:noFill/>
+                    </a:lnR>
+                    <a:lnT>
+                      <a:noFill/>
+                    </a:lnT>
+                    <a:lnB>
+                      <a:noFill/>
+                    </a:lnB>
+                    <a:solidFill>
+                      <a:srgbClr val="1E293B"/>
+                    </a:solidFill>
+                  </a:tcPr>
+                </a:tc>
+                <a:tc>
+                  <a:txBody>
+                    <a:bodyPr/>
+                    <a:lstStyle/>
+                    <a:p>
+                      <a:pPr>
+                        <a:buNone/>
+                      </a:pPr>
+                      <a:r>
+                        <a:rPr lang="en-US" sz="1500" dirty="0">
+                          <a:solidFill>
+                            <a:srgbClr val="CBD5E1"/>
+                          </a:solidFill>
+                          <a:effectLst/>
+                        </a:rPr>
+                        <a:t>Halt markers</a:t>
+                      </a:r>
+                    </a:p>
+                  </a:txBody>
+                  <a:tcPr marL="75728" marR="75728" marT="37864" marB="37864" anchor="ctr">
+                    <a:lnL>
+                      <a:noFill/>
+                    </a:lnL>
+                    <a:lnR>
+                      <a:noFill/>
+                    </a:lnR>
+                    <a:lnT>
+                      <a:noFill/>
+                    </a:lnT>
+                    <a:lnB>
+                      <a:noFill/>
+                    </a:lnB>
+                    <a:solidFill>
+                      <a:srgbClr val="1E293B"/>
+                    </a:solidFill>
+                  </a:tcPr>
+                </a:tc>
+                <a:extLst>
+                  <a:ext uri="{0D108BD9-81ED-4DB2-BD59-A6C34878D82A}">
+                    <a16:rowId xmlns:a16="http://schemas.microsoft.com/office/drawing/2014/main" val="197572220"/>
+                  </a:ext>
+                </a:extLst>
+              </a:tr>
+            </a:tbl>
+          </a:graphicData>
+        </a:graphic>
+      </p:graphicFrame>
+      <p:sp>
+        <p:nvSpPr>
+          <p:cNvPr id="4" name="Title 1">
+            <a:extLst>
+              <a:ext uri="{FF2B5EF4-FFF2-40B4-BE49-F238E27FC236}">
+                <a16:creationId xmlns:a16="http://schemas.microsoft.com/office/drawing/2014/main" id="{7C59CD00-00A1-1C76-EC58-6B5A7F255DFC}"/>
+              </a:ext>
+            </a:extLst>
+          </p:cNvPr>
+          <p:cNvSpPr txBox="1">
+            <a:spLocks/>
+          </p:cNvSpPr>
+          <p:nvPr/>
+        </p:nvSpPr>
+        <p:spPr>
+          <a:xfrm>
+            <a:off x="1030287" y="365190"/>
+            <a:ext cx="10131425" cy="785567"/>
+          </a:xfrm>
+          <a:prstGeom prst="rect">
+            <a:avLst/>
+          </a:prstGeom>
+        </p:spPr>
+        <p:txBody>
+          <a:bodyPr>
+            <a:normAutofit/>
+          </a:bodyPr>
+          <a:lstStyle>
+            <a:lvl1pPr algn="l" defTabSz="457200" rtl="0" eaLnBrk="1" latinLnBrk="0" hangingPunct="1">
+              <a:spcBef>
+                <a:spcPct val="0"/>
+              </a:spcBef>
+              <a:buNone/>
+              <a:defRPr sz="3600" kern="1200" cap="all">
+                <a:ln w="3175" cmpd="sng">
+                  <a:noFill/>
+                </a:ln>
+                <a:solidFill>
+                  <a:schemeClr val="tx1"/>
+                </a:solidFill>
+                <a:effectLst/>
+                <a:latin typeface="+mj-lt"/>
+                <a:ea typeface="+mj-ea"/>
+                <a:cs typeface="+mj-cs"/>
+              </a:defRPr>
+            </a:lvl1pPr>
+            <a:lvl2pPr eaLnBrk="1" hangingPunct="1">
+              <a:defRPr>
+                <a:solidFill>
+                  <a:schemeClr val="tx2"/>
+                </a:solidFill>
+              </a:defRPr>
+            </a:lvl2pPr>
+            <a:lvl3pPr eaLnBrk="1" hangingPunct="1">
+              <a:defRPr>
+                <a:solidFill>
+                  <a:schemeClr val="tx2"/>
+                </a:solidFill>
+              </a:defRPr>
+            </a:lvl3pPr>
+            <a:lvl4pPr eaLnBrk="1" hangingPunct="1">
+              <a:defRPr>
+                <a:solidFill>
+                  <a:schemeClr val="tx2"/>
+                </a:solidFill>
+              </a:defRPr>
+            </a:lvl4pPr>
+            <a:lvl5pPr eaLnBrk="1" hangingPunct="1">
+              <a:defRPr>
+                <a:solidFill>
+                  <a:schemeClr val="tx2"/>
+                </a:solidFill>
+              </a:defRPr>
+            </a:lvl5pPr>
+            <a:lvl6pPr eaLnBrk="1" hangingPunct="1">
+              <a:defRPr>
+                <a:solidFill>
+                  <a:schemeClr val="tx2"/>
+                </a:solidFill>
+              </a:defRPr>
+            </a:lvl6pPr>
+            <a:lvl7pPr eaLnBrk="1" hangingPunct="1">
+              <a:defRPr>
+                <a:solidFill>
+                  <a:schemeClr val="tx2"/>
+                </a:solidFill>
+              </a:defRPr>
+            </a:lvl7pPr>
+            <a:lvl8pPr eaLnBrk="1" hangingPunct="1">
+              <a:defRPr>
+                <a:solidFill>
+                  <a:schemeClr val="tx2"/>
+                </a:solidFill>
+              </a:defRPr>
+            </a:lvl8pPr>
+            <a:lvl9pPr eaLnBrk="1" hangingPunct="1">
+              <a:defRPr>
+                <a:solidFill>
+                  <a:schemeClr val="tx2"/>
+                </a:solidFill>
+              </a:defRPr>
+            </a:lvl9pPr>
+          </a:lstStyle>
+          <a:p>
+            <a:pPr algn="ctr"/>
+            <a:r>
+              <a:rPr lang="en-US" sz="4400" b="1" cap="none" dirty="0">
+                <a:solidFill>
+                  <a:srgbClr val="92D050"/>
+                </a:solidFill>
+              </a:rPr>
+              <a:t>Typical Context Parameters</a:t>
+            </a:r>
+            <a:endParaRPr lang="en-US" sz="4400" cap="none" dirty="0">
+              <a:solidFill>
+                <a:srgbClr val="92D050"/>
+              </a:solidFill>
+            </a:endParaRPr>
+          </a:p>
+        </p:txBody>
+      </p:sp>
+      <p:sp>
+        <p:nvSpPr>
+          <p:cNvPr id="5" name="TextBox 4">
+            <a:extLst>
+              <a:ext uri="{FF2B5EF4-FFF2-40B4-BE49-F238E27FC236}">
+                <a16:creationId xmlns:a16="http://schemas.microsoft.com/office/drawing/2014/main" id="{24A8AC88-8A19-A309-C37C-5BB6F973DD2A}"/>
+              </a:ext>
+            </a:extLst>
+          </p:cNvPr>
+          <p:cNvSpPr txBox="1"/>
+          <p:nvPr/>
+        </p:nvSpPr>
+        <p:spPr>
+          <a:xfrm>
+            <a:off x="988992" y="5430244"/>
+            <a:ext cx="10209230" cy="276999"/>
+          </a:xfrm>
+          <a:prstGeom prst="rect">
+            <a:avLst/>
+          </a:prstGeom>
+          <a:noFill/>
+        </p:spPr>
+        <p:txBody>
+          <a:bodyPr wrap="square">
+            <a:spAutoFit/>
+          </a:bodyPr>
+          <a:lstStyle/>
+          <a:p>
+            <a:pPr algn="ctr"/>
+            <a:r>
+              <a:rPr lang="en-US" sz="1200" i="1" dirty="0">
+                <a:solidFill>
+                  <a:srgbClr val="94A3B8"/>
+                </a:solidFill>
+                <a:latin typeface="Arial" panose="020B0604020202020204" pitchFamily="34" charset="0"/>
+              </a:rPr>
+              <a:t>Not all LLM models use parameters, these are simply the standard ones.  They should work for GPT5.1 and others.  Always test with your model!</a:t>
+            </a:r>
+            <a:endParaRPr lang="en-US" sz="1200" dirty="0"/>
+          </a:p>
+        </p:txBody>
+      </p:sp>
+    </p:spTree>
+    <p:extLst>
+      <p:ext uri="{BB962C8B-B14F-4D97-AF65-F5344CB8AC3E}">
+        <p14:creationId xmlns:p14="http://schemas.microsoft.com/office/powerpoint/2010/main" val="2462221397"/>
+      </p:ext>
+    </p:extLst>
+  </p:cSld>
+  <p:clrMapOvr>
+    <a:masterClrMapping/>
+  </p:clrMapOvr>
+</p:sld>
+</file>
+
+<file path=ppt/slides/slide12.xml><?xml version="1.0" encoding="utf-8"?>
+<p:sld xmlns:a="http://schemas.openxmlformats.org/drawingml/2006/main" xmlns:r="http://schemas.openxmlformats.org/officeDocument/2006/relationships" xmlns:p="http://schemas.openxmlformats.org/presentationml/2006/main">
+  <p:cSld>
+    <p:spTree>
+      <p:nvGrpSpPr>
+        <p:cNvPr id="1" name="">
+          <a:extLst>
+            <a:ext uri="{FF2B5EF4-FFF2-40B4-BE49-F238E27FC236}">
+              <a16:creationId xmlns:a16="http://schemas.microsoft.com/office/drawing/2014/main" id="{1B929A30-6C8C-A8FD-56C4-DBF5E5FADFF1}"/>
+            </a:ext>
+          </a:extLst>
+        </p:cNvPr>
+        <p:cNvGrpSpPr/>
+        <p:nvPr/>
+      </p:nvGrpSpPr>
+      <p:grpSpPr>
+        <a:xfrm>
+          <a:off x="0" y="0"/>
+          <a:ext cx="0" cy="0"/>
+          <a:chOff x="0" y="0"/>
+          <a:chExt cx="0" cy="0"/>
+        </a:xfrm>
+      </p:grpSpPr>
+      <p:sp>
+        <p:nvSpPr>
+          <p:cNvPr id="2" name="Title 1">
+            <a:extLst>
+              <a:ext uri="{FF2B5EF4-FFF2-40B4-BE49-F238E27FC236}">
+                <a16:creationId xmlns:a16="http://schemas.microsoft.com/office/drawing/2014/main" id="{E50BD179-9C90-DAEE-9D6D-4CB9D59A6E6B}"/>
+              </a:ext>
+            </a:extLst>
+          </p:cNvPr>
+          <p:cNvSpPr>
+            <a:spLocks noGrp="1"/>
+          </p:cNvSpPr>
+          <p:nvPr>
+            <p:ph type="title"/>
+          </p:nvPr>
+        </p:nvSpPr>
+        <p:spPr>
+          <a:xfrm>
+            <a:off x="1250623" y="1940350"/>
+            <a:ext cx="9690754" cy="2359843"/>
+          </a:xfrm>
+        </p:spPr>
+        <p:txBody>
+          <a:bodyPr>
+            <a:noAutofit/>
+          </a:bodyPr>
+          <a:lstStyle/>
+          <a:p>
+            <a:pPr algn="ctr"/>
+            <a:r>
+              <a:rPr lang="en-US" sz="5400" b="1" cap="none" dirty="0">
+                <a:solidFill>
+                  <a:srgbClr val="92D050"/>
+                </a:solidFill>
+                <a:latin typeface="+mn-lt"/>
+              </a:rPr>
+              <a:t>The Generative Part</a:t>
+            </a:r>
+          </a:p>
+        </p:txBody>
+      </p:sp>
+      <p:sp>
+        <p:nvSpPr>
+          <p:cNvPr id="3" name="TextBox 2">
+            <a:extLst>
+              <a:ext uri="{FF2B5EF4-FFF2-40B4-BE49-F238E27FC236}">
+                <a16:creationId xmlns:a16="http://schemas.microsoft.com/office/drawing/2014/main" id="{6022F374-1B94-A738-B105-70F439E1D95C}"/>
+              </a:ext>
+            </a:extLst>
+          </p:cNvPr>
+          <p:cNvSpPr txBox="1"/>
+          <p:nvPr/>
+        </p:nvSpPr>
+        <p:spPr>
+          <a:xfrm>
+            <a:off x="2969443" y="3120272"/>
+            <a:ext cx="2516957" cy="1456267"/>
+          </a:xfrm>
+          <a:prstGeom prst="rect">
+            <a:avLst/>
+          </a:prstGeom>
+          <a:noFill/>
+        </p:spPr>
+        <p:txBody>
+          <a:bodyPr wrap="square" rtlCol="0">
+            <a:spAutoFit/>
+          </a:bodyPr>
+          <a:lstStyle/>
+          <a:p>
+            <a:endParaRPr lang="en-US"/>
+          </a:p>
+        </p:txBody>
+      </p:sp>
+    </p:spTree>
+    <p:extLst>
+      <p:ext uri="{BB962C8B-B14F-4D97-AF65-F5344CB8AC3E}">
+        <p14:creationId xmlns:p14="http://schemas.microsoft.com/office/powerpoint/2010/main" val="3469822984"/>
+      </p:ext>
+    </p:extLst>
+  </p:cSld>
+  <p:clrMapOvr>
+    <a:masterClrMapping/>
+  </p:clrMapOvr>
 </p:sld>
 </file>
 
 <file path=ppt/slides/slide2.xml><?xml version="1.0" encoding="utf-8"?>
+<p:sld xmlns:a="http://schemas.openxmlformats.org/drawingml/2006/main" xmlns:r="http://schemas.openxmlformats.org/officeDocument/2006/relationships" xmlns:p="http://schemas.openxmlformats.org/presentationml/2006/main">
+  <p:cSld>
+    <p:spTree>
+      <p:nvGrpSpPr>
+        <p:cNvPr id="1" name=""/>
+        <p:cNvGrpSpPr/>
+        <p:nvPr/>
+      </p:nvGrpSpPr>
+      <p:grpSpPr>
+        <a:xfrm>
+          <a:off x="0" y="0"/>
+          <a:ext cx="0" cy="0"/>
+          <a:chOff x="0" y="0"/>
+          <a:chExt cx="0" cy="0"/>
+        </a:xfrm>
+      </p:grpSpPr>
+      <p:pic>
+        <p:nvPicPr>
+          <p:cNvPr id="4" name="Picture 3" descr="A person in a suit and tie&#10;&#10;AI-generated content may be incorrect.">
+            <a:extLst>
+              <a:ext uri="{FF2B5EF4-FFF2-40B4-BE49-F238E27FC236}">
+                <a16:creationId xmlns:a16="http://schemas.microsoft.com/office/drawing/2014/main" id="{0B98F835-150B-6077-9C0C-6FBA7D9887D5}"/>
+              </a:ext>
+            </a:extLst>
+          </p:cNvPr>
+          <p:cNvPicPr>
+            <a:picLocks noChangeAspect="1"/>
+          </p:cNvPicPr>
+          <p:nvPr/>
+        </p:nvPicPr>
+        <p:blipFill>
+          <a:blip r:embed="rId3">
+            <a:extLst>
+              <a:ext uri="{28A0092B-C50C-407E-A947-70E740481C1C}">
+                <a14:useLocalDpi xmlns:a14="http://schemas.microsoft.com/office/drawing/2010/main" val="0"/>
+              </a:ext>
+            </a:extLst>
+          </a:blip>
+          <a:srcRect l="13369" r="14869"/>
+          <a:stretch>
+            <a:fillRect/>
+          </a:stretch>
+        </p:blipFill>
+        <p:spPr>
+          <a:xfrm>
+            <a:off x="8149811" y="820132"/>
+            <a:ext cx="3280974" cy="4572000"/>
+          </a:xfrm>
+          <a:prstGeom prst="roundRect">
+            <a:avLst>
+              <a:gd name="adj" fmla="val 4280"/>
+            </a:avLst>
+          </a:prstGeom>
+          <a:noFill/>
+          <a:ln w="50800" cap="sq" cmpd="dbl">
+            <a:gradFill flip="none" rotWithShape="1">
+              <a:gsLst>
+                <a:gs pos="0">
+                  <a:srgbClr val="FFFFFF"/>
+                </a:gs>
+                <a:gs pos="100000">
+                  <a:schemeClr val="tx1">
+                    <a:alpha val="0"/>
+                  </a:schemeClr>
+                </a:gs>
+              </a:gsLst>
+              <a:path path="circle">
+                <a:fillToRect l="50000" t="50000" r="50000" b="50000"/>
+              </a:path>
+              <a:tileRect/>
+            </a:gradFill>
+            <a:miter lim="800000"/>
+          </a:ln>
+          <a:effectLst>
+            <a:outerShdw blurRad="254000" algn="tl" rotWithShape="0">
+              <a:srgbClr val="000000">
+                <a:alpha val="43000"/>
+              </a:srgbClr>
+            </a:outerShdw>
+          </a:effectLst>
+        </p:spPr>
+      </p:pic>
+      <p:sp>
+        <p:nvSpPr>
+          <p:cNvPr id="3" name="TextBox 2">
+            <a:extLst>
+              <a:ext uri="{FF2B5EF4-FFF2-40B4-BE49-F238E27FC236}">
+                <a16:creationId xmlns:a16="http://schemas.microsoft.com/office/drawing/2014/main" id="{29AE472F-B140-90E9-0B5D-330A8B171C2C}"/>
+              </a:ext>
+            </a:extLst>
+          </p:cNvPr>
+          <p:cNvSpPr txBox="1"/>
+          <p:nvPr/>
+        </p:nvSpPr>
+        <p:spPr>
+          <a:xfrm>
+            <a:off x="1008663" y="4093182"/>
+            <a:ext cx="6164653" cy="1828800"/>
+          </a:xfrm>
+          <a:prstGeom prst="rect">
+            <a:avLst/>
+          </a:prstGeom>
+        </p:spPr>
+        <p:txBody>
+          <a:bodyPr vert="horz" lIns="91440" tIns="45720" rIns="91440" bIns="45720" rtlCol="0" anchor="t">
+            <a:normAutofit/>
+          </a:bodyPr>
+          <a:lstStyle/>
+          <a:p>
+            <a:pPr>
+              <a:spcAft>
+                <a:spcPts val="1000"/>
+              </a:spcAft>
+              <a:buClr>
+                <a:schemeClr val="tx1"/>
+              </a:buClr>
+              <a:buSzPct val="100000"/>
+            </a:pPr>
+            <a:r>
+              <a:rPr lang="en-US" kern="1200" cap="none" dirty="0">
+                <a:solidFill>
+                  <a:srgbClr val="92D050"/>
+                </a:solidFill>
+                <a:effectLst/>
+                <a:latin typeface="+mn-lt"/>
+                <a:ea typeface="+mn-ea"/>
+                <a:cs typeface="+mn-cs"/>
+              </a:rPr>
+              <a:t>1. Review the building blocks of LLMs</a:t>
+            </a:r>
+          </a:p>
+          <a:p>
+            <a:pPr>
+              <a:spcAft>
+                <a:spcPts val="1000"/>
+              </a:spcAft>
+              <a:buClr>
+                <a:schemeClr val="tx1"/>
+              </a:buClr>
+              <a:buSzPct val="100000"/>
+            </a:pPr>
+            <a:r>
+              <a:rPr lang="en-US" kern="1200" cap="none" dirty="0">
+                <a:solidFill>
+                  <a:srgbClr val="92D050"/>
+                </a:solidFill>
+                <a:effectLst/>
+                <a:latin typeface="+mn-lt"/>
+                <a:ea typeface="+mn-ea"/>
+                <a:cs typeface="+mn-cs"/>
+              </a:rPr>
+              <a:t>2. Context engineering and context control</a:t>
+            </a:r>
+          </a:p>
+          <a:p>
+            <a:pPr>
+              <a:spcAft>
+                <a:spcPts val="1000"/>
+              </a:spcAft>
+              <a:buClr>
+                <a:schemeClr val="tx1"/>
+              </a:buClr>
+              <a:buSzPct val="100000"/>
+            </a:pPr>
+            <a:r>
+              <a:rPr lang="en-US" kern="1200" cap="none" dirty="0">
+                <a:solidFill>
+                  <a:srgbClr val="92D050"/>
+                </a:solidFill>
+                <a:effectLst/>
+                <a:latin typeface="+mn-lt"/>
+                <a:ea typeface="+mn-ea"/>
+                <a:cs typeface="+mn-cs"/>
+              </a:rPr>
+              <a:t>3. Build a few generative agents</a:t>
+            </a:r>
+          </a:p>
+          <a:p>
+            <a:pPr>
+              <a:spcAft>
+                <a:spcPts val="1000"/>
+              </a:spcAft>
+              <a:buClr>
+                <a:schemeClr val="tx1"/>
+              </a:buClr>
+              <a:buSzPct val="100000"/>
+            </a:pPr>
+            <a:r>
+              <a:rPr lang="en-US" kern="1200" cap="none" dirty="0">
+                <a:solidFill>
+                  <a:srgbClr val="92D050"/>
+                </a:solidFill>
+                <a:effectLst/>
+                <a:latin typeface="+mn-lt"/>
+                <a:ea typeface="+mn-ea"/>
+                <a:cs typeface="+mn-cs"/>
+              </a:rPr>
+              <a:t>4. Put the agents to work on real project</a:t>
+            </a:r>
+          </a:p>
+        </p:txBody>
+      </p:sp>
+      <p:sp>
+        <p:nvSpPr>
+          <p:cNvPr id="6" name="Title 5">
+            <a:extLst>
+              <a:ext uri="{FF2B5EF4-FFF2-40B4-BE49-F238E27FC236}">
+                <a16:creationId xmlns:a16="http://schemas.microsoft.com/office/drawing/2014/main" id="{71C7C780-8321-AB95-D700-833CFAFA8419}"/>
+              </a:ext>
+            </a:extLst>
+          </p:cNvPr>
+          <p:cNvSpPr txBox="1">
+            <a:spLocks noGrp="1"/>
+          </p:cNvSpPr>
+          <p:nvPr>
+            <p:ph type="title"/>
+          </p:nvPr>
+        </p:nvSpPr>
+        <p:spPr>
+          <a:xfrm>
+            <a:off x="761215" y="573485"/>
+            <a:ext cx="6164263" cy="631597"/>
+          </a:xfrm>
+          <a:prstGeom prst="rect">
+            <a:avLst/>
+          </a:prstGeom>
+        </p:spPr>
+        <p:txBody>
+          <a:bodyPr vert="horz" lIns="91440" tIns="45720" rIns="91440" bIns="45720" rtlCol="0" anchor="t">
+            <a:normAutofit fontScale="90000"/>
+          </a:bodyPr>
+          <a:lstStyle/>
+          <a:p>
+            <a:pPr>
+              <a:spcAft>
+                <a:spcPts val="1000"/>
+              </a:spcAft>
+              <a:buClr>
+                <a:schemeClr val="tx1"/>
+              </a:buClr>
+              <a:buSzPct val="100000"/>
+            </a:pPr>
+            <a:r>
+              <a:rPr lang="en-US" kern="1200" cap="none" dirty="0">
+                <a:solidFill>
+                  <a:srgbClr val="92D050"/>
+                </a:solidFill>
+                <a:effectLst/>
+                <a:latin typeface="+mn-lt"/>
+                <a:ea typeface="+mn-ea"/>
+                <a:cs typeface="+mn-cs"/>
+              </a:rPr>
+              <a:t>Robert Maxwell, ASA</a:t>
+            </a:r>
+            <a:br>
+              <a:rPr lang="en-US" kern="1200" cap="none" dirty="0">
+                <a:solidFill>
+                  <a:srgbClr val="92D050"/>
+                </a:solidFill>
+                <a:effectLst/>
+                <a:latin typeface="+mn-lt"/>
+                <a:ea typeface="+mn-ea"/>
+                <a:cs typeface="+mn-cs"/>
+              </a:rPr>
+            </a:br>
+            <a:endParaRPr lang="en-US" cap="none" dirty="0">
+              <a:solidFill>
+                <a:srgbClr val="92D050"/>
+              </a:solidFill>
+            </a:endParaRPr>
+          </a:p>
+        </p:txBody>
+      </p:sp>
+      <p:sp>
+        <p:nvSpPr>
+          <p:cNvPr id="5" name="TextBox 4">
+            <a:extLst>
+              <a:ext uri="{FF2B5EF4-FFF2-40B4-BE49-F238E27FC236}">
+                <a16:creationId xmlns:a16="http://schemas.microsoft.com/office/drawing/2014/main" id="{DB78E294-118E-6DAE-A257-78600BCB758E}"/>
+              </a:ext>
+            </a:extLst>
+          </p:cNvPr>
+          <p:cNvSpPr txBox="1"/>
+          <p:nvPr/>
+        </p:nvSpPr>
+        <p:spPr>
+          <a:xfrm>
+            <a:off x="1008667" y="1205082"/>
+            <a:ext cx="2516957" cy="369332"/>
+          </a:xfrm>
+          <a:prstGeom prst="rect">
+            <a:avLst/>
+          </a:prstGeom>
+          <a:noFill/>
+        </p:spPr>
+        <p:txBody>
+          <a:bodyPr wrap="square" rtlCol="0">
+            <a:spAutoFit/>
+          </a:bodyPr>
+          <a:lstStyle/>
+          <a:p>
+            <a:r>
+              <a:rPr lang="en-US" dirty="0">
+                <a:solidFill>
+                  <a:srgbClr val="92D050"/>
+                </a:solidFill>
+              </a:rPr>
+              <a:t>Actuary</a:t>
+            </a:r>
+          </a:p>
+        </p:txBody>
+      </p:sp>
+      <p:sp>
+        <p:nvSpPr>
+          <p:cNvPr id="7" name="TextBox 6">
+            <a:extLst>
+              <a:ext uri="{FF2B5EF4-FFF2-40B4-BE49-F238E27FC236}">
+                <a16:creationId xmlns:a16="http://schemas.microsoft.com/office/drawing/2014/main" id="{D8DB8656-4797-2655-B4E4-32E6FD23A64B}"/>
+              </a:ext>
+            </a:extLst>
+          </p:cNvPr>
+          <p:cNvSpPr txBox="1"/>
+          <p:nvPr/>
+        </p:nvSpPr>
+        <p:spPr>
+          <a:xfrm>
+            <a:off x="1008666" y="1523411"/>
+            <a:ext cx="2516957" cy="369332"/>
+          </a:xfrm>
+          <a:prstGeom prst="rect">
+            <a:avLst/>
+          </a:prstGeom>
+          <a:noFill/>
+        </p:spPr>
+        <p:txBody>
+          <a:bodyPr wrap="square" rtlCol="0">
+            <a:spAutoFit/>
+          </a:bodyPr>
+          <a:lstStyle/>
+          <a:p>
+            <a:r>
+              <a:rPr lang="en-US" dirty="0">
+                <a:solidFill>
+                  <a:srgbClr val="92D050"/>
+                </a:solidFill>
+              </a:rPr>
+              <a:t>IT Guy</a:t>
+            </a:r>
+          </a:p>
+        </p:txBody>
+      </p:sp>
+      <p:sp>
+        <p:nvSpPr>
+          <p:cNvPr id="8" name="TextBox 7">
+            <a:extLst>
+              <a:ext uri="{FF2B5EF4-FFF2-40B4-BE49-F238E27FC236}">
+                <a16:creationId xmlns:a16="http://schemas.microsoft.com/office/drawing/2014/main" id="{DB927807-1BD7-47DA-3910-811E3ED31BEB}"/>
+              </a:ext>
+            </a:extLst>
+          </p:cNvPr>
+          <p:cNvSpPr txBox="1"/>
+          <p:nvPr/>
+        </p:nvSpPr>
+        <p:spPr>
+          <a:xfrm>
+            <a:off x="1008665" y="1866297"/>
+            <a:ext cx="2516957" cy="369332"/>
+          </a:xfrm>
+          <a:prstGeom prst="rect">
+            <a:avLst/>
+          </a:prstGeom>
+          <a:noFill/>
+        </p:spPr>
+        <p:txBody>
+          <a:bodyPr wrap="square" rtlCol="0">
+            <a:spAutoFit/>
+          </a:bodyPr>
+          <a:lstStyle/>
+          <a:p>
+            <a:r>
+              <a:rPr lang="en-US" dirty="0">
+                <a:solidFill>
+                  <a:srgbClr val="92D050"/>
+                </a:solidFill>
+              </a:rPr>
+              <a:t>Data Guy</a:t>
+            </a:r>
+          </a:p>
+        </p:txBody>
+      </p:sp>
+      <p:sp>
+        <p:nvSpPr>
+          <p:cNvPr id="10" name="TextBox 9">
+            <a:extLst>
+              <a:ext uri="{FF2B5EF4-FFF2-40B4-BE49-F238E27FC236}">
+                <a16:creationId xmlns:a16="http://schemas.microsoft.com/office/drawing/2014/main" id="{9D1448F8-122E-95C7-5AA7-AECEE60F2852}"/>
+              </a:ext>
+            </a:extLst>
+          </p:cNvPr>
+          <p:cNvSpPr txBox="1"/>
+          <p:nvPr/>
+        </p:nvSpPr>
+        <p:spPr>
+          <a:xfrm>
+            <a:off x="1008665" y="2158455"/>
+            <a:ext cx="2516957" cy="369332"/>
+          </a:xfrm>
+          <a:prstGeom prst="rect">
+            <a:avLst/>
+          </a:prstGeom>
+          <a:noFill/>
+        </p:spPr>
+        <p:txBody>
+          <a:bodyPr wrap="square" rtlCol="0">
+            <a:spAutoFit/>
+          </a:bodyPr>
+          <a:lstStyle/>
+          <a:p>
+            <a:r>
+              <a:rPr lang="en-US" dirty="0">
+                <a:solidFill>
+                  <a:srgbClr val="92D050"/>
+                </a:solidFill>
+              </a:rPr>
+              <a:t>Fund Manager</a:t>
+            </a:r>
+          </a:p>
+        </p:txBody>
+      </p:sp>
+      <p:sp>
+        <p:nvSpPr>
+          <p:cNvPr id="11" name="TextBox 10">
+            <a:extLst>
+              <a:ext uri="{FF2B5EF4-FFF2-40B4-BE49-F238E27FC236}">
+                <a16:creationId xmlns:a16="http://schemas.microsoft.com/office/drawing/2014/main" id="{5362D6FB-DF69-E67A-743E-60E24464BF0E}"/>
+              </a:ext>
+            </a:extLst>
+          </p:cNvPr>
+          <p:cNvSpPr txBox="1"/>
+          <p:nvPr/>
+        </p:nvSpPr>
+        <p:spPr>
+          <a:xfrm>
+            <a:off x="1008664" y="2466662"/>
+            <a:ext cx="2516957" cy="369332"/>
+          </a:xfrm>
+          <a:prstGeom prst="rect">
+            <a:avLst/>
+          </a:prstGeom>
+          <a:noFill/>
+        </p:spPr>
+        <p:txBody>
+          <a:bodyPr wrap="square" rtlCol="0">
+            <a:spAutoFit/>
+          </a:bodyPr>
+          <a:lstStyle/>
+          <a:p>
+            <a:r>
+              <a:rPr lang="en-US" dirty="0">
+                <a:solidFill>
+                  <a:srgbClr val="92D050"/>
+                </a:solidFill>
+              </a:rPr>
+              <a:t>Day Trader</a:t>
+            </a:r>
+          </a:p>
+        </p:txBody>
+      </p:sp>
+      <p:sp>
+        <p:nvSpPr>
+          <p:cNvPr id="12" name="TextBox 11">
+            <a:extLst>
+              <a:ext uri="{FF2B5EF4-FFF2-40B4-BE49-F238E27FC236}">
+                <a16:creationId xmlns:a16="http://schemas.microsoft.com/office/drawing/2014/main" id="{1A18F348-0A16-EC52-5B54-B88D37716950}"/>
+              </a:ext>
+            </a:extLst>
+          </p:cNvPr>
+          <p:cNvSpPr txBox="1"/>
+          <p:nvPr/>
+        </p:nvSpPr>
+        <p:spPr>
+          <a:xfrm>
+            <a:off x="1008664" y="2811646"/>
+            <a:ext cx="2516957" cy="369332"/>
+          </a:xfrm>
+          <a:prstGeom prst="rect">
+            <a:avLst/>
+          </a:prstGeom>
+          <a:noFill/>
+        </p:spPr>
+        <p:txBody>
+          <a:bodyPr wrap="square" rtlCol="0">
+            <a:spAutoFit/>
+          </a:bodyPr>
+          <a:lstStyle/>
+          <a:p>
+            <a:r>
+              <a:rPr lang="en-US" dirty="0">
+                <a:solidFill>
+                  <a:srgbClr val="92D050"/>
+                </a:solidFill>
+              </a:rPr>
+              <a:t>Jazz Musician</a:t>
+            </a:r>
+          </a:p>
+        </p:txBody>
+      </p:sp>
+      <p:sp>
+        <p:nvSpPr>
+          <p:cNvPr id="13" name="TextBox 12">
+            <a:extLst>
+              <a:ext uri="{FF2B5EF4-FFF2-40B4-BE49-F238E27FC236}">
+                <a16:creationId xmlns:a16="http://schemas.microsoft.com/office/drawing/2014/main" id="{A7CE6BD8-8210-55DC-1E14-052F04B32789}"/>
+              </a:ext>
+            </a:extLst>
+          </p:cNvPr>
+          <p:cNvSpPr txBox="1"/>
+          <p:nvPr/>
+        </p:nvSpPr>
+        <p:spPr>
+          <a:xfrm>
+            <a:off x="1008663" y="3156630"/>
+            <a:ext cx="2516957" cy="369332"/>
+          </a:xfrm>
+          <a:prstGeom prst="rect">
+            <a:avLst/>
+          </a:prstGeom>
+          <a:noFill/>
+        </p:spPr>
+        <p:txBody>
+          <a:bodyPr wrap="square" rtlCol="0">
+            <a:spAutoFit/>
+          </a:bodyPr>
+          <a:lstStyle/>
+          <a:p>
+            <a:r>
+              <a:rPr lang="en-US" dirty="0">
+                <a:solidFill>
+                  <a:srgbClr val="92D050"/>
+                </a:solidFill>
+              </a:rPr>
+              <a:t>Mountain Bike “Coach”</a:t>
+            </a:r>
+          </a:p>
+        </p:txBody>
+      </p:sp>
+      <p:sp>
+        <p:nvSpPr>
+          <p:cNvPr id="14" name="TextBox 13">
+            <a:extLst>
+              <a:ext uri="{FF2B5EF4-FFF2-40B4-BE49-F238E27FC236}">
+                <a16:creationId xmlns:a16="http://schemas.microsoft.com/office/drawing/2014/main" id="{B9DD5B1B-E604-3CD3-30CF-7B15C82D994A}"/>
+              </a:ext>
+            </a:extLst>
+          </p:cNvPr>
+          <p:cNvSpPr txBox="1"/>
+          <p:nvPr/>
+        </p:nvSpPr>
+        <p:spPr>
+          <a:xfrm>
+            <a:off x="1008663" y="3501614"/>
+            <a:ext cx="2516957" cy="369332"/>
+          </a:xfrm>
+          <a:prstGeom prst="rect">
+            <a:avLst/>
+          </a:prstGeom>
+          <a:noFill/>
+        </p:spPr>
+        <p:txBody>
+          <a:bodyPr wrap="square" rtlCol="0">
+            <a:spAutoFit/>
+          </a:bodyPr>
+          <a:lstStyle/>
+          <a:p>
+            <a:r>
+              <a:rPr lang="en-US" dirty="0">
+                <a:solidFill>
+                  <a:srgbClr val="92D050"/>
+                </a:solidFill>
+              </a:rPr>
+              <a:t>Tinkerer</a:t>
+            </a:r>
+          </a:p>
+        </p:txBody>
+      </p:sp>
+    </p:spTree>
+    <p:extLst>
+      <p:ext uri="{BB962C8B-B14F-4D97-AF65-F5344CB8AC3E}">
+        <p14:creationId xmlns:p14="http://schemas.microsoft.com/office/powerpoint/2010/main" val="394709909"/>
+      </p:ext>
+    </p:extLst>
+  </p:cSld>
+  <p:clrMapOvr>
+    <a:masterClrMapping/>
+  </p:clrMapOvr>
+  <p:timing>
+    <p:tnLst>
+      <p:par>
+        <p:cTn id="1" dur="indefinite" restart="never" nodeType="tmRoot">
+          <p:childTnLst>
+            <p:seq concurrent="1" nextAc="seek">
+              <p:cTn id="2" dur="indefinite" nodeType="mainSeq">
+                <p:childTnLst>
+                  <p:par>
+                    <p:cTn id="3" fill="hold">
+                      <p:stCondLst>
+                        <p:cond delay="indefinite"/>
+                      </p:stCondLst>
+                      <p:childTnLst>
+                        <p:par>
+                          <p:cTn id="4" fill="hold">
+                            <p:stCondLst>
+                              <p:cond delay="0"/>
+                            </p:stCondLst>
+                            <p:childTnLst>
+                              <p:par>
+                                <p:cTn id="5" presetID="2" presetClass="entr" presetSubtype="4" fill="hold" grpId="0" nodeType="clickEffect">
+                                  <p:stCondLst>
+                                    <p:cond delay="0"/>
+                                  </p:stCondLst>
+                                  <p:childTnLst>
+                                    <p:set>
+                                      <p:cBhvr>
+                                        <p:cTn id="6" dur="1" fill="hold">
+                                          <p:stCondLst>
+                                            <p:cond delay="0"/>
+                                          </p:stCondLst>
+                                        </p:cTn>
+                                        <p:tgtEl>
+                                          <p:spTgt spid="5"/>
+                                        </p:tgtEl>
+                                        <p:attrNameLst>
+                                          <p:attrName>style.visibility</p:attrName>
+                                        </p:attrNameLst>
+                                      </p:cBhvr>
+                                      <p:to>
+                                        <p:strVal val="visible"/>
+                                      </p:to>
+                                    </p:set>
+                                    <p:anim calcmode="lin" valueType="num">
+                                      <p:cBhvr additive="base">
+                                        <p:cTn id="7" dur="500" fill="hold"/>
+                                        <p:tgtEl>
+                                          <p:spTgt spid="5"/>
+                                        </p:tgtEl>
+                                        <p:attrNameLst>
+                                          <p:attrName>ppt_x</p:attrName>
+                                        </p:attrNameLst>
+                                      </p:cBhvr>
+                                      <p:tavLst>
+                                        <p:tav tm="0">
+                                          <p:val>
+                                            <p:strVal val="#ppt_x"/>
+                                          </p:val>
+                                        </p:tav>
+                                        <p:tav tm="100000">
+                                          <p:val>
+                                            <p:strVal val="#ppt_x"/>
+                                          </p:val>
+                                        </p:tav>
+                                      </p:tavLst>
+                                    </p:anim>
+                                    <p:anim calcmode="lin" valueType="num">
+                                      <p:cBhvr additive="base">
+                                        <p:cTn id="8" dur="500" fill="hold"/>
+                                        <p:tgtEl>
+                                          <p:spTgt spid="5"/>
+                                        </p:tgtEl>
+                                        <p:attrNameLst>
+                                          <p:attrName>ppt_y</p:attrName>
+                                        </p:attrNameLst>
+                                      </p:cBhvr>
+                                      <p:tavLst>
+                                        <p:tav tm="0">
+                                          <p:val>
+                                            <p:strVal val="1+#ppt_h/2"/>
+                                          </p:val>
+                                        </p:tav>
+                                        <p:tav tm="100000">
+                                          <p:val>
+                                            <p:strVal val="#ppt_y"/>
+                                          </p:val>
+                                        </p:tav>
+                                      </p:tavLst>
+                                    </p:anim>
+                                  </p:childTnLst>
+                                </p:cTn>
+                              </p:par>
+                            </p:childTnLst>
+                          </p:cTn>
+                        </p:par>
+                      </p:childTnLst>
+                    </p:cTn>
+                  </p:par>
+                  <p:par>
+                    <p:cTn id="9" fill="hold">
+                      <p:stCondLst>
+                        <p:cond delay="indefinite"/>
+                      </p:stCondLst>
+                      <p:childTnLst>
+                        <p:par>
+                          <p:cTn id="10" fill="hold">
+                            <p:stCondLst>
+                              <p:cond delay="0"/>
+                            </p:stCondLst>
+                            <p:childTnLst>
+                              <p:par>
+                                <p:cTn id="11" presetID="2" presetClass="entr" presetSubtype="4" fill="hold" grpId="0" nodeType="clickEffect">
+                                  <p:stCondLst>
+                                    <p:cond delay="0"/>
+                                  </p:stCondLst>
+                                  <p:childTnLst>
+                                    <p:set>
+                                      <p:cBhvr>
+                                        <p:cTn id="12" dur="1" fill="hold">
+                                          <p:stCondLst>
+                                            <p:cond delay="0"/>
+                                          </p:stCondLst>
+                                        </p:cTn>
+                                        <p:tgtEl>
+                                          <p:spTgt spid="7"/>
+                                        </p:tgtEl>
+                                        <p:attrNameLst>
+                                          <p:attrName>style.visibility</p:attrName>
+                                        </p:attrNameLst>
+                                      </p:cBhvr>
+                                      <p:to>
+                                        <p:strVal val="visible"/>
+                                      </p:to>
+                                    </p:set>
+                                    <p:anim calcmode="lin" valueType="num">
+                                      <p:cBhvr additive="base">
+                                        <p:cTn id="13" dur="500" fill="hold"/>
+                                        <p:tgtEl>
+                                          <p:spTgt spid="7"/>
+                                        </p:tgtEl>
+                                        <p:attrNameLst>
+                                          <p:attrName>ppt_x</p:attrName>
+                                        </p:attrNameLst>
+                                      </p:cBhvr>
+                                      <p:tavLst>
+                                        <p:tav tm="0">
+                                          <p:val>
+                                            <p:strVal val="#ppt_x"/>
+                                          </p:val>
+                                        </p:tav>
+                                        <p:tav tm="100000">
+                                          <p:val>
+                                            <p:strVal val="#ppt_x"/>
+                                          </p:val>
+                                        </p:tav>
+                                      </p:tavLst>
+                                    </p:anim>
+                                    <p:anim calcmode="lin" valueType="num">
+                                      <p:cBhvr additive="base">
+                                        <p:cTn id="14" dur="500" fill="hold"/>
+                                        <p:tgtEl>
+                                          <p:spTgt spid="7"/>
+                                        </p:tgtEl>
+                                        <p:attrNameLst>
+                                          <p:attrName>ppt_y</p:attrName>
+                                        </p:attrNameLst>
+                                      </p:cBhvr>
+                                      <p:tavLst>
+                                        <p:tav tm="0">
+                                          <p:val>
+                                            <p:strVal val="1+#ppt_h/2"/>
+                                          </p:val>
+                                        </p:tav>
+                                        <p:tav tm="100000">
+                                          <p:val>
+                                            <p:strVal val="#ppt_y"/>
+                                          </p:val>
+                                        </p:tav>
+                                      </p:tavLst>
+                                    </p:anim>
+                                  </p:childTnLst>
+                                </p:cTn>
+                              </p:par>
+                            </p:childTnLst>
+                          </p:cTn>
+                        </p:par>
+                      </p:childTnLst>
+                    </p:cTn>
+                  </p:par>
+                  <p:par>
+                    <p:cTn id="15" fill="hold">
+                      <p:stCondLst>
+                        <p:cond delay="indefinite"/>
+                      </p:stCondLst>
+                      <p:childTnLst>
+                        <p:par>
+                          <p:cTn id="16" fill="hold">
+                            <p:stCondLst>
+                              <p:cond delay="0"/>
+                            </p:stCondLst>
+                            <p:childTnLst>
+                              <p:par>
+                                <p:cTn id="17" presetID="2" presetClass="entr" presetSubtype="4" fill="hold" grpId="0" nodeType="clickEffect">
+                                  <p:stCondLst>
+                                    <p:cond delay="0"/>
+                                  </p:stCondLst>
+                                  <p:childTnLst>
+                                    <p:set>
+                                      <p:cBhvr>
+                                        <p:cTn id="18" dur="1" fill="hold">
+                                          <p:stCondLst>
+                                            <p:cond delay="0"/>
+                                          </p:stCondLst>
+                                        </p:cTn>
+                                        <p:tgtEl>
+                                          <p:spTgt spid="8"/>
+                                        </p:tgtEl>
+                                        <p:attrNameLst>
+                                          <p:attrName>style.visibility</p:attrName>
+                                        </p:attrNameLst>
+                                      </p:cBhvr>
+                                      <p:to>
+                                        <p:strVal val="visible"/>
+                                      </p:to>
+                                    </p:set>
+                                    <p:anim calcmode="lin" valueType="num">
+                                      <p:cBhvr additive="base">
+                                        <p:cTn id="19" dur="500" fill="hold"/>
+                                        <p:tgtEl>
+                                          <p:spTgt spid="8"/>
+                                        </p:tgtEl>
+                                        <p:attrNameLst>
+                                          <p:attrName>ppt_x</p:attrName>
+                                        </p:attrNameLst>
+                                      </p:cBhvr>
+                                      <p:tavLst>
+                                        <p:tav tm="0">
+                                          <p:val>
+                                            <p:strVal val="#ppt_x"/>
+                                          </p:val>
+                                        </p:tav>
+                                        <p:tav tm="100000">
+                                          <p:val>
+                                            <p:strVal val="#ppt_x"/>
+                                          </p:val>
+                                        </p:tav>
+                                      </p:tavLst>
+                                    </p:anim>
+                                    <p:anim calcmode="lin" valueType="num">
+                                      <p:cBhvr additive="base">
+                                        <p:cTn id="20" dur="500" fill="hold"/>
+                                        <p:tgtEl>
+                                          <p:spTgt spid="8"/>
+                                        </p:tgtEl>
+                                        <p:attrNameLst>
+                                          <p:attrName>ppt_y</p:attrName>
+                                        </p:attrNameLst>
+                                      </p:cBhvr>
+                                      <p:tavLst>
+                                        <p:tav tm="0">
+                                          <p:val>
+                                            <p:strVal val="1+#ppt_h/2"/>
+                                          </p:val>
+                                        </p:tav>
+                                        <p:tav tm="100000">
+                                          <p:val>
+                                            <p:strVal val="#ppt_y"/>
+                                          </p:val>
+                                        </p:tav>
+                                      </p:tavLst>
+                                    </p:anim>
+                                  </p:childTnLst>
+                                </p:cTn>
+                              </p:par>
+                            </p:childTnLst>
+                          </p:cTn>
+                        </p:par>
+                      </p:childTnLst>
+                    </p:cTn>
+                  </p:par>
+                  <p:par>
+                    <p:cTn id="21" fill="hold">
+                      <p:stCondLst>
+                        <p:cond delay="indefinite"/>
+                      </p:stCondLst>
+                      <p:childTnLst>
+                        <p:par>
+                          <p:cTn id="22" fill="hold">
+                            <p:stCondLst>
+                              <p:cond delay="0"/>
+                            </p:stCondLst>
+                            <p:childTnLst>
+                              <p:par>
+                                <p:cTn id="23" presetID="2" presetClass="entr" presetSubtype="4" fill="hold" grpId="0" nodeType="clickEffect">
+                                  <p:stCondLst>
+                                    <p:cond delay="0"/>
+                                  </p:stCondLst>
+                                  <p:childTnLst>
+                                    <p:set>
+                                      <p:cBhvr>
+                                        <p:cTn id="24" dur="1" fill="hold">
+                                          <p:stCondLst>
+                                            <p:cond delay="0"/>
+                                          </p:stCondLst>
+                                        </p:cTn>
+                                        <p:tgtEl>
+                                          <p:spTgt spid="10"/>
+                                        </p:tgtEl>
+                                        <p:attrNameLst>
+                                          <p:attrName>style.visibility</p:attrName>
+                                        </p:attrNameLst>
+                                      </p:cBhvr>
+                                      <p:to>
+                                        <p:strVal val="visible"/>
+                                      </p:to>
+                                    </p:set>
+                                    <p:anim calcmode="lin" valueType="num">
+                                      <p:cBhvr additive="base">
+                                        <p:cTn id="25" dur="500" fill="hold"/>
+                                        <p:tgtEl>
+                                          <p:spTgt spid="10"/>
+                                        </p:tgtEl>
+                                        <p:attrNameLst>
+                                          <p:attrName>ppt_x</p:attrName>
+                                        </p:attrNameLst>
+                                      </p:cBhvr>
+                                      <p:tavLst>
+                                        <p:tav tm="0">
+                                          <p:val>
+                                            <p:strVal val="#ppt_x"/>
+                                          </p:val>
+                                        </p:tav>
+                                        <p:tav tm="100000">
+                                          <p:val>
+                                            <p:strVal val="#ppt_x"/>
+                                          </p:val>
+                                        </p:tav>
+                                      </p:tavLst>
+                                    </p:anim>
+                                    <p:anim calcmode="lin" valueType="num">
+                                      <p:cBhvr additive="base">
+                                        <p:cTn id="26" dur="500" fill="hold"/>
+                                        <p:tgtEl>
+                                          <p:spTgt spid="10"/>
+                                        </p:tgtEl>
+                                        <p:attrNameLst>
+                                          <p:attrName>ppt_y</p:attrName>
+                                        </p:attrNameLst>
+                                      </p:cBhvr>
+                                      <p:tavLst>
+                                        <p:tav tm="0">
+                                          <p:val>
+                                            <p:strVal val="1+#ppt_h/2"/>
+                                          </p:val>
+                                        </p:tav>
+                                        <p:tav tm="100000">
+                                          <p:val>
+                                            <p:strVal val="#ppt_y"/>
+                                          </p:val>
+                                        </p:tav>
+                                      </p:tavLst>
+                                    </p:anim>
+                                  </p:childTnLst>
+                                </p:cTn>
+                              </p:par>
+                            </p:childTnLst>
+                          </p:cTn>
+                        </p:par>
+                      </p:childTnLst>
+                    </p:cTn>
+                  </p:par>
+                  <p:par>
+                    <p:cTn id="27" fill="hold">
+                      <p:stCondLst>
+                        <p:cond delay="indefinite"/>
+                      </p:stCondLst>
+                      <p:childTnLst>
+                        <p:par>
+                          <p:cTn id="28" fill="hold">
+                            <p:stCondLst>
+                              <p:cond delay="0"/>
+                            </p:stCondLst>
+                            <p:childTnLst>
+                              <p:par>
+                                <p:cTn id="29" presetID="2" presetClass="entr" presetSubtype="4" fill="hold" grpId="0" nodeType="clickEffect">
+                                  <p:stCondLst>
+                                    <p:cond delay="0"/>
+                                  </p:stCondLst>
+                                  <p:childTnLst>
+                                    <p:set>
+                                      <p:cBhvr>
+                                        <p:cTn id="30" dur="1" fill="hold">
+                                          <p:stCondLst>
+                                            <p:cond delay="0"/>
+                                          </p:stCondLst>
+                                        </p:cTn>
+                                        <p:tgtEl>
+                                          <p:spTgt spid="11"/>
+                                        </p:tgtEl>
+                                        <p:attrNameLst>
+                                          <p:attrName>style.visibility</p:attrName>
+                                        </p:attrNameLst>
+                                      </p:cBhvr>
+                                      <p:to>
+                                        <p:strVal val="visible"/>
+                                      </p:to>
+                                    </p:set>
+                                    <p:anim calcmode="lin" valueType="num">
+                                      <p:cBhvr additive="base">
+                                        <p:cTn id="31" dur="500" fill="hold"/>
+                                        <p:tgtEl>
+                                          <p:spTgt spid="11"/>
+                                        </p:tgtEl>
+                                        <p:attrNameLst>
+                                          <p:attrName>ppt_x</p:attrName>
+                                        </p:attrNameLst>
+                                      </p:cBhvr>
+                                      <p:tavLst>
+                                        <p:tav tm="0">
+                                          <p:val>
+                                            <p:strVal val="#ppt_x"/>
+                                          </p:val>
+                                        </p:tav>
+                                        <p:tav tm="100000">
+                                          <p:val>
+                                            <p:strVal val="#ppt_x"/>
+                                          </p:val>
+                                        </p:tav>
+                                      </p:tavLst>
+                                    </p:anim>
+                                    <p:anim calcmode="lin" valueType="num">
+                                      <p:cBhvr additive="base">
+                                        <p:cTn id="32" dur="500" fill="hold"/>
+                                        <p:tgtEl>
+                                          <p:spTgt spid="11"/>
+                                        </p:tgtEl>
+                                        <p:attrNameLst>
+                                          <p:attrName>ppt_y</p:attrName>
+                                        </p:attrNameLst>
+                                      </p:cBhvr>
+                                      <p:tavLst>
+                                        <p:tav tm="0">
+                                          <p:val>
+                                            <p:strVal val="1+#ppt_h/2"/>
+                                          </p:val>
+                                        </p:tav>
+                                        <p:tav tm="100000">
+                                          <p:val>
+                                            <p:strVal val="#ppt_y"/>
+                                          </p:val>
+                                        </p:tav>
+                                      </p:tavLst>
+                                    </p:anim>
+                                  </p:childTnLst>
+                                </p:cTn>
+                              </p:par>
+                            </p:childTnLst>
+                          </p:cTn>
+                        </p:par>
+                      </p:childTnLst>
+                    </p:cTn>
+                  </p:par>
+                  <p:par>
+                    <p:cTn id="33" fill="hold">
+                      <p:stCondLst>
+                        <p:cond delay="indefinite"/>
+                      </p:stCondLst>
+                      <p:childTnLst>
+                        <p:par>
+                          <p:cTn id="34" fill="hold">
+                            <p:stCondLst>
+                              <p:cond delay="0"/>
+                            </p:stCondLst>
+                            <p:childTnLst>
+                              <p:par>
+                                <p:cTn id="35" presetID="2" presetClass="entr" presetSubtype="4" fill="hold" grpId="0" nodeType="clickEffect">
+                                  <p:stCondLst>
+                                    <p:cond delay="0"/>
+                                  </p:stCondLst>
+                                  <p:childTnLst>
+                                    <p:set>
+                                      <p:cBhvr>
+                                        <p:cTn id="36" dur="1" fill="hold">
+                                          <p:stCondLst>
+                                            <p:cond delay="0"/>
+                                          </p:stCondLst>
+                                        </p:cTn>
+                                        <p:tgtEl>
+                                          <p:spTgt spid="12"/>
+                                        </p:tgtEl>
+                                        <p:attrNameLst>
+                                          <p:attrName>style.visibility</p:attrName>
+                                        </p:attrNameLst>
+                                      </p:cBhvr>
+                                      <p:to>
+                                        <p:strVal val="visible"/>
+                                      </p:to>
+                                    </p:set>
+                                    <p:anim calcmode="lin" valueType="num">
+                                      <p:cBhvr additive="base">
+                                        <p:cTn id="37" dur="500" fill="hold"/>
+                                        <p:tgtEl>
+                                          <p:spTgt spid="12"/>
+                                        </p:tgtEl>
+                                        <p:attrNameLst>
+                                          <p:attrName>ppt_x</p:attrName>
+                                        </p:attrNameLst>
+                                      </p:cBhvr>
+                                      <p:tavLst>
+                                        <p:tav tm="0">
+                                          <p:val>
+                                            <p:strVal val="#ppt_x"/>
+                                          </p:val>
+                                        </p:tav>
+                                        <p:tav tm="100000">
+                                          <p:val>
+                                            <p:strVal val="#ppt_x"/>
+                                          </p:val>
+                                        </p:tav>
+                                      </p:tavLst>
+                                    </p:anim>
+                                    <p:anim calcmode="lin" valueType="num">
+                                      <p:cBhvr additive="base">
+                                        <p:cTn id="38" dur="500" fill="hold"/>
+                                        <p:tgtEl>
+                                          <p:spTgt spid="12"/>
+                                        </p:tgtEl>
+                                        <p:attrNameLst>
+                                          <p:attrName>ppt_y</p:attrName>
+                                        </p:attrNameLst>
+                                      </p:cBhvr>
+                                      <p:tavLst>
+                                        <p:tav tm="0">
+                                          <p:val>
+                                            <p:strVal val="1+#ppt_h/2"/>
+                                          </p:val>
+                                        </p:tav>
+                                        <p:tav tm="100000">
+                                          <p:val>
+                                            <p:strVal val="#ppt_y"/>
+                                          </p:val>
+                                        </p:tav>
+                                      </p:tavLst>
+                                    </p:anim>
+                                  </p:childTnLst>
+                                </p:cTn>
+                              </p:par>
+                            </p:childTnLst>
+                          </p:cTn>
+                        </p:par>
+                      </p:childTnLst>
+                    </p:cTn>
+                  </p:par>
+                  <p:par>
+                    <p:cTn id="39" fill="hold">
+                      <p:stCondLst>
+                        <p:cond delay="indefinite"/>
+                      </p:stCondLst>
+                      <p:childTnLst>
+                        <p:par>
+                          <p:cTn id="40" fill="hold">
+                            <p:stCondLst>
+                              <p:cond delay="0"/>
+                            </p:stCondLst>
+                            <p:childTnLst>
+                              <p:par>
+                                <p:cTn id="41" presetID="2" presetClass="entr" presetSubtype="4" fill="hold" grpId="0" nodeType="clickEffect">
+                                  <p:stCondLst>
+                                    <p:cond delay="0"/>
+                                  </p:stCondLst>
+                                  <p:childTnLst>
+                                    <p:set>
+                                      <p:cBhvr>
+                                        <p:cTn id="42" dur="1" fill="hold">
+                                          <p:stCondLst>
+                                            <p:cond delay="0"/>
+                                          </p:stCondLst>
+                                        </p:cTn>
+                                        <p:tgtEl>
+                                          <p:spTgt spid="13"/>
+                                        </p:tgtEl>
+                                        <p:attrNameLst>
+                                          <p:attrName>style.visibility</p:attrName>
+                                        </p:attrNameLst>
+                                      </p:cBhvr>
+                                      <p:to>
+                                        <p:strVal val="visible"/>
+                                      </p:to>
+                                    </p:set>
+                                    <p:anim calcmode="lin" valueType="num">
+                                      <p:cBhvr additive="base">
+                                        <p:cTn id="43" dur="500" fill="hold"/>
+                                        <p:tgtEl>
+                                          <p:spTgt spid="13"/>
+                                        </p:tgtEl>
+                                        <p:attrNameLst>
+                                          <p:attrName>ppt_x</p:attrName>
+                                        </p:attrNameLst>
+                                      </p:cBhvr>
+                                      <p:tavLst>
+                                        <p:tav tm="0">
+                                          <p:val>
+                                            <p:strVal val="#ppt_x"/>
+                                          </p:val>
+                                        </p:tav>
+                                        <p:tav tm="100000">
+                                          <p:val>
+                                            <p:strVal val="#ppt_x"/>
+                                          </p:val>
+                                        </p:tav>
+                                      </p:tavLst>
+                                    </p:anim>
+                                    <p:anim calcmode="lin" valueType="num">
+                                      <p:cBhvr additive="base">
+                                        <p:cTn id="44" dur="500" fill="hold"/>
+                                        <p:tgtEl>
+                                          <p:spTgt spid="13"/>
+                                        </p:tgtEl>
+                                        <p:attrNameLst>
+                                          <p:attrName>ppt_y</p:attrName>
+                                        </p:attrNameLst>
+                                      </p:cBhvr>
+                                      <p:tavLst>
+                                        <p:tav tm="0">
+                                          <p:val>
+                                            <p:strVal val="1+#ppt_h/2"/>
+                                          </p:val>
+                                        </p:tav>
+                                        <p:tav tm="100000">
+                                          <p:val>
+                                            <p:strVal val="#ppt_y"/>
+                                          </p:val>
+                                        </p:tav>
+                                      </p:tavLst>
+                                    </p:anim>
+                                  </p:childTnLst>
+                                </p:cTn>
+                              </p:par>
+                            </p:childTnLst>
+                          </p:cTn>
+                        </p:par>
+                      </p:childTnLst>
+                    </p:cTn>
+                  </p:par>
+                  <p:par>
+                    <p:cTn id="45" fill="hold">
+                      <p:stCondLst>
+                        <p:cond delay="indefinite"/>
+                      </p:stCondLst>
+                      <p:childTnLst>
+                        <p:par>
+                          <p:cTn id="46" fill="hold">
+                            <p:stCondLst>
+                              <p:cond delay="0"/>
+                            </p:stCondLst>
+                            <p:childTnLst>
+                              <p:par>
+                                <p:cTn id="47" presetID="2" presetClass="entr" presetSubtype="4" fill="hold" grpId="0" nodeType="clickEffect">
+                                  <p:stCondLst>
+                                    <p:cond delay="0"/>
+                                  </p:stCondLst>
+                                  <p:childTnLst>
+                                    <p:set>
+                                      <p:cBhvr>
+                                        <p:cTn id="48" dur="1" fill="hold">
+                                          <p:stCondLst>
+                                            <p:cond delay="0"/>
+                                          </p:stCondLst>
+                                        </p:cTn>
+                                        <p:tgtEl>
+                                          <p:spTgt spid="14"/>
+                                        </p:tgtEl>
+                                        <p:attrNameLst>
+                                          <p:attrName>style.visibility</p:attrName>
+                                        </p:attrNameLst>
+                                      </p:cBhvr>
+                                      <p:to>
+                                        <p:strVal val="visible"/>
+                                      </p:to>
+                                    </p:set>
+                                    <p:anim calcmode="lin" valueType="num">
+                                      <p:cBhvr additive="base">
+                                        <p:cTn id="49" dur="500" fill="hold"/>
+                                        <p:tgtEl>
+                                          <p:spTgt spid="14"/>
+                                        </p:tgtEl>
+                                        <p:attrNameLst>
+                                          <p:attrName>ppt_x</p:attrName>
+                                        </p:attrNameLst>
+                                      </p:cBhvr>
+                                      <p:tavLst>
+                                        <p:tav tm="0">
+                                          <p:val>
+                                            <p:strVal val="#ppt_x"/>
+                                          </p:val>
+                                        </p:tav>
+                                        <p:tav tm="100000">
+                                          <p:val>
+                                            <p:strVal val="#ppt_x"/>
+                                          </p:val>
+                                        </p:tav>
+                                      </p:tavLst>
+                                    </p:anim>
+                                    <p:anim calcmode="lin" valueType="num">
+                                      <p:cBhvr additive="base">
+                                        <p:cTn id="50" dur="500" fill="hold"/>
+                                        <p:tgtEl>
+                                          <p:spTgt spid="14"/>
+                                        </p:tgtEl>
+                                        <p:attrNameLst>
+                                          <p:attrName>ppt_y</p:attrName>
+                                        </p:attrNameLst>
+                                      </p:cBhvr>
+                                      <p:tavLst>
+                                        <p:tav tm="0">
+                                          <p:val>
+                                            <p:strVal val="1+#ppt_h/2"/>
+                                          </p:val>
+                                        </p:tav>
+                                        <p:tav tm="100000">
+                                          <p:val>
+                                            <p:strVal val="#ppt_y"/>
+                                          </p:val>
+                                        </p:tav>
+                                      </p:tavLst>
+                                    </p:anim>
+                                  </p:childTnLst>
+                                </p:cTn>
+                              </p:par>
+                            </p:childTnLst>
+                          </p:cTn>
+                        </p:par>
+                      </p:childTnLst>
+                    </p:cTn>
+                  </p:par>
+                  <p:par>
+                    <p:cTn id="51" fill="hold">
+                      <p:stCondLst>
+                        <p:cond delay="indefinite"/>
+                      </p:stCondLst>
+                      <p:childTnLst>
+                        <p:par>
+                          <p:cTn id="52" fill="hold">
+                            <p:stCondLst>
+                              <p:cond delay="0"/>
+                            </p:stCondLst>
+                            <p:childTnLst>
+                              <p:par>
+                                <p:cTn id="53" presetID="53" presetClass="entr" presetSubtype="16" fill="hold" nodeType="clickEffect">
+                                  <p:stCondLst>
+                                    <p:cond delay="0"/>
+                                  </p:stCondLst>
+                                  <p:childTnLst>
+                                    <p:set>
+                                      <p:cBhvr>
+                                        <p:cTn id="54" dur="1" fill="hold">
+                                          <p:stCondLst>
+                                            <p:cond delay="0"/>
+                                          </p:stCondLst>
+                                        </p:cTn>
+                                        <p:tgtEl>
+                                          <p:spTgt spid="3">
+                                            <p:txEl>
+                                              <p:pRg st="0" end="0"/>
+                                            </p:txEl>
+                                          </p:spTgt>
+                                        </p:tgtEl>
+                                        <p:attrNameLst>
+                                          <p:attrName>style.visibility</p:attrName>
+                                        </p:attrNameLst>
+                                      </p:cBhvr>
+                                      <p:to>
+                                        <p:strVal val="visible"/>
+                                      </p:to>
+                                    </p:set>
+                                    <p:anim calcmode="lin" valueType="num">
+                                      <p:cBhvr>
+                                        <p:cTn id="55" dur="500" fill="hold"/>
+                                        <p:tgtEl>
+                                          <p:spTgt spid="3">
+                                            <p:txEl>
+                                              <p:pRg st="0" end="0"/>
+                                            </p:txEl>
+                                          </p:spTgt>
+                                        </p:tgtEl>
+                                        <p:attrNameLst>
+                                          <p:attrName>ppt_w</p:attrName>
+                                        </p:attrNameLst>
+                                      </p:cBhvr>
+                                      <p:tavLst>
+                                        <p:tav tm="0">
+                                          <p:val>
+                                            <p:fltVal val="0"/>
+                                          </p:val>
+                                        </p:tav>
+                                        <p:tav tm="100000">
+                                          <p:val>
+                                            <p:strVal val="#ppt_w"/>
+                                          </p:val>
+                                        </p:tav>
+                                      </p:tavLst>
+                                    </p:anim>
+                                    <p:anim calcmode="lin" valueType="num">
+                                      <p:cBhvr>
+                                        <p:cTn id="56" dur="500" fill="hold"/>
+                                        <p:tgtEl>
+                                          <p:spTgt spid="3">
+                                            <p:txEl>
+                                              <p:pRg st="0" end="0"/>
+                                            </p:txEl>
+                                          </p:spTgt>
+                                        </p:tgtEl>
+                                        <p:attrNameLst>
+                                          <p:attrName>ppt_h</p:attrName>
+                                        </p:attrNameLst>
+                                      </p:cBhvr>
+                                      <p:tavLst>
+                                        <p:tav tm="0">
+                                          <p:val>
+                                            <p:fltVal val="0"/>
+                                          </p:val>
+                                        </p:tav>
+                                        <p:tav tm="100000">
+                                          <p:val>
+                                            <p:strVal val="#ppt_h"/>
+                                          </p:val>
+                                        </p:tav>
+                                      </p:tavLst>
+                                    </p:anim>
+                                    <p:animEffect transition="in" filter="fade">
+                                      <p:cBhvr>
+                                        <p:cTn id="57" dur="500"/>
+                                        <p:tgtEl>
+                                          <p:spTgt spid="3">
+                                            <p:txEl>
+                                              <p:pRg st="0" end="0"/>
+                                            </p:txEl>
+                                          </p:spTgt>
+                                        </p:tgtEl>
+                                      </p:cBhvr>
+                                    </p:animEffect>
+                                  </p:childTnLst>
+                                </p:cTn>
+                              </p:par>
+                            </p:childTnLst>
+                          </p:cTn>
+                        </p:par>
+                      </p:childTnLst>
+                    </p:cTn>
+                  </p:par>
+                  <p:par>
+                    <p:cTn id="58" fill="hold">
+                      <p:stCondLst>
+                        <p:cond delay="indefinite"/>
+                      </p:stCondLst>
+                      <p:childTnLst>
+                        <p:par>
+                          <p:cTn id="59" fill="hold">
+                            <p:stCondLst>
+                              <p:cond delay="0"/>
+                            </p:stCondLst>
+                            <p:childTnLst>
+                              <p:par>
+                                <p:cTn id="60" presetID="53" presetClass="entr" presetSubtype="16" fill="hold" nodeType="clickEffect">
+                                  <p:stCondLst>
+                                    <p:cond delay="0"/>
+                                  </p:stCondLst>
+                                  <p:childTnLst>
+                                    <p:set>
+                                      <p:cBhvr>
+                                        <p:cTn id="61" dur="1" fill="hold">
+                                          <p:stCondLst>
+                                            <p:cond delay="0"/>
+                                          </p:stCondLst>
+                                        </p:cTn>
+                                        <p:tgtEl>
+                                          <p:spTgt spid="3">
+                                            <p:txEl>
+                                              <p:pRg st="1" end="1"/>
+                                            </p:txEl>
+                                          </p:spTgt>
+                                        </p:tgtEl>
+                                        <p:attrNameLst>
+                                          <p:attrName>style.visibility</p:attrName>
+                                        </p:attrNameLst>
+                                      </p:cBhvr>
+                                      <p:to>
+                                        <p:strVal val="visible"/>
+                                      </p:to>
+                                    </p:set>
+                                    <p:anim calcmode="lin" valueType="num">
+                                      <p:cBhvr>
+                                        <p:cTn id="62" dur="500" fill="hold"/>
+                                        <p:tgtEl>
+                                          <p:spTgt spid="3">
+                                            <p:txEl>
+                                              <p:pRg st="1" end="1"/>
+                                            </p:txEl>
+                                          </p:spTgt>
+                                        </p:tgtEl>
+                                        <p:attrNameLst>
+                                          <p:attrName>ppt_w</p:attrName>
+                                        </p:attrNameLst>
+                                      </p:cBhvr>
+                                      <p:tavLst>
+                                        <p:tav tm="0">
+                                          <p:val>
+                                            <p:fltVal val="0"/>
+                                          </p:val>
+                                        </p:tav>
+                                        <p:tav tm="100000">
+                                          <p:val>
+                                            <p:strVal val="#ppt_w"/>
+                                          </p:val>
+                                        </p:tav>
+                                      </p:tavLst>
+                                    </p:anim>
+                                    <p:anim calcmode="lin" valueType="num">
+                                      <p:cBhvr>
+                                        <p:cTn id="63" dur="500" fill="hold"/>
+                                        <p:tgtEl>
+                                          <p:spTgt spid="3">
+                                            <p:txEl>
+                                              <p:pRg st="1" end="1"/>
+                                            </p:txEl>
+                                          </p:spTgt>
+                                        </p:tgtEl>
+                                        <p:attrNameLst>
+                                          <p:attrName>ppt_h</p:attrName>
+                                        </p:attrNameLst>
+                                      </p:cBhvr>
+                                      <p:tavLst>
+                                        <p:tav tm="0">
+                                          <p:val>
+                                            <p:fltVal val="0"/>
+                                          </p:val>
+                                        </p:tav>
+                                        <p:tav tm="100000">
+                                          <p:val>
+                                            <p:strVal val="#ppt_h"/>
+                                          </p:val>
+                                        </p:tav>
+                                      </p:tavLst>
+                                    </p:anim>
+                                    <p:animEffect transition="in" filter="fade">
+                                      <p:cBhvr>
+                                        <p:cTn id="64" dur="500"/>
+                                        <p:tgtEl>
+                                          <p:spTgt spid="3">
+                                            <p:txEl>
+                                              <p:pRg st="1" end="1"/>
+                                            </p:txEl>
+                                          </p:spTgt>
+                                        </p:tgtEl>
+                                      </p:cBhvr>
+                                    </p:animEffect>
+                                  </p:childTnLst>
+                                </p:cTn>
+                              </p:par>
+                            </p:childTnLst>
+                          </p:cTn>
+                        </p:par>
+                      </p:childTnLst>
+                    </p:cTn>
+                  </p:par>
+                  <p:par>
+                    <p:cTn id="65" fill="hold">
+                      <p:stCondLst>
+                        <p:cond delay="indefinite"/>
+                      </p:stCondLst>
+                      <p:childTnLst>
+                        <p:par>
+                          <p:cTn id="66" fill="hold">
+                            <p:stCondLst>
+                              <p:cond delay="0"/>
+                            </p:stCondLst>
+                            <p:childTnLst>
+                              <p:par>
+                                <p:cTn id="67" presetID="53" presetClass="entr" presetSubtype="16" fill="hold" nodeType="clickEffect">
+                                  <p:stCondLst>
+                                    <p:cond delay="0"/>
+                                  </p:stCondLst>
+                                  <p:childTnLst>
+                                    <p:set>
+                                      <p:cBhvr>
+                                        <p:cTn id="68" dur="1" fill="hold">
+                                          <p:stCondLst>
+                                            <p:cond delay="0"/>
+                                          </p:stCondLst>
+                                        </p:cTn>
+                                        <p:tgtEl>
+                                          <p:spTgt spid="3">
+                                            <p:txEl>
+                                              <p:pRg st="2" end="2"/>
+                                            </p:txEl>
+                                          </p:spTgt>
+                                        </p:tgtEl>
+                                        <p:attrNameLst>
+                                          <p:attrName>style.visibility</p:attrName>
+                                        </p:attrNameLst>
+                                      </p:cBhvr>
+                                      <p:to>
+                                        <p:strVal val="visible"/>
+                                      </p:to>
+                                    </p:set>
+                                    <p:anim calcmode="lin" valueType="num">
+                                      <p:cBhvr>
+                                        <p:cTn id="69" dur="500" fill="hold"/>
+                                        <p:tgtEl>
+                                          <p:spTgt spid="3">
+                                            <p:txEl>
+                                              <p:pRg st="2" end="2"/>
+                                            </p:txEl>
+                                          </p:spTgt>
+                                        </p:tgtEl>
+                                        <p:attrNameLst>
+                                          <p:attrName>ppt_w</p:attrName>
+                                        </p:attrNameLst>
+                                      </p:cBhvr>
+                                      <p:tavLst>
+                                        <p:tav tm="0">
+                                          <p:val>
+                                            <p:fltVal val="0"/>
+                                          </p:val>
+                                        </p:tav>
+                                        <p:tav tm="100000">
+                                          <p:val>
+                                            <p:strVal val="#ppt_w"/>
+                                          </p:val>
+                                        </p:tav>
+                                      </p:tavLst>
+                                    </p:anim>
+                                    <p:anim calcmode="lin" valueType="num">
+                                      <p:cBhvr>
+                                        <p:cTn id="70" dur="500" fill="hold"/>
+                                        <p:tgtEl>
+                                          <p:spTgt spid="3">
+                                            <p:txEl>
+                                              <p:pRg st="2" end="2"/>
+                                            </p:txEl>
+                                          </p:spTgt>
+                                        </p:tgtEl>
+                                        <p:attrNameLst>
+                                          <p:attrName>ppt_h</p:attrName>
+                                        </p:attrNameLst>
+                                      </p:cBhvr>
+                                      <p:tavLst>
+                                        <p:tav tm="0">
+                                          <p:val>
+                                            <p:fltVal val="0"/>
+                                          </p:val>
+                                        </p:tav>
+                                        <p:tav tm="100000">
+                                          <p:val>
+                                            <p:strVal val="#ppt_h"/>
+                                          </p:val>
+                                        </p:tav>
+                                      </p:tavLst>
+                                    </p:anim>
+                                    <p:animEffect transition="in" filter="fade">
+                                      <p:cBhvr>
+                                        <p:cTn id="71" dur="500"/>
+                                        <p:tgtEl>
+                                          <p:spTgt spid="3">
+                                            <p:txEl>
+                                              <p:pRg st="2" end="2"/>
+                                            </p:txEl>
+                                          </p:spTgt>
+                                        </p:tgtEl>
+                                      </p:cBhvr>
+                                    </p:animEffect>
+                                  </p:childTnLst>
+                                </p:cTn>
+                              </p:par>
+                            </p:childTnLst>
+                          </p:cTn>
+                        </p:par>
+                      </p:childTnLst>
+                    </p:cTn>
+                  </p:par>
+                  <p:par>
+                    <p:cTn id="72" fill="hold">
+                      <p:stCondLst>
+                        <p:cond delay="indefinite"/>
+                      </p:stCondLst>
+                      <p:childTnLst>
+                        <p:par>
+                          <p:cTn id="73" fill="hold">
+                            <p:stCondLst>
+                              <p:cond delay="0"/>
+                            </p:stCondLst>
+                            <p:childTnLst>
+                              <p:par>
+                                <p:cTn id="74" presetID="53" presetClass="entr" presetSubtype="16" fill="hold" nodeType="clickEffect">
+                                  <p:stCondLst>
+                                    <p:cond delay="0"/>
+                                  </p:stCondLst>
+                                  <p:childTnLst>
+                                    <p:set>
+                                      <p:cBhvr>
+                                        <p:cTn id="75" dur="1" fill="hold">
+                                          <p:stCondLst>
+                                            <p:cond delay="0"/>
+                                          </p:stCondLst>
+                                        </p:cTn>
+                                        <p:tgtEl>
+                                          <p:spTgt spid="3">
+                                            <p:txEl>
+                                              <p:pRg st="3" end="3"/>
+                                            </p:txEl>
+                                          </p:spTgt>
+                                        </p:tgtEl>
+                                        <p:attrNameLst>
+                                          <p:attrName>style.visibility</p:attrName>
+                                        </p:attrNameLst>
+                                      </p:cBhvr>
+                                      <p:to>
+                                        <p:strVal val="visible"/>
+                                      </p:to>
+                                    </p:set>
+                                    <p:anim calcmode="lin" valueType="num">
+                                      <p:cBhvr>
+                                        <p:cTn id="76" dur="500" fill="hold"/>
+                                        <p:tgtEl>
+                                          <p:spTgt spid="3">
+                                            <p:txEl>
+                                              <p:pRg st="3" end="3"/>
+                                            </p:txEl>
+                                          </p:spTgt>
+                                        </p:tgtEl>
+                                        <p:attrNameLst>
+                                          <p:attrName>ppt_w</p:attrName>
+                                        </p:attrNameLst>
+                                      </p:cBhvr>
+                                      <p:tavLst>
+                                        <p:tav tm="0">
+                                          <p:val>
+                                            <p:fltVal val="0"/>
+                                          </p:val>
+                                        </p:tav>
+                                        <p:tav tm="100000">
+                                          <p:val>
+                                            <p:strVal val="#ppt_w"/>
+                                          </p:val>
+                                        </p:tav>
+                                      </p:tavLst>
+                                    </p:anim>
+                                    <p:anim calcmode="lin" valueType="num">
+                                      <p:cBhvr>
+                                        <p:cTn id="77" dur="500" fill="hold"/>
+                                        <p:tgtEl>
+                                          <p:spTgt spid="3">
+                                            <p:txEl>
+                                              <p:pRg st="3" end="3"/>
+                                            </p:txEl>
+                                          </p:spTgt>
+                                        </p:tgtEl>
+                                        <p:attrNameLst>
+                                          <p:attrName>ppt_h</p:attrName>
+                                        </p:attrNameLst>
+                                      </p:cBhvr>
+                                      <p:tavLst>
+                                        <p:tav tm="0">
+                                          <p:val>
+                                            <p:fltVal val="0"/>
+                                          </p:val>
+                                        </p:tav>
+                                        <p:tav tm="100000">
+                                          <p:val>
+                                            <p:strVal val="#ppt_h"/>
+                                          </p:val>
+                                        </p:tav>
+                                      </p:tavLst>
+                                    </p:anim>
+                                    <p:animEffect transition="in" filter="fade">
+                                      <p:cBhvr>
+                                        <p:cTn id="78" dur="500"/>
+                                        <p:tgtEl>
+                                          <p:spTgt spid="3">
+                                            <p:txEl>
+                                              <p:pRg st="3" end="3"/>
+                                            </p:txEl>
+                                          </p:spTgt>
+                                        </p:tgtEl>
+                                      </p:cBhvr>
+                                    </p:animEffect>
+                                  </p:childTnLst>
+                                </p:cTn>
+                              </p:par>
+                            </p:childTnLst>
+                          </p:cTn>
+                        </p:par>
+                      </p:childTnLst>
+                    </p:cTn>
+                  </p:par>
+                </p:childTnLst>
+              </p:cTn>
+              <p:prevCondLst>
+                <p:cond evt="onPrev" delay="0">
+                  <p:tgtEl>
+                    <p:sldTgt/>
+                  </p:tgtEl>
+                </p:cond>
+              </p:prevCondLst>
+              <p:nextCondLst>
+                <p:cond evt="onNext" delay="0">
+                  <p:tgtEl>
+                    <p:sldTgt/>
+                  </p:tgtEl>
+                </p:cond>
+              </p:nextCondLst>
+            </p:seq>
+          </p:childTnLst>
+        </p:cTn>
+      </p:par>
+    </p:tnLst>
+    <p:bldLst>
+      <p:bldP spid="5" grpId="0"/>
+      <p:bldP spid="7" grpId="0"/>
+      <p:bldP spid="8" grpId="0"/>
+      <p:bldP spid="10" grpId="0"/>
+      <p:bldP spid="11" grpId="0"/>
+      <p:bldP spid="12" grpId="0"/>
+      <p:bldP spid="13" grpId="0"/>
+      <p:bldP spid="14" grpId="0"/>
+    </p:bldLst>
+  </p:timing>
+</p:sld>
+</file>
+
+<file path=ppt/slides/slide3.xml><?xml version="1.0" encoding="utf-8"?>
 <p:sld xmlns:a="http://schemas.openxmlformats.org/drawingml/2006/main" xmlns:r="http://schemas.openxmlformats.org/officeDocument/2006/relationships" xmlns:p="http://schemas.openxmlformats.org/presentationml/2006/main">
   <p:cSld>
     <p:spTree>
@@ -11169,7 +19917,7 @@
 </p:sld>
 </file>
 
-<file path=ppt/slides/slide3.xml><?xml version="1.0" encoding="utf-8"?>
+<file path=ppt/slides/slide4.xml><?xml version="1.0" encoding="utf-8"?>
 <p:sld xmlns:a="http://schemas.openxmlformats.org/drawingml/2006/main" xmlns:r="http://schemas.openxmlformats.org/officeDocument/2006/relationships" xmlns:p="http://schemas.openxmlformats.org/presentationml/2006/main">
   <p:cSld>
     <p:spTree>
@@ -11294,16 +20042,6 @@
                 </a:solidFill>
               </a:rPr>
               <a:t>Intuitive perception</a:t>
-            </a:r>
-          </a:p>
-          <a:p>
-            <a:r>
-              <a:rPr lang="en-US" dirty="0">
-                <a:solidFill>
-                  <a:srgbClr val="92D050"/>
-                </a:solidFill>
-              </a:rPr>
-              <a:t>Grasping something, not all</a:t>
             </a:r>
           </a:p>
           <a:p>
@@ -11598,16 +20336,6 @@
                   <a:srgbClr val="92D050"/>
                 </a:solidFill>
               </a:rPr>
-              <a:t>Analytical mastery</a:t>
-            </a:r>
-          </a:p>
-          <a:p>
-            <a:r>
-              <a:rPr lang="en-US" dirty="0">
-                <a:solidFill>
-                  <a:srgbClr val="92D050"/>
-                </a:solidFill>
-              </a:rPr>
               <a:t>Fully applied and tested</a:t>
             </a:r>
           </a:p>
@@ -11705,7 +20433,7 @@
 </p:sld>
 </file>
 
-<file path=ppt/slides/slide4.xml><?xml version="1.0" encoding="utf-8"?>
+<file path=ppt/slides/slide5.xml><?xml version="1.0" encoding="utf-8"?>
 <p:sld xmlns:a="http://schemas.openxmlformats.org/drawingml/2006/main" xmlns:r="http://schemas.openxmlformats.org/officeDocument/2006/relationships" xmlns:p="http://schemas.openxmlformats.org/presentationml/2006/main">
   <p:cSld>
     <p:spTree>
@@ -11814,7 +20542,7 @@
 </p:sld>
 </file>
 
-<file path=ppt/slides/slide5.xml><?xml version="1.0" encoding="utf-8"?>
+<file path=ppt/slides/slide6.xml><?xml version="1.0" encoding="utf-8"?>
 <p:sld xmlns:a="http://schemas.openxmlformats.org/drawingml/2006/main" xmlns:r="http://schemas.openxmlformats.org/officeDocument/2006/relationships" xmlns:p="http://schemas.openxmlformats.org/presentationml/2006/main">
   <p:cSld>
     <p:spTree>
@@ -12755,10 +21483,261 @@
   <p:clrMapOvr>
     <a:masterClrMapping/>
   </p:clrMapOvr>
+  <p:timing>
+    <p:tnLst>
+      <p:par>
+        <p:cTn id="1" dur="indefinite" restart="never" nodeType="tmRoot">
+          <p:childTnLst>
+            <p:seq concurrent="1" nextAc="seek">
+              <p:cTn id="2" dur="indefinite" nodeType="mainSeq">
+                <p:childTnLst>
+                  <p:par>
+                    <p:cTn id="3" fill="hold">
+                      <p:stCondLst>
+                        <p:cond delay="indefinite"/>
+                      </p:stCondLst>
+                      <p:childTnLst>
+                        <p:par>
+                          <p:cTn id="4" fill="hold">
+                            <p:stCondLst>
+                              <p:cond delay="0"/>
+                            </p:stCondLst>
+                            <p:childTnLst>
+                              <p:par>
+                                <p:cTn id="5" presetID="1" presetClass="entr" presetSubtype="0" fill="hold" grpId="0" nodeType="clickEffect">
+                                  <p:stCondLst>
+                                    <p:cond delay="0"/>
+                                  </p:stCondLst>
+                                  <p:childTnLst>
+                                    <p:set>
+                                      <p:cBhvr>
+                                        <p:cTn id="6" dur="1" fill="hold">
+                                          <p:stCondLst>
+                                            <p:cond delay="0"/>
+                                          </p:stCondLst>
+                                        </p:cTn>
+                                        <p:tgtEl>
+                                          <p:spTgt spid="12"/>
+                                        </p:tgtEl>
+                                        <p:attrNameLst>
+                                          <p:attrName>style.visibility</p:attrName>
+                                        </p:attrNameLst>
+                                      </p:cBhvr>
+                                      <p:to>
+                                        <p:strVal val="visible"/>
+                                      </p:to>
+                                    </p:set>
+                                  </p:childTnLst>
+                                </p:cTn>
+                              </p:par>
+                            </p:childTnLst>
+                          </p:cTn>
+                        </p:par>
+                      </p:childTnLst>
+                    </p:cTn>
+                  </p:par>
+                  <p:par>
+                    <p:cTn id="7" fill="hold">
+                      <p:stCondLst>
+                        <p:cond delay="indefinite"/>
+                      </p:stCondLst>
+                      <p:childTnLst>
+                        <p:par>
+                          <p:cTn id="8" fill="hold">
+                            <p:stCondLst>
+                              <p:cond delay="0"/>
+                            </p:stCondLst>
+                            <p:childTnLst>
+                              <p:par>
+                                <p:cTn id="9" presetID="1" presetClass="entr" presetSubtype="0" fill="hold" grpId="0" nodeType="clickEffect">
+                                  <p:stCondLst>
+                                    <p:cond delay="0"/>
+                                  </p:stCondLst>
+                                  <p:childTnLst>
+                                    <p:set>
+                                      <p:cBhvr>
+                                        <p:cTn id="10" dur="1" fill="hold">
+                                          <p:stCondLst>
+                                            <p:cond delay="0"/>
+                                          </p:stCondLst>
+                                        </p:cTn>
+                                        <p:tgtEl>
+                                          <p:spTgt spid="3">
+                                            <p:txEl>
+                                              <p:pRg st="0" end="0"/>
+                                            </p:txEl>
+                                          </p:spTgt>
+                                        </p:tgtEl>
+                                        <p:attrNameLst>
+                                          <p:attrName>style.visibility</p:attrName>
+                                        </p:attrNameLst>
+                                      </p:cBhvr>
+                                      <p:to>
+                                        <p:strVal val="visible"/>
+                                      </p:to>
+                                    </p:set>
+                                  </p:childTnLst>
+                                </p:cTn>
+                              </p:par>
+                              <p:par>
+                                <p:cTn id="11" presetID="1" presetClass="entr" presetSubtype="0" fill="hold" grpId="0" nodeType="withEffect">
+                                  <p:stCondLst>
+                                    <p:cond delay="0"/>
+                                  </p:stCondLst>
+                                  <p:childTnLst>
+                                    <p:set>
+                                      <p:cBhvr>
+                                        <p:cTn id="12" dur="1" fill="hold">
+                                          <p:stCondLst>
+                                            <p:cond delay="0"/>
+                                          </p:stCondLst>
+                                        </p:cTn>
+                                        <p:tgtEl>
+                                          <p:spTgt spid="3">
+                                            <p:txEl>
+                                              <p:pRg st="1" end="1"/>
+                                            </p:txEl>
+                                          </p:spTgt>
+                                        </p:tgtEl>
+                                        <p:attrNameLst>
+                                          <p:attrName>style.visibility</p:attrName>
+                                        </p:attrNameLst>
+                                      </p:cBhvr>
+                                      <p:to>
+                                        <p:strVal val="visible"/>
+                                      </p:to>
+                                    </p:set>
+                                  </p:childTnLst>
+                                </p:cTn>
+                              </p:par>
+                            </p:childTnLst>
+                          </p:cTn>
+                        </p:par>
+                      </p:childTnLst>
+                    </p:cTn>
+                  </p:par>
+                  <p:par>
+                    <p:cTn id="13" fill="hold">
+                      <p:stCondLst>
+                        <p:cond delay="indefinite"/>
+                      </p:stCondLst>
+                      <p:childTnLst>
+                        <p:par>
+                          <p:cTn id="14" fill="hold">
+                            <p:stCondLst>
+                              <p:cond delay="0"/>
+                            </p:stCondLst>
+                            <p:childTnLst>
+                              <p:par>
+                                <p:cTn id="15" presetID="1" presetClass="entr" presetSubtype="0" fill="hold" grpId="0" nodeType="clickEffect">
+                                  <p:stCondLst>
+                                    <p:cond delay="0"/>
+                                  </p:stCondLst>
+                                  <p:childTnLst>
+                                    <p:set>
+                                      <p:cBhvr>
+                                        <p:cTn id="16" dur="1" fill="hold">
+                                          <p:stCondLst>
+                                            <p:cond delay="0"/>
+                                          </p:stCondLst>
+                                        </p:cTn>
+                                        <p:tgtEl>
+                                          <p:spTgt spid="9"/>
+                                        </p:tgtEl>
+                                        <p:attrNameLst>
+                                          <p:attrName>style.visibility</p:attrName>
+                                        </p:attrNameLst>
+                                      </p:cBhvr>
+                                      <p:to>
+                                        <p:strVal val="visible"/>
+                                      </p:to>
+                                    </p:set>
+                                  </p:childTnLst>
+                                </p:cTn>
+                              </p:par>
+                            </p:childTnLst>
+                          </p:cTn>
+                        </p:par>
+                      </p:childTnLst>
+                    </p:cTn>
+                  </p:par>
+                  <p:par>
+                    <p:cTn id="17" fill="hold">
+                      <p:stCondLst>
+                        <p:cond delay="indefinite"/>
+                      </p:stCondLst>
+                      <p:childTnLst>
+                        <p:par>
+                          <p:cTn id="18" fill="hold">
+                            <p:stCondLst>
+                              <p:cond delay="0"/>
+                            </p:stCondLst>
+                            <p:childTnLst>
+                              <p:par>
+                                <p:cTn id="19" presetID="1" presetClass="entr" presetSubtype="0" fill="hold" grpId="0" nodeType="clickEffect">
+                                  <p:stCondLst>
+                                    <p:cond delay="0"/>
+                                  </p:stCondLst>
+                                  <p:childTnLst>
+                                    <p:set>
+                                      <p:cBhvr>
+                                        <p:cTn id="20" dur="1" fill="hold">
+                                          <p:stCondLst>
+                                            <p:cond delay="0"/>
+                                          </p:stCondLst>
+                                        </p:cTn>
+                                        <p:tgtEl>
+                                          <p:spTgt spid="10"/>
+                                        </p:tgtEl>
+                                        <p:attrNameLst>
+                                          <p:attrName>style.visibility</p:attrName>
+                                        </p:attrNameLst>
+                                      </p:cBhvr>
+                                      <p:to>
+                                        <p:strVal val="visible"/>
+                                      </p:to>
+                                    </p:set>
+                                  </p:childTnLst>
+                                </p:cTn>
+                              </p:par>
+                            </p:childTnLst>
+                          </p:cTn>
+                        </p:par>
+                      </p:childTnLst>
+                    </p:cTn>
+                  </p:par>
+                </p:childTnLst>
+              </p:cTn>
+              <p:prevCondLst>
+                <p:cond evt="onPrev" delay="0">
+                  <p:tgtEl>
+                    <p:sldTgt/>
+                  </p:tgtEl>
+                </p:cond>
+              </p:prevCondLst>
+              <p:nextCondLst>
+                <p:cond evt="onNext" delay="0">
+                  <p:tgtEl>
+                    <p:sldTgt/>
+                  </p:tgtEl>
+                </p:cond>
+              </p:nextCondLst>
+            </p:seq>
+          </p:childTnLst>
+        </p:cTn>
+      </p:par>
+    </p:tnLst>
+    <p:bldLst>
+      <p:bldP spid="3" grpId="0" uiExpand="1" build="p"/>
+      <p:bldP spid="9" grpId="0"/>
+      <p:bldP spid="10" grpId="0"/>
+      <p:bldP spid="12" grpId="0"/>
+    </p:bldLst>
+  </p:timing>
 </p:sld>
 </file>
 
-<file path=ppt/slides/slide6.xml><?xml version="1.0" encoding="utf-8"?>
+<file path=ppt/slides/slide7.xml><?xml version="1.0" encoding="utf-8"?>
 <p:sld xmlns:a="http://schemas.openxmlformats.org/drawingml/2006/main" xmlns:r="http://schemas.openxmlformats.org/officeDocument/2006/relationships" xmlns:p="http://schemas.openxmlformats.org/presentationml/2006/main">
   <p:cSld>
     <p:spTree>
@@ -14841,7 +23820,7 @@
 </p:sld>
 </file>
 
-<file path=ppt/slides/slide7.xml><?xml version="1.0" encoding="utf-8"?>
+<file path=ppt/slides/slide8.xml><?xml version="1.0" encoding="utf-8"?>
 <p:sld xmlns:a="http://schemas.openxmlformats.org/drawingml/2006/main" xmlns:r="http://schemas.openxmlformats.org/officeDocument/2006/relationships" xmlns:p="http://schemas.openxmlformats.org/presentationml/2006/main">
   <p:cSld>
     <p:spTree>
@@ -18438,7 +27417,7 @@
 </p:sld>
 </file>
 
-<file path=ppt/slides/slide8.xml><?xml version="1.0" encoding="utf-8"?>
+<file path=ppt/slides/slide9.xml><?xml version="1.0" encoding="utf-8"?>
 <p:sld xmlns:a="http://schemas.openxmlformats.org/drawingml/2006/main" xmlns:r="http://schemas.openxmlformats.org/officeDocument/2006/relationships" xmlns:p="http://schemas.openxmlformats.org/presentationml/2006/main">
   <p:cSld>
     <p:spTree>
@@ -18515,7 +27494,7 @@
           <p:nvPr>
             <p:extLst>
               <p:ext uri="{D42A27DB-BD31-4B8C-83A1-F6EECF244321}">
-                <p14:modId xmlns:p14="http://schemas.microsoft.com/office/powerpoint/2010/main" val="3417350197"/>
+                <p14:modId xmlns:p14="http://schemas.microsoft.com/office/powerpoint/2010/main" val="663852748"/>
               </p:ext>
             </p:extLst>
           </p:nvPr>
@@ -18612,7 +27591,7 @@
                         <a:buNone/>
                       </a:pPr>
                       <a:r>
-                        <a:rPr lang="en-US" sz="1100" b="1">
+                        <a:rPr lang="en-US" sz="1100" b="1" dirty="0">
                           <a:solidFill>
                             <a:srgbClr val="0F172A"/>
                           </a:solidFill>
@@ -18813,10 +27792,10 @@
                         <a:buNone/>
                       </a:pPr>
                       <a:r>
-                        <a:rPr lang="en-US" sz="1100">
+                        <a:rPr lang="en-US" sz="1100" dirty="0">
                           <a:effectLst/>
                         </a:rPr>
-                        <a:t>~30K–40K tokens</a:t>
+                        <a:t>Baseline</a:t>
                       </a:r>
                     </a:p>
                   </a:txBody>
@@ -18893,10 +27872,10 @@
                         <a:buNone/>
                       </a:pPr>
                       <a:r>
-                        <a:rPr lang="en-US" sz="1100">
+                        <a:rPr lang="en-US" sz="1100" dirty="0">
                           <a:effectLst/>
                         </a:rPr>
-                        <a:t>N/A</a:t>
+                        <a:t>Moderate</a:t>
                       </a:r>
                     </a:p>
                   </a:txBody>
@@ -19032,10 +28011,10 @@
                         <a:buNone/>
                       </a:pPr>
                       <a:r>
-                        <a:rPr lang="en-US" sz="1100">
+                        <a:rPr lang="en-US" sz="1100" dirty="0">
                           <a:effectLst/>
                         </a:rPr>
-                        <a:t>~40K–60K tokens</a:t>
+                        <a:t>~15% fewer</a:t>
                       </a:r>
                     </a:p>
                   </a:txBody>
@@ -19275,10 +28254,10 @@
                         <a:buNone/>
                       </a:pPr>
                       <a:r>
-                        <a:rPr lang="en-US" sz="1100">
+                        <a:rPr lang="en-US" sz="1100" dirty="0">
                           <a:effectLst/>
                         </a:rPr>
-                        <a:t>~50K–70K tokens</a:t>
+                        <a:t>~10-20% more</a:t>
                       </a:r>
                     </a:p>
                   </a:txBody>
@@ -19367,10 +28346,10 @@
                         <a:buNone/>
                       </a:pPr>
                       <a:r>
-                        <a:rPr lang="en-US" sz="1100">
+                        <a:rPr lang="en-US" sz="1100" dirty="0">
                           <a:effectLst/>
                         </a:rPr>
-                        <a:t>Very Fast</a:t>
+                        <a:t>Fast</a:t>
                       </a:r>
                     </a:p>
                   </a:txBody>
@@ -19518,10 +28497,10 @@
                         <a:buNone/>
                       </a:pPr>
                       <a:r>
-                        <a:rPr lang="en-US" sz="1100">
+                        <a:rPr lang="en-US" sz="1100" dirty="0">
                           <a:effectLst/>
                         </a:rPr>
-                        <a:t>~35K–50K tokens</a:t>
+                        <a:t>~10% fewer</a:t>
                       </a:r>
                     </a:p>
                   </a:txBody>
@@ -19610,10 +28589,10 @@
                         <a:buNone/>
                       </a:pPr>
                       <a:r>
-                        <a:rPr lang="en-US" sz="1100">
+                        <a:rPr lang="en-US" sz="1100" dirty="0">
                           <a:effectLst/>
                         </a:rPr>
-                        <a:t>Moderate</a:t>
+                        <a:t>Fast</a:t>
                       </a:r>
                     </a:p>
                   </a:txBody>
@@ -19761,10 +28740,10 @@
                         <a:buNone/>
                       </a:pPr>
                       <a:r>
-                        <a:rPr lang="en-US" sz="1100">
+                        <a:rPr lang="en-US" sz="1100" dirty="0">
                           <a:effectLst/>
                         </a:rPr>
-                        <a:t>~60K–80K tokens</a:t>
+                        <a:t>~10-20% more</a:t>
                       </a:r>
                     </a:p>
                   </a:txBody>
@@ -19853,10 +28832,10 @@
                         <a:buNone/>
                       </a:pPr>
                       <a:r>
-                        <a:rPr lang="en-US" sz="1100">
+                        <a:rPr lang="en-US" sz="1100" dirty="0">
                           <a:effectLst/>
                         </a:rPr>
-                        <a:t>Fast</a:t>
+                        <a:t>Slow</a:t>
                       </a:r>
                     </a:p>
                   </a:txBody>
@@ -20004,10 +28983,10 @@
                         <a:buNone/>
                       </a:pPr>
                       <a:r>
-                        <a:rPr lang="en-US" sz="1100">
+                        <a:rPr lang="en-US" sz="1100" dirty="0">
                           <a:effectLst/>
                         </a:rPr>
-                        <a:t>~45K–65K tokens</a:t>
+                        <a:t>~Baseline</a:t>
                       </a:r>
                     </a:p>
                   </a:txBody>
@@ -20195,7 +29174,7 @@
                         <a:buNone/>
                       </a:pPr>
                       <a:r>
-                        <a:rPr lang="en-US" sz="1100" b="1">
+                        <a:rPr lang="en-US" sz="1100" b="1" dirty="0">
                           <a:solidFill>
                             <a:srgbClr val="38BDF8"/>
                           </a:solidFill>
@@ -20203,7 +29182,7 @@
                         </a:rPr>
                         <a:t>CSV</a:t>
                       </a:r>
-                      <a:endParaRPr lang="en-US" sz="1100">
+                      <a:endParaRPr lang="en-US" sz="1100" dirty="0">
                         <a:effectLst/>
                       </a:endParaRPr>
                     </a:p>
@@ -20247,10 +29226,10 @@
                         <a:buNone/>
                       </a:pPr>
                       <a:r>
-                        <a:rPr lang="en-US" sz="1100">
+                        <a:rPr lang="en-US" sz="1100" dirty="0">
                           <a:effectLst/>
                         </a:rPr>
-                        <a:t>~40K–60K tokens</a:t>
+                        <a:t>~Baseline</a:t>
                       </a:r>
                     </a:p>
                   </a:txBody>
@@ -20293,7 +29272,7 @@
                         <a:buNone/>
                       </a:pPr>
                       <a:r>
-                        <a:rPr lang="en-US" sz="1100">
+                        <a:rPr lang="en-US" sz="1100" dirty="0">
                           <a:effectLst/>
                         </a:rPr>
                         <a:t>Token-efficient but lower accuracy for LLMs</a:t>
@@ -20438,7 +29417,7 @@
                         <a:buNone/>
                       </a:pPr>
                       <a:r>
-                        <a:rPr lang="en-US" sz="1100" b="1">
+                        <a:rPr lang="en-US" sz="1100" b="1" dirty="0">
                           <a:solidFill>
                             <a:srgbClr val="38BDF8"/>
                           </a:solidFill>
@@ -20446,7 +29425,7 @@
                         </a:rPr>
                         <a:t>Python</a:t>
                       </a:r>
-                      <a:endParaRPr lang="en-US" sz="1100">
+                      <a:endParaRPr lang="en-US" sz="1100" dirty="0">
                         <a:effectLst/>
                       </a:endParaRPr>
                     </a:p>
@@ -20490,10 +29469,10 @@
                         <a:buNone/>
                       </a:pPr>
                       <a:r>
-                        <a:rPr lang="en-US" sz="1100">
+                        <a:rPr lang="en-US" sz="1100" dirty="0">
                           <a:effectLst/>
                         </a:rPr>
-                        <a:t>~50K–70K tokens</a:t>
+                        <a:t>~Baseline</a:t>
                       </a:r>
                     </a:p>
                   </a:txBody>
@@ -20733,10 +29712,10 @@
                         <a:buNone/>
                       </a:pPr>
                       <a:r>
-                        <a:rPr lang="en-US" sz="1100">
+                        <a:rPr lang="en-US" sz="1100" dirty="0">
                           <a:effectLst/>
                         </a:rPr>
-                        <a:t>~50K–70K tokens</a:t>
+                        <a:t>~Baseline</a:t>
                       </a:r>
                     </a:p>
                   </a:txBody>
@@ -20976,10 +29955,10 @@
                         <a:buNone/>
                       </a:pPr>
                       <a:r>
-                        <a:rPr lang="en-US" sz="1100">
+                        <a:rPr lang="en-US" sz="1100" dirty="0">
                           <a:effectLst/>
                         </a:rPr>
-                        <a:t>~60K–80K tokens</a:t>
+                        <a:t>~Baseline</a:t>
                       </a:r>
                     </a:p>
                   </a:txBody>
@@ -21167,7 +30146,7 @@
                         <a:buNone/>
                       </a:pPr>
                       <a:r>
-                        <a:rPr lang="en-US" sz="1100" b="1">
+                        <a:rPr lang="en-US" sz="1100" b="1" dirty="0">
                           <a:solidFill>
                             <a:srgbClr val="38BDF8"/>
                           </a:solidFill>
@@ -21175,7 +30154,7 @@
                         </a:rPr>
                         <a:t>HTML</a:t>
                       </a:r>
-                      <a:endParaRPr lang="en-US" sz="1100">
+                      <a:endParaRPr lang="en-US" sz="1100" dirty="0">
                         <a:effectLst/>
                       </a:endParaRPr>
                     </a:p>
@@ -21219,10 +30198,10 @@
                         <a:buNone/>
                       </a:pPr>
                       <a:r>
-                        <a:rPr lang="en-US" sz="1100">
+                        <a:rPr lang="en-US" sz="1100" dirty="0">
                           <a:effectLst/>
                         </a:rPr>
-                        <a:t>~70K–100K tokens</a:t>
+                        <a:t>~Baseline</a:t>
                       </a:r>
                     </a:p>
                   </a:txBody>

--- a/Actuarial Generative Context Engineering Made Simple.pptx
+++ b/Actuarial Generative Context Engineering Made Simple.pptx
@@ -8,7 +8,7 @@
     <p:sldMasterId id="2147483690" r:id="rId4"/>
   </p:sldMasterIdLst>
   <p:notesMasterIdLst>
-    <p:notesMasterId r:id="rId17"/>
+    <p:notesMasterId r:id="rId19"/>
   </p:notesMasterIdLst>
   <p:sldIdLst>
     <p:sldId id="266" r:id="rId5"/>
@@ -23,6 +23,8 @@
     <p:sldId id="274" r:id="rId14"/>
     <p:sldId id="275" r:id="rId15"/>
     <p:sldId id="276" r:id="rId16"/>
+    <p:sldId id="278" r:id="rId17"/>
+    <p:sldId id="279" r:id="rId18"/>
   </p:sldIdLst>
   <p:sldSz cx="12192000" cy="6858000"/>
   <p:notesSz cx="6858000" cy="9144000"/>
@@ -124,6 +126,9 @@
   <p:extLst>
     <p:ext uri="{EFAFB233-063F-42B5-8137-9DF3F51BA10A}">
       <p15:sldGuideLst xmlns:p15="http://schemas.microsoft.com/office/powerpoint/2012/main"/>
+    </p:ext>
+    <p:ext uri="{2D200454-40CA-4A62-9FC3-DE9A4176ACB9}">
+      <p15:notesGuideLst xmlns:p15="http://schemas.microsoft.com/office/powerpoint/2012/main"/>
     </p:ext>
   </p:extLst>
 </p:presentation>
@@ -3397,7 +3402,7 @@
           <a:p>
             <a:fld id="{D5D434F4-C773-4974-B845-79544B7DA9C3}" type="datetimeFigureOut">
               <a:rPr lang="en-US" smtClean="0"/>
-              <a:t>12/3/2025</a:t>
+              <a:t>12/5/2025</a:t>
             </a:fld>
             <a:endParaRPr lang="en-US"/>
           </a:p>
@@ -3710,7 +3715,7 @@
           <a:p>
             <a:r>
               <a:rPr lang="en-US" dirty="0"/>
-              <a:t>Welcome and thank you all for joining, this is Generative Context Engineering – Simplified… first of all can we all agree to completely remove the letters AI from the English language.  Surely there is a better descriptor, maybe we will have one by the end of this session. Generative LLM Context Engineering will have to do for now!</a:t>
+              <a:t>Welcome and thank you all for joining, this is Generative Context Engineering – Simplified… (click twice)… first of all can we all agree to completely remove the letters AI from the English language.  Surely there is a better descriptor, maybe we will have one by the end of this session. Generative LLM Context Engineering will have to do for now!</a:t>
             </a:r>
           </a:p>
         </p:txBody>
@@ -3955,7 +3960,7 @@
           <a:p>
             <a:r>
               <a:rPr lang="en-US" dirty="0"/>
-              <a:t>My name is Robert Maxwell, and I will be your tour guide for the next 50 minutes or so…  Over the years I have been accused of several titles… Actuary, IT Guy, Data Guy, Fund Manager, Day Trader, Jazz Musician, Mountain Bike “Coach”, Tinkerer… of these I do take some exception… I DO NOT DAY TRADE!  …btw do you know what all of those career hobbies have in common?  They involve predictive pattern recognition…</a:t>
+              <a:t>My name is Robert Maxwell, and I will be your tour guide for the next 50 minutes or so…  Over the years I have been accused of several titles… Actuary, IT Guy, Data Guy, Fund Manager, Day Trader, Jazz Musician, Mountain Bike “Coach”, Tinkerer… of these I do take some exception… I DO NOT DAY TRADE!  …btw do you know what all of those career hobbies have in common?  They involve predictive pattern recognition…  (click to the agenda… read agenda</a:t>
             </a:r>
           </a:p>
         </p:txBody>
@@ -4042,7 +4047,7 @@
           <a:p>
             <a:r>
               <a:rPr lang="en-US" dirty="0"/>
-              <a:t>Apprehensive about using and LLM… of course you’re not!  This is full stack actuarial!  This tag line is a play on words… (click)</a:t>
+              <a:t>Apprehensive about using and LLM… of course you’re not!  This is full stack actuarial!  Maybe you are just apprehensive about paying attention to my voice, either way (click) you can find all the handouts and agents we use in this presentation in the link and QR code here. … (click)</a:t>
             </a:r>
           </a:p>
         </p:txBody>
@@ -4968,7 +4973,7 @@
           <a:p>
             <a:fld id="{D6BE4793-EB6E-4246-9E7B-350CE75312EA}" type="datetimeFigureOut">
               <a:rPr lang="en-US" smtClean="0"/>
-              <a:t>12/3/2025</a:t>
+              <a:t>12/5/2025</a:t>
             </a:fld>
             <a:endParaRPr lang="en-US"/>
           </a:p>
@@ -5322,7 +5327,7 @@
           <a:p>
             <a:fld id="{D6BE4793-EB6E-4246-9E7B-350CE75312EA}" type="datetimeFigureOut">
               <a:rPr lang="en-US" smtClean="0"/>
-              <a:t>12/3/2025</a:t>
+              <a:t>12/5/2025</a:t>
             </a:fld>
             <a:endParaRPr lang="en-US"/>
           </a:p>
@@ -5630,7 +5635,7 @@
           <a:p>
             <a:fld id="{D6BE4793-EB6E-4246-9E7B-350CE75312EA}" type="datetimeFigureOut">
               <a:rPr lang="en-US" smtClean="0"/>
-              <a:t>12/3/2025</a:t>
+              <a:t>12/5/2025</a:t>
             </a:fld>
             <a:endParaRPr lang="en-US"/>
           </a:p>
@@ -6231,7 +6236,7 @@
           <a:p>
             <a:fld id="{D6BE4793-EB6E-4246-9E7B-350CE75312EA}" type="datetimeFigureOut">
               <a:rPr lang="en-US" smtClean="0"/>
-              <a:t>12/3/2025</a:t>
+              <a:t>12/5/2025</a:t>
             </a:fld>
             <a:endParaRPr lang="en-US"/>
           </a:p>
@@ -6539,7 +6544,7 @@
           <a:p>
             <a:fld id="{D6BE4793-EB6E-4246-9E7B-350CE75312EA}" type="datetimeFigureOut">
               <a:rPr lang="en-US" smtClean="0"/>
-              <a:t>12/3/2025</a:t>
+              <a:t>12/5/2025</a:t>
             </a:fld>
             <a:endParaRPr lang="en-US"/>
           </a:p>
@@ -7134,7 +7139,7 @@
           <a:p>
             <a:fld id="{D6BE4793-EB6E-4246-9E7B-350CE75312EA}" type="datetimeFigureOut">
               <a:rPr lang="en-US" smtClean="0"/>
-              <a:t>12/3/2025</a:t>
+              <a:t>12/5/2025</a:t>
             </a:fld>
             <a:endParaRPr lang="en-US"/>
           </a:p>
@@ -7494,7 +7499,7 @@
           <a:p>
             <a:fld id="{D6BE4793-EB6E-4246-9E7B-350CE75312EA}" type="datetimeFigureOut">
               <a:rPr lang="en-US" smtClean="0"/>
-              <a:t>12/3/2025</a:t>
+              <a:t>12/5/2025</a:t>
             </a:fld>
             <a:endParaRPr lang="en-US"/>
           </a:p>
@@ -7703,7 +7708,7 @@
           <a:p>
             <a:fld id="{D6BE4793-EB6E-4246-9E7B-350CE75312EA}" type="datetimeFigureOut">
               <a:rPr lang="en-US" smtClean="0"/>
-              <a:t>12/3/2025</a:t>
+              <a:t>12/5/2025</a:t>
             </a:fld>
             <a:endParaRPr lang="en-US"/>
           </a:p>
@@ -7974,7 +7979,7 @@
           <a:p>
             <a:fld id="{D6BE4793-EB6E-4246-9E7B-350CE75312EA}" type="datetimeFigureOut">
               <a:rPr lang="en-US" smtClean="0"/>
-              <a:t>12/3/2025</a:t>
+              <a:t>12/5/2025</a:t>
             </a:fld>
             <a:endParaRPr lang="en-US"/>
           </a:p>
@@ -8198,7 +8203,7 @@
           <a:p>
             <a:fld id="{5576DD97-36ED-4148-BB6C-15581984C544}" type="datetimeFigureOut">
               <a:rPr lang="en-US" smtClean="0"/>
-              <a:t>12/3/2025</a:t>
+              <a:t>12/5/2025</a:t>
             </a:fld>
             <a:endParaRPr lang="en-US"/>
           </a:p>
@@ -8512,7 +8517,7 @@
           <a:p>
             <a:fld id="{D6BE4793-EB6E-4246-9E7B-350CE75312EA}" type="datetimeFigureOut">
               <a:rPr lang="en-US" smtClean="0"/>
-              <a:t>12/3/2025</a:t>
+              <a:t>12/5/2025</a:t>
             </a:fld>
             <a:endParaRPr lang="en-US"/>
           </a:p>
@@ -8714,7 +8719,7 @@
           <a:p>
             <a:fld id="{5576DD97-36ED-4148-BB6C-15581984C544}" type="datetimeFigureOut">
               <a:rPr lang="en-US" smtClean="0"/>
-              <a:t>12/3/2025</a:t>
+              <a:t>12/5/2025</a:t>
             </a:fld>
             <a:endParaRPr lang="en-US"/>
           </a:p>
@@ -8989,7 +8994,7 @@
           <a:p>
             <a:fld id="{5576DD97-36ED-4148-BB6C-15581984C544}" type="datetimeFigureOut">
               <a:rPr lang="en-US" smtClean="0"/>
-              <a:t>12/3/2025</a:t>
+              <a:t>12/5/2025</a:t>
             </a:fld>
             <a:endParaRPr lang="en-US"/>
           </a:p>
@@ -9254,7 +9259,7 @@
           <a:p>
             <a:fld id="{5576DD97-36ED-4148-BB6C-15581984C544}" type="datetimeFigureOut">
               <a:rPr lang="en-US" smtClean="0"/>
-              <a:t>12/3/2025</a:t>
+              <a:t>12/5/2025</a:t>
             </a:fld>
             <a:endParaRPr lang="en-US"/>
           </a:p>
@@ -9666,7 +9671,7 @@
           <a:p>
             <a:fld id="{5576DD97-36ED-4148-BB6C-15581984C544}" type="datetimeFigureOut">
               <a:rPr lang="en-US" smtClean="0"/>
-              <a:t>12/3/2025</a:t>
+              <a:t>12/5/2025</a:t>
             </a:fld>
             <a:endParaRPr lang="en-US"/>
           </a:p>
@@ -9807,7 +9812,7 @@
           <a:p>
             <a:fld id="{5576DD97-36ED-4148-BB6C-15581984C544}" type="datetimeFigureOut">
               <a:rPr lang="en-US" smtClean="0"/>
-              <a:t>12/3/2025</a:t>
+              <a:t>12/5/2025</a:t>
             </a:fld>
             <a:endParaRPr lang="en-US"/>
           </a:p>
@@ -9920,7 +9925,7 @@
           <a:p>
             <a:fld id="{5576DD97-36ED-4148-BB6C-15581984C544}" type="datetimeFigureOut">
               <a:rPr lang="en-US" smtClean="0"/>
-              <a:t>12/3/2025</a:t>
+              <a:t>12/5/2025</a:t>
             </a:fld>
             <a:endParaRPr lang="en-US"/>
           </a:p>
@@ -10231,7 +10236,7 @@
           <a:p>
             <a:fld id="{5576DD97-36ED-4148-BB6C-15581984C544}" type="datetimeFigureOut">
               <a:rPr lang="en-US" smtClean="0"/>
-              <a:t>12/3/2025</a:t>
+              <a:t>12/5/2025</a:t>
             </a:fld>
             <a:endParaRPr lang="en-US"/>
           </a:p>
@@ -10519,7 +10524,7 @@
           <a:p>
             <a:fld id="{5576DD97-36ED-4148-BB6C-15581984C544}" type="datetimeFigureOut">
               <a:rPr lang="en-US" smtClean="0"/>
-              <a:t>12/3/2025</a:t>
+              <a:t>12/5/2025</a:t>
             </a:fld>
             <a:endParaRPr lang="en-US"/>
           </a:p>
@@ -10717,7 +10722,7 @@
           <a:p>
             <a:fld id="{5576DD97-36ED-4148-BB6C-15581984C544}" type="datetimeFigureOut">
               <a:rPr lang="en-US" smtClean="0"/>
-              <a:t>12/3/2025</a:t>
+              <a:t>12/5/2025</a:t>
             </a:fld>
             <a:endParaRPr lang="en-US"/>
           </a:p>
@@ -10925,7 +10930,7 @@
           <a:p>
             <a:fld id="{5576DD97-36ED-4148-BB6C-15581984C544}" type="datetimeFigureOut">
               <a:rPr lang="en-US" smtClean="0"/>
-              <a:t>12/3/2025</a:t>
+              <a:t>12/5/2025</a:t>
             </a:fld>
             <a:endParaRPr lang="en-US"/>
           </a:p>
@@ -11161,7 +11166,7 @@
           <a:p>
             <a:fld id="{D6BE4793-EB6E-4246-9E7B-350CE75312EA}" type="datetimeFigureOut">
               <a:rPr lang="en-US" smtClean="0"/>
-              <a:t>12/3/2025</a:t>
+              <a:t>12/5/2025</a:t>
             </a:fld>
             <a:endParaRPr lang="en-US"/>
           </a:p>
@@ -11467,7 +11472,7 @@
           <a:p>
             <a:fld id="{D6BE4793-EB6E-4246-9E7B-350CE75312EA}" type="datetimeFigureOut">
               <a:rPr lang="en-US" smtClean="0"/>
-              <a:t>12/3/2025</a:t>
+              <a:t>12/5/2025</a:t>
             </a:fld>
             <a:endParaRPr lang="en-US"/>
           </a:p>
@@ -11771,7 +11776,7 @@
           <a:p>
             <a:fld id="{D6BE4793-EB6E-4246-9E7B-350CE75312EA}" type="datetimeFigureOut">
               <a:rPr lang="en-US" smtClean="0"/>
-              <a:t>12/3/2025</a:t>
+              <a:t>12/5/2025</a:t>
             </a:fld>
             <a:endParaRPr lang="en-US"/>
           </a:p>
@@ -12189,7 +12194,7 @@
           <a:p>
             <a:fld id="{D6BE4793-EB6E-4246-9E7B-350CE75312EA}" type="datetimeFigureOut">
               <a:rPr lang="en-US" smtClean="0"/>
-              <a:t>12/3/2025</a:t>
+              <a:t>12/5/2025</a:t>
             </a:fld>
             <a:endParaRPr lang="en-US"/>
           </a:p>
@@ -12369,7 +12374,7 @@
           <a:p>
             <a:fld id="{D6BE4793-EB6E-4246-9E7B-350CE75312EA}" type="datetimeFigureOut">
               <a:rPr lang="en-US" smtClean="0"/>
-              <a:t>12/3/2025</a:t>
+              <a:t>12/5/2025</a:t>
             </a:fld>
             <a:endParaRPr lang="en-US"/>
           </a:p>
@@ -12618,7 +12623,7 @@
           <a:p>
             <a:fld id="{D6BE4793-EB6E-4246-9E7B-350CE75312EA}" type="datetimeFigureOut">
               <a:rPr lang="en-US" smtClean="0"/>
-              <a:t>12/3/2025</a:t>
+              <a:t>12/5/2025</a:t>
             </a:fld>
             <a:endParaRPr lang="en-US"/>
           </a:p>
@@ -13036,7 +13041,7 @@
           <a:p>
             <a:fld id="{D6BE4793-EB6E-4246-9E7B-350CE75312EA}" type="datetimeFigureOut">
               <a:rPr lang="en-US" smtClean="0"/>
-              <a:t>12/3/2025</a:t>
+              <a:t>12/5/2025</a:t>
             </a:fld>
             <a:endParaRPr lang="en-US"/>
           </a:p>
@@ -14768,7 +14773,7 @@
           <a:p>
             <a:fld id="{5576DD97-36ED-4148-BB6C-15581984C544}" type="datetimeFigureOut">
               <a:rPr lang="en-US" smtClean="0"/>
-              <a:t>12/3/2025</a:t>
+              <a:t>12/5/2025</a:t>
             </a:fld>
             <a:endParaRPr lang="en-US"/>
           </a:p>
@@ -15241,72 +15246,6 @@
       </p:sp>
       <p:pic>
         <p:nvPicPr>
-          <p:cNvPr id="4" name="Picture 3" descr="A person in a suit and tie&#10;&#10;AI-generated content may be incorrect.">
-            <a:extLst>
-              <a:ext uri="{FF2B5EF4-FFF2-40B4-BE49-F238E27FC236}">
-                <a16:creationId xmlns:a16="http://schemas.microsoft.com/office/drawing/2014/main" id="{8A660426-7B49-9F19-5BBD-E4622CE8D076}"/>
-              </a:ext>
-            </a:extLst>
-          </p:cNvPr>
-          <p:cNvPicPr>
-            <a:picLocks noChangeAspect="1"/>
-          </p:cNvPicPr>
-          <p:nvPr/>
-        </p:nvPicPr>
-        <p:blipFill>
-          <a:blip r:embed="rId3">
-            <a:extLst>
-              <a:ext uri="{28A0092B-C50C-407E-A947-70E740481C1C}">
-                <a14:useLocalDpi xmlns:a14="http://schemas.microsoft.com/office/drawing/2010/main" val="0"/>
-              </a:ext>
-            </a:extLst>
-          </a:blip>
-          <a:srcRect l="13369" r="14869"/>
-          <a:stretch>
-            <a:fillRect/>
-          </a:stretch>
-        </p:blipFill>
-        <p:spPr>
-          <a:xfrm>
-            <a:off x="8186702" y="867266"/>
-            <a:ext cx="3280974" cy="4572000"/>
-          </a:xfrm>
-          <a:prstGeom prst="roundRect">
-            <a:avLst>
-              <a:gd name="adj" fmla="val 4280"/>
-            </a:avLst>
-          </a:prstGeom>
-          <a:noFill/>
-          <a:ln w="50800" cap="sq" cmpd="dbl">
-            <a:gradFill flip="none" rotWithShape="1">
-              <a:gsLst>
-                <a:gs pos="0">
-                  <a:srgbClr val="FFFFFF"/>
-                </a:gs>
-                <a:gs pos="100000">
-                  <a:schemeClr val="tx1">
-                    <a:alpha val="0"/>
-                  </a:schemeClr>
-                </a:gs>
-              </a:gsLst>
-              <a:path path="circle">
-                <a:fillToRect l="50000" t="50000" r="50000" b="50000"/>
-              </a:path>
-              <a:tileRect/>
-            </a:gradFill>
-            <a:miter lim="800000"/>
-          </a:ln>
-          <a:effectLst>
-            <a:outerShdw blurRad="254000" algn="tl" rotWithShape="0">
-              <a:srgbClr val="000000">
-                <a:alpha val="43000"/>
-              </a:srgbClr>
-            </a:outerShdw>
-          </a:effectLst>
-        </p:spPr>
-      </p:pic>
-      <p:pic>
-        <p:nvPicPr>
           <p:cNvPr id="2050" name="Picture 2" descr="Ghostbuster-style logo with A.I. letters">
             <a:extLst>
               <a:ext uri="{FF2B5EF4-FFF2-40B4-BE49-F238E27FC236}">
@@ -15320,7 +15259,7 @@
           <p:nvPr/>
         </p:nvPicPr>
         <p:blipFill>
-          <a:blip r:embed="rId4">
+          <a:blip r:embed="rId3">
             <a:extLst>
               <a:ext uri="{28A0092B-C50C-407E-A947-70E740481C1C}">
                 <a14:useLocalDpi xmlns:a14="http://schemas.microsoft.com/office/drawing/2010/main" val="0"/>
@@ -15334,7 +15273,7 @@
         </p:blipFill>
         <p:spPr bwMode="auto">
           <a:xfrm>
-            <a:off x="2667000" y="2684205"/>
+            <a:off x="7949005" y="2512082"/>
             <a:ext cx="3220065" cy="3220065"/>
           </a:xfrm>
           <a:prstGeom prst="ellipse">
@@ -15446,7 +15385,7 @@
                             </p:stCondLst>
                             <p:childTnLst>
                               <p:par>
-                                <p:cTn id="9" presetID="2" presetClass="entr" presetSubtype="4" fill="hold" nodeType="clickEffect">
+                                <p:cTn id="9" presetID="26" presetClass="entr" presetSubtype="0" fill="hold" nodeType="clickEffect">
                                   <p:stCondLst>
                                     <p:cond delay="0"/>
                                   </p:stCondLst>
@@ -15454,97 +15393,6 @@
                                     <p:set>
                                       <p:cBhvr>
                                         <p:cTn id="10" dur="1" fill="hold">
-                                          <p:stCondLst>
-                                            <p:cond delay="0"/>
-                                          </p:stCondLst>
-                                        </p:cTn>
-                                        <p:tgtEl>
-                                          <p:spTgt spid="4"/>
-                                        </p:tgtEl>
-                                        <p:attrNameLst>
-                                          <p:attrName>style.visibility</p:attrName>
-                                        </p:attrNameLst>
-                                      </p:cBhvr>
-                                      <p:to>
-                                        <p:strVal val="visible"/>
-                                      </p:to>
-                                    </p:set>
-                                    <p:anim calcmode="lin" valueType="num">
-                                      <p:cBhvr additive="base">
-                                        <p:cTn id="11" dur="900" fill="hold"/>
-                                        <p:tgtEl>
-                                          <p:spTgt spid="4"/>
-                                        </p:tgtEl>
-                                        <p:attrNameLst>
-                                          <p:attrName>ppt_x</p:attrName>
-                                        </p:attrNameLst>
-                                      </p:cBhvr>
-                                      <p:tavLst>
-                                        <p:tav tm="0">
-                                          <p:val>
-                                            <p:strVal val="#ppt_x"/>
-                                          </p:val>
-                                        </p:tav>
-                                        <p:tav tm="100000">
-                                          <p:val>
-                                            <p:strVal val="#ppt_x"/>
-                                          </p:val>
-                                        </p:tav>
-                                      </p:tavLst>
-                                    </p:anim>
-                                    <p:anim calcmode="lin" valueType="num">
-                                      <p:cBhvr additive="base">
-                                        <p:cTn id="12" dur="900" fill="hold"/>
-                                        <p:tgtEl>
-                                          <p:spTgt spid="4"/>
-                                        </p:tgtEl>
-                                        <p:attrNameLst>
-                                          <p:attrName>ppt_y</p:attrName>
-                                        </p:attrNameLst>
-                                      </p:cBhvr>
-                                      <p:tavLst>
-                                        <p:tav tm="0">
-                                          <p:val>
-                                            <p:strVal val="1+#ppt_h/2"/>
-                                          </p:val>
-                                        </p:tav>
-                                        <p:tav tm="100000">
-                                          <p:val>
-                                            <p:strVal val="#ppt_y"/>
-                                          </p:val>
-                                        </p:tav>
-                                      </p:tavLst>
-                                    </p:anim>
-                                  </p:childTnLst>
-                                </p:cTn>
-                              </p:par>
-                            </p:childTnLst>
-                          </p:cTn>
-                        </p:par>
-                      </p:childTnLst>
-                    </p:cTn>
-                  </p:par>
-                  <p:par>
-                    <p:cTn id="13" fill="hold">
-                      <p:stCondLst>
-                        <p:cond delay="indefinite"/>
-                      </p:stCondLst>
-                      <p:childTnLst>
-                        <p:par>
-                          <p:cTn id="14" fill="hold">
-                            <p:stCondLst>
-                              <p:cond delay="0"/>
-                            </p:stCondLst>
-                            <p:childTnLst>
-                              <p:par>
-                                <p:cTn id="15" presetID="26" presetClass="entr" presetSubtype="0" fill="hold" nodeType="clickEffect">
-                                  <p:stCondLst>
-                                    <p:cond delay="0"/>
-                                  </p:stCondLst>
-                                  <p:childTnLst>
-                                    <p:set>
-                                      <p:cBhvr>
-                                        <p:cTn id="16" dur="1" fill="hold">
                                           <p:stCondLst>
                                             <p:cond delay="0"/>
                                           </p:stCondLst>
@@ -15562,7 +15410,7 @@
                                     </p:set>
                                     <p:animEffect transition="in" filter="wipe(down)">
                                       <p:cBhvr>
-                                        <p:cTn id="17" dur="319">
+                                        <p:cTn id="11" dur="319">
                                           <p:stCondLst>
                                             <p:cond delay="0"/>
                                           </p:stCondLst>
@@ -15574,7 +15422,7 @@
                                     </p:animEffect>
                                     <p:anim calcmode="lin" valueType="num">
                                       <p:cBhvr>
-                                        <p:cTn id="18" dur="1002" tmFilter="0,0; 0.14,0.36; 0.43,0.73; 0.71,0.91; 1.0,1.0">
+                                        <p:cTn id="12" dur="1002" tmFilter="0,0; 0.14,0.36; 0.43,0.73; 0.71,0.91; 1.0,1.0">
                                           <p:stCondLst>
                                             <p:cond delay="0"/>
                                           </p:stCondLst>
@@ -15601,7 +15449,7 @@
                                     </p:anim>
                                     <p:anim calcmode="lin" valueType="num">
                                       <p:cBhvr>
-                                        <p:cTn id="19" dur="365" tmFilter="0.0,0.0; 0.25,0.07; 0.50,0.2; 0.75,0.467; 1.0,1.0">
+                                        <p:cTn id="13" dur="365" tmFilter="0.0,0.0; 0.25,0.07; 0.50,0.2; 0.75,0.467; 1.0,1.0">
                                           <p:stCondLst>
                                             <p:cond delay="0"/>
                                           </p:stCondLst>
@@ -15628,7 +15476,7 @@
                                     </p:anim>
                                     <p:anim calcmode="lin" valueType="num">
                                       <p:cBhvr>
-                                        <p:cTn id="20" dur="365" tmFilter="0, 0; 0.125,0.2665; 0.25,0.4; 0.375,0.465; 0.5,0.5;  0.625,0.535; 0.75,0.6; 0.875,0.7335; 1,1">
+                                        <p:cTn id="14" dur="365" tmFilter="0, 0; 0.125,0.2665; 0.25,0.4; 0.375,0.465; 0.5,0.5;  0.625,0.535; 0.75,0.6; 0.875,0.7335; 1,1">
                                           <p:stCondLst>
                                             <p:cond delay="365"/>
                                           </p:stCondLst>
@@ -15655,7 +15503,7 @@
                                     </p:anim>
                                     <p:anim calcmode="lin" valueType="num">
                                       <p:cBhvr>
-                                        <p:cTn id="21" dur="183" tmFilter="0, 0; 0.125,0.2665; 0.25,0.4; 0.375,0.465; 0.5,0.5;  0.625,0.535; 0.75,0.6; 0.875,0.7335; 1,1">
+                                        <p:cTn id="15" dur="183" tmFilter="0, 0; 0.125,0.2665; 0.25,0.4; 0.375,0.465; 0.5,0.5;  0.625,0.535; 0.75,0.6; 0.875,0.7335; 1,1">
                                           <p:stCondLst>
                                             <p:cond delay="728"/>
                                           </p:stCondLst>
@@ -15682,7 +15530,7 @@
                                     </p:anim>
                                     <p:anim calcmode="lin" valueType="num">
                                       <p:cBhvr>
-                                        <p:cTn id="22" dur="90" tmFilter="0, 0; 0.125,0.2665; 0.25,0.4; 0.375,0.465; 0.5,0.5;  0.625,0.535; 0.75,0.6; 0.875,0.7335; 1,1">
+                                        <p:cTn id="16" dur="90" tmFilter="0, 0; 0.125,0.2665; 0.25,0.4; 0.375,0.465; 0.5,0.5;  0.625,0.535; 0.75,0.6; 0.875,0.7335; 1,1">
                                           <p:stCondLst>
                                             <p:cond delay="911"/>
                                           </p:stCondLst>
@@ -15709,7 +15557,7 @@
                                     </p:anim>
                                     <p:animScale>
                                       <p:cBhvr>
-                                        <p:cTn id="23" dur="14">
+                                        <p:cTn id="17" dur="14">
                                           <p:stCondLst>
                                             <p:cond delay="357"/>
                                           </p:stCondLst>
@@ -15722,7 +15570,7 @@
                                     </p:animScale>
                                     <p:animScale>
                                       <p:cBhvr>
-                                        <p:cTn id="24" dur="91" decel="50000">
+                                        <p:cTn id="18" dur="91" decel="50000">
                                           <p:stCondLst>
                                             <p:cond delay="372"/>
                                           </p:stCondLst>
@@ -15735,7 +15583,7 @@
                                     </p:animScale>
                                     <p:animScale>
                                       <p:cBhvr>
-                                        <p:cTn id="25" dur="14">
+                                        <p:cTn id="19" dur="14">
                                           <p:stCondLst>
                                             <p:cond delay="722"/>
                                           </p:stCondLst>
@@ -15748,7 +15596,7 @@
                                     </p:animScale>
                                     <p:animScale>
                                       <p:cBhvr>
-                                        <p:cTn id="26" dur="91" decel="50000">
+                                        <p:cTn id="20" dur="91" decel="50000">
                                           <p:stCondLst>
                                             <p:cond delay="736"/>
                                           </p:stCondLst>
@@ -15761,7 +15609,7 @@
                                     </p:animScale>
                                     <p:animScale>
                                       <p:cBhvr>
-                                        <p:cTn id="27" dur="14">
+                                        <p:cTn id="21" dur="14">
                                           <p:stCondLst>
                                             <p:cond delay="903"/>
                                           </p:stCondLst>
@@ -15774,7 +15622,7 @@
                                     </p:animScale>
                                     <p:animScale>
                                       <p:cBhvr>
-                                        <p:cTn id="28" dur="91" decel="50000">
+                                        <p:cTn id="22" dur="91" decel="50000">
                                           <p:stCondLst>
                                             <p:cond delay="917"/>
                                           </p:stCondLst>
@@ -15787,7 +15635,7 @@
                                     </p:animScale>
                                     <p:animScale>
                                       <p:cBhvr>
-                                        <p:cTn id="29" dur="14">
+                                        <p:cTn id="23" dur="14">
                                           <p:stCondLst>
                                             <p:cond delay="994"/>
                                           </p:stCondLst>
@@ -15800,7 +15648,7 @@
                                     </p:animScale>
                                     <p:animScale>
                                       <p:cBhvr>
-                                        <p:cTn id="30" dur="91" decel="50000">
+                                        <p:cTn id="24" dur="91" decel="50000">
                                           <p:stCondLst>
                                             <p:cond delay="1009"/>
                                           </p:stCondLst>
@@ -16059,7 +15907,7 @@
           <p:nvPr>
             <p:extLst>
               <p:ext uri="{D42A27DB-BD31-4B8C-83A1-F6EECF244321}">
-                <p14:modId xmlns:p14="http://schemas.microsoft.com/office/powerpoint/2010/main" val="129499335"/>
+                <p14:modId xmlns:p14="http://schemas.microsoft.com/office/powerpoint/2010/main" val="4260412006"/>
               </p:ext>
             </p:extLst>
           </p:nvPr>
@@ -16847,7 +16695,7 @@
                         <a:rPr lang="en-US" sz="1500" dirty="0" err="1">
                           <a:effectLst/>
                         </a:rPr>
-                        <a:t>max+_tokens</a:t>
+                        <a:t>max_tokens</a:t>
                       </a:r>
                       <a:endParaRPr lang="en-US" sz="1500" dirty="0">
                         <a:effectLst/>
@@ -17984,6 +17832,515 @@
   <p:clrMapOvr>
     <a:masterClrMapping/>
   </p:clrMapOvr>
+</p:sld>
+</file>
+
+<file path=ppt/slides/slide13.xml><?xml version="1.0" encoding="utf-8"?>
+<p:sld xmlns:a="http://schemas.openxmlformats.org/drawingml/2006/main" xmlns:r="http://schemas.openxmlformats.org/officeDocument/2006/relationships" xmlns:p="http://schemas.openxmlformats.org/presentationml/2006/main">
+  <p:cSld>
+    <p:spTree>
+      <p:nvGrpSpPr>
+        <p:cNvPr id="1" name="">
+          <a:extLst>
+            <a:ext uri="{FF2B5EF4-FFF2-40B4-BE49-F238E27FC236}">
+              <a16:creationId xmlns:a16="http://schemas.microsoft.com/office/drawing/2014/main" id="{6BDBEFA0-035D-2913-6044-F463361D8BE2}"/>
+            </a:ext>
+          </a:extLst>
+        </p:cNvPr>
+        <p:cNvGrpSpPr/>
+        <p:nvPr/>
+      </p:nvGrpSpPr>
+      <p:grpSpPr>
+        <a:xfrm>
+          <a:off x="0" y="0"/>
+          <a:ext cx="0" cy="0"/>
+          <a:chOff x="0" y="0"/>
+          <a:chExt cx="0" cy="0"/>
+        </a:xfrm>
+      </p:grpSpPr>
+      <p:sp>
+        <p:nvSpPr>
+          <p:cNvPr id="2" name="Title 1">
+            <a:extLst>
+              <a:ext uri="{FF2B5EF4-FFF2-40B4-BE49-F238E27FC236}">
+                <a16:creationId xmlns:a16="http://schemas.microsoft.com/office/drawing/2014/main" id="{CE550B74-E7D3-62DE-FEC5-611E07C57F85}"/>
+              </a:ext>
+            </a:extLst>
+          </p:cNvPr>
+          <p:cNvSpPr>
+            <a:spLocks noGrp="1"/>
+          </p:cNvSpPr>
+          <p:nvPr>
+            <p:ph type="title"/>
+          </p:nvPr>
+        </p:nvSpPr>
+        <p:spPr>
+          <a:xfrm>
+            <a:off x="1250623" y="1940350"/>
+            <a:ext cx="9690754" cy="2359843"/>
+          </a:xfrm>
+        </p:spPr>
+        <p:txBody>
+          <a:bodyPr>
+            <a:noAutofit/>
+          </a:bodyPr>
+          <a:lstStyle/>
+          <a:p>
+            <a:pPr algn="ctr"/>
+            <a:r>
+              <a:rPr lang="en-US" sz="5400" b="1" cap="none" dirty="0">
+                <a:solidFill>
+                  <a:srgbClr val="92D050"/>
+                </a:solidFill>
+                <a:latin typeface="+mn-lt"/>
+              </a:rPr>
+              <a:t>Software Development Workflow Case Study</a:t>
+            </a:r>
+          </a:p>
+        </p:txBody>
+      </p:sp>
+      <p:sp>
+        <p:nvSpPr>
+          <p:cNvPr id="3" name="TextBox 2">
+            <a:extLst>
+              <a:ext uri="{FF2B5EF4-FFF2-40B4-BE49-F238E27FC236}">
+                <a16:creationId xmlns:a16="http://schemas.microsoft.com/office/drawing/2014/main" id="{939D5293-8E14-1230-549C-FAFDDB14C203}"/>
+              </a:ext>
+            </a:extLst>
+          </p:cNvPr>
+          <p:cNvSpPr txBox="1"/>
+          <p:nvPr/>
+        </p:nvSpPr>
+        <p:spPr>
+          <a:xfrm>
+            <a:off x="2969443" y="3120272"/>
+            <a:ext cx="2516957" cy="1456267"/>
+          </a:xfrm>
+          <a:prstGeom prst="rect">
+            <a:avLst/>
+          </a:prstGeom>
+          <a:noFill/>
+        </p:spPr>
+        <p:txBody>
+          <a:bodyPr wrap="square" rtlCol="0">
+            <a:spAutoFit/>
+          </a:bodyPr>
+          <a:lstStyle/>
+          <a:p>
+            <a:endParaRPr lang="en-US"/>
+          </a:p>
+        </p:txBody>
+      </p:sp>
+    </p:spTree>
+    <p:extLst>
+      <p:ext uri="{BB962C8B-B14F-4D97-AF65-F5344CB8AC3E}">
+        <p14:creationId xmlns:p14="http://schemas.microsoft.com/office/powerpoint/2010/main" val="149390402"/>
+      </p:ext>
+    </p:extLst>
+  </p:cSld>
+  <p:clrMapOvr>
+    <a:masterClrMapping/>
+  </p:clrMapOvr>
+</p:sld>
+</file>
+
+<file path=ppt/slides/slide14.xml><?xml version="1.0" encoding="utf-8"?>
+<p:sld xmlns:a="http://schemas.openxmlformats.org/drawingml/2006/main" xmlns:r="http://schemas.openxmlformats.org/officeDocument/2006/relationships" xmlns:p="http://schemas.openxmlformats.org/presentationml/2006/main">
+  <p:cSld>
+    <p:spTree>
+      <p:nvGrpSpPr>
+        <p:cNvPr id="1" name=""/>
+        <p:cNvGrpSpPr/>
+        <p:nvPr/>
+      </p:nvGrpSpPr>
+      <p:grpSpPr>
+        <a:xfrm>
+          <a:off x="0" y="0"/>
+          <a:ext cx="0" cy="0"/>
+          <a:chOff x="0" y="0"/>
+          <a:chExt cx="0" cy="0"/>
+        </a:xfrm>
+      </p:grpSpPr>
+      <p:sp>
+        <p:nvSpPr>
+          <p:cNvPr id="2" name="TextBox 1">
+            <a:extLst>
+              <a:ext uri="{FF2B5EF4-FFF2-40B4-BE49-F238E27FC236}">
+                <a16:creationId xmlns:a16="http://schemas.microsoft.com/office/drawing/2014/main" id="{7D335721-B8DE-6689-DE89-7BFCC4FE13F9}"/>
+              </a:ext>
+            </a:extLst>
+          </p:cNvPr>
+          <p:cNvSpPr txBox="1"/>
+          <p:nvPr/>
+        </p:nvSpPr>
+        <p:spPr>
+          <a:xfrm>
+            <a:off x="1260437" y="1832227"/>
+            <a:ext cx="7487322" cy="461665"/>
+          </a:xfrm>
+          <a:prstGeom prst="rect">
+            <a:avLst/>
+          </a:prstGeom>
+          <a:noFill/>
+        </p:spPr>
+        <p:txBody>
+          <a:bodyPr wrap="square" rtlCol="0">
+            <a:spAutoFit/>
+          </a:bodyPr>
+          <a:lstStyle/>
+          <a:p>
+            <a:r>
+              <a:rPr lang="en-US" sz="2400" b="1" dirty="0">
+                <a:solidFill>
+                  <a:srgbClr val="92D050"/>
+                </a:solidFill>
+                <a:hlinkClick r:id="rId2">
+                  <a:extLst>
+                    <a:ext uri="{A12FA001-AC4F-418D-AE19-62706E023703}">
+                      <ahyp:hlinkClr xmlns:ahyp="http://schemas.microsoft.com/office/drawing/2018/hyperlinkcolor" val="tx"/>
+                    </a:ext>
+                  </a:extLst>
+                </a:hlinkClick>
+              </a:rPr>
+              <a:t>My Site: https://www.5thgenfinance.com</a:t>
+            </a:r>
+            <a:endParaRPr lang="en-US" sz="2400" b="1" dirty="0">
+              <a:solidFill>
+                <a:srgbClr val="92D050"/>
+              </a:solidFill>
+            </a:endParaRPr>
+          </a:p>
+        </p:txBody>
+      </p:sp>
+      <p:sp>
+        <p:nvSpPr>
+          <p:cNvPr id="3" name="TextBox 2">
+            <a:extLst>
+              <a:ext uri="{FF2B5EF4-FFF2-40B4-BE49-F238E27FC236}">
+                <a16:creationId xmlns:a16="http://schemas.microsoft.com/office/drawing/2014/main" id="{4B323719-97F1-21A6-1710-F50342F3F1E5}"/>
+              </a:ext>
+            </a:extLst>
+          </p:cNvPr>
+          <p:cNvSpPr txBox="1"/>
+          <p:nvPr/>
+        </p:nvSpPr>
+        <p:spPr>
+          <a:xfrm>
+            <a:off x="1260437" y="1065006"/>
+            <a:ext cx="9671125" cy="461665"/>
+          </a:xfrm>
+          <a:prstGeom prst="rect">
+            <a:avLst/>
+          </a:prstGeom>
+          <a:noFill/>
+        </p:spPr>
+        <p:txBody>
+          <a:bodyPr wrap="square" rtlCol="0">
+            <a:spAutoFit/>
+          </a:bodyPr>
+          <a:lstStyle/>
+          <a:p>
+            <a:r>
+              <a:rPr lang="en-US" sz="2400" b="1" dirty="0">
+                <a:solidFill>
+                  <a:srgbClr val="92D050"/>
+                </a:solidFill>
+              </a:rPr>
+              <a:t>Handouts: https://github.com/5thgenfinance/full-stack-actuarial</a:t>
+            </a:r>
+          </a:p>
+        </p:txBody>
+      </p:sp>
+      <p:sp>
+        <p:nvSpPr>
+          <p:cNvPr id="5" name="TextBox 4">
+            <a:extLst>
+              <a:ext uri="{FF2B5EF4-FFF2-40B4-BE49-F238E27FC236}">
+                <a16:creationId xmlns:a16="http://schemas.microsoft.com/office/drawing/2014/main" id="{14DB0344-DFEF-C1F2-9EF4-4A0D4F88627A}"/>
+              </a:ext>
+            </a:extLst>
+          </p:cNvPr>
+          <p:cNvSpPr txBox="1"/>
+          <p:nvPr/>
+        </p:nvSpPr>
+        <p:spPr>
+          <a:xfrm>
+            <a:off x="1260436" y="2703762"/>
+            <a:ext cx="9464937" cy="461665"/>
+          </a:xfrm>
+          <a:prstGeom prst="rect">
+            <a:avLst/>
+          </a:prstGeom>
+          <a:noFill/>
+        </p:spPr>
+        <p:txBody>
+          <a:bodyPr wrap="square">
+            <a:spAutoFit/>
+          </a:bodyPr>
+          <a:lstStyle/>
+          <a:p>
+            <a:r>
+              <a:rPr lang="en-US" sz="2400" b="1" dirty="0">
+                <a:solidFill>
+                  <a:srgbClr val="92D050"/>
+                </a:solidFill>
+              </a:rPr>
+              <a:t>LinkedIn: https://www.linkedin.com/in/maxwere/</a:t>
+            </a:r>
+          </a:p>
+        </p:txBody>
+      </p:sp>
+      <p:sp>
+        <p:nvSpPr>
+          <p:cNvPr id="7" name="TextBox 6">
+            <a:extLst>
+              <a:ext uri="{FF2B5EF4-FFF2-40B4-BE49-F238E27FC236}">
+                <a16:creationId xmlns:a16="http://schemas.microsoft.com/office/drawing/2014/main" id="{2BAE6C77-A540-5F0B-CCC5-F6890BE02E6F}"/>
+              </a:ext>
+            </a:extLst>
+          </p:cNvPr>
+          <p:cNvSpPr txBox="1"/>
+          <p:nvPr/>
+        </p:nvSpPr>
+        <p:spPr>
+          <a:xfrm>
+            <a:off x="1260437" y="3461741"/>
+            <a:ext cx="6104964" cy="461665"/>
+          </a:xfrm>
+          <a:prstGeom prst="rect">
+            <a:avLst/>
+          </a:prstGeom>
+          <a:noFill/>
+        </p:spPr>
+        <p:txBody>
+          <a:bodyPr wrap="square">
+            <a:spAutoFit/>
+          </a:bodyPr>
+          <a:lstStyle/>
+          <a:p>
+            <a:r>
+              <a:rPr lang="en-US" sz="2400" b="1" dirty="0">
+                <a:solidFill>
+                  <a:srgbClr val="92D050"/>
+                </a:solidFill>
+              </a:rPr>
+              <a:t>X: https://x.com/5thgenfinance</a:t>
+            </a:r>
+          </a:p>
+        </p:txBody>
+      </p:sp>
+      <p:pic>
+        <p:nvPicPr>
+          <p:cNvPr id="8" name="Picture 7" descr="A qr code with a white background&#10;&#10;AI-generated content may be incorrect.">
+            <a:extLst>
+              <a:ext uri="{FF2B5EF4-FFF2-40B4-BE49-F238E27FC236}">
+                <a16:creationId xmlns:a16="http://schemas.microsoft.com/office/drawing/2014/main" id="{EAEFEAFF-2233-75C6-49E9-6F0BF162F019}"/>
+              </a:ext>
+            </a:extLst>
+          </p:cNvPr>
+          <p:cNvPicPr>
+            <a:picLocks noChangeAspect="1"/>
+          </p:cNvPicPr>
+          <p:nvPr/>
+        </p:nvPicPr>
+        <p:blipFill>
+          <a:blip r:embed="rId3">
+            <a:extLst>
+              <a:ext uri="{28A0092B-C50C-407E-A947-70E740481C1C}">
+                <a14:useLocalDpi xmlns:a14="http://schemas.microsoft.com/office/drawing/2010/main" val="0"/>
+              </a:ext>
+            </a:extLst>
+          </a:blip>
+          <a:stretch>
+            <a:fillRect/>
+          </a:stretch>
+        </p:blipFill>
+        <p:spPr>
+          <a:xfrm>
+            <a:off x="10958881" y="5092343"/>
+            <a:ext cx="1072153" cy="1072153"/>
+          </a:xfrm>
+          <a:prstGeom prst="rect">
+            <a:avLst/>
+          </a:prstGeom>
+        </p:spPr>
+      </p:pic>
+      <p:sp>
+        <p:nvSpPr>
+          <p:cNvPr id="10" name="TextBox 9">
+            <a:extLst>
+              <a:ext uri="{FF2B5EF4-FFF2-40B4-BE49-F238E27FC236}">
+                <a16:creationId xmlns:a16="http://schemas.microsoft.com/office/drawing/2014/main" id="{DD6EBF52-ABB6-F3F2-9BB0-3F2FECDA2E5C}"/>
+              </a:ext>
+            </a:extLst>
+          </p:cNvPr>
+          <p:cNvSpPr txBox="1"/>
+          <p:nvPr/>
+        </p:nvSpPr>
+        <p:spPr>
+          <a:xfrm>
+            <a:off x="1260436" y="4219720"/>
+            <a:ext cx="10443883" cy="461665"/>
+          </a:xfrm>
+          <a:prstGeom prst="rect">
+            <a:avLst/>
+          </a:prstGeom>
+          <a:noFill/>
+        </p:spPr>
+        <p:txBody>
+          <a:bodyPr wrap="square">
+            <a:spAutoFit/>
+          </a:bodyPr>
+          <a:lstStyle/>
+          <a:p>
+            <a:r>
+              <a:rPr lang="en-US" sz="2400" b="1" dirty="0">
+                <a:solidFill>
+                  <a:srgbClr val="92D050"/>
+                </a:solidFill>
+              </a:rPr>
+              <a:t>CRVM Calculator: https://5thgenfinance.github.io/dev/crvm-calculator/</a:t>
+            </a:r>
+          </a:p>
+        </p:txBody>
+      </p:sp>
+    </p:spTree>
+    <p:extLst>
+      <p:ext uri="{BB962C8B-B14F-4D97-AF65-F5344CB8AC3E}">
+        <p14:creationId xmlns:p14="http://schemas.microsoft.com/office/powerpoint/2010/main" val="2720176874"/>
+      </p:ext>
+    </p:extLst>
+  </p:cSld>
+  <p:clrMapOvr>
+    <a:masterClrMapping/>
+  </p:clrMapOvr>
+  <p:timing>
+    <p:tnLst>
+      <p:par>
+        <p:cTn id="1" dur="indefinite" restart="never" nodeType="tmRoot">
+          <p:childTnLst>
+            <p:seq concurrent="1" nextAc="seek">
+              <p:cTn id="2" dur="indefinite" nodeType="mainSeq">
+                <p:childTnLst>
+                  <p:par>
+                    <p:cTn id="3" fill="hold">
+                      <p:stCondLst>
+                        <p:cond delay="indefinite"/>
+                        <p:cond evt="onBegin" delay="0">
+                          <p:tn val="2"/>
+                        </p:cond>
+                      </p:stCondLst>
+                      <p:childTnLst>
+                        <p:par>
+                          <p:cTn id="4" fill="hold">
+                            <p:stCondLst>
+                              <p:cond delay="0"/>
+                            </p:stCondLst>
+                            <p:childTnLst>
+                              <p:par>
+                                <p:cTn id="5" presetID="2" presetClass="entr" presetSubtype="4" fill="hold" grpId="0" nodeType="afterEffect">
+                                  <p:stCondLst>
+                                    <p:cond delay="0"/>
+                                  </p:stCondLst>
+                                  <p:childTnLst>
+                                    <p:set>
+                                      <p:cBhvr>
+                                        <p:cTn id="6" dur="1" fill="hold">
+                                          <p:stCondLst>
+                                            <p:cond delay="0"/>
+                                          </p:stCondLst>
+                                        </p:cTn>
+                                        <p:tgtEl>
+                                          <p:spTgt spid="3"/>
+                                        </p:tgtEl>
+                                        <p:attrNameLst>
+                                          <p:attrName>style.visibility</p:attrName>
+                                        </p:attrNameLst>
+                                      </p:cBhvr>
+                                      <p:to>
+                                        <p:strVal val="visible"/>
+                                      </p:to>
+                                    </p:set>
+                                    <p:anim calcmode="lin" valueType="num">
+                                      <p:cBhvr additive="base">
+                                        <p:cTn id="7" dur="500" fill="hold"/>
+                                        <p:tgtEl>
+                                          <p:spTgt spid="3"/>
+                                        </p:tgtEl>
+                                        <p:attrNameLst>
+                                          <p:attrName>ppt_x</p:attrName>
+                                        </p:attrNameLst>
+                                      </p:cBhvr>
+                                      <p:tavLst>
+                                        <p:tav tm="0">
+                                          <p:val>
+                                            <p:strVal val="#ppt_x"/>
+                                          </p:val>
+                                        </p:tav>
+                                        <p:tav tm="100000">
+                                          <p:val>
+                                            <p:strVal val="#ppt_x"/>
+                                          </p:val>
+                                        </p:tav>
+                                      </p:tavLst>
+                                    </p:anim>
+                                    <p:anim calcmode="lin" valueType="num">
+                                      <p:cBhvr additive="base">
+                                        <p:cTn id="8" dur="500" fill="hold"/>
+                                        <p:tgtEl>
+                                          <p:spTgt spid="3"/>
+                                        </p:tgtEl>
+                                        <p:attrNameLst>
+                                          <p:attrName>ppt_y</p:attrName>
+                                        </p:attrNameLst>
+                                      </p:cBhvr>
+                                      <p:tavLst>
+                                        <p:tav tm="0">
+                                          <p:val>
+                                            <p:strVal val="1+#ppt_h/2"/>
+                                          </p:val>
+                                        </p:tav>
+                                        <p:tav tm="100000">
+                                          <p:val>
+                                            <p:strVal val="#ppt_y"/>
+                                          </p:val>
+                                        </p:tav>
+                                      </p:tavLst>
+                                    </p:anim>
+                                  </p:childTnLst>
+                                </p:cTn>
+                              </p:par>
+                            </p:childTnLst>
+                          </p:cTn>
+                        </p:par>
+                      </p:childTnLst>
+                    </p:cTn>
+                  </p:par>
+                </p:childTnLst>
+              </p:cTn>
+              <p:prevCondLst>
+                <p:cond evt="onPrev" delay="0">
+                  <p:tgtEl>
+                    <p:sldTgt/>
+                  </p:tgtEl>
+                </p:cond>
+              </p:prevCondLst>
+              <p:nextCondLst>
+                <p:cond evt="onNext" delay="0">
+                  <p:tgtEl>
+                    <p:sldTgt/>
+                  </p:tgtEl>
+                </p:cond>
+              </p:nextCondLst>
+            </p:seq>
+          </p:childTnLst>
+        </p:cTn>
+      </p:par>
+    </p:tnLst>
+    <p:bldLst>
+      <p:bldP spid="3" grpId="0"/>
+    </p:bldLst>
+  </p:timing>
 </p:sld>
 </file>
 
@@ -19904,6 +20261,81 @@
           </a:p>
         </p:txBody>
       </p:sp>
+      <p:pic>
+        <p:nvPicPr>
+          <p:cNvPr id="9" name="Picture 8" descr="A qr code with a white background&#10;&#10;AI-generated content may be incorrect.">
+            <a:extLst>
+              <a:ext uri="{FF2B5EF4-FFF2-40B4-BE49-F238E27FC236}">
+                <a16:creationId xmlns:a16="http://schemas.microsoft.com/office/drawing/2014/main" id="{89C285F2-1CAE-8443-A949-ACD449054F7E}"/>
+              </a:ext>
+            </a:extLst>
+          </p:cNvPr>
+          <p:cNvPicPr>
+            <a:picLocks noChangeAspect="1"/>
+          </p:cNvPicPr>
+          <p:nvPr/>
+        </p:nvPicPr>
+        <p:blipFill>
+          <a:blip r:embed="rId3">
+            <a:extLst>
+              <a:ext uri="{28A0092B-C50C-407E-A947-70E740481C1C}">
+                <a14:useLocalDpi xmlns:a14="http://schemas.microsoft.com/office/drawing/2010/main" val="0"/>
+              </a:ext>
+            </a:extLst>
+          </a:blip>
+          <a:stretch>
+            <a:fillRect/>
+          </a:stretch>
+        </p:blipFill>
+        <p:spPr>
+          <a:xfrm>
+            <a:off x="9810974" y="4224396"/>
+            <a:ext cx="1802330" cy="1802330"/>
+          </a:xfrm>
+          <a:prstGeom prst="rect">
+            <a:avLst/>
+          </a:prstGeom>
+        </p:spPr>
+      </p:pic>
+      <p:sp>
+        <p:nvSpPr>
+          <p:cNvPr id="10" name="TextBox 9">
+            <a:extLst>
+              <a:ext uri="{FF2B5EF4-FFF2-40B4-BE49-F238E27FC236}">
+                <a16:creationId xmlns:a16="http://schemas.microsoft.com/office/drawing/2014/main" id="{6A932144-A95D-27EF-77D7-A03321EFF907}"/>
+              </a:ext>
+            </a:extLst>
+          </p:cNvPr>
+          <p:cNvSpPr txBox="1"/>
+          <p:nvPr/>
+        </p:nvSpPr>
+        <p:spPr>
+          <a:xfrm>
+            <a:off x="1506071" y="4894728"/>
+            <a:ext cx="7153835" cy="461665"/>
+          </a:xfrm>
+          <a:prstGeom prst="rect">
+            <a:avLst/>
+          </a:prstGeom>
+          <a:noFill/>
+        </p:spPr>
+        <p:txBody>
+          <a:bodyPr wrap="square" rtlCol="0">
+            <a:spAutoFit/>
+          </a:bodyPr>
+          <a:lstStyle/>
+          <a:p>
+            <a:r>
+              <a:rPr lang="en-US" sz="2400" b="1" dirty="0">
+                <a:solidFill>
+                  <a:srgbClr val="92D050"/>
+                </a:solidFill>
+              </a:rPr>
+              <a:t>https://github.com/5thgenfinance/full-stack-actuarial</a:t>
+            </a:r>
+          </a:p>
+        </p:txBody>
+      </p:sp>
     </p:spTree>
     <p:extLst>
       <p:ext uri="{BB962C8B-B14F-4D97-AF65-F5344CB8AC3E}">
@@ -19914,6 +20346,235 @@
   <p:clrMapOvr>
     <a:masterClrMapping/>
   </p:clrMapOvr>
+  <p:timing>
+    <p:tnLst>
+      <p:par>
+        <p:cTn id="1" dur="indefinite" restart="never" nodeType="tmRoot">
+          <p:childTnLst>
+            <p:seq concurrent="1" nextAc="seek">
+              <p:cTn id="2" dur="indefinite" nodeType="mainSeq">
+                <p:childTnLst>
+                  <p:par>
+                    <p:cTn id="3" fill="hold">
+                      <p:stCondLst>
+                        <p:cond delay="indefinite"/>
+                      </p:stCondLst>
+                      <p:childTnLst>
+                        <p:par>
+                          <p:cTn id="4" fill="hold">
+                            <p:stCondLst>
+                              <p:cond delay="0"/>
+                            </p:stCondLst>
+                            <p:childTnLst>
+                              <p:par>
+                                <p:cTn id="5" presetID="42" presetClass="path" presetSubtype="0" accel="50000" decel="50000" fill="hold" grpId="0" nodeType="clickEffect">
+                                  <p:stCondLst>
+                                    <p:cond delay="0"/>
+                                  </p:stCondLst>
+                                  <p:childTnLst>
+                                    <p:animMotion origin="layout" path="M 4.16667E-6 -2.59259E-6 L -0.00066 -0.1081 " pathEditMode="relative" rAng="0" ptsTypes="AA">
+                                      <p:cBhvr>
+                                        <p:cTn id="6" dur="1200" fill="hold"/>
+                                        <p:tgtEl>
+                                          <p:spTgt spid="2"/>
+                                        </p:tgtEl>
+                                        <p:attrNameLst>
+                                          <p:attrName>ppt_x</p:attrName>
+                                          <p:attrName>ppt_y</p:attrName>
+                                        </p:attrNameLst>
+                                      </p:cBhvr>
+                                      <p:rCtr x="-39" y="-5417"/>
+                                    </p:animMotion>
+                                  </p:childTnLst>
+                                </p:cTn>
+                              </p:par>
+                            </p:childTnLst>
+                          </p:cTn>
+                        </p:par>
+                        <p:par>
+                          <p:cTn id="7" fill="hold">
+                            <p:stCondLst>
+                              <p:cond delay="1200"/>
+                            </p:stCondLst>
+                            <p:childTnLst>
+                              <p:par>
+                                <p:cTn id="8" presetID="2" presetClass="entr" presetSubtype="4" fill="hold" grpId="0" nodeType="afterEffect">
+                                  <p:stCondLst>
+                                    <p:cond delay="0"/>
+                                  </p:stCondLst>
+                                  <p:childTnLst>
+                                    <p:set>
+                                      <p:cBhvr>
+                                        <p:cTn id="9" dur="1" fill="hold">
+                                          <p:stCondLst>
+                                            <p:cond delay="0"/>
+                                          </p:stCondLst>
+                                        </p:cTn>
+                                        <p:tgtEl>
+                                          <p:spTgt spid="10"/>
+                                        </p:tgtEl>
+                                        <p:attrNameLst>
+                                          <p:attrName>style.visibility</p:attrName>
+                                        </p:attrNameLst>
+                                      </p:cBhvr>
+                                      <p:to>
+                                        <p:strVal val="visible"/>
+                                      </p:to>
+                                    </p:set>
+                                    <p:anim calcmode="lin" valueType="num">
+                                      <p:cBhvr additive="base">
+                                        <p:cTn id="10" dur="500" fill="hold"/>
+                                        <p:tgtEl>
+                                          <p:spTgt spid="10"/>
+                                        </p:tgtEl>
+                                        <p:attrNameLst>
+                                          <p:attrName>ppt_x</p:attrName>
+                                        </p:attrNameLst>
+                                      </p:cBhvr>
+                                      <p:tavLst>
+                                        <p:tav tm="0">
+                                          <p:val>
+                                            <p:strVal val="#ppt_x"/>
+                                          </p:val>
+                                        </p:tav>
+                                        <p:tav tm="100000">
+                                          <p:val>
+                                            <p:strVal val="#ppt_x"/>
+                                          </p:val>
+                                        </p:tav>
+                                      </p:tavLst>
+                                    </p:anim>
+                                    <p:anim calcmode="lin" valueType="num">
+                                      <p:cBhvr additive="base">
+                                        <p:cTn id="11" dur="500" fill="hold"/>
+                                        <p:tgtEl>
+                                          <p:spTgt spid="10"/>
+                                        </p:tgtEl>
+                                        <p:attrNameLst>
+                                          <p:attrName>ppt_y</p:attrName>
+                                        </p:attrNameLst>
+                                      </p:cBhvr>
+                                      <p:tavLst>
+                                        <p:tav tm="0">
+                                          <p:val>
+                                            <p:strVal val="1+#ppt_h/2"/>
+                                          </p:val>
+                                        </p:tav>
+                                        <p:tav tm="100000">
+                                          <p:val>
+                                            <p:strVal val="#ppt_y"/>
+                                          </p:val>
+                                        </p:tav>
+                                      </p:tavLst>
+                                    </p:anim>
+                                  </p:childTnLst>
+                                </p:cTn>
+                              </p:par>
+                              <p:par>
+                                <p:cTn id="12" presetID="2" presetClass="entr" presetSubtype="4" fill="hold" nodeType="withEffect">
+                                  <p:stCondLst>
+                                    <p:cond delay="0"/>
+                                  </p:stCondLst>
+                                  <p:childTnLst>
+                                    <p:set>
+                                      <p:cBhvr>
+                                        <p:cTn id="13" dur="1" fill="hold">
+                                          <p:stCondLst>
+                                            <p:cond delay="0"/>
+                                          </p:stCondLst>
+                                        </p:cTn>
+                                        <p:tgtEl>
+                                          <p:spTgt spid="9"/>
+                                        </p:tgtEl>
+                                        <p:attrNameLst>
+                                          <p:attrName>style.visibility</p:attrName>
+                                        </p:attrNameLst>
+                                      </p:cBhvr>
+                                      <p:to>
+                                        <p:strVal val="visible"/>
+                                      </p:to>
+                                    </p:set>
+                                    <p:anim calcmode="lin" valueType="num">
+                                      <p:cBhvr additive="base">
+                                        <p:cTn id="14" dur="500" fill="hold"/>
+                                        <p:tgtEl>
+                                          <p:spTgt spid="9"/>
+                                        </p:tgtEl>
+                                        <p:attrNameLst>
+                                          <p:attrName>ppt_x</p:attrName>
+                                        </p:attrNameLst>
+                                      </p:cBhvr>
+                                      <p:tavLst>
+                                        <p:tav tm="0">
+                                          <p:val>
+                                            <p:strVal val="#ppt_x"/>
+                                          </p:val>
+                                        </p:tav>
+                                        <p:tav tm="100000">
+                                          <p:val>
+                                            <p:strVal val="#ppt_x"/>
+                                          </p:val>
+                                        </p:tav>
+                                      </p:tavLst>
+                                    </p:anim>
+                                    <p:anim calcmode="lin" valueType="num">
+                                      <p:cBhvr additive="base">
+                                        <p:cTn id="15" dur="500" fill="hold"/>
+                                        <p:tgtEl>
+                                          <p:spTgt spid="9"/>
+                                        </p:tgtEl>
+                                        <p:attrNameLst>
+                                          <p:attrName>ppt_y</p:attrName>
+                                        </p:attrNameLst>
+                                      </p:cBhvr>
+                                      <p:tavLst>
+                                        <p:tav tm="0">
+                                          <p:val>
+                                            <p:strVal val="1+#ppt_h/2"/>
+                                          </p:val>
+                                        </p:tav>
+                                        <p:tav tm="100000">
+                                          <p:val>
+                                            <p:strVal val="#ppt_y"/>
+                                          </p:val>
+                                        </p:tav>
+                                      </p:tavLst>
+                                    </p:anim>
+                                  </p:childTnLst>
+                                </p:cTn>
+                              </p:par>
+                            </p:childTnLst>
+                          </p:cTn>
+                        </p:par>
+                      </p:childTnLst>
+                    </p:cTn>
+                  </p:par>
+                </p:childTnLst>
+              </p:cTn>
+              <p:prevCondLst>
+                <p:cond evt="onPrev" delay="0">
+                  <p:tgtEl>
+                    <p:sldTgt/>
+                  </p:tgtEl>
+                </p:cond>
+              </p:prevCondLst>
+              <p:nextCondLst>
+                <p:cond evt="onNext" delay="0">
+                  <p:tgtEl>
+                    <p:sldTgt/>
+                  </p:tgtEl>
+                </p:cond>
+              </p:nextCondLst>
+            </p:seq>
+          </p:childTnLst>
+        </p:cTn>
+      </p:par>
+    </p:tnLst>
+    <p:bldLst>
+      <p:bldP spid="2" grpId="0"/>
+      <p:bldP spid="10" grpId="0"/>
+    </p:bldLst>
+  </p:timing>
 </p:sld>
 </file>
 
@@ -20420,6 +21081,42 @@
           </a:p>
         </p:txBody>
       </p:sp>
+      <p:pic>
+        <p:nvPicPr>
+          <p:cNvPr id="8" name="Picture 7" descr="A qr code with a white background&#10;&#10;AI-generated content may be incorrect.">
+            <a:extLst>
+              <a:ext uri="{FF2B5EF4-FFF2-40B4-BE49-F238E27FC236}">
+                <a16:creationId xmlns:a16="http://schemas.microsoft.com/office/drawing/2014/main" id="{67DD9007-A648-2C85-AB77-F33237AF7B90}"/>
+              </a:ext>
+            </a:extLst>
+          </p:cNvPr>
+          <p:cNvPicPr>
+            <a:picLocks noChangeAspect="1"/>
+          </p:cNvPicPr>
+          <p:nvPr/>
+        </p:nvPicPr>
+        <p:blipFill>
+          <a:blip r:embed="rId3">
+            <a:extLst>
+              <a:ext uri="{28A0092B-C50C-407E-A947-70E740481C1C}">
+                <a14:useLocalDpi xmlns:a14="http://schemas.microsoft.com/office/drawing/2010/main" val="0"/>
+              </a:ext>
+            </a:extLst>
+          </a:blip>
+          <a:stretch>
+            <a:fillRect/>
+          </a:stretch>
+        </p:blipFill>
+        <p:spPr>
+          <a:xfrm>
+            <a:off x="10894335" y="5005391"/>
+            <a:ext cx="1072153" cy="1072153"/>
+          </a:xfrm>
+          <a:prstGeom prst="rect">
+            <a:avLst/>
+          </a:prstGeom>
+        </p:spPr>
+      </p:pic>
     </p:spTree>
     <p:extLst>
       <p:ext uri="{BB962C8B-B14F-4D97-AF65-F5344CB8AC3E}">
@@ -20529,6 +21226,42 @@
           </a:p>
         </p:txBody>
       </p:sp>
+      <p:pic>
+        <p:nvPicPr>
+          <p:cNvPr id="4" name="Picture 3" descr="A qr code with a white background&#10;&#10;AI-generated content may be incorrect.">
+            <a:extLst>
+              <a:ext uri="{FF2B5EF4-FFF2-40B4-BE49-F238E27FC236}">
+                <a16:creationId xmlns:a16="http://schemas.microsoft.com/office/drawing/2014/main" id="{0F5D2A12-98CC-3F0C-6FA8-88250EC45B0D}"/>
+              </a:ext>
+            </a:extLst>
+          </p:cNvPr>
+          <p:cNvPicPr>
+            <a:picLocks noChangeAspect="1"/>
+          </p:cNvPicPr>
+          <p:nvPr/>
+        </p:nvPicPr>
+        <p:blipFill>
+          <a:blip r:embed="rId3">
+            <a:extLst>
+              <a:ext uri="{28A0092B-C50C-407E-A947-70E740481C1C}">
+                <a14:useLocalDpi xmlns:a14="http://schemas.microsoft.com/office/drawing/2010/main" val="0"/>
+              </a:ext>
+            </a:extLst>
+          </a:blip>
+          <a:stretch>
+            <a:fillRect/>
+          </a:stretch>
+        </p:blipFill>
+        <p:spPr>
+          <a:xfrm>
+            <a:off x="10941377" y="4920221"/>
+            <a:ext cx="1072153" cy="1072153"/>
+          </a:xfrm>
+          <a:prstGeom prst="rect">
+            <a:avLst/>
+          </a:prstGeom>
+        </p:spPr>
+      </p:pic>
     </p:spTree>
     <p:extLst>
       <p:ext uri="{BB962C8B-B14F-4D97-AF65-F5344CB8AC3E}">
@@ -21473,6 +22206,42 @@
           </a:p>
         </p:txBody>
       </p:sp>
+      <p:pic>
+        <p:nvPicPr>
+          <p:cNvPr id="2" name="Picture 1" descr="A qr code with a white background&#10;&#10;AI-generated content may be incorrect.">
+            <a:extLst>
+              <a:ext uri="{FF2B5EF4-FFF2-40B4-BE49-F238E27FC236}">
+                <a16:creationId xmlns:a16="http://schemas.microsoft.com/office/drawing/2014/main" id="{95271AD1-B38C-463D-65F7-E3283B9933CA}"/>
+              </a:ext>
+            </a:extLst>
+          </p:cNvPr>
+          <p:cNvPicPr>
+            <a:picLocks noChangeAspect="1"/>
+          </p:cNvPicPr>
+          <p:nvPr/>
+        </p:nvPicPr>
+        <p:blipFill>
+          <a:blip r:embed="rId3">
+            <a:extLst>
+              <a:ext uri="{28A0092B-C50C-407E-A947-70E740481C1C}">
+                <a14:useLocalDpi xmlns:a14="http://schemas.microsoft.com/office/drawing/2010/main" val="0"/>
+              </a:ext>
+            </a:extLst>
+          </a:blip>
+          <a:stretch>
+            <a:fillRect/>
+          </a:stretch>
+        </p:blipFill>
+        <p:spPr>
+          <a:xfrm>
+            <a:off x="10958881" y="5092343"/>
+            <a:ext cx="1072153" cy="1072153"/>
+          </a:xfrm>
+          <a:prstGeom prst="rect">
+            <a:avLst/>
+          </a:prstGeom>
+        </p:spPr>
+      </p:pic>
     </p:spTree>
     <p:extLst>
       <p:ext uri="{BB962C8B-B14F-4D97-AF65-F5344CB8AC3E}">

--- a/Actuarial Generative Context Engineering Made Simple.pptx
+++ b/Actuarial Generative Context Engineering Made Simple.pptx
@@ -3402,7 +3402,7 @@
           <a:p>
             <a:fld id="{D5D434F4-C773-4974-B845-79544B7DA9C3}" type="datetimeFigureOut">
               <a:rPr lang="en-US" smtClean="0"/>
-              <a:t>12/5/2025</a:t>
+              <a:t>12/6/2025</a:t>
             </a:fld>
             <a:endParaRPr lang="en-US"/>
           </a:p>
@@ -4973,7 +4973,7 @@
           <a:p>
             <a:fld id="{D6BE4793-EB6E-4246-9E7B-350CE75312EA}" type="datetimeFigureOut">
               <a:rPr lang="en-US" smtClean="0"/>
-              <a:t>12/5/2025</a:t>
+              <a:t>12/6/2025</a:t>
             </a:fld>
             <a:endParaRPr lang="en-US"/>
           </a:p>
@@ -5327,7 +5327,7 @@
           <a:p>
             <a:fld id="{D6BE4793-EB6E-4246-9E7B-350CE75312EA}" type="datetimeFigureOut">
               <a:rPr lang="en-US" smtClean="0"/>
-              <a:t>12/5/2025</a:t>
+              <a:t>12/6/2025</a:t>
             </a:fld>
             <a:endParaRPr lang="en-US"/>
           </a:p>
@@ -5635,7 +5635,7 @@
           <a:p>
             <a:fld id="{D6BE4793-EB6E-4246-9E7B-350CE75312EA}" type="datetimeFigureOut">
               <a:rPr lang="en-US" smtClean="0"/>
-              <a:t>12/5/2025</a:t>
+              <a:t>12/6/2025</a:t>
             </a:fld>
             <a:endParaRPr lang="en-US"/>
           </a:p>
@@ -6236,7 +6236,7 @@
           <a:p>
             <a:fld id="{D6BE4793-EB6E-4246-9E7B-350CE75312EA}" type="datetimeFigureOut">
               <a:rPr lang="en-US" smtClean="0"/>
-              <a:t>12/5/2025</a:t>
+              <a:t>12/6/2025</a:t>
             </a:fld>
             <a:endParaRPr lang="en-US"/>
           </a:p>
@@ -6544,7 +6544,7 @@
           <a:p>
             <a:fld id="{D6BE4793-EB6E-4246-9E7B-350CE75312EA}" type="datetimeFigureOut">
               <a:rPr lang="en-US" smtClean="0"/>
-              <a:t>12/5/2025</a:t>
+              <a:t>12/6/2025</a:t>
             </a:fld>
             <a:endParaRPr lang="en-US"/>
           </a:p>
@@ -7139,7 +7139,7 @@
           <a:p>
             <a:fld id="{D6BE4793-EB6E-4246-9E7B-350CE75312EA}" type="datetimeFigureOut">
               <a:rPr lang="en-US" smtClean="0"/>
-              <a:t>12/5/2025</a:t>
+              <a:t>12/6/2025</a:t>
             </a:fld>
             <a:endParaRPr lang="en-US"/>
           </a:p>
@@ -7499,7 +7499,7 @@
           <a:p>
             <a:fld id="{D6BE4793-EB6E-4246-9E7B-350CE75312EA}" type="datetimeFigureOut">
               <a:rPr lang="en-US" smtClean="0"/>
-              <a:t>12/5/2025</a:t>
+              <a:t>12/6/2025</a:t>
             </a:fld>
             <a:endParaRPr lang="en-US"/>
           </a:p>
@@ -7708,7 +7708,7 @@
           <a:p>
             <a:fld id="{D6BE4793-EB6E-4246-9E7B-350CE75312EA}" type="datetimeFigureOut">
               <a:rPr lang="en-US" smtClean="0"/>
-              <a:t>12/5/2025</a:t>
+              <a:t>12/6/2025</a:t>
             </a:fld>
             <a:endParaRPr lang="en-US"/>
           </a:p>
@@ -7979,7 +7979,7 @@
           <a:p>
             <a:fld id="{D6BE4793-EB6E-4246-9E7B-350CE75312EA}" type="datetimeFigureOut">
               <a:rPr lang="en-US" smtClean="0"/>
-              <a:t>12/5/2025</a:t>
+              <a:t>12/6/2025</a:t>
             </a:fld>
             <a:endParaRPr lang="en-US"/>
           </a:p>
@@ -8203,7 +8203,7 @@
           <a:p>
             <a:fld id="{5576DD97-36ED-4148-BB6C-15581984C544}" type="datetimeFigureOut">
               <a:rPr lang="en-US" smtClean="0"/>
-              <a:t>12/5/2025</a:t>
+              <a:t>12/6/2025</a:t>
             </a:fld>
             <a:endParaRPr lang="en-US"/>
           </a:p>
@@ -8517,7 +8517,7 @@
           <a:p>
             <a:fld id="{D6BE4793-EB6E-4246-9E7B-350CE75312EA}" type="datetimeFigureOut">
               <a:rPr lang="en-US" smtClean="0"/>
-              <a:t>12/5/2025</a:t>
+              <a:t>12/6/2025</a:t>
             </a:fld>
             <a:endParaRPr lang="en-US"/>
           </a:p>
@@ -8719,7 +8719,7 @@
           <a:p>
             <a:fld id="{5576DD97-36ED-4148-BB6C-15581984C544}" type="datetimeFigureOut">
               <a:rPr lang="en-US" smtClean="0"/>
-              <a:t>12/5/2025</a:t>
+              <a:t>12/6/2025</a:t>
             </a:fld>
             <a:endParaRPr lang="en-US"/>
           </a:p>
@@ -8994,7 +8994,7 @@
           <a:p>
             <a:fld id="{5576DD97-36ED-4148-BB6C-15581984C544}" type="datetimeFigureOut">
               <a:rPr lang="en-US" smtClean="0"/>
-              <a:t>12/5/2025</a:t>
+              <a:t>12/6/2025</a:t>
             </a:fld>
             <a:endParaRPr lang="en-US"/>
           </a:p>
@@ -9259,7 +9259,7 @@
           <a:p>
             <a:fld id="{5576DD97-36ED-4148-BB6C-15581984C544}" type="datetimeFigureOut">
               <a:rPr lang="en-US" smtClean="0"/>
-              <a:t>12/5/2025</a:t>
+              <a:t>12/6/2025</a:t>
             </a:fld>
             <a:endParaRPr lang="en-US"/>
           </a:p>
@@ -9671,7 +9671,7 @@
           <a:p>
             <a:fld id="{5576DD97-36ED-4148-BB6C-15581984C544}" type="datetimeFigureOut">
               <a:rPr lang="en-US" smtClean="0"/>
-              <a:t>12/5/2025</a:t>
+              <a:t>12/6/2025</a:t>
             </a:fld>
             <a:endParaRPr lang="en-US"/>
           </a:p>
@@ -9812,7 +9812,7 @@
           <a:p>
             <a:fld id="{5576DD97-36ED-4148-BB6C-15581984C544}" type="datetimeFigureOut">
               <a:rPr lang="en-US" smtClean="0"/>
-              <a:t>12/5/2025</a:t>
+              <a:t>12/6/2025</a:t>
             </a:fld>
             <a:endParaRPr lang="en-US"/>
           </a:p>
@@ -9925,7 +9925,7 @@
           <a:p>
             <a:fld id="{5576DD97-36ED-4148-BB6C-15581984C544}" type="datetimeFigureOut">
               <a:rPr lang="en-US" smtClean="0"/>
-              <a:t>12/5/2025</a:t>
+              <a:t>12/6/2025</a:t>
             </a:fld>
             <a:endParaRPr lang="en-US"/>
           </a:p>
@@ -10236,7 +10236,7 @@
           <a:p>
             <a:fld id="{5576DD97-36ED-4148-BB6C-15581984C544}" type="datetimeFigureOut">
               <a:rPr lang="en-US" smtClean="0"/>
-              <a:t>12/5/2025</a:t>
+              <a:t>12/6/2025</a:t>
             </a:fld>
             <a:endParaRPr lang="en-US"/>
           </a:p>
@@ -10524,7 +10524,7 @@
           <a:p>
             <a:fld id="{5576DD97-36ED-4148-BB6C-15581984C544}" type="datetimeFigureOut">
               <a:rPr lang="en-US" smtClean="0"/>
-              <a:t>12/5/2025</a:t>
+              <a:t>12/6/2025</a:t>
             </a:fld>
             <a:endParaRPr lang="en-US"/>
           </a:p>
@@ -10722,7 +10722,7 @@
           <a:p>
             <a:fld id="{5576DD97-36ED-4148-BB6C-15581984C544}" type="datetimeFigureOut">
               <a:rPr lang="en-US" smtClean="0"/>
-              <a:t>12/5/2025</a:t>
+              <a:t>12/6/2025</a:t>
             </a:fld>
             <a:endParaRPr lang="en-US"/>
           </a:p>
@@ -10930,7 +10930,7 @@
           <a:p>
             <a:fld id="{5576DD97-36ED-4148-BB6C-15581984C544}" type="datetimeFigureOut">
               <a:rPr lang="en-US" smtClean="0"/>
-              <a:t>12/5/2025</a:t>
+              <a:t>12/6/2025</a:t>
             </a:fld>
             <a:endParaRPr lang="en-US"/>
           </a:p>
@@ -11166,7 +11166,7 @@
           <a:p>
             <a:fld id="{D6BE4793-EB6E-4246-9E7B-350CE75312EA}" type="datetimeFigureOut">
               <a:rPr lang="en-US" smtClean="0"/>
-              <a:t>12/5/2025</a:t>
+              <a:t>12/6/2025</a:t>
             </a:fld>
             <a:endParaRPr lang="en-US"/>
           </a:p>
@@ -11472,7 +11472,7 @@
           <a:p>
             <a:fld id="{D6BE4793-EB6E-4246-9E7B-350CE75312EA}" type="datetimeFigureOut">
               <a:rPr lang="en-US" smtClean="0"/>
-              <a:t>12/5/2025</a:t>
+              <a:t>12/6/2025</a:t>
             </a:fld>
             <a:endParaRPr lang="en-US"/>
           </a:p>
@@ -11776,7 +11776,7 @@
           <a:p>
             <a:fld id="{D6BE4793-EB6E-4246-9E7B-350CE75312EA}" type="datetimeFigureOut">
               <a:rPr lang="en-US" smtClean="0"/>
-              <a:t>12/5/2025</a:t>
+              <a:t>12/6/2025</a:t>
             </a:fld>
             <a:endParaRPr lang="en-US"/>
           </a:p>
@@ -12194,7 +12194,7 @@
           <a:p>
             <a:fld id="{D6BE4793-EB6E-4246-9E7B-350CE75312EA}" type="datetimeFigureOut">
               <a:rPr lang="en-US" smtClean="0"/>
-              <a:t>12/5/2025</a:t>
+              <a:t>12/6/2025</a:t>
             </a:fld>
             <a:endParaRPr lang="en-US"/>
           </a:p>
@@ -12374,7 +12374,7 @@
           <a:p>
             <a:fld id="{D6BE4793-EB6E-4246-9E7B-350CE75312EA}" type="datetimeFigureOut">
               <a:rPr lang="en-US" smtClean="0"/>
-              <a:t>12/5/2025</a:t>
+              <a:t>12/6/2025</a:t>
             </a:fld>
             <a:endParaRPr lang="en-US"/>
           </a:p>
@@ -12623,7 +12623,7 @@
           <a:p>
             <a:fld id="{D6BE4793-EB6E-4246-9E7B-350CE75312EA}" type="datetimeFigureOut">
               <a:rPr lang="en-US" smtClean="0"/>
-              <a:t>12/5/2025</a:t>
+              <a:t>12/6/2025</a:t>
             </a:fld>
             <a:endParaRPr lang="en-US"/>
           </a:p>
@@ -13041,7 +13041,7 @@
           <a:p>
             <a:fld id="{D6BE4793-EB6E-4246-9E7B-350CE75312EA}" type="datetimeFigureOut">
               <a:rPr lang="en-US" smtClean="0"/>
-              <a:t>12/5/2025</a:t>
+              <a:t>12/6/2025</a:t>
             </a:fld>
             <a:endParaRPr lang="en-US"/>
           </a:p>
@@ -14773,7 +14773,7 @@
           <a:p>
             <a:fld id="{5576DD97-36ED-4148-BB6C-15581984C544}" type="datetimeFigureOut">
               <a:rPr lang="en-US" smtClean="0"/>
-              <a:t>12/5/2025</a:t>
+              <a:t>12/6/2025</a:t>
             </a:fld>
             <a:endParaRPr lang="en-US"/>
           </a:p>
@@ -17975,7 +17975,7 @@
         </p:nvSpPr>
         <p:spPr>
           <a:xfrm>
-            <a:off x="1260437" y="1832227"/>
+            <a:off x="1260434" y="1290325"/>
             <a:ext cx="7487322" cy="461665"/>
           </a:xfrm>
           <a:prstGeom prst="rect">
@@ -18026,7 +18026,7 @@
         </p:nvSpPr>
         <p:spPr>
           <a:xfrm>
-            <a:off x="1260437" y="1065006"/>
+            <a:off x="1260437" y="610829"/>
             <a:ext cx="9671125" cy="461665"/>
           </a:xfrm>
           <a:prstGeom prst="rect">
@@ -18065,7 +18065,7 @@
         </p:nvSpPr>
         <p:spPr>
           <a:xfrm>
-            <a:off x="1260436" y="2703762"/>
+            <a:off x="1260434" y="2034082"/>
             <a:ext cx="9464937" cy="461665"/>
           </a:xfrm>
           <a:prstGeom prst="rect">
@@ -18104,7 +18104,7 @@
         </p:nvSpPr>
         <p:spPr>
           <a:xfrm>
-            <a:off x="1260437" y="3461741"/>
+            <a:off x="1260434" y="3393074"/>
             <a:ext cx="6104964" cy="461665"/>
           </a:xfrm>
           <a:prstGeom prst="rect">
@@ -18179,7 +18179,7 @@
         </p:nvSpPr>
         <p:spPr>
           <a:xfrm>
-            <a:off x="1260436" y="4219720"/>
+            <a:off x="1260435" y="4131421"/>
             <a:ext cx="10443883" cy="461665"/>
           </a:xfrm>
           <a:prstGeom prst="rect">
@@ -18200,6 +18200,84 @@
                 </a:solidFill>
               </a:rPr>
               <a:t>CRVM Calculator: https://5thgenfinance.github.io/dev/crvm-calculator/</a:t>
+            </a:r>
+          </a:p>
+        </p:txBody>
+      </p:sp>
+      <p:sp>
+        <p:nvSpPr>
+          <p:cNvPr id="4" name="TextBox 3">
+            <a:extLst>
+              <a:ext uri="{FF2B5EF4-FFF2-40B4-BE49-F238E27FC236}">
+                <a16:creationId xmlns:a16="http://schemas.microsoft.com/office/drawing/2014/main" id="{0D494312-3E80-6694-02D8-32EA7C3E1F1C}"/>
+              </a:ext>
+            </a:extLst>
+          </p:cNvPr>
+          <p:cNvSpPr txBox="1"/>
+          <p:nvPr/>
+        </p:nvSpPr>
+        <p:spPr>
+          <a:xfrm>
+            <a:off x="1260435" y="4869768"/>
+            <a:ext cx="10443883" cy="461665"/>
+          </a:xfrm>
+          <a:prstGeom prst="rect">
+            <a:avLst/>
+          </a:prstGeom>
+          <a:noFill/>
+        </p:spPr>
+        <p:txBody>
+          <a:bodyPr wrap="square">
+            <a:spAutoFit/>
+          </a:bodyPr>
+          <a:lstStyle/>
+          <a:p>
+            <a:r>
+              <a:rPr lang="en-US" sz="2400" b="1" dirty="0">
+                <a:solidFill>
+                  <a:srgbClr val="92D050"/>
+                </a:solidFill>
+              </a:rPr>
+              <a:t>Email: Robert.Maxwell@5thgenfinance.com</a:t>
+            </a:r>
+          </a:p>
+        </p:txBody>
+      </p:sp>
+      <p:sp>
+        <p:nvSpPr>
+          <p:cNvPr id="6" name="TextBox 5">
+            <a:extLst>
+              <a:ext uri="{FF2B5EF4-FFF2-40B4-BE49-F238E27FC236}">
+                <a16:creationId xmlns:a16="http://schemas.microsoft.com/office/drawing/2014/main" id="{B3DA4013-2FF1-7952-62D3-AD1DAE191C1E}"/>
+              </a:ext>
+            </a:extLst>
+          </p:cNvPr>
+          <p:cNvSpPr txBox="1"/>
+          <p:nvPr/>
+        </p:nvSpPr>
+        <p:spPr>
+          <a:xfrm>
+            <a:off x="1260434" y="2713578"/>
+            <a:ext cx="9464937" cy="461665"/>
+          </a:xfrm>
+          <a:prstGeom prst="rect">
+            <a:avLst/>
+          </a:prstGeom>
+          <a:noFill/>
+        </p:spPr>
+        <p:txBody>
+          <a:bodyPr wrap="square">
+            <a:spAutoFit/>
+          </a:bodyPr>
+          <a:lstStyle/>
+          <a:p>
+            <a:r>
+              <a:rPr lang="en-US" sz="2400" b="1" dirty="0">
+                <a:solidFill>
+                  <a:srgbClr val="92D050"/>
+                </a:solidFill>
+              </a:rPr>
+              <a:t>Demos on Agent Building: https://www.youtube.com/@5thgenfinance</a:t>
             </a:r>
           </a:p>
         </p:txBody>
